--- a/Naive Bayes.pptx
+++ b/Naive Bayes.pptx
@@ -5,7 +5,7 @@
     <p:sldMasterId id="2147483660" r:id="rId1"/>
   </p:sldMasterIdLst>
   <p:notesMasterIdLst>
-    <p:notesMasterId r:id="rId16"/>
+    <p:notesMasterId r:id="rId22"/>
   </p:notesMasterIdLst>
   <p:sldIdLst>
     <p:sldId id="257" r:id="rId2"/>
@@ -18,10 +18,16 @@
     <p:sldId id="297" r:id="rId9"/>
     <p:sldId id="299" r:id="rId10"/>
     <p:sldId id="300" r:id="rId11"/>
-    <p:sldId id="277" r:id="rId12"/>
-    <p:sldId id="278" r:id="rId13"/>
-    <p:sldId id="273" r:id="rId14"/>
-    <p:sldId id="274" r:id="rId15"/>
+    <p:sldId id="301" r:id="rId12"/>
+    <p:sldId id="302" r:id="rId13"/>
+    <p:sldId id="303" r:id="rId14"/>
+    <p:sldId id="304" r:id="rId15"/>
+    <p:sldId id="305" r:id="rId16"/>
+    <p:sldId id="306" r:id="rId17"/>
+    <p:sldId id="277" r:id="rId18"/>
+    <p:sldId id="278" r:id="rId19"/>
+    <p:sldId id="273" r:id="rId20"/>
+    <p:sldId id="274" r:id="rId21"/>
   </p:sldIdLst>
   <p:sldSz cx="9144000" cy="6858000" type="screen4x3"/>
   <p:notesSz cx="6858000" cy="9144000"/>
@@ -542,7 +548,7 @@
           <a:p>
             <a:fld id="{4FA3FA8C-ED4C-A04D-8D7D-C21D3203F08B}" type="slidenum">
               <a:rPr lang="en-US" smtClean="0"/>
-              <a:t>12</a:t>
+              <a:t>18</a:t>
             </a:fld>
             <a:endParaRPr lang="en-US"/>
           </a:p>
@@ -3605,7 +3611,7 @@
           <p:cNvPr id="4" name="Footer Placeholder 3">
             <a:extLst>
               <a:ext uri="{FF2B5EF4-FFF2-40B4-BE49-F238E27FC236}">
-                <a16:creationId xmlns:a16="http://schemas.microsoft.com/office/drawing/2014/main" xmlns="" id="{E7E37151-A86D-244A-B56B-7FDC3C7E47D4}"/>
+                <a16:creationId xmlns="" xmlns:a16="http://schemas.microsoft.com/office/drawing/2014/main" id="{E7E37151-A86D-244A-B56B-7FDC3C7E47D4}"/>
               </a:ext>
             </a:extLst>
           </p:cNvPr>
@@ -3984,11 +3990,11 @@
           <a:lstStyle/>
           <a:p>
             <a:r>
-              <a:rPr lang="en-US" b="1"/>
+              <a:rPr lang="en-US" b="1" dirty="0"/>
               <a:t>CLASSIFICATION </a:t>
             </a:r>
             <a:r>
-              <a:rPr lang="en-US" b="1" smtClean="0"/>
+              <a:rPr lang="en-US" b="1" dirty="0" smtClean="0"/>
               <a:t>– NAIVE BAYES</a:t>
             </a:r>
             <a:endParaRPr lang="en-US" b="1" dirty="0"/>
@@ -4057,7 +4063,7 @@
           <p:cNvPr id="4" name="Footer Placeholder 3">
             <a:extLst>
               <a:ext uri="{FF2B5EF4-FFF2-40B4-BE49-F238E27FC236}">
-                <a16:creationId xmlns:a16="http://schemas.microsoft.com/office/drawing/2014/main" xmlns="" id="{647F417E-7B9D-CC46-A06C-DC1D8ABEFDB3}"/>
+                <a16:creationId xmlns="" xmlns:a16="http://schemas.microsoft.com/office/drawing/2014/main" id="{647F417E-7B9D-CC46-A06C-DC1D8ABEFDB3}"/>
               </a:ext>
             </a:extLst>
           </p:cNvPr>
@@ -4130,28 +4136,9 @@
           <a:lstStyle/>
           <a:p>
             <a:r>
-              <a:rPr lang="en-US"/>
+              <a:rPr lang="en-US" dirty="0"/>
               <a:t>Naive Bayes classifier</a:t>
             </a:r>
-          </a:p>
-        </p:txBody>
-      </p:sp>
-      <p:sp>
-        <p:nvSpPr>
-          <p:cNvPr id="3" name="Content Placeholder 2"/>
-          <p:cNvSpPr>
-            <a:spLocks noGrp="1"/>
-          </p:cNvSpPr>
-          <p:nvPr>
-            <p:ph idx="1"/>
-          </p:nvPr>
-        </p:nvSpPr>
-        <p:spPr/>
-        <p:txBody>
-          <a:bodyPr/>
-          <a:lstStyle/>
-          <a:p>
-            <a:endParaRPr lang="en-US"/>
           </a:p>
         </p:txBody>
       </p:sp>
@@ -4170,6 +4157,10 @@
           <a:bodyPr/>
           <a:lstStyle/>
           <a:p>
+            <a:r>
+              <a:rPr lang="en-US" dirty="0"/>
+              <a:t>Naive Bayes classifier</a:t>
+            </a:r>
             <a:endParaRPr lang="en-US" dirty="0"/>
           </a:p>
         </p:txBody>
@@ -4198,6 +4189,763 @@
           </a:p>
         </p:txBody>
       </p:sp>
+      <mc:AlternateContent xmlns:mc="http://schemas.openxmlformats.org/markup-compatibility/2006">
+        <mc:Choice xmlns:a14="http://schemas.microsoft.com/office/drawing/2010/main" Requires="a14">
+          <p:sp>
+            <p:nvSpPr>
+              <p:cNvPr id="6" name="TextBox 5"/>
+              <p:cNvSpPr txBox="1"/>
+              <p:nvPr/>
+            </p:nvSpPr>
+            <p:spPr>
+              <a:xfrm>
+                <a:off x="2377224" y="1431727"/>
+                <a:ext cx="2989280" cy="651845"/>
+              </a:xfrm>
+              <a:prstGeom prst="rect">
+                <a:avLst/>
+              </a:prstGeom>
+              <a:noFill/>
+            </p:spPr>
+            <p:txBody>
+              <a:bodyPr wrap="none" lIns="0" tIns="0" rIns="0" bIns="0" rtlCol="0">
+                <a:spAutoFit/>
+              </a:bodyPr>
+              <a:lstStyle/>
+              <a:p>
+                <a14:m>
+                  <m:oMathPara xmlns:m="http://schemas.openxmlformats.org/officeDocument/2006/math">
+                    <m:oMathParaPr>
+                      <m:jc m:val="centerGroup"/>
+                    </m:oMathParaPr>
+                    <m:oMath xmlns:m="http://schemas.openxmlformats.org/officeDocument/2006/math">
+                      <m:r>
+                        <a:rPr lang="en-US" sz="2200" b="0" i="1" smtClean="0">
+                          <a:latin typeface="Cambria Math" panose="02040503050406030204" pitchFamily="18" charset="0"/>
+                        </a:rPr>
+                        <m:t>𝑃</m:t>
+                      </m:r>
+                      <m:d>
+                        <m:dPr>
+                          <m:ctrlPr>
+                            <a:rPr lang="en-US" sz="2200" b="0" i="1" smtClean="0">
+                              <a:latin typeface="Cambria Math" panose="02040503050406030204" pitchFamily="18" charset="0"/>
+                            </a:rPr>
+                          </m:ctrlPr>
+                        </m:dPr>
+                        <m:e>
+                          <m:r>
+                            <a:rPr lang="en-US" sz="2200" b="0" i="1" smtClean="0">
+                              <a:latin typeface="Cambria Math" panose="02040503050406030204" pitchFamily="18" charset="0"/>
+                            </a:rPr>
+                            <m:t>𝑦</m:t>
+                          </m:r>
+                          <m:r>
+                            <a:rPr lang="en-US" sz="2200" b="0" i="1" smtClean="0">
+                              <a:latin typeface="Cambria Math" panose="02040503050406030204" pitchFamily="18" charset="0"/>
+                            </a:rPr>
+                            <m:t>=</m:t>
+                          </m:r>
+                          <m:r>
+                            <a:rPr lang="en-US" sz="2200" b="0" i="1" smtClean="0">
+                              <a:latin typeface="Cambria Math" panose="02040503050406030204" pitchFamily="18" charset="0"/>
+                            </a:rPr>
+                            <m:t>𝐶</m:t>
+                          </m:r>
+                        </m:e>
+                        <m:e>
+                          <m:r>
+                            <a:rPr lang="en-US" sz="2200" b="0" i="1" smtClean="0">
+                              <a:latin typeface="Cambria Math" panose="02040503050406030204" pitchFamily="18" charset="0"/>
+                            </a:rPr>
+                            <m:t>𝑋</m:t>
+                          </m:r>
+                        </m:e>
+                      </m:d>
+                      <m:r>
+                        <a:rPr lang="en-US" sz="2200" b="0" i="1" smtClean="0">
+                          <a:latin typeface="Cambria Math" panose="02040503050406030204" pitchFamily="18" charset="0"/>
+                          <a:ea typeface="Cambria Math" panose="02040503050406030204" pitchFamily="18" charset="0"/>
+                        </a:rPr>
+                        <m:t>=</m:t>
+                      </m:r>
+                      <m:r>
+                        <a:rPr lang="en-US" sz="2200" b="0" i="1" smtClean="0">
+                          <a:latin typeface="Cambria Math" panose="02040503050406030204" pitchFamily="18" charset="0"/>
+                          <a:ea typeface="Cambria Math" panose="02040503050406030204" pitchFamily="18" charset="0"/>
+                        </a:rPr>
+                        <m:t>𝑃</m:t>
+                      </m:r>
+                      <m:d>
+                        <m:dPr>
+                          <m:ctrlPr>
+                            <a:rPr lang="en-US" sz="2200" b="0" i="1" smtClean="0">
+                              <a:latin typeface="Cambria Math" panose="02040503050406030204" pitchFamily="18" charset="0"/>
+                              <a:ea typeface="Cambria Math" panose="02040503050406030204" pitchFamily="18" charset="0"/>
+                            </a:rPr>
+                          </m:ctrlPr>
+                        </m:dPr>
+                        <m:e>
+                          <m:r>
+                            <a:rPr lang="en-US" sz="2200" b="0" i="1" smtClean="0">
+                              <a:latin typeface="Cambria Math" panose="02040503050406030204" pitchFamily="18" charset="0"/>
+                              <a:ea typeface="Cambria Math" panose="02040503050406030204" pitchFamily="18" charset="0"/>
+                            </a:rPr>
+                            <m:t>𝐶</m:t>
+                          </m:r>
+                        </m:e>
+                        <m:e>
+                          <m:r>
+                            <a:rPr lang="en-US" sz="2200" b="0" i="1" smtClean="0">
+                              <a:latin typeface="Cambria Math" panose="02040503050406030204" pitchFamily="18" charset="0"/>
+                              <a:ea typeface="Cambria Math" panose="02040503050406030204" pitchFamily="18" charset="0"/>
+                            </a:rPr>
+                            <m:t>𝑋</m:t>
+                          </m:r>
+                        </m:e>
+                      </m:d>
+                    </m:oMath>
+                  </m:oMathPara>
+                </a14:m>
+                <a:endParaRPr lang="en-US" sz="2200" b="0" dirty="0" smtClean="0">
+                  <a:ea typeface="Cambria Math" panose="02040503050406030204" pitchFamily="18" charset="0"/>
+                </a:endParaRPr>
+              </a:p>
+              <a:p>
+                <a:r>
+                  <a:rPr lang="en-US" sz="2000" dirty="0" smtClean="0">
+                    <a:ea typeface="Cambria Math" panose="02040503050406030204" pitchFamily="18" charset="0"/>
+                  </a:rPr>
+                  <a:t>	</a:t>
+                </a:r>
+                <a14:m>
+                  <m:oMath xmlns:m="http://schemas.openxmlformats.org/officeDocument/2006/math">
+                    <m:r>
+                      <m:rPr>
+                        <m:sty m:val="p"/>
+                      </m:rPr>
+                      <a:rPr lang="en-US" sz="1700" b="0" i="0" smtClean="0">
+                        <a:latin typeface="Cambria Math" panose="02040503050406030204" pitchFamily="18" charset="0"/>
+                        <a:ea typeface="Cambria Math" panose="02040503050406030204" pitchFamily="18" charset="0"/>
+                      </a:rPr>
+                      <m:t>X</m:t>
+                    </m:r>
+                    <m:r>
+                      <a:rPr lang="en-US" sz="1700" i="1" smtClean="0">
+                        <a:latin typeface="Cambria Math" panose="02040503050406030204" pitchFamily="18" charset="0"/>
+                        <a:ea typeface="Cambria Math" panose="02040503050406030204" pitchFamily="18" charset="0"/>
+                      </a:rPr>
+                      <m:t>∈</m:t>
+                    </m:r>
+                    <m:r>
+                      <a:rPr lang="en-US" sz="1700" b="0" i="1" smtClean="0">
+                        <a:latin typeface="Cambria Math" panose="02040503050406030204" pitchFamily="18" charset="0"/>
+                        <a:ea typeface="Cambria Math" panose="02040503050406030204" pitchFamily="18" charset="0"/>
+                      </a:rPr>
+                      <m:t> </m:t>
+                    </m:r>
+                    <m:sSup>
+                      <m:sSupPr>
+                        <m:ctrlPr>
+                          <a:rPr lang="en-US" sz="1700" b="0" i="1" smtClean="0">
+                            <a:latin typeface="Cambria Math" panose="02040503050406030204" pitchFamily="18" charset="0"/>
+                            <a:ea typeface="Cambria Math" panose="02040503050406030204" pitchFamily="18" charset="0"/>
+                          </a:rPr>
+                        </m:ctrlPr>
+                      </m:sSupPr>
+                      <m:e>
+                        <m:r>
+                          <a:rPr lang="en-US" sz="1700" b="0" i="1" smtClean="0">
+                            <a:latin typeface="Cambria Math" panose="02040503050406030204" pitchFamily="18" charset="0"/>
+                            <a:ea typeface="Cambria Math" panose="02040503050406030204" pitchFamily="18" charset="0"/>
+                          </a:rPr>
+                          <m:t>ℝ</m:t>
+                        </m:r>
+                      </m:e>
+                      <m:sup>
+                        <m:r>
+                          <a:rPr lang="en-US" sz="1700" b="0" i="1" smtClean="0">
+                            <a:latin typeface="Cambria Math" panose="02040503050406030204" pitchFamily="18" charset="0"/>
+                            <a:ea typeface="Cambria Math" panose="02040503050406030204" pitchFamily="18" charset="0"/>
+                          </a:rPr>
+                          <m:t>𝑑</m:t>
+                        </m:r>
+                      </m:sup>
+                    </m:sSup>
+                  </m:oMath>
+                </a14:m>
+                <a:endParaRPr lang="en-US" sz="1700" dirty="0" smtClean="0"/>
+              </a:p>
+            </p:txBody>
+          </p:sp>
+        </mc:Choice>
+        <mc:Fallback>
+          <p:sp>
+            <p:nvSpPr>
+              <p:cNvPr id="6" name="TextBox 5"/>
+              <p:cNvSpPr txBox="1">
+                <a:spLocks noRot="1" noChangeAspect="1" noMove="1" noResize="1" noEditPoints="1" noAdjustHandles="1" noChangeArrowheads="1" noChangeShapeType="1" noTextEdit="1"/>
+              </p:cNvSpPr>
+              <p:nvPr/>
+            </p:nvSpPr>
+            <p:spPr>
+              <a:xfrm>
+                <a:off x="2377224" y="1431727"/>
+                <a:ext cx="2989280" cy="651845"/>
+              </a:xfrm>
+              <a:prstGeom prst="rect">
+                <a:avLst/>
+              </a:prstGeom>
+              <a:blipFill rotWithShape="0">
+                <a:blip r:embed="rId2"/>
+                <a:stretch>
+                  <a:fillRect/>
+                </a:stretch>
+              </a:blipFill>
+            </p:spPr>
+            <p:txBody>
+              <a:bodyPr/>
+              <a:lstStyle/>
+              <a:p>
+                <a:r>
+                  <a:rPr lang="en-US">
+                    <a:noFill/>
+                  </a:rPr>
+                  <a:t> </a:t>
+                </a:r>
+              </a:p>
+            </p:txBody>
+          </p:sp>
+        </mc:Fallback>
+      </mc:AlternateContent>
+      <mc:AlternateContent xmlns:mc="http://schemas.openxmlformats.org/markup-compatibility/2006">
+        <mc:Choice xmlns:a14="http://schemas.microsoft.com/office/drawing/2010/main" Requires="a14">
+          <p:sp>
+            <p:nvSpPr>
+              <p:cNvPr id="8" name="TextBox 7"/>
+              <p:cNvSpPr txBox="1"/>
+              <p:nvPr/>
+            </p:nvSpPr>
+            <p:spPr>
+              <a:xfrm>
+                <a:off x="2587987" y="2723485"/>
+                <a:ext cx="2567754" cy="600164"/>
+              </a:xfrm>
+              <a:prstGeom prst="rect">
+                <a:avLst/>
+              </a:prstGeom>
+              <a:noFill/>
+            </p:spPr>
+            <p:txBody>
+              <a:bodyPr wrap="none" lIns="0" tIns="0" rIns="0" bIns="0" rtlCol="0">
+                <a:spAutoFit/>
+              </a:bodyPr>
+              <a:lstStyle/>
+              <a:p>
+                <a14:m>
+                  <m:oMathPara xmlns:m="http://schemas.openxmlformats.org/officeDocument/2006/math">
+                    <m:oMathParaPr>
+                      <m:jc m:val="centerGroup"/>
+                    </m:oMathParaPr>
+                    <m:oMath xmlns:m="http://schemas.openxmlformats.org/officeDocument/2006/math">
+                      <m:r>
+                        <a:rPr lang="en-US" sz="2200" b="0" i="1" smtClean="0">
+                          <a:latin typeface="Cambria Math" panose="02040503050406030204" pitchFamily="18" charset="0"/>
+                        </a:rPr>
+                        <m:t>𝐶</m:t>
+                      </m:r>
+                      <m:r>
+                        <a:rPr lang="en-US" sz="2200" b="0" i="1" smtClean="0">
+                          <a:latin typeface="Cambria Math" panose="02040503050406030204" pitchFamily="18" charset="0"/>
+                        </a:rPr>
+                        <m:t>=</m:t>
+                      </m:r>
+                      <m:r>
+                        <a:rPr lang="en-US" sz="2200" b="0" i="1" smtClean="0">
+                          <a:latin typeface="Cambria Math" panose="02040503050406030204" pitchFamily="18" charset="0"/>
+                        </a:rPr>
+                        <m:t>𝑎𝑟𝑔𝑚𝑎𝑥</m:t>
+                      </m:r>
+                      <m:r>
+                        <a:rPr lang="en-US" sz="2200" b="0" i="1" smtClean="0">
+                          <a:latin typeface="Cambria Math" panose="02040503050406030204" pitchFamily="18" charset="0"/>
+                        </a:rPr>
+                        <m:t> </m:t>
+                      </m:r>
+                      <m:r>
+                        <a:rPr lang="en-US" sz="2200" b="0" i="1" smtClean="0">
+                          <a:latin typeface="Cambria Math" panose="02040503050406030204" pitchFamily="18" charset="0"/>
+                        </a:rPr>
+                        <m:t>𝑃</m:t>
+                      </m:r>
+                      <m:d>
+                        <m:dPr>
+                          <m:ctrlPr>
+                            <a:rPr lang="en-US" sz="2200" b="0" i="1" smtClean="0">
+                              <a:latin typeface="Cambria Math" panose="02040503050406030204" pitchFamily="18" charset="0"/>
+                            </a:rPr>
+                          </m:ctrlPr>
+                        </m:dPr>
+                        <m:e>
+                          <m:r>
+                            <a:rPr lang="en-US" sz="2200" b="0" i="1" smtClean="0">
+                              <a:latin typeface="Cambria Math" panose="02040503050406030204" pitchFamily="18" charset="0"/>
+                            </a:rPr>
+                            <m:t>𝐶</m:t>
+                          </m:r>
+                        </m:e>
+                        <m:e>
+                          <m:r>
+                            <a:rPr lang="en-US" sz="2200" b="0" i="1" smtClean="0">
+                              <a:latin typeface="Cambria Math" panose="02040503050406030204" pitchFamily="18" charset="0"/>
+                            </a:rPr>
+                            <m:t>𝑋</m:t>
+                          </m:r>
+                        </m:e>
+                      </m:d>
+                    </m:oMath>
+                  </m:oMathPara>
+                </a14:m>
+                <a:endParaRPr lang="en-US" sz="2200" b="0" dirty="0" smtClean="0"/>
+              </a:p>
+              <a:p>
+                <a14:m>
+                  <m:oMathPara xmlns:m="http://schemas.openxmlformats.org/officeDocument/2006/math">
+                    <m:oMathParaPr>
+                      <m:jc m:val="centerGroup"/>
+                    </m:oMathParaPr>
+                    <m:oMath xmlns:m="http://schemas.openxmlformats.org/officeDocument/2006/math">
+                      <m:r>
+                        <m:rPr>
+                          <m:sty m:val="p"/>
+                        </m:rPr>
+                        <a:rPr lang="en-US" sz="1700">
+                          <a:latin typeface="Cambria Math" panose="02040503050406030204" pitchFamily="18" charset="0"/>
+                          <a:ea typeface="Cambria Math" panose="02040503050406030204" pitchFamily="18" charset="0"/>
+                        </a:rPr>
+                        <m:t>C</m:t>
+                      </m:r>
+                      <m:r>
+                        <a:rPr lang="en-US" sz="1700" i="1">
+                          <a:latin typeface="Cambria Math" panose="02040503050406030204" pitchFamily="18" charset="0"/>
+                          <a:ea typeface="Cambria Math" panose="02040503050406030204" pitchFamily="18" charset="0"/>
+                        </a:rPr>
+                        <m:t>∈</m:t>
+                      </m:r>
+                      <m:d>
+                        <m:dPr>
+                          <m:begChr m:val="{"/>
+                          <m:endChr m:val="}"/>
+                          <m:ctrlPr>
+                            <a:rPr lang="en-US" sz="1700" i="1">
+                              <a:latin typeface="Cambria Math" panose="02040503050406030204" pitchFamily="18" charset="0"/>
+                              <a:ea typeface="Cambria Math" panose="02040503050406030204" pitchFamily="18" charset="0"/>
+                            </a:rPr>
+                          </m:ctrlPr>
+                        </m:dPr>
+                        <m:e>
+                          <m:r>
+                            <a:rPr lang="en-US" sz="1700" i="1">
+                              <a:latin typeface="Cambria Math" panose="02040503050406030204" pitchFamily="18" charset="0"/>
+                              <a:ea typeface="Cambria Math" panose="02040503050406030204" pitchFamily="18" charset="0"/>
+                            </a:rPr>
+                            <m:t>1,…,</m:t>
+                          </m:r>
+                          <m:r>
+                            <a:rPr lang="en-US" sz="1700" i="1">
+                              <a:latin typeface="Cambria Math" panose="02040503050406030204" pitchFamily="18" charset="0"/>
+                              <a:ea typeface="Cambria Math" panose="02040503050406030204" pitchFamily="18" charset="0"/>
+                            </a:rPr>
+                            <m:t>𝐶</m:t>
+                          </m:r>
+                        </m:e>
+                      </m:d>
+                    </m:oMath>
+                  </m:oMathPara>
+                </a14:m>
+                <a:endParaRPr lang="en-US" sz="1700" b="0" dirty="0" smtClean="0"/>
+              </a:p>
+            </p:txBody>
+          </p:sp>
+        </mc:Choice>
+        <mc:Fallback>
+          <p:sp>
+            <p:nvSpPr>
+              <p:cNvPr id="8" name="TextBox 7"/>
+              <p:cNvSpPr txBox="1">
+                <a:spLocks noRot="1" noChangeAspect="1" noMove="1" noResize="1" noEditPoints="1" noAdjustHandles="1" noChangeArrowheads="1" noChangeShapeType="1" noTextEdit="1"/>
+              </p:cNvSpPr>
+              <p:nvPr/>
+            </p:nvSpPr>
+            <p:spPr>
+              <a:xfrm>
+                <a:off x="2587987" y="2723485"/>
+                <a:ext cx="2567754" cy="600164"/>
+              </a:xfrm>
+              <a:prstGeom prst="rect">
+                <a:avLst/>
+              </a:prstGeom>
+              <a:blipFill rotWithShape="0">
+                <a:blip r:embed="rId3"/>
+                <a:stretch>
+                  <a:fillRect l="-2138" b="-2041"/>
+                </a:stretch>
+              </a:blipFill>
+            </p:spPr>
+            <p:txBody>
+              <a:bodyPr/>
+              <a:lstStyle/>
+              <a:p>
+                <a:r>
+                  <a:rPr lang="en-US">
+                    <a:noFill/>
+                  </a:rPr>
+                  <a:t> </a:t>
+                </a:r>
+              </a:p>
+            </p:txBody>
+          </p:sp>
+        </mc:Fallback>
+      </mc:AlternateContent>
+      <mc:AlternateContent xmlns:mc="http://schemas.openxmlformats.org/markup-compatibility/2006">
+        <mc:Choice xmlns:a14="http://schemas.microsoft.com/office/drawing/2010/main" Requires="a14">
+          <p:sp>
+            <p:nvSpPr>
+              <p:cNvPr id="9" name="TextBox 8"/>
+              <p:cNvSpPr txBox="1"/>
+              <p:nvPr/>
+            </p:nvSpPr>
+            <p:spPr>
+              <a:xfrm>
+                <a:off x="376620" y="4280853"/>
+                <a:ext cx="8390759" cy="717184"/>
+              </a:xfrm>
+              <a:prstGeom prst="rect">
+                <a:avLst/>
+              </a:prstGeom>
+              <a:noFill/>
+            </p:spPr>
+            <p:txBody>
+              <a:bodyPr wrap="none" lIns="0" tIns="0" rIns="0" bIns="0" rtlCol="0">
+                <a:spAutoFit/>
+              </a:bodyPr>
+              <a:lstStyle/>
+              <a:p>
+                <a14:m>
+                  <m:oMathPara xmlns:m="http://schemas.openxmlformats.org/officeDocument/2006/math">
+                    <m:oMathParaPr>
+                      <m:jc m:val="centerGroup"/>
+                    </m:oMathParaPr>
+                    <m:oMath xmlns:m="http://schemas.openxmlformats.org/officeDocument/2006/math">
+                      <m:r>
+                        <a:rPr lang="en-US" sz="2200" b="0" i="1" smtClean="0">
+                          <a:latin typeface="Cambria Math" panose="02040503050406030204" pitchFamily="18" charset="0"/>
+                        </a:rPr>
+                        <m:t>𝐶</m:t>
+                      </m:r>
+                      <m:r>
+                        <a:rPr lang="en-US" sz="2200" b="0" i="1" smtClean="0">
+                          <a:latin typeface="Cambria Math" panose="02040503050406030204" pitchFamily="18" charset="0"/>
+                        </a:rPr>
+                        <m:t>=</m:t>
+                      </m:r>
+                      <m:r>
+                        <a:rPr lang="en-US" sz="2200" b="0" i="1" smtClean="0">
+                          <a:latin typeface="Cambria Math" panose="02040503050406030204" pitchFamily="18" charset="0"/>
+                        </a:rPr>
+                        <m:t>𝑎𝑟𝑔𝑚𝑎𝑥</m:t>
+                      </m:r>
+                      <m:r>
+                        <a:rPr lang="en-US" sz="2200" b="0" i="1" smtClean="0">
+                          <a:latin typeface="Cambria Math" panose="02040503050406030204" pitchFamily="18" charset="0"/>
+                        </a:rPr>
+                        <m:t> </m:t>
+                      </m:r>
+                      <m:r>
+                        <a:rPr lang="en-US" sz="2200" b="0" i="1" smtClean="0">
+                          <a:latin typeface="Cambria Math" panose="02040503050406030204" pitchFamily="18" charset="0"/>
+                        </a:rPr>
+                        <m:t>𝑃</m:t>
+                      </m:r>
+                      <m:d>
+                        <m:dPr>
+                          <m:ctrlPr>
+                            <a:rPr lang="en-US" sz="2200" b="0" i="1" smtClean="0">
+                              <a:latin typeface="Cambria Math" panose="02040503050406030204" pitchFamily="18" charset="0"/>
+                            </a:rPr>
+                          </m:ctrlPr>
+                        </m:dPr>
+                        <m:e>
+                          <m:r>
+                            <a:rPr lang="en-US" sz="2200" b="0" i="1" smtClean="0">
+                              <a:latin typeface="Cambria Math" panose="02040503050406030204" pitchFamily="18" charset="0"/>
+                            </a:rPr>
+                            <m:t>𝐶</m:t>
+                          </m:r>
+                        </m:e>
+                        <m:e>
+                          <m:r>
+                            <a:rPr lang="en-US" sz="2200" b="0" i="1" smtClean="0">
+                              <a:latin typeface="Cambria Math" panose="02040503050406030204" pitchFamily="18" charset="0"/>
+                            </a:rPr>
+                            <m:t>𝑋</m:t>
+                          </m:r>
+                        </m:e>
+                      </m:d>
+                      <m:r>
+                        <a:rPr lang="en-US" sz="2200" b="0" i="1" smtClean="0">
+                          <a:latin typeface="Cambria Math" panose="02040503050406030204" pitchFamily="18" charset="0"/>
+                        </a:rPr>
+                        <m:t>=</m:t>
+                      </m:r>
+                      <m:r>
+                        <a:rPr lang="en-US" sz="2200" b="0" i="1" smtClean="0">
+                          <a:latin typeface="Cambria Math" panose="02040503050406030204" pitchFamily="18" charset="0"/>
+                        </a:rPr>
+                        <m:t>𝑎𝑟𝑔𝑚𝑎𝑥</m:t>
+                      </m:r>
+                      <m:f>
+                        <m:fPr>
+                          <m:ctrlPr>
+                            <a:rPr lang="en-US" sz="2200" b="0" i="1" smtClean="0">
+                              <a:latin typeface="Cambria Math" panose="02040503050406030204" pitchFamily="18" charset="0"/>
+                            </a:rPr>
+                          </m:ctrlPr>
+                        </m:fPr>
+                        <m:num>
+                          <m:r>
+                            <a:rPr lang="en-US" sz="2200" b="0" i="1" smtClean="0">
+                              <a:latin typeface="Cambria Math" panose="02040503050406030204" pitchFamily="18" charset="0"/>
+                            </a:rPr>
+                            <m:t>𝑃</m:t>
+                          </m:r>
+                          <m:d>
+                            <m:dPr>
+                              <m:ctrlPr>
+                                <a:rPr lang="en-US" sz="2200" b="0" i="1" smtClean="0">
+                                  <a:latin typeface="Cambria Math" panose="02040503050406030204" pitchFamily="18" charset="0"/>
+                                </a:rPr>
+                              </m:ctrlPr>
+                            </m:dPr>
+                            <m:e>
+                              <m:r>
+                                <a:rPr lang="en-US" sz="2200" b="0" i="1" smtClean="0">
+                                  <a:latin typeface="Cambria Math" panose="02040503050406030204" pitchFamily="18" charset="0"/>
+                                </a:rPr>
+                                <m:t>𝑋</m:t>
+                              </m:r>
+                            </m:e>
+                            <m:e>
+                              <m:r>
+                                <a:rPr lang="en-US" sz="2200" b="0" i="1" smtClean="0">
+                                  <a:latin typeface="Cambria Math" panose="02040503050406030204" pitchFamily="18" charset="0"/>
+                                </a:rPr>
+                                <m:t>𝐶</m:t>
+                              </m:r>
+                            </m:e>
+                          </m:d>
+                          <m:r>
+                            <a:rPr lang="en-US" sz="2200" b="0" i="1" smtClean="0">
+                              <a:latin typeface="Cambria Math" panose="02040503050406030204" pitchFamily="18" charset="0"/>
+                            </a:rPr>
+                            <m:t>𝑃</m:t>
+                          </m:r>
+                          <m:r>
+                            <a:rPr lang="en-US" sz="2200" b="0" i="1" smtClean="0">
+                              <a:latin typeface="Cambria Math" panose="02040503050406030204" pitchFamily="18" charset="0"/>
+                            </a:rPr>
+                            <m:t>(</m:t>
+                          </m:r>
+                          <m:r>
+                            <a:rPr lang="en-US" sz="2200" b="0" i="1" smtClean="0">
+                              <a:latin typeface="Cambria Math" panose="02040503050406030204" pitchFamily="18" charset="0"/>
+                            </a:rPr>
+                            <m:t>𝐶</m:t>
+                          </m:r>
+                          <m:r>
+                            <a:rPr lang="en-US" sz="2200" b="0" i="1" smtClean="0">
+                              <a:latin typeface="Cambria Math" panose="02040503050406030204" pitchFamily="18" charset="0"/>
+                            </a:rPr>
+                            <m:t>)</m:t>
+                          </m:r>
+                        </m:num>
+                        <m:den>
+                          <m:r>
+                            <a:rPr lang="en-US" sz="2200" b="0" i="1" smtClean="0">
+                              <a:latin typeface="Cambria Math" panose="02040503050406030204" pitchFamily="18" charset="0"/>
+                            </a:rPr>
+                            <m:t>𝑃</m:t>
+                          </m:r>
+                          <m:r>
+                            <a:rPr lang="en-US" sz="2200" b="0" i="1" smtClean="0">
+                              <a:latin typeface="Cambria Math" panose="02040503050406030204" pitchFamily="18" charset="0"/>
+                            </a:rPr>
+                            <m:t>(</m:t>
+                          </m:r>
+                          <m:r>
+                            <a:rPr lang="en-US" sz="2200" b="0" i="1" smtClean="0">
+                              <a:latin typeface="Cambria Math" panose="02040503050406030204" pitchFamily="18" charset="0"/>
+                            </a:rPr>
+                            <m:t>𝑋</m:t>
+                          </m:r>
+                          <m:r>
+                            <a:rPr lang="en-US" sz="2200" b="0" i="1" smtClean="0">
+                              <a:latin typeface="Cambria Math" panose="02040503050406030204" pitchFamily="18" charset="0"/>
+                            </a:rPr>
+                            <m:t>)</m:t>
+                          </m:r>
+                        </m:den>
+                      </m:f>
+                      <m:r>
+                        <a:rPr lang="en-US" sz="2200" b="0" i="1" smtClean="0">
+                          <a:latin typeface="Cambria Math" panose="02040503050406030204" pitchFamily="18" charset="0"/>
+                        </a:rPr>
+                        <m:t>=</m:t>
+                      </m:r>
+                      <m:r>
+                        <a:rPr lang="en-US" sz="2200" b="0" i="1" smtClean="0">
+                          <a:latin typeface="Cambria Math" panose="02040503050406030204" pitchFamily="18" charset="0"/>
+                        </a:rPr>
+                        <m:t>𝑎𝑟𝑔𝑚𝑎𝑥</m:t>
+                      </m:r>
+                      <m:r>
+                        <a:rPr lang="en-US" sz="2200" b="0" i="1" smtClean="0">
+                          <a:latin typeface="Cambria Math" panose="02040503050406030204" pitchFamily="18" charset="0"/>
+                        </a:rPr>
+                        <m:t> </m:t>
+                      </m:r>
+                      <m:r>
+                        <a:rPr lang="en-US" sz="2200" b="0" i="1" smtClean="0">
+                          <a:latin typeface="Cambria Math" panose="02040503050406030204" pitchFamily="18" charset="0"/>
+                        </a:rPr>
+                        <m:t>𝑃</m:t>
+                      </m:r>
+                      <m:d>
+                        <m:dPr>
+                          <m:ctrlPr>
+                            <a:rPr lang="en-US" sz="2200" b="0" i="1" smtClean="0">
+                              <a:latin typeface="Cambria Math" panose="02040503050406030204" pitchFamily="18" charset="0"/>
+                            </a:rPr>
+                          </m:ctrlPr>
+                        </m:dPr>
+                        <m:e>
+                          <m:r>
+                            <a:rPr lang="en-US" sz="2200" b="0" i="1" smtClean="0">
+                              <a:latin typeface="Cambria Math" panose="02040503050406030204" pitchFamily="18" charset="0"/>
+                            </a:rPr>
+                            <m:t>𝑋</m:t>
+                          </m:r>
+                        </m:e>
+                        <m:e>
+                          <m:r>
+                            <a:rPr lang="en-US" sz="2200" b="0" i="1" smtClean="0">
+                              <a:latin typeface="Cambria Math" panose="02040503050406030204" pitchFamily="18" charset="0"/>
+                            </a:rPr>
+                            <m:t>𝐶</m:t>
+                          </m:r>
+                        </m:e>
+                      </m:d>
+                      <m:r>
+                        <a:rPr lang="en-US" sz="2200" b="0" i="1" smtClean="0">
+                          <a:latin typeface="Cambria Math" panose="02040503050406030204" pitchFamily="18" charset="0"/>
+                        </a:rPr>
+                        <m:t>𝑃</m:t>
+                      </m:r>
+                      <m:r>
+                        <a:rPr lang="en-US" sz="2200" b="0" i="1" smtClean="0">
+                          <a:latin typeface="Cambria Math" panose="02040503050406030204" pitchFamily="18" charset="0"/>
+                        </a:rPr>
+                        <m:t>(</m:t>
+                      </m:r>
+                      <m:r>
+                        <a:rPr lang="en-US" sz="2200" b="0" i="1" smtClean="0">
+                          <a:latin typeface="Cambria Math" panose="02040503050406030204" pitchFamily="18" charset="0"/>
+                        </a:rPr>
+                        <m:t>𝐶</m:t>
+                      </m:r>
+                      <m:r>
+                        <a:rPr lang="en-US" sz="2200" b="0" i="1" smtClean="0">
+                          <a:latin typeface="Cambria Math" panose="02040503050406030204" pitchFamily="18" charset="0"/>
+                        </a:rPr>
+                        <m:t>)</m:t>
+                      </m:r>
+                    </m:oMath>
+                  </m:oMathPara>
+                </a14:m>
+                <a:endParaRPr lang="en-US" sz="2200" b="0" dirty="0" smtClean="0"/>
+              </a:p>
+            </p:txBody>
+          </p:sp>
+        </mc:Choice>
+        <mc:Fallback>
+          <p:sp>
+            <p:nvSpPr>
+              <p:cNvPr id="9" name="TextBox 8"/>
+              <p:cNvSpPr txBox="1">
+                <a:spLocks noRot="1" noChangeAspect="1" noMove="1" noResize="1" noEditPoints="1" noAdjustHandles="1" noChangeArrowheads="1" noChangeShapeType="1" noTextEdit="1"/>
+              </p:cNvSpPr>
+              <p:nvPr/>
+            </p:nvSpPr>
+            <p:spPr>
+              <a:xfrm>
+                <a:off x="376620" y="4280853"/>
+                <a:ext cx="8390759" cy="717184"/>
+              </a:xfrm>
+              <a:prstGeom prst="rect">
+                <a:avLst/>
+              </a:prstGeom>
+              <a:blipFill rotWithShape="0">
+                <a:blip r:embed="rId4"/>
+                <a:stretch>
+                  <a:fillRect/>
+                </a:stretch>
+              </a:blipFill>
+            </p:spPr>
+            <p:txBody>
+              <a:bodyPr/>
+              <a:lstStyle/>
+              <a:p>
+                <a:r>
+                  <a:rPr lang="en-US">
+                    <a:noFill/>
+                  </a:rPr>
+                  <a:t> </a:t>
+                </a:r>
+              </a:p>
+            </p:txBody>
+          </p:sp>
+        </mc:Fallback>
+      </mc:AlternateContent>
+      <p:sp>
+        <p:nvSpPr>
+          <p:cNvPr id="11" name="TextBox 10"/>
+          <p:cNvSpPr txBox="1"/>
+          <p:nvPr/>
+        </p:nvSpPr>
+        <p:spPr>
+          <a:xfrm>
+            <a:off x="376620" y="3803799"/>
+            <a:ext cx="2338974" cy="477054"/>
+          </a:xfrm>
+          <a:prstGeom prst="rect">
+            <a:avLst/>
+          </a:prstGeom>
+          <a:noFill/>
+        </p:spPr>
+        <p:txBody>
+          <a:bodyPr wrap="none" rtlCol="0">
+            <a:spAutoFit/>
+          </a:bodyPr>
+          <a:lstStyle/>
+          <a:p>
+            <a:r>
+              <a:rPr lang="en-US" sz="2500" b="1" dirty="0" smtClean="0"/>
+              <a:t>Bayes theorem :</a:t>
+            </a:r>
+            <a:endParaRPr lang="en-US" sz="2500" b="1" dirty="0"/>
+          </a:p>
+        </p:txBody>
+      </p:sp>
     </p:spTree>
     <p:extLst>
       <p:ext uri="{BB962C8B-B14F-4D97-AF65-F5344CB8AC3E}">
@@ -4211,9 +4959,250 @@
   <p:timing>
     <p:tnLst>
       <p:par>
-        <p:cTn id="1" dur="indefinite" restart="never" nodeType="tmRoot"/>
+        <p:cTn id="1" dur="indefinite" restart="never" nodeType="tmRoot">
+          <p:childTnLst>
+            <p:seq concurrent="1" nextAc="seek">
+              <p:cTn id="2" dur="indefinite" nodeType="mainSeq">
+                <p:childTnLst>
+                  <p:par>
+                    <p:cTn id="3" fill="hold">
+                      <p:stCondLst>
+                        <p:cond delay="indefinite"/>
+                      </p:stCondLst>
+                      <p:childTnLst>
+                        <p:par>
+                          <p:cTn id="4" fill="hold">
+                            <p:stCondLst>
+                              <p:cond delay="0"/>
+                            </p:stCondLst>
+                            <p:childTnLst>
+                              <p:par>
+                                <p:cTn id="5" presetID="10" presetClass="entr" presetSubtype="0" fill="hold" grpId="0" nodeType="clickEffect">
+                                  <p:stCondLst>
+                                    <p:cond delay="0"/>
+                                  </p:stCondLst>
+                                  <p:childTnLst>
+                                    <p:set>
+                                      <p:cBhvr>
+                                        <p:cTn id="6" dur="1" fill="hold">
+                                          <p:stCondLst>
+                                            <p:cond delay="0"/>
+                                          </p:stCondLst>
+                                        </p:cTn>
+                                        <p:tgtEl>
+                                          <p:spTgt spid="6"/>
+                                        </p:tgtEl>
+                                        <p:attrNameLst>
+                                          <p:attrName>style.visibility</p:attrName>
+                                        </p:attrNameLst>
+                                      </p:cBhvr>
+                                      <p:to>
+                                        <p:strVal val="visible"/>
+                                      </p:to>
+                                    </p:set>
+                                    <p:animEffect transition="in" filter="fade">
+                                      <p:cBhvr>
+                                        <p:cTn id="7" dur="500"/>
+                                        <p:tgtEl>
+                                          <p:spTgt spid="6"/>
+                                        </p:tgtEl>
+                                      </p:cBhvr>
+                                    </p:animEffect>
+                                  </p:childTnLst>
+                                </p:cTn>
+                              </p:par>
+                            </p:childTnLst>
+                          </p:cTn>
+                        </p:par>
+                      </p:childTnLst>
+                    </p:cTn>
+                  </p:par>
+                  <p:par>
+                    <p:cTn id="8" fill="hold">
+                      <p:stCondLst>
+                        <p:cond delay="indefinite"/>
+                      </p:stCondLst>
+                      <p:childTnLst>
+                        <p:par>
+                          <p:cTn id="9" fill="hold">
+                            <p:stCondLst>
+                              <p:cond delay="0"/>
+                            </p:stCondLst>
+                            <p:childTnLst>
+                              <p:par>
+                                <p:cTn id="10" presetID="10" presetClass="entr" presetSubtype="0" fill="hold" grpId="0" nodeType="clickEffect">
+                                  <p:stCondLst>
+                                    <p:cond delay="0"/>
+                                  </p:stCondLst>
+                                  <p:childTnLst>
+                                    <p:set>
+                                      <p:cBhvr>
+                                        <p:cTn id="11" dur="1" fill="hold">
+                                          <p:stCondLst>
+                                            <p:cond delay="0"/>
+                                          </p:stCondLst>
+                                        </p:cTn>
+                                        <p:tgtEl>
+                                          <p:spTgt spid="8"/>
+                                        </p:tgtEl>
+                                        <p:attrNameLst>
+                                          <p:attrName>style.visibility</p:attrName>
+                                        </p:attrNameLst>
+                                      </p:cBhvr>
+                                      <p:to>
+                                        <p:strVal val="visible"/>
+                                      </p:to>
+                                    </p:set>
+                                    <p:animEffect transition="in" filter="fade">
+                                      <p:cBhvr>
+                                        <p:cTn id="12" dur="500"/>
+                                        <p:tgtEl>
+                                          <p:spTgt spid="8"/>
+                                        </p:tgtEl>
+                                      </p:cBhvr>
+                                    </p:animEffect>
+                                  </p:childTnLst>
+                                </p:cTn>
+                              </p:par>
+                            </p:childTnLst>
+                          </p:cTn>
+                        </p:par>
+                      </p:childTnLst>
+                    </p:cTn>
+                  </p:par>
+                  <p:par>
+                    <p:cTn id="13" fill="hold">
+                      <p:stCondLst>
+                        <p:cond delay="indefinite"/>
+                      </p:stCondLst>
+                      <p:childTnLst>
+                        <p:par>
+                          <p:cTn id="14" fill="hold">
+                            <p:stCondLst>
+                              <p:cond delay="0"/>
+                            </p:stCondLst>
+                            <p:childTnLst>
+                              <p:par>
+                                <p:cTn id="15" presetID="10" presetClass="entr" presetSubtype="0" fill="hold" grpId="0" nodeType="clickEffect">
+                                  <p:stCondLst>
+                                    <p:cond delay="0"/>
+                                  </p:stCondLst>
+                                  <p:childTnLst>
+                                    <p:set>
+                                      <p:cBhvr>
+                                        <p:cTn id="16" dur="1" fill="hold">
+                                          <p:stCondLst>
+                                            <p:cond delay="0"/>
+                                          </p:stCondLst>
+                                        </p:cTn>
+                                        <p:tgtEl>
+                                          <p:spTgt spid="11"/>
+                                        </p:tgtEl>
+                                        <p:attrNameLst>
+                                          <p:attrName>style.visibility</p:attrName>
+                                        </p:attrNameLst>
+                                      </p:cBhvr>
+                                      <p:to>
+                                        <p:strVal val="visible"/>
+                                      </p:to>
+                                    </p:set>
+                                    <p:animEffect transition="in" filter="fade">
+                                      <p:cBhvr>
+                                        <p:cTn id="17" dur="500"/>
+                                        <p:tgtEl>
+                                          <p:spTgt spid="11"/>
+                                        </p:tgtEl>
+                                      </p:cBhvr>
+                                    </p:animEffect>
+                                  </p:childTnLst>
+                                </p:cTn>
+                              </p:par>
+                            </p:childTnLst>
+                          </p:cTn>
+                        </p:par>
+                      </p:childTnLst>
+                    </p:cTn>
+                  </p:par>
+                  <p:par>
+                    <p:cTn id="18" fill="hold">
+                      <p:stCondLst>
+                        <p:cond delay="indefinite"/>
+                      </p:stCondLst>
+                      <p:childTnLst>
+                        <p:par>
+                          <p:cTn id="19" fill="hold">
+                            <p:stCondLst>
+                              <p:cond delay="0"/>
+                            </p:stCondLst>
+                            <p:childTnLst>
+                              <p:par>
+                                <p:cTn id="20" presetID="10" presetClass="entr" presetSubtype="0" fill="hold" grpId="0" nodeType="clickEffect">
+                                  <p:stCondLst>
+                                    <p:cond delay="0"/>
+                                  </p:stCondLst>
+                                  <p:childTnLst>
+                                    <p:set>
+                                      <p:cBhvr>
+                                        <p:cTn id="21" dur="1" fill="hold">
+                                          <p:stCondLst>
+                                            <p:cond delay="0"/>
+                                          </p:stCondLst>
+                                        </p:cTn>
+                                        <p:tgtEl>
+                                          <p:spTgt spid="9"/>
+                                        </p:tgtEl>
+                                        <p:attrNameLst>
+                                          <p:attrName>style.visibility</p:attrName>
+                                        </p:attrNameLst>
+                                      </p:cBhvr>
+                                      <p:to>
+                                        <p:strVal val="visible"/>
+                                      </p:to>
+                                    </p:set>
+                                    <p:animEffect transition="in" filter="fade">
+                                      <p:cBhvr>
+                                        <p:cTn id="22" dur="500"/>
+                                        <p:tgtEl>
+                                          <p:spTgt spid="9"/>
+                                        </p:tgtEl>
+                                      </p:cBhvr>
+                                    </p:animEffect>
+                                  </p:childTnLst>
+                                </p:cTn>
+                              </p:par>
+                            </p:childTnLst>
+                          </p:cTn>
+                        </p:par>
+                      </p:childTnLst>
+                    </p:cTn>
+                  </p:par>
+                </p:childTnLst>
+              </p:cTn>
+              <p:prevCondLst>
+                <p:cond evt="onPrev" delay="0">
+                  <p:tgtEl>
+                    <p:sldTgt/>
+                  </p:tgtEl>
+                </p:cond>
+              </p:prevCondLst>
+              <p:nextCondLst>
+                <p:cond evt="onNext" delay="0">
+                  <p:tgtEl>
+                    <p:sldTgt/>
+                  </p:tgtEl>
+                </p:cond>
+              </p:nextCondLst>
+            </p:seq>
+          </p:childTnLst>
+        </p:cTn>
       </p:par>
     </p:tnLst>
+    <p:bldLst>
+      <p:bldP spid="6" grpId="0"/>
+      <p:bldP spid="8" grpId="0"/>
+      <p:bldP spid="9" grpId="0"/>
+      <p:bldP spid="11" grpId="0"/>
+    </p:bldLst>
   </p:timing>
 </p:sld>
 </file>
@@ -4237,13 +5226,7 @@
       </p:grpSpPr>
       <p:sp>
         <p:nvSpPr>
-          <p:cNvPr id="2" name="Title 1">
-            <a:extLst>
-              <a:ext uri="{FF2B5EF4-FFF2-40B4-BE49-F238E27FC236}">
-                <a16:creationId xmlns:a16="http://schemas.microsoft.com/office/drawing/2014/main" xmlns="" id="{135C05CA-8510-EF46-A677-9B58E00EB284}"/>
-              </a:ext>
-            </a:extLst>
-          </p:cNvPr>
+          <p:cNvPr id="2" name="Title 1"/>
           <p:cNvSpPr>
             <a:spLocks noGrp="1"/>
           </p:cNvSpPr>
@@ -4251,67 +5234,21 @@
             <p:ph type="title"/>
           </p:nvPr>
         </p:nvSpPr>
-        <p:spPr>
-          <a:xfrm>
-            <a:off x="628650" y="308135"/>
-            <a:ext cx="7886700" cy="452662"/>
-          </a:xfrm>
-        </p:spPr>
+        <p:spPr/>
         <p:txBody>
           <a:bodyPr/>
           <a:lstStyle/>
           <a:p>
             <a:r>
-              <a:rPr lang="vi-VN" dirty="0"/>
-              <a:t>Evaluation Methods</a:t>
-            </a:r>
-            <a:endParaRPr lang="en-US" dirty="0"/>
+              <a:rPr lang="en-US" dirty="0"/>
+              <a:t>Naive Bayes classifier</a:t>
+            </a:r>
           </a:p>
         </p:txBody>
       </p:sp>
       <p:sp>
         <p:nvSpPr>
-          <p:cNvPr id="3" name="Content Placeholder 2">
-            <a:extLst>
-              <a:ext uri="{FF2B5EF4-FFF2-40B4-BE49-F238E27FC236}">
-                <a16:creationId xmlns:a16="http://schemas.microsoft.com/office/drawing/2014/main" xmlns="" id="{78488572-3041-9141-BAB8-96E34031C5BC}"/>
-              </a:ext>
-            </a:extLst>
-          </p:cNvPr>
-          <p:cNvSpPr>
-            <a:spLocks noGrp="1"/>
-          </p:cNvSpPr>
-          <p:nvPr>
-            <p:ph idx="1"/>
-          </p:nvPr>
-        </p:nvSpPr>
-        <p:spPr/>
-        <p:txBody>
-          <a:bodyPr/>
-          <a:lstStyle/>
-          <a:p>
-            <a:r>
-              <a:rPr lang="en-US" dirty="0">
-                <a:hlinkClick r:id="rId2"/>
-              </a:rPr>
-              <a:t>https://machinelearningcoban.com/2017/08/31/evaluation/</a:t>
-            </a:r>
-            <a:endParaRPr lang="vi-VN" dirty="0"/>
-          </a:p>
-          <a:p>
-            <a:endParaRPr lang="en-US" dirty="0"/>
-          </a:p>
-        </p:txBody>
-      </p:sp>
-      <p:sp>
-        <p:nvSpPr>
-          <p:cNvPr id="4" name="Footer Placeholder 3">
-            <a:extLst>
-              <a:ext uri="{FF2B5EF4-FFF2-40B4-BE49-F238E27FC236}">
-                <a16:creationId xmlns:a16="http://schemas.microsoft.com/office/drawing/2014/main" xmlns="" id="{63461E74-1AE3-EB40-A481-209D9A5EC4B8}"/>
-              </a:ext>
-            </a:extLst>
-          </p:cNvPr>
+          <p:cNvPr id="4" name="Footer Placeholder 3"/>
           <p:cNvSpPr>
             <a:spLocks noGrp="1"/>
           </p:cNvSpPr>
@@ -4324,19 +5261,21 @@
           <a:bodyPr/>
           <a:lstStyle/>
           <a:p>
+            <a:r>
+              <a:rPr lang="en-US" dirty="0"/>
+              <a:t>Naive Bayes </a:t>
+            </a:r>
+            <a:r>
+              <a:rPr lang="en-US" dirty="0" smtClean="0"/>
+              <a:t>classifier</a:t>
+            </a:r>
             <a:endParaRPr lang="en-US" dirty="0"/>
           </a:p>
         </p:txBody>
       </p:sp>
       <p:sp>
         <p:nvSpPr>
-          <p:cNvPr id="5" name="Slide Number Placeholder 4">
-            <a:extLst>
-              <a:ext uri="{FF2B5EF4-FFF2-40B4-BE49-F238E27FC236}">
-                <a16:creationId xmlns:a16="http://schemas.microsoft.com/office/drawing/2014/main" xmlns="" id="{2DECD09F-D640-FE42-9D30-090A749E5D12}"/>
-              </a:ext>
-            </a:extLst>
-          </p:cNvPr>
+          <p:cNvPr id="5" name="Slide Number Placeholder 4"/>
           <p:cNvSpPr>
             <a:spLocks noGrp="1"/>
           </p:cNvSpPr>
@@ -4358,10 +5297,1087 @@
           </a:p>
         </p:txBody>
       </p:sp>
+      <mc:AlternateContent xmlns:mc="http://schemas.openxmlformats.org/markup-compatibility/2006">
+        <mc:Choice xmlns:a14="http://schemas.microsoft.com/office/drawing/2010/main" Requires="a14">
+          <p:sp>
+            <p:nvSpPr>
+              <p:cNvPr id="6" name="TextBox 5"/>
+              <p:cNvSpPr txBox="1"/>
+              <p:nvPr/>
+            </p:nvSpPr>
+            <p:spPr>
+              <a:xfrm>
+                <a:off x="258554" y="1536565"/>
+                <a:ext cx="8390759" cy="717184"/>
+              </a:xfrm>
+              <a:prstGeom prst="rect">
+                <a:avLst/>
+              </a:prstGeom>
+              <a:noFill/>
+            </p:spPr>
+            <p:txBody>
+              <a:bodyPr wrap="none" lIns="0" tIns="0" rIns="0" bIns="0" rtlCol="0">
+                <a:spAutoFit/>
+              </a:bodyPr>
+              <a:lstStyle/>
+              <a:p>
+                <a14:m>
+                  <m:oMathPara xmlns:m="http://schemas.openxmlformats.org/officeDocument/2006/math">
+                    <m:oMathParaPr>
+                      <m:jc m:val="centerGroup"/>
+                    </m:oMathParaPr>
+                    <m:oMath xmlns:m="http://schemas.openxmlformats.org/officeDocument/2006/math">
+                      <m:r>
+                        <a:rPr lang="en-US" sz="2200" b="0" i="1" smtClean="0">
+                          <a:latin typeface="Cambria Math" panose="02040503050406030204" pitchFamily="18" charset="0"/>
+                        </a:rPr>
+                        <m:t>𝐶</m:t>
+                      </m:r>
+                      <m:r>
+                        <a:rPr lang="en-US" sz="2200" b="0" i="1" smtClean="0">
+                          <a:latin typeface="Cambria Math" panose="02040503050406030204" pitchFamily="18" charset="0"/>
+                        </a:rPr>
+                        <m:t>=</m:t>
+                      </m:r>
+                      <m:r>
+                        <a:rPr lang="en-US" sz="2200" b="0" i="1" smtClean="0">
+                          <a:latin typeface="Cambria Math" panose="02040503050406030204" pitchFamily="18" charset="0"/>
+                        </a:rPr>
+                        <m:t>𝑎𝑟𝑔𝑚𝑎𝑥</m:t>
+                      </m:r>
+                      <m:r>
+                        <a:rPr lang="en-US" sz="2200" b="0" i="1" smtClean="0">
+                          <a:latin typeface="Cambria Math" panose="02040503050406030204" pitchFamily="18" charset="0"/>
+                        </a:rPr>
+                        <m:t> </m:t>
+                      </m:r>
+                      <m:r>
+                        <a:rPr lang="en-US" sz="2200" b="0" i="1" smtClean="0">
+                          <a:latin typeface="Cambria Math" panose="02040503050406030204" pitchFamily="18" charset="0"/>
+                        </a:rPr>
+                        <m:t>𝑃</m:t>
+                      </m:r>
+                      <m:d>
+                        <m:dPr>
+                          <m:ctrlPr>
+                            <a:rPr lang="en-US" sz="2200" b="0" i="1" smtClean="0">
+                              <a:latin typeface="Cambria Math" panose="02040503050406030204" pitchFamily="18" charset="0"/>
+                            </a:rPr>
+                          </m:ctrlPr>
+                        </m:dPr>
+                        <m:e>
+                          <m:r>
+                            <a:rPr lang="en-US" sz="2200" b="0" i="1" smtClean="0">
+                              <a:latin typeface="Cambria Math" panose="02040503050406030204" pitchFamily="18" charset="0"/>
+                            </a:rPr>
+                            <m:t>𝐶</m:t>
+                          </m:r>
+                        </m:e>
+                        <m:e>
+                          <m:r>
+                            <a:rPr lang="en-US" sz="2200" b="0" i="1" smtClean="0">
+                              <a:latin typeface="Cambria Math" panose="02040503050406030204" pitchFamily="18" charset="0"/>
+                            </a:rPr>
+                            <m:t>𝑋</m:t>
+                          </m:r>
+                        </m:e>
+                      </m:d>
+                      <m:r>
+                        <a:rPr lang="en-US" sz="2200" b="0" i="1" smtClean="0">
+                          <a:latin typeface="Cambria Math" panose="02040503050406030204" pitchFamily="18" charset="0"/>
+                        </a:rPr>
+                        <m:t>=</m:t>
+                      </m:r>
+                      <m:r>
+                        <a:rPr lang="en-US" sz="2200" b="0" i="1" smtClean="0">
+                          <a:latin typeface="Cambria Math" panose="02040503050406030204" pitchFamily="18" charset="0"/>
+                        </a:rPr>
+                        <m:t>𝑎𝑟𝑔𝑚𝑎𝑥</m:t>
+                      </m:r>
+                      <m:f>
+                        <m:fPr>
+                          <m:ctrlPr>
+                            <a:rPr lang="en-US" sz="2200" b="0" i="1" smtClean="0">
+                              <a:latin typeface="Cambria Math" panose="02040503050406030204" pitchFamily="18" charset="0"/>
+                            </a:rPr>
+                          </m:ctrlPr>
+                        </m:fPr>
+                        <m:num>
+                          <m:r>
+                            <a:rPr lang="en-US" sz="2200" b="0" i="1" smtClean="0">
+                              <a:latin typeface="Cambria Math" panose="02040503050406030204" pitchFamily="18" charset="0"/>
+                            </a:rPr>
+                            <m:t>𝑃</m:t>
+                          </m:r>
+                          <m:d>
+                            <m:dPr>
+                              <m:ctrlPr>
+                                <a:rPr lang="en-US" sz="2200" b="0" i="1" smtClean="0">
+                                  <a:latin typeface="Cambria Math" panose="02040503050406030204" pitchFamily="18" charset="0"/>
+                                </a:rPr>
+                              </m:ctrlPr>
+                            </m:dPr>
+                            <m:e>
+                              <m:r>
+                                <a:rPr lang="en-US" sz="2200" b="0" i="1" smtClean="0">
+                                  <a:latin typeface="Cambria Math" panose="02040503050406030204" pitchFamily="18" charset="0"/>
+                                </a:rPr>
+                                <m:t>𝑋</m:t>
+                              </m:r>
+                            </m:e>
+                            <m:e>
+                              <m:r>
+                                <a:rPr lang="en-US" sz="2200" b="0" i="1" smtClean="0">
+                                  <a:latin typeface="Cambria Math" panose="02040503050406030204" pitchFamily="18" charset="0"/>
+                                </a:rPr>
+                                <m:t>𝐶</m:t>
+                              </m:r>
+                            </m:e>
+                          </m:d>
+                          <m:r>
+                            <a:rPr lang="en-US" sz="2200" b="0" i="1" smtClean="0">
+                              <a:latin typeface="Cambria Math" panose="02040503050406030204" pitchFamily="18" charset="0"/>
+                            </a:rPr>
+                            <m:t>𝑃</m:t>
+                          </m:r>
+                          <m:r>
+                            <a:rPr lang="en-US" sz="2200" b="0" i="1" smtClean="0">
+                              <a:latin typeface="Cambria Math" panose="02040503050406030204" pitchFamily="18" charset="0"/>
+                            </a:rPr>
+                            <m:t>(</m:t>
+                          </m:r>
+                          <m:r>
+                            <a:rPr lang="en-US" sz="2200" b="0" i="1" smtClean="0">
+                              <a:latin typeface="Cambria Math" panose="02040503050406030204" pitchFamily="18" charset="0"/>
+                            </a:rPr>
+                            <m:t>𝐶</m:t>
+                          </m:r>
+                          <m:r>
+                            <a:rPr lang="en-US" sz="2200" b="0" i="1" smtClean="0">
+                              <a:latin typeface="Cambria Math" panose="02040503050406030204" pitchFamily="18" charset="0"/>
+                            </a:rPr>
+                            <m:t>)</m:t>
+                          </m:r>
+                        </m:num>
+                        <m:den>
+                          <m:r>
+                            <a:rPr lang="en-US" sz="2200" b="0" i="1" smtClean="0">
+                              <a:latin typeface="Cambria Math" panose="02040503050406030204" pitchFamily="18" charset="0"/>
+                            </a:rPr>
+                            <m:t>𝑃</m:t>
+                          </m:r>
+                          <m:r>
+                            <a:rPr lang="en-US" sz="2200" b="0" i="1" smtClean="0">
+                              <a:latin typeface="Cambria Math" panose="02040503050406030204" pitchFamily="18" charset="0"/>
+                            </a:rPr>
+                            <m:t>(</m:t>
+                          </m:r>
+                          <m:r>
+                            <a:rPr lang="en-US" sz="2200" b="0" i="1" smtClean="0">
+                              <a:latin typeface="Cambria Math" panose="02040503050406030204" pitchFamily="18" charset="0"/>
+                            </a:rPr>
+                            <m:t>𝑋</m:t>
+                          </m:r>
+                          <m:r>
+                            <a:rPr lang="en-US" sz="2200" b="0" i="1" smtClean="0">
+                              <a:latin typeface="Cambria Math" panose="02040503050406030204" pitchFamily="18" charset="0"/>
+                            </a:rPr>
+                            <m:t>)</m:t>
+                          </m:r>
+                        </m:den>
+                      </m:f>
+                      <m:r>
+                        <a:rPr lang="en-US" sz="2200" b="0" i="1" smtClean="0">
+                          <a:latin typeface="Cambria Math" panose="02040503050406030204" pitchFamily="18" charset="0"/>
+                        </a:rPr>
+                        <m:t>=</m:t>
+                      </m:r>
+                      <m:r>
+                        <a:rPr lang="en-US" sz="2200" b="0" i="1" smtClean="0">
+                          <a:latin typeface="Cambria Math" panose="02040503050406030204" pitchFamily="18" charset="0"/>
+                        </a:rPr>
+                        <m:t>𝑎𝑟𝑔𝑚𝑎𝑥</m:t>
+                      </m:r>
+                      <m:r>
+                        <a:rPr lang="en-US" sz="2200" b="0" i="1" smtClean="0">
+                          <a:latin typeface="Cambria Math" panose="02040503050406030204" pitchFamily="18" charset="0"/>
+                        </a:rPr>
+                        <m:t> </m:t>
+                      </m:r>
+                      <m:r>
+                        <a:rPr lang="en-US" sz="2200" b="0" i="1" smtClean="0">
+                          <a:latin typeface="Cambria Math" panose="02040503050406030204" pitchFamily="18" charset="0"/>
+                        </a:rPr>
+                        <m:t>𝑃</m:t>
+                      </m:r>
+                      <m:d>
+                        <m:dPr>
+                          <m:ctrlPr>
+                            <a:rPr lang="en-US" sz="2200" b="0" i="1" smtClean="0">
+                              <a:latin typeface="Cambria Math" panose="02040503050406030204" pitchFamily="18" charset="0"/>
+                            </a:rPr>
+                          </m:ctrlPr>
+                        </m:dPr>
+                        <m:e>
+                          <m:r>
+                            <a:rPr lang="en-US" sz="2200" b="0" i="1" smtClean="0">
+                              <a:latin typeface="Cambria Math" panose="02040503050406030204" pitchFamily="18" charset="0"/>
+                            </a:rPr>
+                            <m:t>𝑋</m:t>
+                          </m:r>
+                        </m:e>
+                        <m:e>
+                          <m:r>
+                            <a:rPr lang="en-US" sz="2200" b="0" i="1" smtClean="0">
+                              <a:latin typeface="Cambria Math" panose="02040503050406030204" pitchFamily="18" charset="0"/>
+                            </a:rPr>
+                            <m:t>𝐶</m:t>
+                          </m:r>
+                        </m:e>
+                      </m:d>
+                      <m:r>
+                        <a:rPr lang="en-US" sz="2200" b="0" i="1" smtClean="0">
+                          <a:latin typeface="Cambria Math" panose="02040503050406030204" pitchFamily="18" charset="0"/>
+                        </a:rPr>
+                        <m:t>𝑃</m:t>
+                      </m:r>
+                      <m:r>
+                        <a:rPr lang="en-US" sz="2200" b="0" i="1" smtClean="0">
+                          <a:latin typeface="Cambria Math" panose="02040503050406030204" pitchFamily="18" charset="0"/>
+                        </a:rPr>
+                        <m:t>(</m:t>
+                      </m:r>
+                      <m:r>
+                        <a:rPr lang="en-US" sz="2200" b="0" i="1" smtClean="0">
+                          <a:latin typeface="Cambria Math" panose="02040503050406030204" pitchFamily="18" charset="0"/>
+                        </a:rPr>
+                        <m:t>𝐶</m:t>
+                      </m:r>
+                      <m:r>
+                        <a:rPr lang="en-US" sz="2200" b="0" i="1" smtClean="0">
+                          <a:latin typeface="Cambria Math" panose="02040503050406030204" pitchFamily="18" charset="0"/>
+                        </a:rPr>
+                        <m:t>)</m:t>
+                      </m:r>
+                    </m:oMath>
+                  </m:oMathPara>
+                </a14:m>
+                <a:endParaRPr lang="en-US" sz="2200" b="0" dirty="0" smtClean="0"/>
+              </a:p>
+            </p:txBody>
+          </p:sp>
+        </mc:Choice>
+        <mc:Fallback>
+          <p:sp>
+            <p:nvSpPr>
+              <p:cNvPr id="6" name="TextBox 5"/>
+              <p:cNvSpPr txBox="1">
+                <a:spLocks noRot="1" noChangeAspect="1" noMove="1" noResize="1" noEditPoints="1" noAdjustHandles="1" noChangeArrowheads="1" noChangeShapeType="1" noTextEdit="1"/>
+              </p:cNvSpPr>
+              <p:nvPr/>
+            </p:nvSpPr>
+            <p:spPr>
+              <a:xfrm>
+                <a:off x="258554" y="1536565"/>
+                <a:ext cx="8390759" cy="717184"/>
+              </a:xfrm>
+              <a:prstGeom prst="rect">
+                <a:avLst/>
+              </a:prstGeom>
+              <a:blipFill rotWithShape="0">
+                <a:blip r:embed="rId2"/>
+                <a:stretch>
+                  <a:fillRect/>
+                </a:stretch>
+              </a:blipFill>
+            </p:spPr>
+            <p:txBody>
+              <a:bodyPr/>
+              <a:lstStyle/>
+              <a:p>
+                <a:r>
+                  <a:rPr lang="en-US">
+                    <a:noFill/>
+                  </a:rPr>
+                  <a:t> </a:t>
+                </a:r>
+              </a:p>
+            </p:txBody>
+          </p:sp>
+        </mc:Fallback>
+      </mc:AlternateContent>
+      <mc:AlternateContent xmlns:mc="http://schemas.openxmlformats.org/markup-compatibility/2006">
+        <mc:Choice xmlns:a14="http://schemas.microsoft.com/office/drawing/2010/main" Requires="a14">
+          <p:sp>
+            <p:nvSpPr>
+              <p:cNvPr id="7" name="TextBox 6"/>
+              <p:cNvSpPr txBox="1"/>
+              <p:nvPr/>
+            </p:nvSpPr>
+            <p:spPr>
+              <a:xfrm>
+                <a:off x="258554" y="2656872"/>
+                <a:ext cx="8885446" cy="526683"/>
+              </a:xfrm>
+              <a:prstGeom prst="rect">
+                <a:avLst/>
+              </a:prstGeom>
+              <a:noFill/>
+            </p:spPr>
+            <p:txBody>
+              <a:bodyPr wrap="none" lIns="0" tIns="0" rIns="0" bIns="0" rtlCol="0">
+                <a:spAutoFit/>
+              </a:bodyPr>
+              <a:lstStyle/>
+              <a:p>
+                <a14:m>
+                  <m:oMathPara xmlns:m="http://schemas.openxmlformats.org/officeDocument/2006/math">
+                    <m:oMathParaPr>
+                      <m:jc m:val="centerGroup"/>
+                    </m:oMathParaPr>
+                    <m:oMath xmlns:m="http://schemas.openxmlformats.org/officeDocument/2006/math">
+                      <m:r>
+                        <a:rPr lang="en-US" b="0" i="1" smtClean="0">
+                          <a:latin typeface="Cambria Math" panose="02040503050406030204" pitchFamily="18" charset="0"/>
+                        </a:rPr>
+                        <m:t>𝑃</m:t>
+                      </m:r>
+                      <m:d>
+                        <m:dPr>
+                          <m:ctrlPr>
+                            <a:rPr lang="en-US" b="0" i="1" smtClean="0">
+                              <a:latin typeface="Cambria Math" panose="02040503050406030204" pitchFamily="18" charset="0"/>
+                            </a:rPr>
+                          </m:ctrlPr>
+                        </m:dPr>
+                        <m:e>
+                          <m:r>
+                            <a:rPr lang="en-US" b="0" i="1" smtClean="0">
+                              <a:latin typeface="Cambria Math" panose="02040503050406030204" pitchFamily="18" charset="0"/>
+                            </a:rPr>
+                            <m:t>𝐶</m:t>
+                          </m:r>
+                        </m:e>
+                      </m:d>
+                      <m:r>
+                        <a:rPr lang="en-US" b="0" i="1" smtClean="0">
+                          <a:latin typeface="Cambria Math" panose="02040503050406030204" pitchFamily="18" charset="0"/>
+                        </a:rPr>
+                        <m:t>= </m:t>
+                      </m:r>
+                      <m:f>
+                        <m:fPr>
+                          <m:ctrlPr>
+                            <a:rPr lang="en-US" b="0" i="1" smtClean="0">
+                              <a:latin typeface="Cambria Math" panose="02040503050406030204" pitchFamily="18" charset="0"/>
+                            </a:rPr>
+                          </m:ctrlPr>
+                        </m:fPr>
+                        <m:num>
+                          <m:r>
+                            <a:rPr lang="en-US" b="0" i="1" smtClean="0">
+                              <a:latin typeface="Cambria Math" panose="02040503050406030204" pitchFamily="18" charset="0"/>
+                            </a:rPr>
+                            <m:t>𝑁𝑢𝑚𝑏𝑒𝑟</m:t>
+                          </m:r>
+                          <m:r>
+                            <a:rPr lang="en-US" b="0" i="1" smtClean="0">
+                              <a:latin typeface="Cambria Math" panose="02040503050406030204" pitchFamily="18" charset="0"/>
+                            </a:rPr>
+                            <m:t> </m:t>
+                          </m:r>
+                          <m:r>
+                            <a:rPr lang="en-US" b="0" i="1" smtClean="0">
+                              <a:latin typeface="Cambria Math" panose="02040503050406030204" pitchFamily="18" charset="0"/>
+                            </a:rPr>
+                            <m:t>𝑜𝑓</m:t>
+                          </m:r>
+                          <m:r>
+                            <a:rPr lang="en-US" b="0" i="1" smtClean="0">
+                              <a:latin typeface="Cambria Math" panose="02040503050406030204" pitchFamily="18" charset="0"/>
+                            </a:rPr>
+                            <m:t> </m:t>
+                          </m:r>
+                          <m:r>
+                            <a:rPr lang="en-US" b="0" i="1" smtClean="0">
+                              <a:latin typeface="Cambria Math" panose="02040503050406030204" pitchFamily="18" charset="0"/>
+                            </a:rPr>
+                            <m:t>𝐷𝑎𝑡𝑎</m:t>
+                          </m:r>
+                          <m:r>
+                            <a:rPr lang="en-US" b="0" i="1" smtClean="0">
+                              <a:latin typeface="Cambria Math" panose="02040503050406030204" pitchFamily="18" charset="0"/>
+                            </a:rPr>
+                            <m:t> </m:t>
+                          </m:r>
+                          <m:r>
+                            <a:rPr lang="en-US" b="0" i="1" smtClean="0">
+                              <a:latin typeface="Cambria Math" panose="02040503050406030204" pitchFamily="18" charset="0"/>
+                            </a:rPr>
+                            <m:t>𝑏𝑒𝑙𝑜𝑛𝑔𝑖𝑛𝑔</m:t>
+                          </m:r>
+                          <m:r>
+                            <a:rPr lang="en-US" b="0" i="1" smtClean="0">
+                              <a:latin typeface="Cambria Math" panose="02040503050406030204" pitchFamily="18" charset="0"/>
+                            </a:rPr>
+                            <m:t> </m:t>
+                          </m:r>
+                          <m:r>
+                            <a:rPr lang="en-US" b="0" i="1" smtClean="0">
+                              <a:latin typeface="Cambria Math" panose="02040503050406030204" pitchFamily="18" charset="0"/>
+                            </a:rPr>
+                            <m:t>𝑡𝑜</m:t>
+                          </m:r>
+                          <m:r>
+                            <a:rPr lang="en-US" b="0" i="1" smtClean="0">
+                              <a:latin typeface="Cambria Math" panose="02040503050406030204" pitchFamily="18" charset="0"/>
+                            </a:rPr>
+                            <m:t> </m:t>
+                          </m:r>
+                          <m:r>
+                            <a:rPr lang="en-US" b="0" i="1" smtClean="0">
+                              <a:latin typeface="Cambria Math" panose="02040503050406030204" pitchFamily="18" charset="0"/>
+                            </a:rPr>
+                            <m:t>𝑐𝑙𝑎𝑠𝑠</m:t>
+                          </m:r>
+                          <m:r>
+                            <a:rPr lang="en-US" b="0" i="1" smtClean="0">
+                              <a:latin typeface="Cambria Math" panose="02040503050406030204" pitchFamily="18" charset="0"/>
+                            </a:rPr>
+                            <m:t> </m:t>
+                          </m:r>
+                          <m:r>
+                            <a:rPr lang="en-US" b="0" i="1" smtClean="0">
+                              <a:latin typeface="Cambria Math" panose="02040503050406030204" pitchFamily="18" charset="0"/>
+                            </a:rPr>
+                            <m:t>𝐶</m:t>
+                          </m:r>
+                        </m:num>
+                        <m:den>
+                          <m:r>
+                            <a:rPr lang="en-US" b="0" i="1" smtClean="0">
+                              <a:latin typeface="Cambria Math" panose="02040503050406030204" pitchFamily="18" charset="0"/>
+                            </a:rPr>
+                            <m:t>𝑁𝑢𝑚𝑏𝑒𝑟</m:t>
+                          </m:r>
+                          <m:r>
+                            <a:rPr lang="en-US" b="0" i="1" smtClean="0">
+                              <a:latin typeface="Cambria Math" panose="02040503050406030204" pitchFamily="18" charset="0"/>
+                            </a:rPr>
+                            <m:t> </m:t>
+                          </m:r>
+                          <m:r>
+                            <a:rPr lang="en-US" b="0" i="1" smtClean="0">
+                              <a:latin typeface="Cambria Math" panose="02040503050406030204" pitchFamily="18" charset="0"/>
+                            </a:rPr>
+                            <m:t>𝑂𝑏𝑠𝑒𝑟𝑣𝑎𝑡𝑖𝑜𝑛𝑠</m:t>
+                          </m:r>
+                        </m:den>
+                      </m:f>
+                      <m:r>
+                        <a:rPr lang="en-US" b="0" i="1" smtClean="0">
+                          <a:latin typeface="Cambria Math" panose="02040503050406030204" pitchFamily="18" charset="0"/>
+                        </a:rPr>
+                        <m:t>⇒</m:t>
+                      </m:r>
+                      <m:r>
+                        <a:rPr lang="en-US" b="0" i="1" smtClean="0">
+                          <a:solidFill>
+                            <a:srgbClr val="FF0000"/>
+                          </a:solidFill>
+                          <a:latin typeface="Cambria Math" panose="02040503050406030204" pitchFamily="18" charset="0"/>
+                        </a:rPr>
+                        <m:t>𝑀𝑎𝑥𝑖𝑚𝑢𝑚</m:t>
+                      </m:r>
+                      <m:r>
+                        <a:rPr lang="en-US" b="0" i="1" smtClean="0">
+                          <a:solidFill>
+                            <a:srgbClr val="FF0000"/>
+                          </a:solidFill>
+                          <a:latin typeface="Cambria Math" panose="02040503050406030204" pitchFamily="18" charset="0"/>
+                        </a:rPr>
+                        <m:t> </m:t>
+                      </m:r>
+                      <m:r>
+                        <a:rPr lang="en-US" b="0" i="1" smtClean="0">
+                          <a:solidFill>
+                            <a:srgbClr val="FF0000"/>
+                          </a:solidFill>
+                          <a:latin typeface="Cambria Math" panose="02040503050406030204" pitchFamily="18" charset="0"/>
+                        </a:rPr>
+                        <m:t>𝑙𝑖𝑘𝑒𝑙𝑖h𝑜𝑜𝑑</m:t>
+                      </m:r>
+                      <m:r>
+                        <a:rPr lang="en-US" b="0" i="1" smtClean="0">
+                          <a:solidFill>
+                            <a:srgbClr val="FF0000"/>
+                          </a:solidFill>
+                          <a:latin typeface="Cambria Math" panose="02040503050406030204" pitchFamily="18" charset="0"/>
+                        </a:rPr>
+                        <m:t> </m:t>
+                      </m:r>
+                      <m:r>
+                        <a:rPr lang="en-US" b="0" i="1" smtClean="0">
+                          <a:solidFill>
+                            <a:srgbClr val="FF0000"/>
+                          </a:solidFill>
+                          <a:latin typeface="Cambria Math" panose="02040503050406030204" pitchFamily="18" charset="0"/>
+                        </a:rPr>
+                        <m:t>𝑒𝑠𝑡𝑖𝑚𝑎𝑡𝑒</m:t>
+                      </m:r>
+                      <m:r>
+                        <a:rPr lang="en-US" b="0" i="1" smtClean="0">
+                          <a:latin typeface="Cambria Math" panose="02040503050406030204" pitchFamily="18" charset="0"/>
+                        </a:rPr>
+                        <m:t>(</m:t>
+                      </m:r>
+                      <m:r>
+                        <a:rPr lang="en-US" b="0" i="1" smtClean="0">
+                          <a:latin typeface="Cambria Math" panose="02040503050406030204" pitchFamily="18" charset="0"/>
+                        </a:rPr>
+                        <m:t>𝑀𝐿𝐸</m:t>
+                      </m:r>
+                      <m:r>
+                        <a:rPr lang="en-US" b="0" i="1" smtClean="0">
+                          <a:latin typeface="Cambria Math" panose="02040503050406030204" pitchFamily="18" charset="0"/>
+                        </a:rPr>
+                        <m:t>)</m:t>
+                      </m:r>
+                    </m:oMath>
+                  </m:oMathPara>
+                </a14:m>
+                <a:endParaRPr lang="en-US" dirty="0"/>
+              </a:p>
+            </p:txBody>
+          </p:sp>
+        </mc:Choice>
+        <mc:Fallback>
+          <p:sp>
+            <p:nvSpPr>
+              <p:cNvPr id="7" name="TextBox 6"/>
+              <p:cNvSpPr txBox="1">
+                <a:spLocks noRot="1" noChangeAspect="1" noMove="1" noResize="1" noEditPoints="1" noAdjustHandles="1" noChangeArrowheads="1" noChangeShapeType="1" noTextEdit="1"/>
+              </p:cNvSpPr>
+              <p:nvPr/>
+            </p:nvSpPr>
+            <p:spPr>
+              <a:xfrm>
+                <a:off x="258554" y="2656872"/>
+                <a:ext cx="8885446" cy="526683"/>
+              </a:xfrm>
+              <a:prstGeom prst="rect">
+                <a:avLst/>
+              </a:prstGeom>
+              <a:blipFill rotWithShape="0">
+                <a:blip r:embed="rId3"/>
+                <a:stretch>
+                  <a:fillRect/>
+                </a:stretch>
+              </a:blipFill>
+            </p:spPr>
+            <p:txBody>
+              <a:bodyPr/>
+              <a:lstStyle/>
+              <a:p>
+                <a:r>
+                  <a:rPr lang="en-US">
+                    <a:noFill/>
+                  </a:rPr>
+                  <a:t> </a:t>
+                </a:r>
+              </a:p>
+            </p:txBody>
+          </p:sp>
+        </mc:Fallback>
+      </mc:AlternateContent>
+      <mc:AlternateContent xmlns:mc="http://schemas.openxmlformats.org/markup-compatibility/2006">
+        <mc:Choice xmlns:a14="http://schemas.microsoft.com/office/drawing/2010/main" Requires="a14">
+          <p:sp>
+            <p:nvSpPr>
+              <p:cNvPr id="8" name="TextBox 7"/>
+              <p:cNvSpPr txBox="1"/>
+              <p:nvPr/>
+            </p:nvSpPr>
+            <p:spPr>
+              <a:xfrm>
+                <a:off x="258554" y="3466647"/>
+                <a:ext cx="1155573" cy="276999"/>
+              </a:xfrm>
+              <a:prstGeom prst="rect">
+                <a:avLst/>
+              </a:prstGeom>
+              <a:noFill/>
+            </p:spPr>
+            <p:txBody>
+              <a:bodyPr wrap="none" lIns="0" tIns="0" rIns="0" bIns="0" rtlCol="0">
+                <a:spAutoFit/>
+              </a:bodyPr>
+              <a:lstStyle/>
+              <a:p>
+                <a14:m>
+                  <m:oMathPara xmlns:m="http://schemas.openxmlformats.org/officeDocument/2006/math">
+                    <m:oMathParaPr>
+                      <m:jc m:val="centerGroup"/>
+                    </m:oMathParaPr>
+                    <m:oMath xmlns:m="http://schemas.openxmlformats.org/officeDocument/2006/math">
+                      <m:r>
+                        <a:rPr lang="en-US" b="0" i="1" smtClean="0">
+                          <a:latin typeface="Cambria Math" panose="02040503050406030204" pitchFamily="18" charset="0"/>
+                        </a:rPr>
+                        <m:t>𝑃</m:t>
+                      </m:r>
+                      <m:d>
+                        <m:dPr>
+                          <m:ctrlPr>
+                            <a:rPr lang="en-US" b="0" i="1" smtClean="0">
+                              <a:latin typeface="Cambria Math" panose="02040503050406030204" pitchFamily="18" charset="0"/>
+                            </a:rPr>
+                          </m:ctrlPr>
+                        </m:dPr>
+                        <m:e>
+                          <m:r>
+                            <a:rPr lang="en-US" b="0" i="1" smtClean="0">
+                              <a:latin typeface="Cambria Math" panose="02040503050406030204" pitchFamily="18" charset="0"/>
+                            </a:rPr>
+                            <m:t>𝑋</m:t>
+                          </m:r>
+                          <m:r>
+                            <a:rPr lang="en-US" b="0" i="1" smtClean="0">
+                              <a:latin typeface="Cambria Math" panose="02040503050406030204" pitchFamily="18" charset="0"/>
+                            </a:rPr>
+                            <m:t>|</m:t>
+                          </m:r>
+                          <m:r>
+                            <a:rPr lang="en-US" b="0" i="1" smtClean="0">
+                              <a:latin typeface="Cambria Math" panose="02040503050406030204" pitchFamily="18" charset="0"/>
+                            </a:rPr>
+                            <m:t>𝐶</m:t>
+                          </m:r>
+                        </m:e>
+                      </m:d>
+                      <m:r>
+                        <a:rPr lang="en-US" b="0" i="1" smtClean="0">
+                          <a:latin typeface="Cambria Math" panose="02040503050406030204" pitchFamily="18" charset="0"/>
+                        </a:rPr>
+                        <m:t>= ?</m:t>
+                      </m:r>
+                    </m:oMath>
+                  </m:oMathPara>
+                </a14:m>
+                <a:endParaRPr lang="en-US" dirty="0"/>
+              </a:p>
+            </p:txBody>
+          </p:sp>
+        </mc:Choice>
+        <mc:Fallback>
+          <p:sp>
+            <p:nvSpPr>
+              <p:cNvPr id="8" name="TextBox 7"/>
+              <p:cNvSpPr txBox="1">
+                <a:spLocks noRot="1" noChangeAspect="1" noMove="1" noResize="1" noEditPoints="1" noAdjustHandles="1" noChangeArrowheads="1" noChangeShapeType="1" noTextEdit="1"/>
+              </p:cNvSpPr>
+              <p:nvPr/>
+            </p:nvSpPr>
+            <p:spPr>
+              <a:xfrm>
+                <a:off x="258554" y="3466647"/>
+                <a:ext cx="1155573" cy="276999"/>
+              </a:xfrm>
+              <a:prstGeom prst="rect">
+                <a:avLst/>
+              </a:prstGeom>
+              <a:blipFill rotWithShape="0">
+                <a:blip r:embed="rId4"/>
+                <a:stretch>
+                  <a:fillRect l="-4211" t="-4444" r="-4211" b="-35556"/>
+                </a:stretch>
+              </a:blipFill>
+            </p:spPr>
+            <p:txBody>
+              <a:bodyPr/>
+              <a:lstStyle/>
+              <a:p>
+                <a:r>
+                  <a:rPr lang="en-US">
+                    <a:noFill/>
+                  </a:rPr>
+                  <a:t> </a:t>
+                </a:r>
+              </a:p>
+            </p:txBody>
+          </p:sp>
+        </mc:Fallback>
+      </mc:AlternateContent>
+      <mc:AlternateContent xmlns:mc="http://schemas.openxmlformats.org/markup-compatibility/2006">
+        <mc:Choice xmlns:a14="http://schemas.microsoft.com/office/drawing/2010/main" Requires="a14">
+          <p:sp>
+            <p:nvSpPr>
+              <p:cNvPr id="10" name="Rectangle 9"/>
+              <p:cNvSpPr/>
+              <p:nvPr/>
+            </p:nvSpPr>
+            <p:spPr>
+              <a:xfrm>
+                <a:off x="836340" y="4026738"/>
+                <a:ext cx="6331157" cy="876907"/>
+              </a:xfrm>
+              <a:prstGeom prst="rect">
+                <a:avLst/>
+              </a:prstGeom>
+            </p:spPr>
+            <p:txBody>
+              <a:bodyPr wrap="none">
+                <a:spAutoFit/>
+              </a:bodyPr>
+              <a:lstStyle/>
+              <a:p>
+                <a14:m>
+                  <m:oMathPara xmlns:m="http://schemas.openxmlformats.org/officeDocument/2006/math">
+                    <m:oMathParaPr>
+                      <m:jc m:val="centerGroup"/>
+                    </m:oMathParaPr>
+                    <m:oMath xmlns:m="http://schemas.openxmlformats.org/officeDocument/2006/math">
+                      <m:r>
+                        <a:rPr lang="en-US" b="0" i="1" smtClean="0">
+                          <a:latin typeface="Cambria Math" panose="02040503050406030204" pitchFamily="18" charset="0"/>
+                        </a:rPr>
+                        <m:t>⇒</m:t>
+                      </m:r>
+                      <m:r>
+                        <a:rPr lang="en-US" b="0" i="1" smtClean="0">
+                          <a:solidFill>
+                            <a:srgbClr val="FF0000"/>
+                          </a:solidFill>
+                          <a:latin typeface="Cambria Math" panose="02040503050406030204" pitchFamily="18" charset="0"/>
+                        </a:rPr>
+                        <m:t>𝑁𝑎𝑖𝑣𝑒</m:t>
+                      </m:r>
+                      <m:r>
+                        <a:rPr lang="en-US" b="0" i="1" smtClean="0">
+                          <a:solidFill>
+                            <a:srgbClr val="FF0000"/>
+                          </a:solidFill>
+                          <a:latin typeface="Cambria Math" panose="02040503050406030204" pitchFamily="18" charset="0"/>
+                        </a:rPr>
+                        <m:t> </m:t>
+                      </m:r>
+                      <m:r>
+                        <a:rPr lang="en-US" b="0" i="1" smtClean="0">
+                          <a:solidFill>
+                            <a:srgbClr val="FF0000"/>
+                          </a:solidFill>
+                          <a:latin typeface="Cambria Math" panose="02040503050406030204" pitchFamily="18" charset="0"/>
+                        </a:rPr>
+                        <m:t>𝐵𝑎𝑦𝑒𝑠</m:t>
+                      </m:r>
+                      <m:r>
+                        <a:rPr lang="en-US" b="0" i="1" smtClean="0">
+                          <a:latin typeface="Cambria Math" panose="02040503050406030204" pitchFamily="18" charset="0"/>
+                        </a:rPr>
+                        <m:t>⇒</m:t>
+                      </m:r>
+                      <m:r>
+                        <a:rPr lang="en-US" i="1">
+                          <a:latin typeface="Cambria Math" panose="02040503050406030204" pitchFamily="18" charset="0"/>
+                        </a:rPr>
+                        <m:t>𝑃</m:t>
+                      </m:r>
+                      <m:d>
+                        <m:dPr>
+                          <m:ctrlPr>
+                            <a:rPr lang="en-US" i="1">
+                              <a:latin typeface="Cambria Math" panose="02040503050406030204" pitchFamily="18" charset="0"/>
+                            </a:rPr>
+                          </m:ctrlPr>
+                        </m:dPr>
+                        <m:e>
+                          <m:r>
+                            <a:rPr lang="en-US" i="1">
+                              <a:latin typeface="Cambria Math" panose="02040503050406030204" pitchFamily="18" charset="0"/>
+                            </a:rPr>
+                            <m:t>𝑋</m:t>
+                          </m:r>
+                          <m:r>
+                            <a:rPr lang="en-US" i="1">
+                              <a:latin typeface="Cambria Math" panose="02040503050406030204" pitchFamily="18" charset="0"/>
+                            </a:rPr>
+                            <m:t>|</m:t>
+                          </m:r>
+                          <m:r>
+                            <a:rPr lang="en-US" i="1">
+                              <a:latin typeface="Cambria Math" panose="02040503050406030204" pitchFamily="18" charset="0"/>
+                            </a:rPr>
+                            <m:t>𝐶</m:t>
+                          </m:r>
+                        </m:e>
+                      </m:d>
+                      <m:r>
+                        <a:rPr lang="en-US" i="1">
+                          <a:latin typeface="Cambria Math" panose="02040503050406030204" pitchFamily="18" charset="0"/>
+                        </a:rPr>
+                        <m:t>=</m:t>
+                      </m:r>
+                      <m:r>
+                        <a:rPr lang="en-US" b="0" i="1" smtClean="0">
+                          <a:latin typeface="Cambria Math" panose="02040503050406030204" pitchFamily="18" charset="0"/>
+                        </a:rPr>
+                        <m:t>𝑃</m:t>
+                      </m:r>
+                      <m:d>
+                        <m:dPr>
+                          <m:ctrlPr>
+                            <a:rPr lang="en-US" b="0" i="1" smtClean="0">
+                              <a:latin typeface="Cambria Math" panose="02040503050406030204" pitchFamily="18" charset="0"/>
+                            </a:rPr>
+                          </m:ctrlPr>
+                        </m:dPr>
+                        <m:e>
+                          <m:sSub>
+                            <m:sSubPr>
+                              <m:ctrlPr>
+                                <a:rPr lang="en-US" b="0" i="1" smtClean="0">
+                                  <a:latin typeface="Cambria Math" panose="02040503050406030204" pitchFamily="18" charset="0"/>
+                                </a:rPr>
+                              </m:ctrlPr>
+                            </m:sSubPr>
+                            <m:e>
+                              <m:r>
+                                <a:rPr lang="en-US" b="0" i="1" smtClean="0">
+                                  <a:latin typeface="Cambria Math" panose="02040503050406030204" pitchFamily="18" charset="0"/>
+                                </a:rPr>
+                                <m:t>𝑥</m:t>
+                              </m:r>
+                            </m:e>
+                            <m:sub>
+                              <m:r>
+                                <a:rPr lang="en-US" b="0" i="1" smtClean="0">
+                                  <a:latin typeface="Cambria Math" panose="02040503050406030204" pitchFamily="18" charset="0"/>
+                                </a:rPr>
+                                <m:t>1</m:t>
+                              </m:r>
+                            </m:sub>
+                          </m:sSub>
+                          <m:r>
+                            <a:rPr lang="en-US" b="0" i="1" smtClean="0">
+                              <a:latin typeface="Cambria Math" panose="02040503050406030204" pitchFamily="18" charset="0"/>
+                            </a:rPr>
+                            <m:t>, </m:t>
+                          </m:r>
+                          <m:sSub>
+                            <m:sSubPr>
+                              <m:ctrlPr>
+                                <a:rPr lang="en-US" b="0" i="1" smtClean="0">
+                                  <a:latin typeface="Cambria Math" panose="02040503050406030204" pitchFamily="18" charset="0"/>
+                                </a:rPr>
+                              </m:ctrlPr>
+                            </m:sSubPr>
+                            <m:e>
+                              <m:r>
+                                <a:rPr lang="en-US" b="0" i="1" smtClean="0">
+                                  <a:latin typeface="Cambria Math" panose="02040503050406030204" pitchFamily="18" charset="0"/>
+                                </a:rPr>
+                                <m:t>𝑥</m:t>
+                              </m:r>
+                            </m:e>
+                            <m:sub>
+                              <m:r>
+                                <a:rPr lang="en-US" b="0" i="1" smtClean="0">
+                                  <a:latin typeface="Cambria Math" panose="02040503050406030204" pitchFamily="18" charset="0"/>
+                                </a:rPr>
+                                <m:t>2</m:t>
+                              </m:r>
+                            </m:sub>
+                          </m:sSub>
+                          <m:r>
+                            <a:rPr lang="en-US" b="0" i="1" smtClean="0">
+                              <a:latin typeface="Cambria Math" panose="02040503050406030204" pitchFamily="18" charset="0"/>
+                            </a:rPr>
+                            <m:t>,. . .,</m:t>
+                          </m:r>
+                          <m:sSub>
+                            <m:sSubPr>
+                              <m:ctrlPr>
+                                <a:rPr lang="en-US" b="0" i="1" smtClean="0">
+                                  <a:latin typeface="Cambria Math" panose="02040503050406030204" pitchFamily="18" charset="0"/>
+                                </a:rPr>
+                              </m:ctrlPr>
+                            </m:sSubPr>
+                            <m:e>
+                              <m:r>
+                                <a:rPr lang="en-US" b="0" i="1" smtClean="0">
+                                  <a:latin typeface="Cambria Math" panose="02040503050406030204" pitchFamily="18" charset="0"/>
+                                </a:rPr>
+                                <m:t>𝑥</m:t>
+                              </m:r>
+                            </m:e>
+                            <m:sub>
+                              <m:r>
+                                <a:rPr lang="en-US" b="0" i="1" smtClean="0">
+                                  <a:latin typeface="Cambria Math" panose="02040503050406030204" pitchFamily="18" charset="0"/>
+                                </a:rPr>
+                                <m:t>𝑑</m:t>
+                              </m:r>
+                            </m:sub>
+                          </m:sSub>
+                        </m:e>
+                        <m:e>
+                          <m:r>
+                            <a:rPr lang="en-US" b="0" i="1" smtClean="0">
+                              <a:latin typeface="Cambria Math" panose="02040503050406030204" pitchFamily="18" charset="0"/>
+                            </a:rPr>
+                            <m:t>𝐶</m:t>
+                          </m:r>
+                        </m:e>
+                      </m:d>
+                      <m:r>
+                        <a:rPr lang="en-US" b="0" i="1" smtClean="0">
+                          <a:latin typeface="Cambria Math" panose="02040503050406030204" pitchFamily="18" charset="0"/>
+                        </a:rPr>
+                        <m:t>=</m:t>
+                      </m:r>
+                      <m:nary>
+                        <m:naryPr>
+                          <m:chr m:val="∏"/>
+                          <m:ctrlPr>
+                            <a:rPr lang="en-US" b="0" i="1" smtClean="0">
+                              <a:latin typeface="Cambria Math" panose="02040503050406030204" pitchFamily="18" charset="0"/>
+                            </a:rPr>
+                          </m:ctrlPr>
+                        </m:naryPr>
+                        <m:sub>
+                          <m:r>
+                            <m:rPr>
+                              <m:brk m:alnAt="23"/>
+                            </m:rPr>
+                            <a:rPr lang="en-US" b="0" i="1" smtClean="0">
+                              <a:latin typeface="Cambria Math" panose="02040503050406030204" pitchFamily="18" charset="0"/>
+                            </a:rPr>
+                            <m:t>𝑖</m:t>
+                          </m:r>
+                          <m:r>
+                            <a:rPr lang="en-US" b="0" i="1" smtClean="0">
+                              <a:latin typeface="Cambria Math" panose="02040503050406030204" pitchFamily="18" charset="0"/>
+                            </a:rPr>
+                            <m:t>=1</m:t>
+                          </m:r>
+                        </m:sub>
+                        <m:sup>
+                          <m:r>
+                            <a:rPr lang="en-US" b="0" i="1" smtClean="0">
+                              <a:latin typeface="Cambria Math" panose="02040503050406030204" pitchFamily="18" charset="0"/>
+                            </a:rPr>
+                            <m:t>𝑑</m:t>
+                          </m:r>
+                        </m:sup>
+                        <m:e>
+                          <m:r>
+                            <a:rPr lang="en-US" b="0" i="1" smtClean="0">
+                              <a:latin typeface="Cambria Math" panose="02040503050406030204" pitchFamily="18" charset="0"/>
+                            </a:rPr>
+                            <m:t>𝑃</m:t>
+                          </m:r>
+                          <m:r>
+                            <a:rPr lang="en-US" b="0" i="1" smtClean="0">
+                              <a:latin typeface="Cambria Math" panose="02040503050406030204" pitchFamily="18" charset="0"/>
+                            </a:rPr>
+                            <m:t>(</m:t>
+                          </m:r>
+                          <m:sSub>
+                            <m:sSubPr>
+                              <m:ctrlPr>
+                                <a:rPr lang="en-US" b="0" i="1" smtClean="0">
+                                  <a:latin typeface="Cambria Math" panose="02040503050406030204" pitchFamily="18" charset="0"/>
+                                </a:rPr>
+                              </m:ctrlPr>
+                            </m:sSubPr>
+                            <m:e>
+                              <m:r>
+                                <a:rPr lang="en-US" b="0" i="1" smtClean="0">
+                                  <a:latin typeface="Cambria Math" panose="02040503050406030204" pitchFamily="18" charset="0"/>
+                                </a:rPr>
+                                <m:t>𝑥</m:t>
+                              </m:r>
+                            </m:e>
+                            <m:sub>
+                              <m:r>
+                                <a:rPr lang="en-US" b="0" i="1" smtClean="0">
+                                  <a:latin typeface="Cambria Math" panose="02040503050406030204" pitchFamily="18" charset="0"/>
+                                </a:rPr>
+                                <m:t>𝑖</m:t>
+                              </m:r>
+                            </m:sub>
+                          </m:sSub>
+                          <m:r>
+                            <a:rPr lang="en-US" b="0" i="1" smtClean="0">
+                              <a:latin typeface="Cambria Math" panose="02040503050406030204" pitchFamily="18" charset="0"/>
+                            </a:rPr>
+                            <m:t>|</m:t>
+                          </m:r>
+                          <m:r>
+                            <a:rPr lang="en-US" b="0" i="1" smtClean="0">
+                              <a:latin typeface="Cambria Math" panose="02040503050406030204" pitchFamily="18" charset="0"/>
+                            </a:rPr>
+                            <m:t>𝐶</m:t>
+                          </m:r>
+                          <m:r>
+                            <a:rPr lang="en-US" b="0" i="1" smtClean="0">
+                              <a:latin typeface="Cambria Math" panose="02040503050406030204" pitchFamily="18" charset="0"/>
+                            </a:rPr>
+                            <m:t>)</m:t>
+                          </m:r>
+                        </m:e>
+                      </m:nary>
+                    </m:oMath>
+                  </m:oMathPara>
+                </a14:m>
+                <a:endParaRPr lang="en-US" dirty="0"/>
+              </a:p>
+            </p:txBody>
+          </p:sp>
+        </mc:Choice>
+        <mc:Fallback>
+          <p:sp>
+            <p:nvSpPr>
+              <p:cNvPr id="10" name="Rectangle 9"/>
+              <p:cNvSpPr>
+                <a:spLocks noRot="1" noChangeAspect="1" noMove="1" noResize="1" noEditPoints="1" noAdjustHandles="1" noChangeArrowheads="1" noChangeShapeType="1" noTextEdit="1"/>
+              </p:cNvSpPr>
+              <p:nvPr/>
+            </p:nvSpPr>
+            <p:spPr>
+              <a:xfrm>
+                <a:off x="836340" y="4026738"/>
+                <a:ext cx="6331157" cy="876907"/>
+              </a:xfrm>
+              <a:prstGeom prst="rect">
+                <a:avLst/>
+              </a:prstGeom>
+              <a:blipFill rotWithShape="0">
+                <a:blip r:embed="rId5"/>
+                <a:stretch>
+                  <a:fillRect/>
+                </a:stretch>
+              </a:blipFill>
+            </p:spPr>
+            <p:txBody>
+              <a:bodyPr/>
+              <a:lstStyle/>
+              <a:p>
+                <a:r>
+                  <a:rPr lang="en-US">
+                    <a:noFill/>
+                  </a:rPr>
+                  <a:t> </a:t>
+                </a:r>
+              </a:p>
+            </p:txBody>
+          </p:sp>
+        </mc:Fallback>
+      </mc:AlternateContent>
     </p:spTree>
     <p:extLst>
       <p:ext uri="{BB962C8B-B14F-4D97-AF65-F5344CB8AC3E}">
-        <p14:creationId xmlns:p14="http://schemas.microsoft.com/office/powerpoint/2010/main" val="3285196134"/>
+        <p14:creationId xmlns:p14="http://schemas.microsoft.com/office/powerpoint/2010/main" val="669704722"/>
       </p:ext>
     </p:extLst>
   </p:cSld>
@@ -4371,9 +6387,242 @@
   <p:timing>
     <p:tnLst>
       <p:par>
-        <p:cTn id="1" dur="indefinite" restart="never" nodeType="tmRoot"/>
+        <p:cTn id="1" dur="indefinite" restart="never" nodeType="tmRoot">
+          <p:childTnLst>
+            <p:seq concurrent="1" nextAc="seek">
+              <p:cTn id="2" dur="indefinite" nodeType="mainSeq">
+                <p:childTnLst>
+                  <p:par>
+                    <p:cTn id="3" fill="hold">
+                      <p:stCondLst>
+                        <p:cond delay="indefinite"/>
+                      </p:stCondLst>
+                      <p:childTnLst>
+                        <p:par>
+                          <p:cTn id="4" fill="hold">
+                            <p:stCondLst>
+                              <p:cond delay="0"/>
+                            </p:stCondLst>
+                            <p:childTnLst>
+                              <p:par>
+                                <p:cTn id="5" presetID="10" presetClass="entr" presetSubtype="0" fill="hold" grpId="0" nodeType="clickEffect">
+                                  <p:stCondLst>
+                                    <p:cond delay="0"/>
+                                  </p:stCondLst>
+                                  <p:childTnLst>
+                                    <p:set>
+                                      <p:cBhvr>
+                                        <p:cTn id="6" dur="1" fill="hold">
+                                          <p:stCondLst>
+                                            <p:cond delay="0"/>
+                                          </p:stCondLst>
+                                        </p:cTn>
+                                        <p:tgtEl>
+                                          <p:spTgt spid="6"/>
+                                        </p:tgtEl>
+                                        <p:attrNameLst>
+                                          <p:attrName>style.visibility</p:attrName>
+                                        </p:attrNameLst>
+                                      </p:cBhvr>
+                                      <p:to>
+                                        <p:strVal val="visible"/>
+                                      </p:to>
+                                    </p:set>
+                                    <p:animEffect transition="in" filter="fade">
+                                      <p:cBhvr>
+                                        <p:cTn id="7" dur="500"/>
+                                        <p:tgtEl>
+                                          <p:spTgt spid="6"/>
+                                        </p:tgtEl>
+                                      </p:cBhvr>
+                                    </p:animEffect>
+                                  </p:childTnLst>
+                                </p:cTn>
+                              </p:par>
+                            </p:childTnLst>
+                          </p:cTn>
+                        </p:par>
+                      </p:childTnLst>
+                    </p:cTn>
+                  </p:par>
+                  <p:par>
+                    <p:cTn id="8" fill="hold">
+                      <p:stCondLst>
+                        <p:cond delay="indefinite"/>
+                      </p:stCondLst>
+                      <p:childTnLst>
+                        <p:par>
+                          <p:cTn id="9" fill="hold">
+                            <p:stCondLst>
+                              <p:cond delay="0"/>
+                            </p:stCondLst>
+                            <p:childTnLst>
+                              <p:par>
+                                <p:cTn id="10" presetID="10" presetClass="entr" presetSubtype="0" fill="hold" grpId="0" nodeType="clickEffect">
+                                  <p:stCondLst>
+                                    <p:cond delay="0"/>
+                                  </p:stCondLst>
+                                  <p:childTnLst>
+                                    <p:set>
+                                      <p:cBhvr>
+                                        <p:cTn id="11" dur="1" fill="hold">
+                                          <p:stCondLst>
+                                            <p:cond delay="0"/>
+                                          </p:stCondLst>
+                                        </p:cTn>
+                                        <p:tgtEl>
+                                          <p:spTgt spid="7"/>
+                                        </p:tgtEl>
+                                        <p:attrNameLst>
+                                          <p:attrName>style.visibility</p:attrName>
+                                        </p:attrNameLst>
+                                      </p:cBhvr>
+                                      <p:to>
+                                        <p:strVal val="visible"/>
+                                      </p:to>
+                                    </p:set>
+                                    <p:animEffect transition="in" filter="fade">
+                                      <p:cBhvr>
+                                        <p:cTn id="12" dur="500"/>
+                                        <p:tgtEl>
+                                          <p:spTgt spid="7"/>
+                                        </p:tgtEl>
+                                      </p:cBhvr>
+                                    </p:animEffect>
+                                  </p:childTnLst>
+                                </p:cTn>
+                              </p:par>
+                            </p:childTnLst>
+                          </p:cTn>
+                        </p:par>
+                      </p:childTnLst>
+                    </p:cTn>
+                  </p:par>
+                  <p:par>
+                    <p:cTn id="13" fill="hold">
+                      <p:stCondLst>
+                        <p:cond delay="indefinite"/>
+                      </p:stCondLst>
+                      <p:childTnLst>
+                        <p:par>
+                          <p:cTn id="14" fill="hold">
+                            <p:stCondLst>
+                              <p:cond delay="0"/>
+                            </p:stCondLst>
+                            <p:childTnLst>
+                              <p:par>
+                                <p:cTn id="15" presetID="10" presetClass="entr" presetSubtype="0" fill="hold" grpId="0" nodeType="clickEffect">
+                                  <p:stCondLst>
+                                    <p:cond delay="0"/>
+                                  </p:stCondLst>
+                                  <p:childTnLst>
+                                    <p:set>
+                                      <p:cBhvr>
+                                        <p:cTn id="16" dur="1" fill="hold">
+                                          <p:stCondLst>
+                                            <p:cond delay="0"/>
+                                          </p:stCondLst>
+                                        </p:cTn>
+                                        <p:tgtEl>
+                                          <p:spTgt spid="8"/>
+                                        </p:tgtEl>
+                                        <p:attrNameLst>
+                                          <p:attrName>style.visibility</p:attrName>
+                                        </p:attrNameLst>
+                                      </p:cBhvr>
+                                      <p:to>
+                                        <p:strVal val="visible"/>
+                                      </p:to>
+                                    </p:set>
+                                    <p:animEffect transition="in" filter="fade">
+                                      <p:cBhvr>
+                                        <p:cTn id="17" dur="500"/>
+                                        <p:tgtEl>
+                                          <p:spTgt spid="8"/>
+                                        </p:tgtEl>
+                                      </p:cBhvr>
+                                    </p:animEffect>
+                                  </p:childTnLst>
+                                </p:cTn>
+                              </p:par>
+                            </p:childTnLst>
+                          </p:cTn>
+                        </p:par>
+                      </p:childTnLst>
+                    </p:cTn>
+                  </p:par>
+                  <p:par>
+                    <p:cTn id="18" fill="hold">
+                      <p:stCondLst>
+                        <p:cond delay="indefinite"/>
+                      </p:stCondLst>
+                      <p:childTnLst>
+                        <p:par>
+                          <p:cTn id="19" fill="hold">
+                            <p:stCondLst>
+                              <p:cond delay="0"/>
+                            </p:stCondLst>
+                            <p:childTnLst>
+                              <p:par>
+                                <p:cTn id="20" presetID="1" presetClass="entr" presetSubtype="0" fill="hold" grpId="0" nodeType="clickEffect">
+                                  <p:stCondLst>
+                                    <p:cond delay="0"/>
+                                  </p:stCondLst>
+                                  <p:childTnLst>
+                                    <p:set>
+                                      <p:cBhvr>
+                                        <p:cTn id="21" dur="1" fill="hold">
+                                          <p:stCondLst>
+                                            <p:cond delay="0"/>
+                                          </p:stCondLst>
+                                        </p:cTn>
+                                        <p:tgtEl>
+                                          <p:spTgt spid="10"/>
+                                        </p:tgtEl>
+                                        <p:attrNameLst>
+                                          <p:attrName>style.visibility</p:attrName>
+                                        </p:attrNameLst>
+                                      </p:cBhvr>
+                                      <p:to>
+                                        <p:strVal val="visible"/>
+                                      </p:to>
+                                    </p:set>
+                                  </p:childTnLst>
+                                </p:cTn>
+                              </p:par>
+                            </p:childTnLst>
+                          </p:cTn>
+                        </p:par>
+                      </p:childTnLst>
+                    </p:cTn>
+                  </p:par>
+                </p:childTnLst>
+              </p:cTn>
+              <p:prevCondLst>
+                <p:cond evt="onPrev" delay="0">
+                  <p:tgtEl>
+                    <p:sldTgt/>
+                  </p:tgtEl>
+                </p:cond>
+              </p:prevCondLst>
+              <p:nextCondLst>
+                <p:cond evt="onNext" delay="0">
+                  <p:tgtEl>
+                    <p:sldTgt/>
+                  </p:tgtEl>
+                </p:cond>
+              </p:nextCondLst>
+            </p:seq>
+          </p:childTnLst>
+        </p:cTn>
       </p:par>
     </p:tnLst>
+    <p:bldLst>
+      <p:bldP spid="6" grpId="0"/>
+      <p:bldP spid="7" grpId="0"/>
+      <p:bldP spid="8" grpId="0"/>
+      <p:bldP spid="10" grpId="0"/>
+    </p:bldLst>
   </p:timing>
 </p:sld>
 </file>
@@ -4397,13 +6646,7 @@
       </p:grpSpPr>
       <p:sp>
         <p:nvSpPr>
-          <p:cNvPr id="2" name="Title 1">
-            <a:extLst>
-              <a:ext uri="{FF2B5EF4-FFF2-40B4-BE49-F238E27FC236}">
-                <a16:creationId xmlns:a16="http://schemas.microsoft.com/office/drawing/2014/main" xmlns="" id="{50C7B8DA-5A23-5D40-834F-42BA85584C9D}"/>
-              </a:ext>
-            </a:extLst>
-          </p:cNvPr>
+          <p:cNvPr id="2" name="Title 1"/>
           <p:cNvSpPr>
             <a:spLocks noGrp="1"/>
           </p:cNvSpPr>
@@ -4417,57 +6660,15 @@
           <a:lstStyle/>
           <a:p>
             <a:r>
-              <a:rPr lang="vi-VN" dirty="0"/>
-              <a:t>Summary</a:t>
-            </a:r>
-            <a:endParaRPr lang="en-US" dirty="0"/>
+              <a:rPr lang="en-US" dirty="0"/>
+              <a:t>Naive Bayes classifier</a:t>
+            </a:r>
           </a:p>
         </p:txBody>
       </p:sp>
-      <p:pic>
-        <p:nvPicPr>
-          <p:cNvPr id="7" name="Content Placeholder 6">
-            <a:extLst>
-              <a:ext uri="{FF2B5EF4-FFF2-40B4-BE49-F238E27FC236}">
-                <a16:creationId xmlns:a16="http://schemas.microsoft.com/office/drawing/2014/main" xmlns="" id="{58EF6C15-4E66-3B4A-AE4E-51946E992CBD}"/>
-              </a:ext>
-            </a:extLst>
-          </p:cNvPr>
-          <p:cNvPicPr>
-            <a:picLocks noGrp="1" noChangeAspect="1"/>
-          </p:cNvPicPr>
-          <p:nvPr>
-            <p:ph idx="1"/>
-          </p:nvPr>
-        </p:nvPicPr>
-        <p:blipFill>
-          <a:blip r:embed="rId3" cstate="print">
-            <a:extLst>
-              <a:ext uri="{28A0092B-C50C-407E-A947-70E740481C1C}">
-                <a14:useLocalDpi xmlns:a14="http://schemas.microsoft.com/office/drawing/2010/main" val="0"/>
-              </a:ext>
-            </a:extLst>
-          </a:blip>
-          <a:stretch>
-            <a:fillRect/>
-          </a:stretch>
-        </p:blipFill>
-        <p:spPr>
-          <a:xfrm>
-            <a:off x="419893" y="1309285"/>
-            <a:ext cx="8304213" cy="4162225"/>
-          </a:xfrm>
-        </p:spPr>
-      </p:pic>
       <p:sp>
         <p:nvSpPr>
-          <p:cNvPr id="4" name="Footer Placeholder 3">
-            <a:extLst>
-              <a:ext uri="{FF2B5EF4-FFF2-40B4-BE49-F238E27FC236}">
-                <a16:creationId xmlns:a16="http://schemas.microsoft.com/office/drawing/2014/main" xmlns="" id="{763EEBD2-5F8B-EC47-BF28-80FB52E67C6C}"/>
-              </a:ext>
-            </a:extLst>
-          </p:cNvPr>
+          <p:cNvPr id="4" name="Footer Placeholder 3"/>
           <p:cNvSpPr>
             <a:spLocks noGrp="1"/>
           </p:cNvSpPr>
@@ -4480,19 +6681,21 @@
           <a:bodyPr/>
           <a:lstStyle/>
           <a:p>
+            <a:r>
+              <a:rPr lang="en-US" dirty="0"/>
+              <a:t>Naive Bayes </a:t>
+            </a:r>
+            <a:r>
+              <a:rPr lang="en-US" dirty="0" smtClean="0"/>
+              <a:t>classifier</a:t>
+            </a:r>
             <a:endParaRPr lang="en-US" dirty="0"/>
           </a:p>
         </p:txBody>
       </p:sp>
       <p:sp>
         <p:nvSpPr>
-          <p:cNvPr id="5" name="Slide Number Placeholder 4">
-            <a:extLst>
-              <a:ext uri="{FF2B5EF4-FFF2-40B4-BE49-F238E27FC236}">
-                <a16:creationId xmlns:a16="http://schemas.microsoft.com/office/drawing/2014/main" xmlns="" id="{AAEF948B-ADE1-E848-A70E-FEFC022EC4E2}"/>
-              </a:ext>
-            </a:extLst>
-          </p:cNvPr>
+          <p:cNvPr id="5" name="Slide Number Placeholder 4"/>
           <p:cNvSpPr>
             <a:spLocks noGrp="1"/>
           </p:cNvSpPr>
@@ -4514,10 +6717,627 @@
           </a:p>
         </p:txBody>
       </p:sp>
+      <p:sp>
+        <p:nvSpPr>
+          <p:cNvPr id="6" name="TextBox 5"/>
+          <p:cNvSpPr txBox="1"/>
+          <p:nvPr/>
+        </p:nvSpPr>
+        <p:spPr>
+          <a:xfrm>
+            <a:off x="1120349" y="1553259"/>
+            <a:ext cx="2503891" cy="523220"/>
+          </a:xfrm>
+          <a:prstGeom prst="rect">
+            <a:avLst/>
+          </a:prstGeom>
+          <a:noFill/>
+        </p:spPr>
+        <p:txBody>
+          <a:bodyPr wrap="none" rtlCol="0">
+            <a:spAutoFit/>
+          </a:bodyPr>
+          <a:lstStyle/>
+          <a:p>
+            <a:r>
+              <a:rPr lang="en-US" sz="2800" dirty="0" smtClean="0">
+                <a:solidFill>
+                  <a:schemeClr val="accent2">
+                    <a:lumMod val="75000"/>
+                  </a:schemeClr>
+                </a:solidFill>
+              </a:rPr>
+              <a:t>At training step:</a:t>
+            </a:r>
+            <a:endParaRPr lang="en-US" sz="2800" dirty="0">
+              <a:solidFill>
+                <a:schemeClr val="accent2">
+                  <a:lumMod val="75000"/>
+                </a:schemeClr>
+              </a:solidFill>
+            </a:endParaRPr>
+          </a:p>
+        </p:txBody>
+      </p:sp>
+      <p:sp>
+        <p:nvSpPr>
+          <p:cNvPr id="7" name="TextBox 6"/>
+          <p:cNvSpPr txBox="1"/>
+          <p:nvPr/>
+        </p:nvSpPr>
+        <p:spPr>
+          <a:xfrm>
+            <a:off x="1120349" y="3307468"/>
+            <a:ext cx="2182777" cy="477054"/>
+          </a:xfrm>
+          <a:prstGeom prst="rect">
+            <a:avLst/>
+          </a:prstGeom>
+          <a:noFill/>
+        </p:spPr>
+        <p:txBody>
+          <a:bodyPr wrap="none" rtlCol="0">
+            <a:spAutoFit/>
+          </a:bodyPr>
+          <a:lstStyle/>
+          <a:p>
+            <a:r>
+              <a:rPr lang="en-US" sz="2500" dirty="0" smtClean="0">
+                <a:solidFill>
+                  <a:schemeClr val="accent2">
+                    <a:lumMod val="75000"/>
+                  </a:schemeClr>
+                </a:solidFill>
+              </a:rPr>
+              <a:t>At testing step:</a:t>
+            </a:r>
+            <a:endParaRPr lang="en-US" sz="2500" dirty="0">
+              <a:solidFill>
+                <a:schemeClr val="accent2">
+                  <a:lumMod val="75000"/>
+                </a:schemeClr>
+              </a:solidFill>
+            </a:endParaRPr>
+          </a:p>
+        </p:txBody>
+      </p:sp>
+      <mc:AlternateContent xmlns:mc="http://schemas.openxmlformats.org/markup-compatibility/2006">
+        <mc:Choice xmlns:a14="http://schemas.microsoft.com/office/drawing/2010/main" Requires="a14">
+          <p:sp>
+            <p:nvSpPr>
+              <p:cNvPr id="9" name="TextBox 8"/>
+              <p:cNvSpPr txBox="1"/>
+              <p:nvPr/>
+            </p:nvSpPr>
+            <p:spPr>
+              <a:xfrm>
+                <a:off x="1445277" y="2168966"/>
+                <a:ext cx="5313249" cy="477054"/>
+              </a:xfrm>
+              <a:prstGeom prst="rect">
+                <a:avLst/>
+              </a:prstGeom>
+              <a:noFill/>
+            </p:spPr>
+            <p:txBody>
+              <a:bodyPr wrap="none" rtlCol="0">
+                <a:spAutoFit/>
+              </a:bodyPr>
+              <a:lstStyle/>
+              <a:p>
+                <a:r>
+                  <a:rPr lang="en-US" sz="2500" dirty="0" smtClean="0"/>
+                  <a:t>Define: </a:t>
+                </a:r>
+                <a14:m>
+                  <m:oMath xmlns:m="http://schemas.openxmlformats.org/officeDocument/2006/math">
+                    <m:r>
+                      <a:rPr lang="en-US" sz="2500" b="0" i="1" smtClean="0">
+                        <a:latin typeface="Cambria Math" panose="02040503050406030204" pitchFamily="18" charset="0"/>
+                      </a:rPr>
+                      <m:t>𝑃</m:t>
+                    </m:r>
+                    <m:d>
+                      <m:dPr>
+                        <m:ctrlPr>
+                          <a:rPr lang="en-US" sz="2500" b="0" i="1" smtClean="0">
+                            <a:latin typeface="Cambria Math" panose="02040503050406030204" pitchFamily="18" charset="0"/>
+                          </a:rPr>
+                        </m:ctrlPr>
+                      </m:dPr>
+                      <m:e>
+                        <m:r>
+                          <a:rPr lang="en-US" sz="2500" b="0" i="1" smtClean="0">
+                            <a:latin typeface="Cambria Math" panose="02040503050406030204" pitchFamily="18" charset="0"/>
+                          </a:rPr>
+                          <m:t>𝐶</m:t>
+                        </m:r>
+                      </m:e>
+                    </m:d>
+                    <m:r>
+                      <a:rPr lang="en-US" sz="2500" b="0" i="1" smtClean="0">
+                        <a:latin typeface="Cambria Math" panose="02040503050406030204" pitchFamily="18" charset="0"/>
+                      </a:rPr>
+                      <m:t> </m:t>
+                    </m:r>
+                    <m:r>
+                      <a:rPr lang="en-US" sz="2500" b="0" i="1" smtClean="0">
+                        <a:latin typeface="Cambria Math" panose="02040503050406030204" pitchFamily="18" charset="0"/>
+                      </a:rPr>
+                      <m:t>𝑎𝑛𝑑</m:t>
+                    </m:r>
+                    <m:r>
+                      <a:rPr lang="en-US" sz="2500" b="0" i="1" smtClean="0">
+                        <a:latin typeface="Cambria Math" panose="02040503050406030204" pitchFamily="18" charset="0"/>
+                      </a:rPr>
+                      <m:t> </m:t>
+                    </m:r>
+                    <m:r>
+                      <a:rPr lang="en-US" sz="2500" b="0" i="1" smtClean="0">
+                        <a:latin typeface="Cambria Math" panose="02040503050406030204" pitchFamily="18" charset="0"/>
+                      </a:rPr>
+                      <m:t>𝑃</m:t>
+                    </m:r>
+                    <m:d>
+                      <m:dPr>
+                        <m:ctrlPr>
+                          <a:rPr lang="en-US" sz="2500" b="0" i="1" smtClean="0">
+                            <a:latin typeface="Cambria Math" panose="02040503050406030204" pitchFamily="18" charset="0"/>
+                          </a:rPr>
+                        </m:ctrlPr>
+                      </m:dPr>
+                      <m:e>
+                        <m:sSub>
+                          <m:sSubPr>
+                            <m:ctrlPr>
+                              <a:rPr lang="en-US" sz="2500" b="0" i="1" smtClean="0">
+                                <a:latin typeface="Cambria Math" panose="02040503050406030204" pitchFamily="18" charset="0"/>
+                              </a:rPr>
+                            </m:ctrlPr>
+                          </m:sSubPr>
+                          <m:e>
+                            <m:r>
+                              <a:rPr lang="en-US" sz="2500" b="0" i="1" smtClean="0">
+                                <a:latin typeface="Cambria Math" panose="02040503050406030204" pitchFamily="18" charset="0"/>
+                              </a:rPr>
+                              <m:t>𝑥</m:t>
+                            </m:r>
+                          </m:e>
+                          <m:sub>
+                            <m:r>
+                              <a:rPr lang="en-US" sz="2500" b="0" i="1" smtClean="0">
+                                <a:latin typeface="Cambria Math" panose="02040503050406030204" pitchFamily="18" charset="0"/>
+                              </a:rPr>
+                              <m:t>𝑖</m:t>
+                            </m:r>
+                          </m:sub>
+                        </m:sSub>
+                      </m:e>
+                      <m:e>
+                        <m:r>
+                          <a:rPr lang="en-US" sz="2500" b="0" i="1" smtClean="0">
+                            <a:latin typeface="Cambria Math" panose="02040503050406030204" pitchFamily="18" charset="0"/>
+                          </a:rPr>
+                          <m:t>𝐶</m:t>
+                        </m:r>
+                      </m:e>
+                    </m:d>
+                    <m:r>
+                      <a:rPr lang="en-US" sz="2500" b="0" i="1" smtClean="0">
+                        <a:latin typeface="Cambria Math" panose="02040503050406030204" pitchFamily="18" charset="0"/>
+                      </a:rPr>
+                      <m:t>, </m:t>
+                    </m:r>
+                    <m:r>
+                      <a:rPr lang="en-US" sz="2500" b="0" i="1" smtClean="0">
+                        <a:latin typeface="Cambria Math" panose="02040503050406030204" pitchFamily="18" charset="0"/>
+                      </a:rPr>
+                      <m:t>𝑖</m:t>
+                    </m:r>
+                    <m:r>
+                      <a:rPr lang="en-US" sz="2500" b="0" i="1" smtClean="0">
+                        <a:latin typeface="Cambria Math" panose="02040503050406030204" pitchFamily="18" charset="0"/>
+                      </a:rPr>
+                      <m:t>=1,. . .,</m:t>
+                    </m:r>
+                    <m:r>
+                      <a:rPr lang="en-US" sz="2500" b="0" i="1" smtClean="0">
+                        <a:latin typeface="Cambria Math" panose="02040503050406030204" pitchFamily="18" charset="0"/>
+                      </a:rPr>
+                      <m:t>𝑑</m:t>
+                    </m:r>
+                  </m:oMath>
+                </a14:m>
+                <a:r>
+                  <a:rPr lang="en-US" sz="2500" dirty="0" smtClean="0"/>
+                  <a:t> </a:t>
+                </a:r>
+                <a:endParaRPr lang="en-US" sz="2500" dirty="0"/>
+              </a:p>
+            </p:txBody>
+          </p:sp>
+        </mc:Choice>
+        <mc:Fallback>
+          <p:sp>
+            <p:nvSpPr>
+              <p:cNvPr id="9" name="TextBox 8"/>
+              <p:cNvSpPr txBox="1">
+                <a:spLocks noRot="1" noChangeAspect="1" noMove="1" noResize="1" noEditPoints="1" noAdjustHandles="1" noChangeArrowheads="1" noChangeShapeType="1" noTextEdit="1"/>
+              </p:cNvSpPr>
+              <p:nvPr/>
+            </p:nvSpPr>
+            <p:spPr>
+              <a:xfrm>
+                <a:off x="1445277" y="2168966"/>
+                <a:ext cx="5313249" cy="477054"/>
+              </a:xfrm>
+              <a:prstGeom prst="rect">
+                <a:avLst/>
+              </a:prstGeom>
+              <a:blipFill rotWithShape="0">
+                <a:blip r:embed="rId2"/>
+                <a:stretch>
+                  <a:fillRect l="-1835" t="-10256" b="-30769"/>
+                </a:stretch>
+              </a:blipFill>
+            </p:spPr>
+            <p:txBody>
+              <a:bodyPr/>
+              <a:lstStyle/>
+              <a:p>
+                <a:r>
+                  <a:rPr lang="en-US">
+                    <a:noFill/>
+                  </a:rPr>
+                  <a:t> </a:t>
+                </a:r>
+              </a:p>
+            </p:txBody>
+          </p:sp>
+        </mc:Fallback>
+      </mc:AlternateContent>
+      <p:sp>
+        <p:nvSpPr>
+          <p:cNvPr id="10" name="TextBox 9"/>
+          <p:cNvSpPr txBox="1"/>
+          <p:nvPr/>
+        </p:nvSpPr>
+        <p:spPr>
+          <a:xfrm>
+            <a:off x="1445276" y="3877009"/>
+            <a:ext cx="5707332" cy="477054"/>
+          </a:xfrm>
+          <a:prstGeom prst="rect">
+            <a:avLst/>
+          </a:prstGeom>
+          <a:noFill/>
+        </p:spPr>
+        <p:txBody>
+          <a:bodyPr wrap="none" rtlCol="0">
+            <a:spAutoFit/>
+          </a:bodyPr>
+          <a:lstStyle/>
+          <a:p>
+            <a:r>
+              <a:rPr lang="en-US" sz="2500" dirty="0" smtClean="0"/>
+              <a:t>Label of new data point will be defined by:</a:t>
+            </a:r>
+            <a:endParaRPr lang="en-US" sz="2500" dirty="0"/>
+          </a:p>
+        </p:txBody>
+      </p:sp>
+      <mc:AlternateContent xmlns:mc="http://schemas.openxmlformats.org/markup-compatibility/2006">
+        <mc:Choice xmlns:a14="http://schemas.microsoft.com/office/drawing/2010/main" Requires="a14">
+          <p:sp>
+            <p:nvSpPr>
+              <p:cNvPr id="11" name="TextBox 10"/>
+              <p:cNvSpPr txBox="1"/>
+              <p:nvPr/>
+            </p:nvSpPr>
+            <p:spPr>
+              <a:xfrm>
+                <a:off x="2615951" y="4394943"/>
+                <a:ext cx="4288290" cy="1397306"/>
+              </a:xfrm>
+              <a:prstGeom prst="rect">
+                <a:avLst/>
+              </a:prstGeom>
+              <a:noFill/>
+            </p:spPr>
+            <p:txBody>
+              <a:bodyPr wrap="none" lIns="0" tIns="0" rIns="0" bIns="0" rtlCol="0">
+                <a:spAutoFit/>
+              </a:bodyPr>
+              <a:lstStyle/>
+              <a:p>
+                <a14:m>
+                  <m:oMathPara xmlns:m="http://schemas.openxmlformats.org/officeDocument/2006/math">
+                    <m:oMathParaPr>
+                      <m:jc m:val="centerGroup"/>
+                    </m:oMathParaPr>
+                    <m:oMath xmlns:m="http://schemas.openxmlformats.org/officeDocument/2006/math">
+                      <m:r>
+                        <a:rPr lang="en-US" sz="2500" b="0" i="1" smtClean="0">
+                          <a:latin typeface="Cambria Math" panose="02040503050406030204" pitchFamily="18" charset="0"/>
+                        </a:rPr>
+                        <m:t>𝐶</m:t>
+                      </m:r>
+                      <m:r>
+                        <a:rPr lang="en-US" sz="2500" b="0" i="1" smtClean="0">
+                          <a:latin typeface="Cambria Math" panose="02040503050406030204" pitchFamily="18" charset="0"/>
+                        </a:rPr>
+                        <m:t>=</m:t>
+                      </m:r>
+                      <m:r>
+                        <a:rPr lang="en-US" sz="2500" b="0" i="1" smtClean="0">
+                          <a:latin typeface="Cambria Math" panose="02040503050406030204" pitchFamily="18" charset="0"/>
+                        </a:rPr>
+                        <m:t>𝑎𝑟𝑔𝑚𝑎𝑥</m:t>
+                      </m:r>
+                      <m:r>
+                        <a:rPr lang="en-US" sz="2500" b="0" i="1" smtClean="0">
+                          <a:latin typeface="Cambria Math" panose="02040503050406030204" pitchFamily="18" charset="0"/>
+                        </a:rPr>
+                        <m:t> </m:t>
+                      </m:r>
+                      <m:r>
+                        <a:rPr lang="en-US" sz="2500" b="0" i="1" smtClean="0">
+                          <a:latin typeface="Cambria Math" panose="02040503050406030204" pitchFamily="18" charset="0"/>
+                        </a:rPr>
+                        <m:t>𝑃</m:t>
+                      </m:r>
+                      <m:d>
+                        <m:dPr>
+                          <m:ctrlPr>
+                            <a:rPr lang="en-US" sz="2500" b="0" i="1" smtClean="0">
+                              <a:latin typeface="Cambria Math" panose="02040503050406030204" pitchFamily="18" charset="0"/>
+                            </a:rPr>
+                          </m:ctrlPr>
+                        </m:dPr>
+                        <m:e>
+                          <m:r>
+                            <a:rPr lang="en-US" sz="2500" b="0" i="1" smtClean="0">
+                              <a:latin typeface="Cambria Math" panose="02040503050406030204" pitchFamily="18" charset="0"/>
+                            </a:rPr>
+                            <m:t>𝐶</m:t>
+                          </m:r>
+                        </m:e>
+                      </m:d>
+                      <m:nary>
+                        <m:naryPr>
+                          <m:chr m:val="∏"/>
+                          <m:ctrlPr>
+                            <a:rPr lang="en-US" sz="2500" i="1">
+                              <a:latin typeface="Cambria Math" panose="02040503050406030204" pitchFamily="18" charset="0"/>
+                            </a:rPr>
+                          </m:ctrlPr>
+                        </m:naryPr>
+                        <m:sub>
+                          <m:r>
+                            <m:rPr>
+                              <m:brk m:alnAt="23"/>
+                            </m:rPr>
+                            <a:rPr lang="en-US" sz="2500" i="1">
+                              <a:latin typeface="Cambria Math" panose="02040503050406030204" pitchFamily="18" charset="0"/>
+                            </a:rPr>
+                            <m:t>𝑖</m:t>
+                          </m:r>
+                          <m:r>
+                            <a:rPr lang="en-US" sz="2500" i="1">
+                              <a:latin typeface="Cambria Math" panose="02040503050406030204" pitchFamily="18" charset="0"/>
+                            </a:rPr>
+                            <m:t>=1</m:t>
+                          </m:r>
+                        </m:sub>
+                        <m:sup>
+                          <m:r>
+                            <a:rPr lang="en-US" sz="2500" i="1">
+                              <a:latin typeface="Cambria Math" panose="02040503050406030204" pitchFamily="18" charset="0"/>
+                            </a:rPr>
+                            <m:t>𝑑</m:t>
+                          </m:r>
+                        </m:sup>
+                        <m:e>
+                          <m:r>
+                            <a:rPr lang="en-US" sz="2500" i="1">
+                              <a:latin typeface="Cambria Math" panose="02040503050406030204" pitchFamily="18" charset="0"/>
+                            </a:rPr>
+                            <m:t>𝑃</m:t>
+                          </m:r>
+                          <m:d>
+                            <m:dPr>
+                              <m:ctrlPr>
+                                <a:rPr lang="en-US" sz="2500" i="1">
+                                  <a:latin typeface="Cambria Math" panose="02040503050406030204" pitchFamily="18" charset="0"/>
+                                </a:rPr>
+                              </m:ctrlPr>
+                            </m:dPr>
+                            <m:e>
+                              <m:sSub>
+                                <m:sSubPr>
+                                  <m:ctrlPr>
+                                    <a:rPr lang="en-US" sz="2500" i="1">
+                                      <a:latin typeface="Cambria Math" panose="02040503050406030204" pitchFamily="18" charset="0"/>
+                                    </a:rPr>
+                                  </m:ctrlPr>
+                                </m:sSubPr>
+                                <m:e>
+                                  <m:r>
+                                    <a:rPr lang="en-US" sz="2500" i="1">
+                                      <a:latin typeface="Cambria Math" panose="02040503050406030204" pitchFamily="18" charset="0"/>
+                                    </a:rPr>
+                                    <m:t>𝑥</m:t>
+                                  </m:r>
+                                </m:e>
+                                <m:sub>
+                                  <m:r>
+                                    <a:rPr lang="en-US" sz="2500" i="1">
+                                      <a:latin typeface="Cambria Math" panose="02040503050406030204" pitchFamily="18" charset="0"/>
+                                    </a:rPr>
+                                    <m:t>𝑖</m:t>
+                                  </m:r>
+                                </m:sub>
+                              </m:sSub>
+                            </m:e>
+                            <m:e>
+                              <m:r>
+                                <a:rPr lang="en-US" sz="2500" i="1">
+                                  <a:latin typeface="Cambria Math" panose="02040503050406030204" pitchFamily="18" charset="0"/>
+                                </a:rPr>
+                                <m:t>𝐶</m:t>
+                              </m:r>
+                            </m:e>
+                          </m:d>
+                        </m:e>
+                      </m:nary>
+                    </m:oMath>
+                  </m:oMathPara>
+                </a14:m>
+                <a:endParaRPr lang="en-US" sz="2500" i="1" dirty="0" smtClean="0">
+                  <a:latin typeface="Cambria Math" panose="02040503050406030204" pitchFamily="18" charset="0"/>
+                </a:endParaRPr>
+              </a:p>
+              <a:p>
+                <a:pPr/>
+                <a:r>
+                  <a:rPr lang="en-US" sz="2000" b="0" dirty="0" smtClean="0"/>
+                  <a:t>          </a:t>
+                </a:r>
+                <a14:m>
+                  <m:oMath xmlns:m="http://schemas.openxmlformats.org/officeDocument/2006/math">
+                    <m:r>
+                      <a:rPr lang="en-US" sz="2000" b="0" i="1" smtClean="0">
+                        <a:latin typeface="Cambria Math" panose="02040503050406030204" pitchFamily="18" charset="0"/>
+                      </a:rPr>
+                      <m:t>𝐶</m:t>
+                    </m:r>
+                    <m:r>
+                      <a:rPr lang="en-US" sz="2000" b="0" i="1" smtClean="0">
+                        <a:latin typeface="Cambria Math" panose="02040503050406030204" pitchFamily="18" charset="0"/>
+                        <a:ea typeface="Cambria Math" panose="02040503050406030204" pitchFamily="18" charset="0"/>
+                      </a:rPr>
+                      <m:t>∈</m:t>
+                    </m:r>
+                    <m:d>
+                      <m:dPr>
+                        <m:begChr m:val="{"/>
+                        <m:endChr m:val="}"/>
+                        <m:ctrlPr>
+                          <a:rPr lang="en-US" sz="2000" b="0" i="1" smtClean="0">
+                            <a:latin typeface="Cambria Math" panose="02040503050406030204" pitchFamily="18" charset="0"/>
+                            <a:ea typeface="Cambria Math" panose="02040503050406030204" pitchFamily="18" charset="0"/>
+                          </a:rPr>
+                        </m:ctrlPr>
+                      </m:dPr>
+                      <m:e>
+                        <m:r>
+                          <a:rPr lang="en-US" sz="2000" b="0" i="1" smtClean="0">
+                            <a:latin typeface="Cambria Math" panose="02040503050406030204" pitchFamily="18" charset="0"/>
+                            <a:ea typeface="Cambria Math" panose="02040503050406030204" pitchFamily="18" charset="0"/>
+                          </a:rPr>
+                          <m:t>1,. . .,</m:t>
+                        </m:r>
+                        <m:r>
+                          <a:rPr lang="en-US" sz="2000" b="0" i="1" smtClean="0">
+                            <a:latin typeface="Cambria Math" panose="02040503050406030204" pitchFamily="18" charset="0"/>
+                            <a:ea typeface="Cambria Math" panose="02040503050406030204" pitchFamily="18" charset="0"/>
+                          </a:rPr>
+                          <m:t>𝐶</m:t>
+                        </m:r>
+                      </m:e>
+                    </m:d>
+                  </m:oMath>
+                </a14:m>
+                <a:endParaRPr lang="en-US" sz="2000" dirty="0"/>
+              </a:p>
+            </p:txBody>
+          </p:sp>
+        </mc:Choice>
+        <mc:Fallback>
+          <p:sp>
+            <p:nvSpPr>
+              <p:cNvPr id="11" name="TextBox 10"/>
+              <p:cNvSpPr txBox="1">
+                <a:spLocks noRot="1" noChangeAspect="1" noMove="1" noResize="1" noEditPoints="1" noAdjustHandles="1" noChangeArrowheads="1" noChangeShapeType="1" noTextEdit="1"/>
+              </p:cNvSpPr>
+              <p:nvPr/>
+            </p:nvSpPr>
+            <p:spPr>
+              <a:xfrm>
+                <a:off x="2615951" y="4394943"/>
+                <a:ext cx="4288290" cy="1397306"/>
+              </a:xfrm>
+              <a:prstGeom prst="rect">
+                <a:avLst/>
+              </a:prstGeom>
+              <a:blipFill rotWithShape="0">
+                <a:blip r:embed="rId3"/>
+                <a:stretch>
+                  <a:fillRect b="-437"/>
+                </a:stretch>
+              </a:blipFill>
+            </p:spPr>
+            <p:txBody>
+              <a:bodyPr/>
+              <a:lstStyle/>
+              <a:p>
+                <a:r>
+                  <a:rPr lang="en-US">
+                    <a:noFill/>
+                  </a:rPr>
+                  <a:t> </a:t>
+                </a:r>
+              </a:p>
+            </p:txBody>
+          </p:sp>
+        </mc:Fallback>
+      </mc:AlternateContent>
+      <p:sp>
+        <p:nvSpPr>
+          <p:cNvPr id="12" name="TextBox 11"/>
+          <p:cNvSpPr txBox="1"/>
+          <p:nvPr/>
+        </p:nvSpPr>
+        <p:spPr>
+          <a:xfrm>
+            <a:off x="628650" y="888527"/>
+            <a:ext cx="1816266" cy="523220"/>
+          </a:xfrm>
+          <a:prstGeom prst="rect">
+            <a:avLst/>
+          </a:prstGeom>
+          <a:noFill/>
+        </p:spPr>
+        <p:txBody>
+          <a:bodyPr wrap="none" rtlCol="0">
+            <a:spAutoFit/>
+          </a:bodyPr>
+          <a:lstStyle/>
+          <a:p>
+            <a:r>
+              <a:rPr lang="en-US" sz="2800" b="1" dirty="0" smtClean="0">
+                <a:solidFill>
+                  <a:schemeClr val="accent2">
+                    <a:lumMod val="75000"/>
+                  </a:schemeClr>
+                </a:solidFill>
+              </a:rPr>
+              <a:t>SUMMARY</a:t>
+            </a:r>
+            <a:endParaRPr lang="en-US" sz="2800" b="1" dirty="0">
+              <a:solidFill>
+                <a:schemeClr val="accent2">
+                  <a:lumMod val="75000"/>
+                </a:schemeClr>
+              </a:solidFill>
+            </a:endParaRPr>
+          </a:p>
+        </p:txBody>
+      </p:sp>
     </p:spTree>
     <p:extLst>
       <p:ext uri="{BB962C8B-B14F-4D97-AF65-F5344CB8AC3E}">
-        <p14:creationId xmlns:p14="http://schemas.microsoft.com/office/powerpoint/2010/main" val="1725708525"/>
+        <p14:creationId xmlns:p14="http://schemas.microsoft.com/office/powerpoint/2010/main" val="1549246484"/>
       </p:ext>
     </p:extLst>
   </p:cSld>
@@ -4527,9 +7347,340 @@
   <p:timing>
     <p:tnLst>
       <p:par>
-        <p:cTn id="1" dur="indefinite" restart="never" nodeType="tmRoot"/>
+        <p:cTn id="1" dur="indefinite" restart="never" nodeType="tmRoot">
+          <p:childTnLst>
+            <p:seq concurrent="1" nextAc="seek">
+              <p:cTn id="2" dur="indefinite" nodeType="mainSeq">
+                <p:childTnLst>
+                  <p:par>
+                    <p:cTn id="3" fill="hold">
+                      <p:stCondLst>
+                        <p:cond delay="indefinite"/>
+                      </p:stCondLst>
+                      <p:childTnLst>
+                        <p:par>
+                          <p:cTn id="4" fill="hold">
+                            <p:stCondLst>
+                              <p:cond delay="0"/>
+                            </p:stCondLst>
+                            <p:childTnLst>
+                              <p:par>
+                                <p:cTn id="5" presetID="10" presetClass="entr" presetSubtype="0" fill="hold" grpId="0" nodeType="clickEffect">
+                                  <p:stCondLst>
+                                    <p:cond delay="0"/>
+                                  </p:stCondLst>
+                                  <p:childTnLst>
+                                    <p:set>
+                                      <p:cBhvr>
+                                        <p:cTn id="6" dur="1" fill="hold">
+                                          <p:stCondLst>
+                                            <p:cond delay="0"/>
+                                          </p:stCondLst>
+                                        </p:cTn>
+                                        <p:tgtEl>
+                                          <p:spTgt spid="12"/>
+                                        </p:tgtEl>
+                                        <p:attrNameLst>
+                                          <p:attrName>style.visibility</p:attrName>
+                                        </p:attrNameLst>
+                                      </p:cBhvr>
+                                      <p:to>
+                                        <p:strVal val="visible"/>
+                                      </p:to>
+                                    </p:set>
+                                    <p:animEffect transition="in" filter="fade">
+                                      <p:cBhvr>
+                                        <p:cTn id="7" dur="500"/>
+                                        <p:tgtEl>
+                                          <p:spTgt spid="12"/>
+                                        </p:tgtEl>
+                                      </p:cBhvr>
+                                    </p:animEffect>
+                                  </p:childTnLst>
+                                </p:cTn>
+                              </p:par>
+                            </p:childTnLst>
+                          </p:cTn>
+                        </p:par>
+                      </p:childTnLst>
+                    </p:cTn>
+                  </p:par>
+                  <p:par>
+                    <p:cTn id="8" fill="hold">
+                      <p:stCondLst>
+                        <p:cond delay="indefinite"/>
+                      </p:stCondLst>
+                      <p:childTnLst>
+                        <p:par>
+                          <p:cTn id="9" fill="hold">
+                            <p:stCondLst>
+                              <p:cond delay="0"/>
+                            </p:stCondLst>
+                            <p:childTnLst>
+                              <p:par>
+                                <p:cTn id="10" presetID="10" presetClass="entr" presetSubtype="0" fill="hold" grpId="0" nodeType="clickEffect">
+                                  <p:stCondLst>
+                                    <p:cond delay="0"/>
+                                  </p:stCondLst>
+                                  <p:childTnLst>
+                                    <p:set>
+                                      <p:cBhvr>
+                                        <p:cTn id="11" dur="1" fill="hold">
+                                          <p:stCondLst>
+                                            <p:cond delay="0"/>
+                                          </p:stCondLst>
+                                        </p:cTn>
+                                        <p:tgtEl>
+                                          <p:spTgt spid="6"/>
+                                        </p:tgtEl>
+                                        <p:attrNameLst>
+                                          <p:attrName>style.visibility</p:attrName>
+                                        </p:attrNameLst>
+                                      </p:cBhvr>
+                                      <p:to>
+                                        <p:strVal val="visible"/>
+                                      </p:to>
+                                    </p:set>
+                                    <p:animEffect transition="in" filter="fade">
+                                      <p:cBhvr>
+                                        <p:cTn id="12" dur="500"/>
+                                        <p:tgtEl>
+                                          <p:spTgt spid="6"/>
+                                        </p:tgtEl>
+                                      </p:cBhvr>
+                                    </p:animEffect>
+                                  </p:childTnLst>
+                                </p:cTn>
+                              </p:par>
+                            </p:childTnLst>
+                          </p:cTn>
+                        </p:par>
+                      </p:childTnLst>
+                    </p:cTn>
+                  </p:par>
+                  <p:par>
+                    <p:cTn id="13" fill="hold">
+                      <p:stCondLst>
+                        <p:cond delay="indefinite"/>
+                      </p:stCondLst>
+                      <p:childTnLst>
+                        <p:par>
+                          <p:cTn id="14" fill="hold">
+                            <p:stCondLst>
+                              <p:cond delay="0"/>
+                            </p:stCondLst>
+                            <p:childTnLst>
+                              <p:par>
+                                <p:cTn id="15" presetID="10" presetClass="entr" presetSubtype="0" fill="hold" grpId="0" nodeType="clickEffect">
+                                  <p:stCondLst>
+                                    <p:cond delay="0"/>
+                                  </p:stCondLst>
+                                  <p:childTnLst>
+                                    <p:set>
+                                      <p:cBhvr>
+                                        <p:cTn id="16" dur="1" fill="hold">
+                                          <p:stCondLst>
+                                            <p:cond delay="0"/>
+                                          </p:stCondLst>
+                                        </p:cTn>
+                                        <p:tgtEl>
+                                          <p:spTgt spid="9"/>
+                                        </p:tgtEl>
+                                        <p:attrNameLst>
+                                          <p:attrName>style.visibility</p:attrName>
+                                        </p:attrNameLst>
+                                      </p:cBhvr>
+                                      <p:to>
+                                        <p:strVal val="visible"/>
+                                      </p:to>
+                                    </p:set>
+                                    <p:animEffect transition="in" filter="fade">
+                                      <p:cBhvr>
+                                        <p:cTn id="17" dur="500"/>
+                                        <p:tgtEl>
+                                          <p:spTgt spid="9"/>
+                                        </p:tgtEl>
+                                      </p:cBhvr>
+                                    </p:animEffect>
+                                  </p:childTnLst>
+                                </p:cTn>
+                              </p:par>
+                            </p:childTnLst>
+                          </p:cTn>
+                        </p:par>
+                      </p:childTnLst>
+                    </p:cTn>
+                  </p:par>
+                  <p:par>
+                    <p:cTn id="18" fill="hold">
+                      <p:stCondLst>
+                        <p:cond delay="indefinite"/>
+                      </p:stCondLst>
+                      <p:childTnLst>
+                        <p:par>
+                          <p:cTn id="19" fill="hold">
+                            <p:stCondLst>
+                              <p:cond delay="0"/>
+                            </p:stCondLst>
+                            <p:childTnLst>
+                              <p:par>
+                                <p:cTn id="20" presetID="10" presetClass="entr" presetSubtype="0" fill="hold" grpId="0" nodeType="clickEffect">
+                                  <p:stCondLst>
+                                    <p:cond delay="0"/>
+                                  </p:stCondLst>
+                                  <p:childTnLst>
+                                    <p:set>
+                                      <p:cBhvr>
+                                        <p:cTn id="21" dur="1" fill="hold">
+                                          <p:stCondLst>
+                                            <p:cond delay="0"/>
+                                          </p:stCondLst>
+                                        </p:cTn>
+                                        <p:tgtEl>
+                                          <p:spTgt spid="7"/>
+                                        </p:tgtEl>
+                                        <p:attrNameLst>
+                                          <p:attrName>style.visibility</p:attrName>
+                                        </p:attrNameLst>
+                                      </p:cBhvr>
+                                      <p:to>
+                                        <p:strVal val="visible"/>
+                                      </p:to>
+                                    </p:set>
+                                    <p:animEffect transition="in" filter="fade">
+                                      <p:cBhvr>
+                                        <p:cTn id="22" dur="500"/>
+                                        <p:tgtEl>
+                                          <p:spTgt spid="7"/>
+                                        </p:tgtEl>
+                                      </p:cBhvr>
+                                    </p:animEffect>
+                                  </p:childTnLst>
+                                </p:cTn>
+                              </p:par>
+                            </p:childTnLst>
+                          </p:cTn>
+                        </p:par>
+                      </p:childTnLst>
+                    </p:cTn>
+                  </p:par>
+                  <p:par>
+                    <p:cTn id="23" fill="hold">
+                      <p:stCondLst>
+                        <p:cond delay="indefinite"/>
+                      </p:stCondLst>
+                      <p:childTnLst>
+                        <p:par>
+                          <p:cTn id="24" fill="hold">
+                            <p:stCondLst>
+                              <p:cond delay="0"/>
+                            </p:stCondLst>
+                            <p:childTnLst>
+                              <p:par>
+                                <p:cTn id="25" presetID="10" presetClass="entr" presetSubtype="0" fill="hold" grpId="0" nodeType="clickEffect">
+                                  <p:stCondLst>
+                                    <p:cond delay="0"/>
+                                  </p:stCondLst>
+                                  <p:childTnLst>
+                                    <p:set>
+                                      <p:cBhvr>
+                                        <p:cTn id="26" dur="1" fill="hold">
+                                          <p:stCondLst>
+                                            <p:cond delay="0"/>
+                                          </p:stCondLst>
+                                        </p:cTn>
+                                        <p:tgtEl>
+                                          <p:spTgt spid="10"/>
+                                        </p:tgtEl>
+                                        <p:attrNameLst>
+                                          <p:attrName>style.visibility</p:attrName>
+                                        </p:attrNameLst>
+                                      </p:cBhvr>
+                                      <p:to>
+                                        <p:strVal val="visible"/>
+                                      </p:to>
+                                    </p:set>
+                                    <p:animEffect transition="in" filter="fade">
+                                      <p:cBhvr>
+                                        <p:cTn id="27" dur="500"/>
+                                        <p:tgtEl>
+                                          <p:spTgt spid="10"/>
+                                        </p:tgtEl>
+                                      </p:cBhvr>
+                                    </p:animEffect>
+                                  </p:childTnLst>
+                                </p:cTn>
+                              </p:par>
+                              <p:par>
+                                <p:cTn id="28" presetID="10" presetClass="entr" presetSubtype="0" fill="hold" grpId="0" nodeType="withEffect">
+                                  <p:stCondLst>
+                                    <p:cond delay="0"/>
+                                  </p:stCondLst>
+                                  <p:childTnLst>
+                                    <p:set>
+                                      <p:cBhvr>
+                                        <p:cTn id="29" dur="1" fill="hold">
+                                          <p:stCondLst>
+                                            <p:cond delay="0"/>
+                                          </p:stCondLst>
+                                        </p:cTn>
+                                        <p:tgtEl>
+                                          <p:spTgt spid="11"/>
+                                        </p:tgtEl>
+                                        <p:attrNameLst>
+                                          <p:attrName>style.visibility</p:attrName>
+                                        </p:attrNameLst>
+                                      </p:cBhvr>
+                                      <p:to>
+                                        <p:strVal val="visible"/>
+                                      </p:to>
+                                    </p:set>
+                                    <p:animEffect transition="in" filter="fade">
+                                      <p:cBhvr>
+                                        <p:cTn id="30" dur="500"/>
+                                        <p:tgtEl>
+                                          <p:spTgt spid="11"/>
+                                        </p:tgtEl>
+                                      </p:cBhvr>
+                                    </p:animEffect>
+                                  </p:childTnLst>
+                                </p:cTn>
+                              </p:par>
+                            </p:childTnLst>
+                          </p:cTn>
+                        </p:par>
+                      </p:childTnLst>
+                    </p:cTn>
+                  </p:par>
+                </p:childTnLst>
+              </p:cTn>
+              <p:prevCondLst>
+                <p:cond evt="onPrev" delay="0">
+                  <p:tgtEl>
+                    <p:sldTgt/>
+                  </p:tgtEl>
+                </p:cond>
+              </p:prevCondLst>
+              <p:nextCondLst>
+                <p:cond evt="onNext" delay="0">
+                  <p:tgtEl>
+                    <p:sldTgt/>
+                  </p:tgtEl>
+                </p:cond>
+              </p:nextCondLst>
+            </p:seq>
+          </p:childTnLst>
+        </p:cTn>
       </p:par>
     </p:tnLst>
+    <p:bldLst>
+      <p:bldP spid="6" grpId="0"/>
+      <p:bldP spid="7" grpId="0"/>
+      <p:bldP spid="9" grpId="0"/>
+      <p:bldP spid="10" grpId="0"/>
+      <p:bldP spid="11" grpId="0"/>
+      <p:bldP spid="12" grpId="0"/>
+    </p:bldLst>
   </p:timing>
 </p:sld>
 </file>
@@ -4568,20 +7719,41 @@
           <a:p>
             <a:r>
               <a:rPr lang="en-US" dirty="0"/>
-              <a:t>Demo with Python</a:t>
+              <a:t>Naive Bayes classifier</a:t>
             </a:r>
           </a:p>
         </p:txBody>
       </p:sp>
       <p:sp>
         <p:nvSpPr>
-          <p:cNvPr id="3" name="Slide Number Placeholder 2">
-            <a:extLst>
-              <a:ext uri="{FF2B5EF4-FFF2-40B4-BE49-F238E27FC236}">
-                <a16:creationId xmlns:a16="http://schemas.microsoft.com/office/drawing/2014/main" xmlns="" id="{BFB842CD-44AC-AD43-824A-E1B53AB330DF}"/>
-              </a:ext>
-            </a:extLst>
-          </p:cNvPr>
+          <p:cNvPr id="4" name="Footer Placeholder 3"/>
+          <p:cNvSpPr>
+            <a:spLocks noGrp="1"/>
+          </p:cNvSpPr>
+          <p:nvPr>
+            <p:ph type="ftr" sz="quarter" idx="11"/>
+          </p:nvPr>
+        </p:nvSpPr>
+        <p:spPr/>
+        <p:txBody>
+          <a:bodyPr/>
+          <a:lstStyle/>
+          <a:p>
+            <a:r>
+              <a:rPr lang="en-US" dirty="0"/>
+              <a:t>Naive Bayes </a:t>
+            </a:r>
+            <a:r>
+              <a:rPr lang="en-US" dirty="0" smtClean="0"/>
+              <a:t>classifier</a:t>
+            </a:r>
+            <a:endParaRPr lang="en-US" dirty="0"/>
+          </a:p>
+        </p:txBody>
+      </p:sp>
+      <p:sp>
+        <p:nvSpPr>
+          <p:cNvPr id="5" name="Slide Number Placeholder 4"/>
           <p:cNvSpPr>
             <a:spLocks noGrp="1"/>
           </p:cNvSpPr>
@@ -4603,35 +7775,634 @@
           </a:p>
         </p:txBody>
       </p:sp>
+      <mc:AlternateContent xmlns:mc="http://schemas.openxmlformats.org/markup-compatibility/2006">
+        <mc:Choice xmlns:a14="http://schemas.microsoft.com/office/drawing/2010/main" Requires="a14">
+          <p:sp>
+            <p:nvSpPr>
+              <p:cNvPr id="7" name="TextBox 6"/>
+              <p:cNvSpPr txBox="1"/>
+              <p:nvPr/>
+            </p:nvSpPr>
+            <p:spPr>
+              <a:xfrm>
+                <a:off x="1680111" y="1047893"/>
+                <a:ext cx="4288290" cy="1397306"/>
+              </a:xfrm>
+              <a:prstGeom prst="rect">
+                <a:avLst/>
+              </a:prstGeom>
+              <a:noFill/>
+            </p:spPr>
+            <p:txBody>
+              <a:bodyPr wrap="none" lIns="0" tIns="0" rIns="0" bIns="0" rtlCol="0">
+                <a:spAutoFit/>
+              </a:bodyPr>
+              <a:lstStyle/>
+              <a:p>
+                <a14:m>
+                  <m:oMathPara xmlns:m="http://schemas.openxmlformats.org/officeDocument/2006/math">
+                    <m:oMathParaPr>
+                      <m:jc m:val="centerGroup"/>
+                    </m:oMathParaPr>
+                    <m:oMath xmlns:m="http://schemas.openxmlformats.org/officeDocument/2006/math">
+                      <m:r>
+                        <a:rPr lang="en-US" sz="2500" b="0" i="1" smtClean="0">
+                          <a:latin typeface="Cambria Math" panose="02040503050406030204" pitchFamily="18" charset="0"/>
+                        </a:rPr>
+                        <m:t>𝐶</m:t>
+                      </m:r>
+                      <m:r>
+                        <a:rPr lang="en-US" sz="2500" b="0" i="1" smtClean="0">
+                          <a:latin typeface="Cambria Math" panose="02040503050406030204" pitchFamily="18" charset="0"/>
+                        </a:rPr>
+                        <m:t>=</m:t>
+                      </m:r>
+                      <m:r>
+                        <a:rPr lang="en-US" sz="2500" b="0" i="1" smtClean="0">
+                          <a:latin typeface="Cambria Math" panose="02040503050406030204" pitchFamily="18" charset="0"/>
+                        </a:rPr>
+                        <m:t>𝑎𝑟𝑔𝑚𝑎𝑥</m:t>
+                      </m:r>
+                      <m:r>
+                        <a:rPr lang="en-US" sz="2500" b="0" i="1" smtClean="0">
+                          <a:latin typeface="Cambria Math" panose="02040503050406030204" pitchFamily="18" charset="0"/>
+                        </a:rPr>
+                        <m:t> </m:t>
+                      </m:r>
+                      <m:r>
+                        <a:rPr lang="en-US" sz="2500" b="0" i="1" smtClean="0">
+                          <a:latin typeface="Cambria Math" panose="02040503050406030204" pitchFamily="18" charset="0"/>
+                        </a:rPr>
+                        <m:t>𝑃</m:t>
+                      </m:r>
+                      <m:d>
+                        <m:dPr>
+                          <m:ctrlPr>
+                            <a:rPr lang="en-US" sz="2500" b="0" i="1" smtClean="0">
+                              <a:latin typeface="Cambria Math" panose="02040503050406030204" pitchFamily="18" charset="0"/>
+                            </a:rPr>
+                          </m:ctrlPr>
+                        </m:dPr>
+                        <m:e>
+                          <m:r>
+                            <a:rPr lang="en-US" sz="2500" b="0" i="1" smtClean="0">
+                              <a:latin typeface="Cambria Math" panose="02040503050406030204" pitchFamily="18" charset="0"/>
+                            </a:rPr>
+                            <m:t>𝐶</m:t>
+                          </m:r>
+                        </m:e>
+                      </m:d>
+                      <m:nary>
+                        <m:naryPr>
+                          <m:chr m:val="∏"/>
+                          <m:ctrlPr>
+                            <a:rPr lang="en-US" sz="2500" i="1">
+                              <a:latin typeface="Cambria Math" panose="02040503050406030204" pitchFamily="18" charset="0"/>
+                            </a:rPr>
+                          </m:ctrlPr>
+                        </m:naryPr>
+                        <m:sub>
+                          <m:r>
+                            <m:rPr>
+                              <m:brk m:alnAt="23"/>
+                            </m:rPr>
+                            <a:rPr lang="en-US" sz="2500" i="1">
+                              <a:latin typeface="Cambria Math" panose="02040503050406030204" pitchFamily="18" charset="0"/>
+                            </a:rPr>
+                            <m:t>𝑖</m:t>
+                          </m:r>
+                          <m:r>
+                            <a:rPr lang="en-US" sz="2500" i="1">
+                              <a:latin typeface="Cambria Math" panose="02040503050406030204" pitchFamily="18" charset="0"/>
+                            </a:rPr>
+                            <m:t>=1</m:t>
+                          </m:r>
+                        </m:sub>
+                        <m:sup>
+                          <m:r>
+                            <a:rPr lang="en-US" sz="2500" i="1">
+                              <a:latin typeface="Cambria Math" panose="02040503050406030204" pitchFamily="18" charset="0"/>
+                            </a:rPr>
+                            <m:t>𝑑</m:t>
+                          </m:r>
+                        </m:sup>
+                        <m:e>
+                          <m:r>
+                            <a:rPr lang="en-US" sz="2500" i="1">
+                              <a:latin typeface="Cambria Math" panose="02040503050406030204" pitchFamily="18" charset="0"/>
+                            </a:rPr>
+                            <m:t>𝑃</m:t>
+                          </m:r>
+                          <m:d>
+                            <m:dPr>
+                              <m:ctrlPr>
+                                <a:rPr lang="en-US" sz="2500" i="1">
+                                  <a:latin typeface="Cambria Math" panose="02040503050406030204" pitchFamily="18" charset="0"/>
+                                </a:rPr>
+                              </m:ctrlPr>
+                            </m:dPr>
+                            <m:e>
+                              <m:sSub>
+                                <m:sSubPr>
+                                  <m:ctrlPr>
+                                    <a:rPr lang="en-US" sz="2500" i="1">
+                                      <a:latin typeface="Cambria Math" panose="02040503050406030204" pitchFamily="18" charset="0"/>
+                                    </a:rPr>
+                                  </m:ctrlPr>
+                                </m:sSubPr>
+                                <m:e>
+                                  <m:r>
+                                    <a:rPr lang="en-US" sz="2500" i="1">
+                                      <a:latin typeface="Cambria Math" panose="02040503050406030204" pitchFamily="18" charset="0"/>
+                                    </a:rPr>
+                                    <m:t>𝑥</m:t>
+                                  </m:r>
+                                </m:e>
+                                <m:sub>
+                                  <m:r>
+                                    <a:rPr lang="en-US" sz="2500" i="1">
+                                      <a:latin typeface="Cambria Math" panose="02040503050406030204" pitchFamily="18" charset="0"/>
+                                    </a:rPr>
+                                    <m:t>𝑖</m:t>
+                                  </m:r>
+                                </m:sub>
+                              </m:sSub>
+                            </m:e>
+                            <m:e>
+                              <m:r>
+                                <a:rPr lang="en-US" sz="2500" i="1">
+                                  <a:latin typeface="Cambria Math" panose="02040503050406030204" pitchFamily="18" charset="0"/>
+                                </a:rPr>
+                                <m:t>𝐶</m:t>
+                              </m:r>
+                            </m:e>
+                          </m:d>
+                        </m:e>
+                      </m:nary>
+                    </m:oMath>
+                  </m:oMathPara>
+                </a14:m>
+                <a:endParaRPr lang="en-US" sz="2500" i="1" dirty="0" smtClean="0">
+                  <a:latin typeface="Cambria Math" panose="02040503050406030204" pitchFamily="18" charset="0"/>
+                </a:endParaRPr>
+              </a:p>
+              <a:p>
+                <a:pPr/>
+                <a:r>
+                  <a:rPr lang="en-US" sz="2000" b="0" dirty="0" smtClean="0"/>
+                  <a:t>          </a:t>
+                </a:r>
+                <a14:m>
+                  <m:oMath xmlns:m="http://schemas.openxmlformats.org/officeDocument/2006/math">
+                    <m:r>
+                      <a:rPr lang="en-US" sz="2000" b="0" i="1" smtClean="0">
+                        <a:latin typeface="Cambria Math" panose="02040503050406030204" pitchFamily="18" charset="0"/>
+                      </a:rPr>
+                      <m:t>𝐶</m:t>
+                    </m:r>
+                    <m:r>
+                      <a:rPr lang="en-US" sz="2000" b="0" i="1" smtClean="0">
+                        <a:latin typeface="Cambria Math" panose="02040503050406030204" pitchFamily="18" charset="0"/>
+                        <a:ea typeface="Cambria Math" panose="02040503050406030204" pitchFamily="18" charset="0"/>
+                      </a:rPr>
+                      <m:t>∈</m:t>
+                    </m:r>
+                    <m:d>
+                      <m:dPr>
+                        <m:begChr m:val="{"/>
+                        <m:endChr m:val="}"/>
+                        <m:ctrlPr>
+                          <a:rPr lang="en-US" sz="2000" b="0" i="1" smtClean="0">
+                            <a:latin typeface="Cambria Math" panose="02040503050406030204" pitchFamily="18" charset="0"/>
+                            <a:ea typeface="Cambria Math" panose="02040503050406030204" pitchFamily="18" charset="0"/>
+                          </a:rPr>
+                        </m:ctrlPr>
+                      </m:dPr>
+                      <m:e>
+                        <m:r>
+                          <a:rPr lang="en-US" sz="2000" b="0" i="1" smtClean="0">
+                            <a:latin typeface="Cambria Math" panose="02040503050406030204" pitchFamily="18" charset="0"/>
+                            <a:ea typeface="Cambria Math" panose="02040503050406030204" pitchFamily="18" charset="0"/>
+                          </a:rPr>
+                          <m:t>1,. . .,</m:t>
+                        </m:r>
+                        <m:r>
+                          <a:rPr lang="en-US" sz="2000" b="0" i="1" smtClean="0">
+                            <a:latin typeface="Cambria Math" panose="02040503050406030204" pitchFamily="18" charset="0"/>
+                            <a:ea typeface="Cambria Math" panose="02040503050406030204" pitchFamily="18" charset="0"/>
+                          </a:rPr>
+                          <m:t>𝐶</m:t>
+                        </m:r>
+                      </m:e>
+                    </m:d>
+                  </m:oMath>
+                </a14:m>
+                <a:endParaRPr lang="en-US" sz="2000" dirty="0"/>
+              </a:p>
+            </p:txBody>
+          </p:sp>
+        </mc:Choice>
+        <mc:Fallback>
+          <p:sp>
+            <p:nvSpPr>
+              <p:cNvPr id="7" name="TextBox 6"/>
+              <p:cNvSpPr txBox="1">
+                <a:spLocks noRot="1" noChangeAspect="1" noMove="1" noResize="1" noEditPoints="1" noAdjustHandles="1" noChangeArrowheads="1" noChangeShapeType="1" noTextEdit="1"/>
+              </p:cNvSpPr>
+              <p:nvPr/>
+            </p:nvSpPr>
+            <p:spPr>
+              <a:xfrm>
+                <a:off x="1680111" y="1047893"/>
+                <a:ext cx="4288290" cy="1397306"/>
+              </a:xfrm>
+              <a:prstGeom prst="rect">
+                <a:avLst/>
+              </a:prstGeom>
+              <a:blipFill rotWithShape="0">
+                <a:blip r:embed="rId2"/>
+                <a:stretch>
+                  <a:fillRect b="-437"/>
+                </a:stretch>
+              </a:blipFill>
+            </p:spPr>
+            <p:txBody>
+              <a:bodyPr/>
+              <a:lstStyle/>
+              <a:p>
+                <a:r>
+                  <a:rPr lang="en-US">
+                    <a:noFill/>
+                  </a:rPr>
+                  <a:t> </a:t>
+                </a:r>
+              </a:p>
+            </p:txBody>
+          </p:sp>
+        </mc:Fallback>
+      </mc:AlternateContent>
       <p:sp>
         <p:nvSpPr>
-          <p:cNvPr id="4" name="Footer Placeholder 3">
-            <a:extLst>
-              <a:ext uri="{FF2B5EF4-FFF2-40B4-BE49-F238E27FC236}">
-                <a16:creationId xmlns:a16="http://schemas.microsoft.com/office/drawing/2014/main" xmlns="" id="{1F7FE4C9-C950-E744-96EA-9878A1007386}"/>
-              </a:ext>
-            </a:extLst>
-          </p:cNvPr>
-          <p:cNvSpPr>
-            <a:spLocks noGrp="1"/>
-          </p:cNvSpPr>
-          <p:nvPr>
-            <p:ph type="ftr" sz="quarter" idx="11"/>
-          </p:nvPr>
+          <p:cNvPr id="8" name="TextBox 7"/>
+          <p:cNvSpPr txBox="1"/>
+          <p:nvPr/>
         </p:nvSpPr>
-        <p:spPr/>
+        <p:spPr>
+          <a:xfrm>
+            <a:off x="1016831" y="2907808"/>
+            <a:ext cx="6867712" cy="523220"/>
+          </a:xfrm>
+          <a:prstGeom prst="rect">
+            <a:avLst/>
+          </a:prstGeom>
+          <a:noFill/>
+        </p:spPr>
         <p:txBody>
-          <a:bodyPr/>
+          <a:bodyPr wrap="square" rtlCol="0">
+            <a:spAutoFit/>
+          </a:bodyPr>
           <a:lstStyle/>
           <a:p>
-            <a:endParaRPr lang="en-US" dirty="0"/>
+            <a:r>
+              <a:rPr lang="en-US" sz="2800" dirty="0" smtClean="0">
+                <a:solidFill>
+                  <a:srgbClr val="FF0000"/>
+                </a:solidFill>
+              </a:rPr>
+              <a:t>Problem: If “d” is large, “C” will be very small </a:t>
+            </a:r>
+            <a:endParaRPr lang="en-US" sz="2800" dirty="0">
+              <a:solidFill>
+                <a:srgbClr val="FF0000"/>
+              </a:solidFill>
+            </a:endParaRPr>
           </a:p>
         </p:txBody>
       </p:sp>
+      <p:sp>
+        <p:nvSpPr>
+          <p:cNvPr id="9" name="TextBox 8"/>
+          <p:cNvSpPr txBox="1"/>
+          <p:nvPr/>
+        </p:nvSpPr>
+        <p:spPr>
+          <a:xfrm>
+            <a:off x="628650" y="3729962"/>
+            <a:ext cx="6867712" cy="523220"/>
+          </a:xfrm>
+          <a:prstGeom prst="rect">
+            <a:avLst/>
+          </a:prstGeom>
+          <a:noFill/>
+        </p:spPr>
+        <p:txBody>
+          <a:bodyPr wrap="square" rtlCol="0">
+            <a:spAutoFit/>
+          </a:bodyPr>
+          <a:lstStyle/>
+          <a:p>
+            <a:r>
+              <a:rPr lang="en-US" sz="2800" dirty="0" smtClean="0"/>
+              <a:t>=&gt; Apply “log” to right side:</a:t>
+            </a:r>
+            <a:endParaRPr lang="en-US" sz="2800" dirty="0"/>
+          </a:p>
+        </p:txBody>
+      </p:sp>
+      <mc:AlternateContent xmlns:mc="http://schemas.openxmlformats.org/markup-compatibility/2006">
+        <mc:Choice xmlns:a14="http://schemas.microsoft.com/office/drawing/2010/main" Requires="a14">
+          <p:sp>
+            <p:nvSpPr>
+              <p:cNvPr id="10" name="TextBox 9"/>
+              <p:cNvSpPr txBox="1"/>
+              <p:nvPr/>
+            </p:nvSpPr>
+            <p:spPr>
+              <a:xfrm>
+                <a:off x="1392564" y="4253182"/>
+                <a:ext cx="5983048" cy="1397306"/>
+              </a:xfrm>
+              <a:prstGeom prst="rect">
+                <a:avLst/>
+              </a:prstGeom>
+              <a:noFill/>
+            </p:spPr>
+            <p:txBody>
+              <a:bodyPr wrap="none" lIns="0" tIns="0" rIns="0" bIns="0" rtlCol="0">
+                <a:spAutoFit/>
+              </a:bodyPr>
+              <a:lstStyle/>
+              <a:p>
+                <a14:m>
+                  <m:oMathPara xmlns:m="http://schemas.openxmlformats.org/officeDocument/2006/math">
+                    <m:oMathParaPr>
+                      <m:jc m:val="centerGroup"/>
+                    </m:oMathParaPr>
+                    <m:oMath xmlns:m="http://schemas.openxmlformats.org/officeDocument/2006/math">
+                      <m:r>
+                        <a:rPr lang="en-US" sz="2500" b="0" i="1" smtClean="0">
+                          <a:latin typeface="Cambria Math" panose="02040503050406030204" pitchFamily="18" charset="0"/>
+                        </a:rPr>
+                        <m:t>𝐶</m:t>
+                      </m:r>
+                      <m:r>
+                        <a:rPr lang="en-US" sz="2500" b="0" i="1" smtClean="0">
+                          <a:latin typeface="Cambria Math" panose="02040503050406030204" pitchFamily="18" charset="0"/>
+                        </a:rPr>
+                        <m:t>=</m:t>
+                      </m:r>
+                      <m:r>
+                        <a:rPr lang="en-US" sz="2500" b="0" i="1" smtClean="0">
+                          <a:latin typeface="Cambria Math" panose="02040503050406030204" pitchFamily="18" charset="0"/>
+                        </a:rPr>
+                        <m:t>𝑎𝑟𝑔𝑚𝑎𝑥</m:t>
+                      </m:r>
+                      <m:r>
+                        <a:rPr lang="en-US" sz="2500" b="0" i="1" smtClean="0">
+                          <a:latin typeface="Cambria Math" panose="02040503050406030204" pitchFamily="18" charset="0"/>
+                        </a:rPr>
+                        <m:t> (</m:t>
+                      </m:r>
+                      <m:r>
+                        <m:rPr>
+                          <m:sty m:val="p"/>
+                        </m:rPr>
+                        <a:rPr lang="en-US" sz="2500" b="0" i="0" smtClean="0">
+                          <a:latin typeface="Cambria Math" panose="02040503050406030204" pitchFamily="18" charset="0"/>
+                        </a:rPr>
+                        <m:t>log</m:t>
+                      </m:r>
+                      <m:r>
+                        <a:rPr lang="en-US" sz="2500" b="0" i="1" smtClean="0">
+                          <a:latin typeface="Cambria Math" panose="02040503050406030204" pitchFamily="18" charset="0"/>
+                        </a:rPr>
+                        <m:t>⁡(</m:t>
+                      </m:r>
+                      <m:r>
+                        <a:rPr lang="en-US" sz="2500" b="0" i="1" smtClean="0">
+                          <a:latin typeface="Cambria Math" panose="02040503050406030204" pitchFamily="18" charset="0"/>
+                        </a:rPr>
+                        <m:t>𝑃</m:t>
+                      </m:r>
+                      <m:r>
+                        <a:rPr lang="en-US" sz="2500" b="0" i="1" smtClean="0">
+                          <a:latin typeface="Cambria Math" panose="02040503050406030204" pitchFamily="18" charset="0"/>
+                        </a:rPr>
+                        <m:t>(</m:t>
+                      </m:r>
+                      <m:r>
+                        <a:rPr lang="en-US" sz="2500" b="0" i="1" smtClean="0">
+                          <a:latin typeface="Cambria Math" panose="02040503050406030204" pitchFamily="18" charset="0"/>
+                        </a:rPr>
+                        <m:t>𝐶</m:t>
+                      </m:r>
+                      <m:r>
+                        <a:rPr lang="en-US" sz="2500" b="0" i="1" smtClean="0">
+                          <a:latin typeface="Cambria Math" panose="02040503050406030204" pitchFamily="18" charset="0"/>
+                        </a:rPr>
+                        <m:t>))+</m:t>
+                      </m:r>
+                      <m:nary>
+                        <m:naryPr>
+                          <m:chr m:val="∑"/>
+                          <m:ctrlPr>
+                            <a:rPr lang="en-US" sz="2500" b="0" i="1" smtClean="0">
+                              <a:latin typeface="Cambria Math" panose="02040503050406030204" pitchFamily="18" charset="0"/>
+                            </a:rPr>
+                          </m:ctrlPr>
+                        </m:naryPr>
+                        <m:sub>
+                          <m:r>
+                            <m:rPr>
+                              <m:brk m:alnAt="23"/>
+                            </m:rPr>
+                            <a:rPr lang="en-US" sz="2500" b="0" i="1" smtClean="0">
+                              <a:latin typeface="Cambria Math" panose="02040503050406030204" pitchFamily="18" charset="0"/>
+                            </a:rPr>
+                            <m:t>𝑖</m:t>
+                          </m:r>
+                          <m:r>
+                            <a:rPr lang="en-US" sz="2500" b="0" i="1" smtClean="0">
+                              <a:latin typeface="Cambria Math" panose="02040503050406030204" pitchFamily="18" charset="0"/>
+                            </a:rPr>
+                            <m:t>=1</m:t>
+                          </m:r>
+                        </m:sub>
+                        <m:sup>
+                          <m:r>
+                            <a:rPr lang="en-US" sz="2500" b="0" i="1" smtClean="0">
+                              <a:latin typeface="Cambria Math" panose="02040503050406030204" pitchFamily="18" charset="0"/>
+                            </a:rPr>
+                            <m:t>𝑑</m:t>
+                          </m:r>
+                        </m:sup>
+                        <m:e>
+                          <m:r>
+                            <m:rPr>
+                              <m:sty m:val="p"/>
+                            </m:rPr>
+                            <a:rPr lang="en-US" sz="2500" b="0" i="0" smtClean="0">
+                              <a:latin typeface="Cambria Math" panose="02040503050406030204" pitchFamily="18" charset="0"/>
+                            </a:rPr>
+                            <m:t>log</m:t>
+                          </m:r>
+                          <m:r>
+                            <a:rPr lang="en-US" sz="2500" b="0" i="1" smtClean="0">
+                              <a:latin typeface="Cambria Math" panose="02040503050406030204" pitchFamily="18" charset="0"/>
+                            </a:rPr>
+                            <m:t>⁡(</m:t>
+                          </m:r>
+                          <m:r>
+                            <a:rPr lang="en-US" sz="2500" b="0" i="1" smtClean="0">
+                              <a:latin typeface="Cambria Math" panose="02040503050406030204" pitchFamily="18" charset="0"/>
+                            </a:rPr>
+                            <m:t>𝑃</m:t>
+                          </m:r>
+                          <m:r>
+                            <a:rPr lang="en-US" sz="2500" b="0" i="1" smtClean="0">
+                              <a:latin typeface="Cambria Math" panose="02040503050406030204" pitchFamily="18" charset="0"/>
+                            </a:rPr>
+                            <m:t>(</m:t>
+                          </m:r>
+                          <m:sSub>
+                            <m:sSubPr>
+                              <m:ctrlPr>
+                                <a:rPr lang="en-US" sz="2500" b="0" i="1" smtClean="0">
+                                  <a:latin typeface="Cambria Math" panose="02040503050406030204" pitchFamily="18" charset="0"/>
+                                </a:rPr>
+                              </m:ctrlPr>
+                            </m:sSubPr>
+                            <m:e>
+                              <m:r>
+                                <a:rPr lang="en-US" sz="2500" b="0" i="1" smtClean="0">
+                                  <a:latin typeface="Cambria Math" panose="02040503050406030204" pitchFamily="18" charset="0"/>
+                                </a:rPr>
+                                <m:t>𝑥</m:t>
+                              </m:r>
+                            </m:e>
+                            <m:sub>
+                              <m:r>
+                                <a:rPr lang="en-US" sz="2500" b="0" i="1" smtClean="0">
+                                  <a:latin typeface="Cambria Math" panose="02040503050406030204" pitchFamily="18" charset="0"/>
+                                </a:rPr>
+                                <m:t>𝑖</m:t>
+                              </m:r>
+                            </m:sub>
+                          </m:sSub>
+                          <m:r>
+                            <a:rPr lang="en-US" sz="2500" b="0" i="1" smtClean="0">
+                              <a:latin typeface="Cambria Math" panose="02040503050406030204" pitchFamily="18" charset="0"/>
+                            </a:rPr>
+                            <m:t>)))</m:t>
+                          </m:r>
+                        </m:e>
+                      </m:nary>
+                    </m:oMath>
+                  </m:oMathPara>
+                </a14:m>
+                <a:endParaRPr lang="en-US" sz="2500" i="1" dirty="0" smtClean="0">
+                  <a:latin typeface="Cambria Math" panose="02040503050406030204" pitchFamily="18" charset="0"/>
+                </a:endParaRPr>
+              </a:p>
+              <a:p>
+                <a:pPr/>
+                <a:r>
+                  <a:rPr lang="en-US" sz="2000" b="0" dirty="0" smtClean="0"/>
+                  <a:t>          </a:t>
+                </a:r>
+                <a14:m>
+                  <m:oMath xmlns:m="http://schemas.openxmlformats.org/officeDocument/2006/math">
+                    <m:r>
+                      <a:rPr lang="en-US" sz="2000" b="0" i="1" smtClean="0">
+                        <a:latin typeface="Cambria Math" panose="02040503050406030204" pitchFamily="18" charset="0"/>
+                      </a:rPr>
+                      <m:t>𝐶</m:t>
+                    </m:r>
+                    <m:r>
+                      <a:rPr lang="en-US" sz="2000" b="0" i="1" smtClean="0">
+                        <a:latin typeface="Cambria Math" panose="02040503050406030204" pitchFamily="18" charset="0"/>
+                        <a:ea typeface="Cambria Math" panose="02040503050406030204" pitchFamily="18" charset="0"/>
+                      </a:rPr>
+                      <m:t>∈</m:t>
+                    </m:r>
+                    <m:d>
+                      <m:dPr>
+                        <m:begChr m:val="{"/>
+                        <m:endChr m:val="}"/>
+                        <m:ctrlPr>
+                          <a:rPr lang="en-US" sz="2000" b="0" i="1" smtClean="0">
+                            <a:latin typeface="Cambria Math" panose="02040503050406030204" pitchFamily="18" charset="0"/>
+                            <a:ea typeface="Cambria Math" panose="02040503050406030204" pitchFamily="18" charset="0"/>
+                          </a:rPr>
+                        </m:ctrlPr>
+                      </m:dPr>
+                      <m:e>
+                        <m:r>
+                          <a:rPr lang="en-US" sz="2000" b="0" i="1" smtClean="0">
+                            <a:latin typeface="Cambria Math" panose="02040503050406030204" pitchFamily="18" charset="0"/>
+                            <a:ea typeface="Cambria Math" panose="02040503050406030204" pitchFamily="18" charset="0"/>
+                          </a:rPr>
+                          <m:t>1,. . .,</m:t>
+                        </m:r>
+                        <m:r>
+                          <a:rPr lang="en-US" sz="2000" b="0" i="1" smtClean="0">
+                            <a:latin typeface="Cambria Math" panose="02040503050406030204" pitchFamily="18" charset="0"/>
+                            <a:ea typeface="Cambria Math" panose="02040503050406030204" pitchFamily="18" charset="0"/>
+                          </a:rPr>
+                          <m:t>𝐶</m:t>
+                        </m:r>
+                      </m:e>
+                    </m:d>
+                  </m:oMath>
+                </a14:m>
+                <a:endParaRPr lang="en-US" sz="2000" dirty="0"/>
+              </a:p>
+            </p:txBody>
+          </p:sp>
+        </mc:Choice>
+        <mc:Fallback>
+          <p:sp>
+            <p:nvSpPr>
+              <p:cNvPr id="10" name="TextBox 9"/>
+              <p:cNvSpPr txBox="1">
+                <a:spLocks noRot="1" noChangeAspect="1" noMove="1" noResize="1" noEditPoints="1" noAdjustHandles="1" noChangeArrowheads="1" noChangeShapeType="1" noTextEdit="1"/>
+              </p:cNvSpPr>
+              <p:nvPr/>
+            </p:nvSpPr>
+            <p:spPr>
+              <a:xfrm>
+                <a:off x="1392564" y="4253182"/>
+                <a:ext cx="5983048" cy="1397306"/>
+              </a:xfrm>
+              <a:prstGeom prst="rect">
+                <a:avLst/>
+              </a:prstGeom>
+              <a:blipFill rotWithShape="0">
+                <a:blip r:embed="rId3"/>
+                <a:stretch>
+                  <a:fillRect b="-437"/>
+                </a:stretch>
+              </a:blipFill>
+            </p:spPr>
+            <p:txBody>
+              <a:bodyPr/>
+              <a:lstStyle/>
+              <a:p>
+                <a:r>
+                  <a:rPr lang="en-US">
+                    <a:noFill/>
+                  </a:rPr>
+                  <a:t> </a:t>
+                </a:r>
+              </a:p>
+            </p:txBody>
+          </p:sp>
+        </mc:Fallback>
+      </mc:AlternateContent>
     </p:spTree>
     <p:extLst>
       <p:ext uri="{BB962C8B-B14F-4D97-AF65-F5344CB8AC3E}">
-        <p14:creationId xmlns:p14="http://schemas.microsoft.com/office/powerpoint/2010/main" val="2269408930"/>
+        <p14:creationId xmlns:p14="http://schemas.microsoft.com/office/powerpoint/2010/main" val="3631222623"/>
       </p:ext>
     </p:extLst>
   </p:cSld>
@@ -4641,9 +8412,250 @@
   <p:timing>
     <p:tnLst>
       <p:par>
-        <p:cTn id="1" dur="indefinite" restart="never" nodeType="tmRoot"/>
+        <p:cTn id="1" dur="indefinite" restart="never" nodeType="tmRoot">
+          <p:childTnLst>
+            <p:seq concurrent="1" nextAc="seek">
+              <p:cTn id="2" dur="indefinite" nodeType="mainSeq">
+                <p:childTnLst>
+                  <p:par>
+                    <p:cTn id="3" fill="hold">
+                      <p:stCondLst>
+                        <p:cond delay="indefinite"/>
+                      </p:stCondLst>
+                      <p:childTnLst>
+                        <p:par>
+                          <p:cTn id="4" fill="hold">
+                            <p:stCondLst>
+                              <p:cond delay="0"/>
+                            </p:stCondLst>
+                            <p:childTnLst>
+                              <p:par>
+                                <p:cTn id="5" presetID="10" presetClass="entr" presetSubtype="0" fill="hold" grpId="0" nodeType="clickEffect">
+                                  <p:stCondLst>
+                                    <p:cond delay="0"/>
+                                  </p:stCondLst>
+                                  <p:childTnLst>
+                                    <p:set>
+                                      <p:cBhvr>
+                                        <p:cTn id="6" dur="1" fill="hold">
+                                          <p:stCondLst>
+                                            <p:cond delay="0"/>
+                                          </p:stCondLst>
+                                        </p:cTn>
+                                        <p:tgtEl>
+                                          <p:spTgt spid="7"/>
+                                        </p:tgtEl>
+                                        <p:attrNameLst>
+                                          <p:attrName>style.visibility</p:attrName>
+                                        </p:attrNameLst>
+                                      </p:cBhvr>
+                                      <p:to>
+                                        <p:strVal val="visible"/>
+                                      </p:to>
+                                    </p:set>
+                                    <p:animEffect transition="in" filter="fade">
+                                      <p:cBhvr>
+                                        <p:cTn id="7" dur="500"/>
+                                        <p:tgtEl>
+                                          <p:spTgt spid="7"/>
+                                        </p:tgtEl>
+                                      </p:cBhvr>
+                                    </p:animEffect>
+                                  </p:childTnLst>
+                                </p:cTn>
+                              </p:par>
+                            </p:childTnLst>
+                          </p:cTn>
+                        </p:par>
+                      </p:childTnLst>
+                    </p:cTn>
+                  </p:par>
+                  <p:par>
+                    <p:cTn id="8" fill="hold">
+                      <p:stCondLst>
+                        <p:cond delay="indefinite"/>
+                      </p:stCondLst>
+                      <p:childTnLst>
+                        <p:par>
+                          <p:cTn id="9" fill="hold">
+                            <p:stCondLst>
+                              <p:cond delay="0"/>
+                            </p:stCondLst>
+                            <p:childTnLst>
+                              <p:par>
+                                <p:cTn id="10" presetID="10" presetClass="entr" presetSubtype="0" fill="hold" grpId="0" nodeType="clickEffect">
+                                  <p:stCondLst>
+                                    <p:cond delay="0"/>
+                                  </p:stCondLst>
+                                  <p:childTnLst>
+                                    <p:set>
+                                      <p:cBhvr>
+                                        <p:cTn id="11" dur="1" fill="hold">
+                                          <p:stCondLst>
+                                            <p:cond delay="0"/>
+                                          </p:stCondLst>
+                                        </p:cTn>
+                                        <p:tgtEl>
+                                          <p:spTgt spid="8"/>
+                                        </p:tgtEl>
+                                        <p:attrNameLst>
+                                          <p:attrName>style.visibility</p:attrName>
+                                        </p:attrNameLst>
+                                      </p:cBhvr>
+                                      <p:to>
+                                        <p:strVal val="visible"/>
+                                      </p:to>
+                                    </p:set>
+                                    <p:animEffect transition="in" filter="fade">
+                                      <p:cBhvr>
+                                        <p:cTn id="12" dur="500"/>
+                                        <p:tgtEl>
+                                          <p:spTgt spid="8"/>
+                                        </p:tgtEl>
+                                      </p:cBhvr>
+                                    </p:animEffect>
+                                  </p:childTnLst>
+                                </p:cTn>
+                              </p:par>
+                            </p:childTnLst>
+                          </p:cTn>
+                        </p:par>
+                      </p:childTnLst>
+                    </p:cTn>
+                  </p:par>
+                  <p:par>
+                    <p:cTn id="13" fill="hold">
+                      <p:stCondLst>
+                        <p:cond delay="indefinite"/>
+                      </p:stCondLst>
+                      <p:childTnLst>
+                        <p:par>
+                          <p:cTn id="14" fill="hold">
+                            <p:stCondLst>
+                              <p:cond delay="0"/>
+                            </p:stCondLst>
+                            <p:childTnLst>
+                              <p:par>
+                                <p:cTn id="15" presetID="10" presetClass="entr" presetSubtype="0" fill="hold" grpId="0" nodeType="clickEffect">
+                                  <p:stCondLst>
+                                    <p:cond delay="0"/>
+                                  </p:stCondLst>
+                                  <p:childTnLst>
+                                    <p:set>
+                                      <p:cBhvr>
+                                        <p:cTn id="16" dur="1" fill="hold">
+                                          <p:stCondLst>
+                                            <p:cond delay="0"/>
+                                          </p:stCondLst>
+                                        </p:cTn>
+                                        <p:tgtEl>
+                                          <p:spTgt spid="9"/>
+                                        </p:tgtEl>
+                                        <p:attrNameLst>
+                                          <p:attrName>style.visibility</p:attrName>
+                                        </p:attrNameLst>
+                                      </p:cBhvr>
+                                      <p:to>
+                                        <p:strVal val="visible"/>
+                                      </p:to>
+                                    </p:set>
+                                    <p:animEffect transition="in" filter="fade">
+                                      <p:cBhvr>
+                                        <p:cTn id="17" dur="500"/>
+                                        <p:tgtEl>
+                                          <p:spTgt spid="9"/>
+                                        </p:tgtEl>
+                                      </p:cBhvr>
+                                    </p:animEffect>
+                                  </p:childTnLst>
+                                </p:cTn>
+                              </p:par>
+                            </p:childTnLst>
+                          </p:cTn>
+                        </p:par>
+                      </p:childTnLst>
+                    </p:cTn>
+                  </p:par>
+                  <p:par>
+                    <p:cTn id="18" fill="hold">
+                      <p:stCondLst>
+                        <p:cond delay="indefinite"/>
+                      </p:stCondLst>
+                      <p:childTnLst>
+                        <p:par>
+                          <p:cTn id="19" fill="hold">
+                            <p:stCondLst>
+                              <p:cond delay="0"/>
+                            </p:stCondLst>
+                            <p:childTnLst>
+                              <p:par>
+                                <p:cTn id="20" presetID="10" presetClass="entr" presetSubtype="0" fill="hold" grpId="0" nodeType="clickEffect">
+                                  <p:stCondLst>
+                                    <p:cond delay="0"/>
+                                  </p:stCondLst>
+                                  <p:childTnLst>
+                                    <p:set>
+                                      <p:cBhvr>
+                                        <p:cTn id="21" dur="1" fill="hold">
+                                          <p:stCondLst>
+                                            <p:cond delay="0"/>
+                                          </p:stCondLst>
+                                        </p:cTn>
+                                        <p:tgtEl>
+                                          <p:spTgt spid="10"/>
+                                        </p:tgtEl>
+                                        <p:attrNameLst>
+                                          <p:attrName>style.visibility</p:attrName>
+                                        </p:attrNameLst>
+                                      </p:cBhvr>
+                                      <p:to>
+                                        <p:strVal val="visible"/>
+                                      </p:to>
+                                    </p:set>
+                                    <p:animEffect transition="in" filter="fade">
+                                      <p:cBhvr>
+                                        <p:cTn id="22" dur="500"/>
+                                        <p:tgtEl>
+                                          <p:spTgt spid="10"/>
+                                        </p:tgtEl>
+                                      </p:cBhvr>
+                                    </p:animEffect>
+                                  </p:childTnLst>
+                                </p:cTn>
+                              </p:par>
+                            </p:childTnLst>
+                          </p:cTn>
+                        </p:par>
+                      </p:childTnLst>
+                    </p:cTn>
+                  </p:par>
+                </p:childTnLst>
+              </p:cTn>
+              <p:prevCondLst>
+                <p:cond evt="onPrev" delay="0">
+                  <p:tgtEl>
+                    <p:sldTgt/>
+                  </p:tgtEl>
+                </p:cond>
+              </p:prevCondLst>
+              <p:nextCondLst>
+                <p:cond evt="onNext" delay="0">
+                  <p:tgtEl>
+                    <p:sldTgt/>
+                  </p:tgtEl>
+                </p:cond>
+              </p:nextCondLst>
+            </p:seq>
+          </p:childTnLst>
+        </p:cTn>
       </p:par>
     </p:tnLst>
+    <p:bldLst>
+      <p:bldP spid="7" grpId="0"/>
+      <p:bldP spid="8" grpId="0"/>
+      <p:bldP spid="9" grpId="0"/>
+      <p:bldP spid="10" grpId="0"/>
+    </p:bldLst>
   </p:timing>
 </p:sld>
 </file>
@@ -4675,20 +8687,20 @@
             <p:ph type="title"/>
           </p:nvPr>
         </p:nvSpPr>
-        <p:spPr>
-          <a:xfrm>
-            <a:off x="628650" y="263378"/>
-            <a:ext cx="7886700" cy="452662"/>
-          </a:xfrm>
-        </p:spPr>
+        <p:spPr/>
         <p:txBody>
           <a:bodyPr/>
           <a:lstStyle/>
           <a:p>
             <a:r>
               <a:rPr lang="en-US" dirty="0"/>
-              <a:t>References</a:t>
-            </a:r>
+              <a:t>Common distribution functions in </a:t>
+            </a:r>
+            <a:r>
+              <a:rPr lang="en-US" dirty="0" smtClean="0"/>
+              <a:t>NBF</a:t>
+            </a:r>
+            <a:endParaRPr lang="en-US" dirty="0"/>
           </a:p>
         </p:txBody>
       </p:sp>
@@ -4707,90 +8719,112 @@
           <a:bodyPr/>
           <a:lstStyle/>
           <a:p>
-            <a:r>
-              <a:rPr lang="en-US" sz="2500" dirty="0"/>
-              <a:t>Support Vector Machines: A Visual Explanation with Sample Python Code </a:t>
-            </a:r>
-            <a:r>
-              <a:rPr lang="en-US" sz="2500" dirty="0">
-                <a:hlinkClick r:id="rId2"/>
-              </a:rPr>
-              <a:t>https://www.youtube.com/watch?v=N1vOgolbjSc</a:t>
-            </a:r>
-            <a:endParaRPr lang="en-US" sz="2500" dirty="0"/>
-          </a:p>
-          <a:p>
-            <a:r>
-              <a:rPr lang="en-US" sz="2500" dirty="0"/>
-              <a:t>Support Vector Machine </a:t>
-            </a:r>
-            <a:r>
-              <a:rPr lang="en-US" sz="2500" dirty="0">
-                <a:hlinkClick r:id="rId3"/>
-              </a:rPr>
-              <a:t>https://</a:t>
-            </a:r>
-            <a:r>
-              <a:rPr lang="en-US" sz="2500" dirty="0" smtClean="0">
-                <a:hlinkClick r:id="rId3"/>
-              </a:rPr>
-              <a:t>machinelearningcoban.com</a:t>
-            </a:r>
-            <a:endParaRPr lang="en-US" sz="2500" dirty="0" smtClean="0"/>
-          </a:p>
-          <a:p>
-            <a:r>
-              <a:rPr lang="en-US" sz="2500" dirty="0"/>
-              <a:t>Machine Learning </a:t>
-            </a:r>
-            <a:r>
-              <a:rPr lang="en-US" sz="2500" dirty="0" smtClean="0"/>
-              <a:t>A-Z</a:t>
-            </a:r>
-          </a:p>
-          <a:p>
-            <a:pPr marL="0" indent="0">
-              <a:buNone/>
+            <a:pPr marL="228600" lvl="1">
+              <a:spcBef>
+                <a:spcPts val="1000"/>
+              </a:spcBef>
             </a:pPr>
             <a:r>
-              <a:rPr lang="en-US" sz="2500" dirty="0" smtClean="0"/>
-              <a:t>   </a:t>
-            </a:r>
-            <a:r>
-              <a:rPr lang="en-US" sz="2500" dirty="0" smtClean="0">
-                <a:hlinkClick r:id="rId4"/>
-              </a:rPr>
-              <a:t>https</a:t>
-            </a:r>
-            <a:r>
-              <a:rPr lang="en-US" sz="2500" dirty="0">
-                <a:hlinkClick r:id="rId4"/>
-              </a:rPr>
-              <a:t>://</a:t>
-            </a:r>
-            <a:r>
-              <a:rPr lang="en-US" sz="2500" dirty="0" smtClean="0">
-                <a:hlinkClick r:id="rId4"/>
-              </a:rPr>
-              <a:t>www.superdatascience.com/machine-learning</a:t>
-            </a:r>
-            <a:endParaRPr lang="en-US" sz="2500" dirty="0" smtClean="0"/>
-          </a:p>
-          <a:p>
-            <a:pPr marL="0" indent="0">
-              <a:buNone/>
+              <a:rPr lang="en-US" sz="2800" dirty="0"/>
+              <a:t>Gaussian naive </a:t>
+            </a:r>
+            <a:r>
+              <a:rPr lang="en-US" sz="2800" dirty="0" smtClean="0"/>
+              <a:t>Bayes</a:t>
+            </a:r>
+          </a:p>
+          <a:p>
+            <a:pPr marL="685800" lvl="2">
+              <a:spcBef>
+                <a:spcPts val="1000"/>
+              </a:spcBef>
             </a:pPr>
-            <a:endParaRPr lang="en-US" sz="2500" dirty="0" smtClean="0"/>
-          </a:p>
-          <a:p>
-            <a:pPr marL="0" indent="0">
-              <a:buNone/>
+            <a:r>
+              <a:rPr lang="en-US" dirty="0" smtClean="0"/>
+              <a:t>Use if </a:t>
+            </a:r>
+            <a:r>
+              <a:rPr lang="en-US" dirty="0"/>
+              <a:t>random </a:t>
+            </a:r>
+            <a:r>
+              <a:rPr lang="en-US" dirty="0" smtClean="0"/>
+              <a:t>variable is </a:t>
+            </a:r>
+            <a:r>
+              <a:rPr lang="en-US" b="1" i="1" dirty="0" smtClean="0"/>
+              <a:t>continuous</a:t>
+            </a:r>
+            <a:endParaRPr lang="en-US" b="1" dirty="0"/>
+          </a:p>
+          <a:p>
+            <a:pPr marL="228600" lvl="1">
+              <a:spcBef>
+                <a:spcPts val="1000"/>
+              </a:spcBef>
             </a:pPr>
             <a:r>
-              <a:rPr lang="en-US" sz="2500" dirty="0" smtClean="0"/>
-              <a:t>   </a:t>
-            </a:r>
-            <a:endParaRPr lang="en-US" sz="2500" dirty="0"/>
+              <a:rPr lang="en-US" sz="2800" dirty="0"/>
+              <a:t>Multinomial naive </a:t>
+            </a:r>
+            <a:r>
+              <a:rPr lang="en-US" sz="2800" dirty="0" smtClean="0"/>
+              <a:t>Bayes</a:t>
+            </a:r>
+          </a:p>
+          <a:p>
+            <a:pPr marL="685800" lvl="2">
+              <a:spcBef>
+                <a:spcPts val="1000"/>
+              </a:spcBef>
+            </a:pPr>
+            <a:endParaRPr lang="en-US" dirty="0" smtClean="0"/>
+          </a:p>
+          <a:p>
+            <a:pPr marL="228600" lvl="1">
+              <a:spcBef>
+                <a:spcPts val="1000"/>
+              </a:spcBef>
+            </a:pPr>
+            <a:r>
+              <a:rPr lang="en-US" sz="2800" dirty="0"/>
+              <a:t>Bernoulli naive </a:t>
+            </a:r>
+            <a:r>
+              <a:rPr lang="en-US" sz="2800" dirty="0" smtClean="0"/>
+              <a:t>Bayes</a:t>
+            </a:r>
+          </a:p>
+          <a:p>
+            <a:pPr marL="685800" lvl="2">
+              <a:spcBef>
+                <a:spcPts val="1000"/>
+              </a:spcBef>
+            </a:pPr>
+            <a:r>
+              <a:rPr lang="en-US" dirty="0"/>
+              <a:t>Use if random variable is </a:t>
+            </a:r>
+            <a:r>
+              <a:rPr lang="en-US" b="1" i="1" dirty="0"/>
+              <a:t>discrete</a:t>
+            </a:r>
+            <a:r>
+              <a:rPr lang="en-US" dirty="0"/>
+              <a:t> </a:t>
+            </a:r>
+            <a:br>
+              <a:rPr lang="en-US" dirty="0"/>
+            </a:br>
+            <a:endParaRPr lang="en-US" dirty="0"/>
+          </a:p>
+          <a:p>
+            <a:pPr marL="228600" lvl="1">
+              <a:spcBef>
+                <a:spcPts val="1000"/>
+              </a:spcBef>
+            </a:pPr>
+            <a:endParaRPr lang="en-US" dirty="0"/>
           </a:p>
           <a:p>
             <a:endParaRPr lang="en-US" dirty="0"/>
@@ -4799,10 +8833,1551 @@
       </p:sp>
       <p:sp>
         <p:nvSpPr>
-          <p:cNvPr id="4" name="Slide Number Placeholder 3">
+          <p:cNvPr id="4" name="Footer Placeholder 3"/>
+          <p:cNvSpPr>
+            <a:spLocks noGrp="1"/>
+          </p:cNvSpPr>
+          <p:nvPr>
+            <p:ph type="ftr" sz="quarter" idx="11"/>
+          </p:nvPr>
+        </p:nvSpPr>
+        <p:spPr/>
+        <p:txBody>
+          <a:bodyPr/>
+          <a:lstStyle/>
+          <a:p>
+            <a:endParaRPr lang="en-US" dirty="0"/>
+          </a:p>
+        </p:txBody>
+      </p:sp>
+      <p:sp>
+        <p:nvSpPr>
+          <p:cNvPr id="5" name="Slide Number Placeholder 4"/>
+          <p:cNvSpPr>
+            <a:spLocks noGrp="1"/>
+          </p:cNvSpPr>
+          <p:nvPr>
+            <p:ph type="sldNum" sz="quarter" idx="12"/>
+          </p:nvPr>
+        </p:nvSpPr>
+        <p:spPr/>
+        <p:txBody>
+          <a:bodyPr/>
+          <a:lstStyle/>
+          <a:p>
+            <a:fld id="{88E711DA-8C4A-4F9C-B06B-9858351D6192}" type="slidenum">
+              <a:rPr lang="en-US" smtClean="0"/>
+              <a:pPr/>
+              <a:t>14</a:t>
+            </a:fld>
+            <a:endParaRPr lang="en-US" dirty="0"/>
+          </a:p>
+        </p:txBody>
+      </p:sp>
+    </p:spTree>
+    <p:extLst>
+      <p:ext uri="{BB962C8B-B14F-4D97-AF65-F5344CB8AC3E}">
+        <p14:creationId xmlns:p14="http://schemas.microsoft.com/office/powerpoint/2010/main" val="1468359045"/>
+      </p:ext>
+    </p:extLst>
+  </p:cSld>
+  <p:clrMapOvr>
+    <a:masterClrMapping/>
+  </p:clrMapOvr>
+  <p:timing>
+    <p:tnLst>
+      <p:par>
+        <p:cTn id="1" dur="indefinite" restart="never" nodeType="tmRoot"/>
+      </p:par>
+    </p:tnLst>
+  </p:timing>
+</p:sld>
+</file>
+
+<file path=ppt/slides/slide15.xml><?xml version="1.0" encoding="utf-8"?>
+<p:sld xmlns:a="http://schemas.openxmlformats.org/drawingml/2006/main" xmlns:r="http://schemas.openxmlformats.org/officeDocument/2006/relationships" xmlns:p="http://schemas.openxmlformats.org/presentationml/2006/main">
+  <p:cSld>
+    <p:spTree>
+      <p:nvGrpSpPr>
+        <p:cNvPr id="1" name=""/>
+        <p:cNvGrpSpPr/>
+        <p:nvPr/>
+      </p:nvGrpSpPr>
+      <p:grpSpPr>
+        <a:xfrm>
+          <a:off x="0" y="0"/>
+          <a:ext cx="0" cy="0"/>
+          <a:chOff x="0" y="0"/>
+          <a:chExt cx="0" cy="0"/>
+        </a:xfrm>
+      </p:grpSpPr>
+      <p:sp>
+        <p:nvSpPr>
+          <p:cNvPr id="2" name="Title 1"/>
+          <p:cNvSpPr>
+            <a:spLocks noGrp="1"/>
+          </p:cNvSpPr>
+          <p:nvPr>
+            <p:ph type="title"/>
+          </p:nvPr>
+        </p:nvSpPr>
+        <p:spPr/>
+        <p:txBody>
+          <a:bodyPr/>
+          <a:lstStyle/>
+          <a:p>
+            <a:r>
+              <a:rPr lang="en-US" dirty="0" smtClean="0"/>
+              <a:t>Gaussian naive Bayes</a:t>
+            </a:r>
+            <a:endParaRPr lang="en-US" dirty="0"/>
+          </a:p>
+        </p:txBody>
+      </p:sp>
+      <p:sp>
+        <p:nvSpPr>
+          <p:cNvPr id="4" name="Footer Placeholder 3"/>
+          <p:cNvSpPr>
+            <a:spLocks noGrp="1"/>
+          </p:cNvSpPr>
+          <p:nvPr>
+            <p:ph type="ftr" sz="quarter" idx="11"/>
+          </p:nvPr>
+        </p:nvSpPr>
+        <p:spPr/>
+        <p:txBody>
+          <a:bodyPr/>
+          <a:lstStyle/>
+          <a:p>
+            <a:r>
+              <a:rPr lang="en-US" dirty="0"/>
+              <a:t>Gaussian naive Bayes</a:t>
+            </a:r>
+            <a:endParaRPr lang="en-US" dirty="0"/>
+          </a:p>
+        </p:txBody>
+      </p:sp>
+      <p:sp>
+        <p:nvSpPr>
+          <p:cNvPr id="5" name="Slide Number Placeholder 4"/>
+          <p:cNvSpPr>
+            <a:spLocks noGrp="1"/>
+          </p:cNvSpPr>
+          <p:nvPr>
+            <p:ph type="sldNum" sz="quarter" idx="12"/>
+          </p:nvPr>
+        </p:nvSpPr>
+        <p:spPr/>
+        <p:txBody>
+          <a:bodyPr/>
+          <a:lstStyle/>
+          <a:p>
+            <a:fld id="{88E711DA-8C4A-4F9C-B06B-9858351D6192}" type="slidenum">
+              <a:rPr lang="en-US" smtClean="0"/>
+              <a:pPr/>
+              <a:t>15</a:t>
+            </a:fld>
+            <a:endParaRPr lang="en-US" dirty="0"/>
+          </a:p>
+        </p:txBody>
+      </p:sp>
+      <mc:AlternateContent xmlns:mc="http://schemas.openxmlformats.org/markup-compatibility/2006">
+        <mc:Choice xmlns:a14="http://schemas.microsoft.com/office/drawing/2010/main" Requires="a14">
+          <p:sp>
+            <p:nvSpPr>
+              <p:cNvPr id="6" name="TextBox 5"/>
+              <p:cNvSpPr txBox="1"/>
+              <p:nvPr/>
+            </p:nvSpPr>
+            <p:spPr>
+              <a:xfrm>
+                <a:off x="1175122" y="3843549"/>
+                <a:ext cx="5984010" cy="1000338"/>
+              </a:xfrm>
+              <a:prstGeom prst="rect">
+                <a:avLst/>
+              </a:prstGeom>
+              <a:noFill/>
+            </p:spPr>
+            <p:txBody>
+              <a:bodyPr wrap="none" lIns="0" tIns="0" rIns="0" bIns="0" rtlCol="0">
+                <a:spAutoFit/>
+              </a:bodyPr>
+              <a:lstStyle/>
+              <a:p>
+                <a14:m>
+                  <m:oMathPara xmlns:m="http://schemas.openxmlformats.org/officeDocument/2006/math">
+                    <m:oMathParaPr>
+                      <m:jc m:val="centerGroup"/>
+                    </m:oMathParaPr>
+                    <m:oMath xmlns:m="http://schemas.openxmlformats.org/officeDocument/2006/math">
+                      <m:r>
+                        <a:rPr lang="en-US" sz="2000" b="0" i="1" smtClean="0">
+                          <a:latin typeface="Cambria Math" panose="02040503050406030204" pitchFamily="18" charset="0"/>
+                        </a:rPr>
+                        <m:t>𝑃</m:t>
+                      </m:r>
+                      <m:d>
+                        <m:dPr>
+                          <m:ctrlPr>
+                            <a:rPr lang="en-US" sz="2000" b="0" i="1" smtClean="0">
+                              <a:latin typeface="Cambria Math" panose="02040503050406030204" pitchFamily="18" charset="0"/>
+                            </a:rPr>
+                          </m:ctrlPr>
+                        </m:dPr>
+                        <m:e>
+                          <m:sSub>
+                            <m:sSubPr>
+                              <m:ctrlPr>
+                                <a:rPr lang="en-US" sz="2000" b="0" i="1" smtClean="0">
+                                  <a:latin typeface="Cambria Math" panose="02040503050406030204" pitchFamily="18" charset="0"/>
+                                </a:rPr>
+                              </m:ctrlPr>
+                            </m:sSubPr>
+                            <m:e>
+                              <m:r>
+                                <a:rPr lang="en-US" sz="2000" b="0" i="1" smtClean="0">
+                                  <a:latin typeface="Cambria Math" panose="02040503050406030204" pitchFamily="18" charset="0"/>
+                                </a:rPr>
+                                <m:t>𝑥</m:t>
+                              </m:r>
+                            </m:e>
+                            <m:sub>
+                              <m:r>
+                                <a:rPr lang="en-US" sz="2000" b="0" i="1" smtClean="0">
+                                  <a:latin typeface="Cambria Math" panose="02040503050406030204" pitchFamily="18" charset="0"/>
+                                </a:rPr>
+                                <m:t>𝑖</m:t>
+                              </m:r>
+                            </m:sub>
+                          </m:sSub>
+                        </m:e>
+                        <m:e>
+                          <m:r>
+                            <a:rPr lang="en-US" sz="2000" b="0" i="1" smtClean="0">
+                              <a:latin typeface="Cambria Math" panose="02040503050406030204" pitchFamily="18" charset="0"/>
+                            </a:rPr>
+                            <m:t>𝐶</m:t>
+                          </m:r>
+                        </m:e>
+                      </m:d>
+                      <m:r>
+                        <a:rPr lang="en-US" sz="2000" b="0" i="1" smtClean="0">
+                          <a:latin typeface="Cambria Math" panose="02040503050406030204" pitchFamily="18" charset="0"/>
+                        </a:rPr>
+                        <m:t>=</m:t>
+                      </m:r>
+                      <m:r>
+                        <a:rPr lang="en-US" sz="2000" b="0" i="1" smtClean="0">
+                          <a:latin typeface="Cambria Math" panose="02040503050406030204" pitchFamily="18" charset="0"/>
+                        </a:rPr>
+                        <m:t>𝑃</m:t>
+                      </m:r>
+                      <m:d>
+                        <m:dPr>
+                          <m:ctrlPr>
+                            <a:rPr lang="en-US" sz="2000" b="0" i="1" smtClean="0">
+                              <a:latin typeface="Cambria Math" panose="02040503050406030204" pitchFamily="18" charset="0"/>
+                            </a:rPr>
+                          </m:ctrlPr>
+                        </m:dPr>
+                        <m:e>
+                          <m:sSub>
+                            <m:sSubPr>
+                              <m:ctrlPr>
+                                <a:rPr lang="en-US" sz="2000" b="0" i="1" smtClean="0">
+                                  <a:latin typeface="Cambria Math" panose="02040503050406030204" pitchFamily="18" charset="0"/>
+                                </a:rPr>
+                              </m:ctrlPr>
+                            </m:sSubPr>
+                            <m:e>
+                              <m:r>
+                                <a:rPr lang="en-US" sz="2000" b="0" i="1" smtClean="0">
+                                  <a:latin typeface="Cambria Math" panose="02040503050406030204" pitchFamily="18" charset="0"/>
+                                </a:rPr>
+                                <m:t>𝑥</m:t>
+                              </m:r>
+                            </m:e>
+                            <m:sub>
+                              <m:r>
+                                <a:rPr lang="en-US" sz="2000" b="0" i="1" smtClean="0">
+                                  <a:latin typeface="Cambria Math" panose="02040503050406030204" pitchFamily="18" charset="0"/>
+                                </a:rPr>
+                                <m:t>𝑖</m:t>
+                              </m:r>
+                            </m:sub>
+                          </m:sSub>
+                        </m:e>
+                        <m:e>
+                          <m:sSub>
+                            <m:sSubPr>
+                              <m:ctrlPr>
+                                <a:rPr lang="en-US" sz="2000" b="0" i="1" smtClean="0">
+                                  <a:latin typeface="Cambria Math" panose="02040503050406030204" pitchFamily="18" charset="0"/>
+                                </a:rPr>
+                              </m:ctrlPr>
+                            </m:sSubPr>
+                            <m:e>
+                              <m:r>
+                                <a:rPr lang="en-US" sz="2000" b="0" i="1" smtClean="0">
+                                  <a:latin typeface="Cambria Math" panose="02040503050406030204" pitchFamily="18" charset="0"/>
+                                  <a:ea typeface="Cambria Math" panose="02040503050406030204" pitchFamily="18" charset="0"/>
+                                </a:rPr>
+                                <m:t>𝜇</m:t>
+                              </m:r>
+                            </m:e>
+                            <m:sub>
+                              <m:r>
+                                <a:rPr lang="en-US" sz="2000" b="0" i="1" smtClean="0">
+                                  <a:latin typeface="Cambria Math" panose="02040503050406030204" pitchFamily="18" charset="0"/>
+                                </a:rPr>
+                                <m:t>𝑐𝑖</m:t>
+                              </m:r>
+                            </m:sub>
+                          </m:sSub>
+                          <m:r>
+                            <a:rPr lang="en-US" sz="2000" b="0" i="1" smtClean="0">
+                              <a:latin typeface="Cambria Math" panose="02040503050406030204" pitchFamily="18" charset="0"/>
+                            </a:rPr>
+                            <m:t>,</m:t>
+                          </m:r>
+                          <m:sSubSup>
+                            <m:sSubSupPr>
+                              <m:ctrlPr>
+                                <a:rPr lang="en-US" sz="2000" b="0" i="1" smtClean="0">
+                                  <a:latin typeface="Cambria Math" panose="02040503050406030204" pitchFamily="18" charset="0"/>
+                                </a:rPr>
+                              </m:ctrlPr>
+                            </m:sSubSupPr>
+                            <m:e>
+                              <m:r>
+                                <a:rPr lang="en-US" sz="2000" b="0" i="1" smtClean="0">
+                                  <a:latin typeface="Cambria Math" panose="02040503050406030204" pitchFamily="18" charset="0"/>
+                                  <a:ea typeface="Cambria Math" panose="02040503050406030204" pitchFamily="18" charset="0"/>
+                                </a:rPr>
+                                <m:t>𝜎</m:t>
+                              </m:r>
+                            </m:e>
+                            <m:sub>
+                              <m:r>
+                                <a:rPr lang="en-US" sz="2000" b="0" i="1" smtClean="0">
+                                  <a:latin typeface="Cambria Math" panose="02040503050406030204" pitchFamily="18" charset="0"/>
+                                </a:rPr>
+                                <m:t>𝑐𝑖</m:t>
+                              </m:r>
+                            </m:sub>
+                            <m:sup>
+                              <m:r>
+                                <a:rPr lang="en-US" sz="2000" b="0" i="1" smtClean="0">
+                                  <a:latin typeface="Cambria Math" panose="02040503050406030204" pitchFamily="18" charset="0"/>
+                                </a:rPr>
+                                <m:t>2</m:t>
+                              </m:r>
+                            </m:sup>
+                          </m:sSubSup>
+                        </m:e>
+                      </m:d>
+                      <m:r>
+                        <a:rPr lang="en-US" sz="2000" b="0" i="1" smtClean="0">
+                          <a:latin typeface="Cambria Math" panose="02040503050406030204" pitchFamily="18" charset="0"/>
+                        </a:rPr>
+                        <m:t>=</m:t>
+                      </m:r>
+                      <m:f>
+                        <m:fPr>
+                          <m:ctrlPr>
+                            <a:rPr lang="en-US" sz="2000" b="0" i="1" smtClean="0">
+                              <a:latin typeface="Cambria Math" panose="02040503050406030204" pitchFamily="18" charset="0"/>
+                            </a:rPr>
+                          </m:ctrlPr>
+                        </m:fPr>
+                        <m:num>
+                          <m:r>
+                            <a:rPr lang="en-US" sz="2000" b="0" i="1" smtClean="0">
+                              <a:latin typeface="Cambria Math" panose="02040503050406030204" pitchFamily="18" charset="0"/>
+                            </a:rPr>
+                            <m:t>1</m:t>
+                          </m:r>
+                        </m:num>
+                        <m:den>
+                          <m:rad>
+                            <m:radPr>
+                              <m:degHide m:val="on"/>
+                              <m:ctrlPr>
+                                <a:rPr lang="en-US" sz="2000" b="0" i="1" smtClean="0">
+                                  <a:latin typeface="Cambria Math" panose="02040503050406030204" pitchFamily="18" charset="0"/>
+                                </a:rPr>
+                              </m:ctrlPr>
+                            </m:radPr>
+                            <m:deg/>
+                            <m:e>
+                              <m:r>
+                                <a:rPr lang="en-US" sz="2000" b="0" i="1" smtClean="0">
+                                  <a:latin typeface="Cambria Math" panose="02040503050406030204" pitchFamily="18" charset="0"/>
+                                </a:rPr>
+                                <m:t>2</m:t>
+                              </m:r>
+                              <m:r>
+                                <a:rPr lang="en-US" sz="2000" b="0" i="1" smtClean="0">
+                                  <a:latin typeface="Cambria Math" panose="02040503050406030204" pitchFamily="18" charset="0"/>
+                                  <a:ea typeface="Cambria Math" panose="02040503050406030204" pitchFamily="18" charset="0"/>
+                                </a:rPr>
+                                <m:t>𝜋</m:t>
+                              </m:r>
+                              <m:sSubSup>
+                                <m:sSubSupPr>
+                                  <m:ctrlPr>
+                                    <a:rPr lang="en-US" sz="2000" b="0" i="1" smtClean="0">
+                                      <a:latin typeface="Cambria Math" panose="02040503050406030204" pitchFamily="18" charset="0"/>
+                                      <a:ea typeface="Cambria Math" panose="02040503050406030204" pitchFamily="18" charset="0"/>
+                                    </a:rPr>
+                                  </m:ctrlPr>
+                                </m:sSubSupPr>
+                                <m:e>
+                                  <m:r>
+                                    <a:rPr lang="en-US" sz="2000" b="0" i="1" smtClean="0">
+                                      <a:latin typeface="Cambria Math" panose="02040503050406030204" pitchFamily="18" charset="0"/>
+                                      <a:ea typeface="Cambria Math" panose="02040503050406030204" pitchFamily="18" charset="0"/>
+                                    </a:rPr>
+                                    <m:t>𝜎</m:t>
+                                  </m:r>
+                                </m:e>
+                                <m:sub>
+                                  <m:r>
+                                    <a:rPr lang="en-US" sz="2000" b="0" i="1" smtClean="0">
+                                      <a:latin typeface="Cambria Math" panose="02040503050406030204" pitchFamily="18" charset="0"/>
+                                      <a:ea typeface="Cambria Math" panose="02040503050406030204" pitchFamily="18" charset="0"/>
+                                    </a:rPr>
+                                    <m:t>𝑐𝑖</m:t>
+                                  </m:r>
+                                </m:sub>
+                                <m:sup>
+                                  <m:r>
+                                    <a:rPr lang="en-US" sz="2000" b="0" i="1" smtClean="0">
+                                      <a:latin typeface="Cambria Math" panose="02040503050406030204" pitchFamily="18" charset="0"/>
+                                      <a:ea typeface="Cambria Math" panose="02040503050406030204" pitchFamily="18" charset="0"/>
+                                    </a:rPr>
+                                    <m:t>2</m:t>
+                                  </m:r>
+                                </m:sup>
+                              </m:sSubSup>
+                            </m:e>
+                          </m:rad>
+                        </m:den>
+                      </m:f>
+                      <m:r>
+                        <a:rPr lang="en-US" sz="2000" b="0" i="1" smtClean="0">
+                          <a:latin typeface="Cambria Math" panose="02040503050406030204" pitchFamily="18" charset="0"/>
+                        </a:rPr>
+                        <m:t>𝑒𝑥𝑝</m:t>
+                      </m:r>
+                      <m:d>
+                        <m:dPr>
+                          <m:ctrlPr>
+                            <a:rPr lang="en-US" sz="2000" b="0" i="1" smtClean="0">
+                              <a:latin typeface="Cambria Math" panose="02040503050406030204" pitchFamily="18" charset="0"/>
+                            </a:rPr>
+                          </m:ctrlPr>
+                        </m:dPr>
+                        <m:e>
+                          <m:r>
+                            <a:rPr lang="en-US" sz="2000" b="0" i="1" smtClean="0">
+                              <a:latin typeface="Cambria Math" panose="02040503050406030204" pitchFamily="18" charset="0"/>
+                            </a:rPr>
+                            <m:t>−</m:t>
+                          </m:r>
+                          <m:f>
+                            <m:fPr>
+                              <m:ctrlPr>
+                                <a:rPr lang="en-US" sz="2000" b="0" i="1" smtClean="0">
+                                  <a:latin typeface="Cambria Math" panose="02040503050406030204" pitchFamily="18" charset="0"/>
+                                </a:rPr>
+                              </m:ctrlPr>
+                            </m:fPr>
+                            <m:num>
+                              <m:sSup>
+                                <m:sSupPr>
+                                  <m:ctrlPr>
+                                    <a:rPr lang="en-US" sz="2000" b="0" i="1" smtClean="0">
+                                      <a:latin typeface="Cambria Math" panose="02040503050406030204" pitchFamily="18" charset="0"/>
+                                    </a:rPr>
+                                  </m:ctrlPr>
+                                </m:sSupPr>
+                                <m:e>
+                                  <m:r>
+                                    <a:rPr lang="en-US" sz="2000" b="0" i="1" smtClean="0">
+                                      <a:latin typeface="Cambria Math" panose="02040503050406030204" pitchFamily="18" charset="0"/>
+                                    </a:rPr>
+                                    <m:t>(</m:t>
+                                  </m:r>
+                                  <m:sSub>
+                                    <m:sSubPr>
+                                      <m:ctrlPr>
+                                        <a:rPr lang="en-US" sz="2000" b="0" i="1" smtClean="0">
+                                          <a:latin typeface="Cambria Math" panose="02040503050406030204" pitchFamily="18" charset="0"/>
+                                        </a:rPr>
+                                      </m:ctrlPr>
+                                    </m:sSubPr>
+                                    <m:e>
+                                      <m:r>
+                                        <a:rPr lang="en-US" sz="2000" b="0" i="1" smtClean="0">
+                                          <a:latin typeface="Cambria Math" panose="02040503050406030204" pitchFamily="18" charset="0"/>
+                                        </a:rPr>
+                                        <m:t>𝑥</m:t>
+                                      </m:r>
+                                    </m:e>
+                                    <m:sub>
+                                      <m:r>
+                                        <a:rPr lang="en-US" sz="2000" b="0" i="1" smtClean="0">
+                                          <a:latin typeface="Cambria Math" panose="02040503050406030204" pitchFamily="18" charset="0"/>
+                                        </a:rPr>
+                                        <m:t>𝑖</m:t>
+                                      </m:r>
+                                    </m:sub>
+                                  </m:sSub>
+                                  <m:r>
+                                    <a:rPr lang="en-US" sz="2000" b="0" i="1" smtClean="0">
+                                      <a:latin typeface="Cambria Math" panose="02040503050406030204" pitchFamily="18" charset="0"/>
+                                    </a:rPr>
+                                    <m:t>−</m:t>
+                                  </m:r>
+                                  <m:sSub>
+                                    <m:sSubPr>
+                                      <m:ctrlPr>
+                                        <a:rPr lang="en-US" sz="2000" b="0" i="1" smtClean="0">
+                                          <a:latin typeface="Cambria Math" panose="02040503050406030204" pitchFamily="18" charset="0"/>
+                                        </a:rPr>
+                                      </m:ctrlPr>
+                                    </m:sSubPr>
+                                    <m:e>
+                                      <m:r>
+                                        <a:rPr lang="en-US" sz="2000" b="0" i="1" smtClean="0">
+                                          <a:latin typeface="Cambria Math" panose="02040503050406030204" pitchFamily="18" charset="0"/>
+                                          <a:ea typeface="Cambria Math" panose="02040503050406030204" pitchFamily="18" charset="0"/>
+                                        </a:rPr>
+                                        <m:t>𝜇</m:t>
+                                      </m:r>
+                                    </m:e>
+                                    <m:sub>
+                                      <m:r>
+                                        <a:rPr lang="en-US" sz="2000" b="0" i="1" smtClean="0">
+                                          <a:latin typeface="Cambria Math" panose="02040503050406030204" pitchFamily="18" charset="0"/>
+                                        </a:rPr>
+                                        <m:t>𝑐𝑖</m:t>
+                                      </m:r>
+                                    </m:sub>
+                                  </m:sSub>
+                                  <m:r>
+                                    <a:rPr lang="en-US" sz="2000" b="0" i="1" smtClean="0">
+                                      <a:latin typeface="Cambria Math" panose="02040503050406030204" pitchFamily="18" charset="0"/>
+                                    </a:rPr>
+                                    <m:t>)</m:t>
+                                  </m:r>
+                                </m:e>
+                                <m:sup>
+                                  <m:r>
+                                    <a:rPr lang="en-US" sz="2000" b="0" i="1" smtClean="0">
+                                      <a:latin typeface="Cambria Math" panose="02040503050406030204" pitchFamily="18" charset="0"/>
+                                    </a:rPr>
+                                    <m:t>2</m:t>
+                                  </m:r>
+                                </m:sup>
+                              </m:sSup>
+                            </m:num>
+                            <m:den>
+                              <m:r>
+                                <a:rPr lang="en-US" sz="2000" b="0" i="1" smtClean="0">
+                                  <a:latin typeface="Cambria Math" panose="02040503050406030204" pitchFamily="18" charset="0"/>
+                                </a:rPr>
+                                <m:t>2</m:t>
+                              </m:r>
+                              <m:sSubSup>
+                                <m:sSubSupPr>
+                                  <m:ctrlPr>
+                                    <a:rPr lang="en-US" sz="2000" b="0" i="1" smtClean="0">
+                                      <a:latin typeface="Cambria Math" panose="02040503050406030204" pitchFamily="18" charset="0"/>
+                                    </a:rPr>
+                                  </m:ctrlPr>
+                                </m:sSubSupPr>
+                                <m:e>
+                                  <m:r>
+                                    <a:rPr lang="en-US" sz="2000" b="0" i="1" smtClean="0">
+                                      <a:latin typeface="Cambria Math" panose="02040503050406030204" pitchFamily="18" charset="0"/>
+                                      <a:ea typeface="Cambria Math" panose="02040503050406030204" pitchFamily="18" charset="0"/>
+                                    </a:rPr>
+                                    <m:t>𝜎</m:t>
+                                  </m:r>
+                                </m:e>
+                                <m:sub>
+                                  <m:r>
+                                    <a:rPr lang="en-US" sz="2000" b="0" i="1" smtClean="0">
+                                      <a:latin typeface="Cambria Math" panose="02040503050406030204" pitchFamily="18" charset="0"/>
+                                    </a:rPr>
+                                    <m:t>𝑐𝑖</m:t>
+                                  </m:r>
+                                </m:sub>
+                                <m:sup>
+                                  <m:r>
+                                    <a:rPr lang="en-US" sz="2000" b="0" i="1" smtClean="0">
+                                      <a:latin typeface="Cambria Math" panose="02040503050406030204" pitchFamily="18" charset="0"/>
+                                    </a:rPr>
+                                    <m:t>2</m:t>
+                                  </m:r>
+                                </m:sup>
+                              </m:sSubSup>
+                            </m:den>
+                          </m:f>
+                        </m:e>
+                      </m:d>
+                    </m:oMath>
+                  </m:oMathPara>
+                </a14:m>
+                <a:endParaRPr lang="en-US" sz="2000" dirty="0"/>
+              </a:p>
+            </p:txBody>
+          </p:sp>
+        </mc:Choice>
+        <mc:Fallback>
+          <p:sp>
+            <p:nvSpPr>
+              <p:cNvPr id="6" name="TextBox 5"/>
+              <p:cNvSpPr txBox="1">
+                <a:spLocks noRot="1" noChangeAspect="1" noMove="1" noResize="1" noEditPoints="1" noAdjustHandles="1" noChangeArrowheads="1" noChangeShapeType="1" noTextEdit="1"/>
+              </p:cNvSpPr>
+              <p:nvPr/>
+            </p:nvSpPr>
+            <p:spPr>
+              <a:xfrm>
+                <a:off x="1175122" y="3843549"/>
+                <a:ext cx="5984010" cy="1000338"/>
+              </a:xfrm>
+              <a:prstGeom prst="rect">
+                <a:avLst/>
+              </a:prstGeom>
+              <a:blipFill rotWithShape="0">
+                <a:blip r:embed="rId2"/>
+                <a:stretch>
+                  <a:fillRect/>
+                </a:stretch>
+              </a:blipFill>
+            </p:spPr>
+            <p:txBody>
+              <a:bodyPr/>
+              <a:lstStyle/>
+              <a:p>
+                <a:r>
+                  <a:rPr lang="en-US">
+                    <a:noFill/>
+                  </a:rPr>
+                  <a:t> </a:t>
+                </a:r>
+              </a:p>
+            </p:txBody>
+          </p:sp>
+        </mc:Fallback>
+      </mc:AlternateContent>
+      <mc:AlternateContent xmlns:mc="http://schemas.openxmlformats.org/markup-compatibility/2006">
+        <mc:Choice xmlns:a14="http://schemas.microsoft.com/office/drawing/2010/main" Requires="a14">
+          <p:sp>
+            <p:nvSpPr>
+              <p:cNvPr id="7" name="TextBox 6"/>
+              <p:cNvSpPr txBox="1"/>
+              <p:nvPr/>
+            </p:nvSpPr>
+            <p:spPr>
+              <a:xfrm>
+                <a:off x="1289480" y="2099307"/>
+                <a:ext cx="2977033" cy="292003"/>
+              </a:xfrm>
+              <a:prstGeom prst="rect">
+                <a:avLst/>
+              </a:prstGeom>
+              <a:noFill/>
+            </p:spPr>
+            <p:txBody>
+              <a:bodyPr wrap="none" lIns="0" tIns="0" rIns="0" bIns="0" rtlCol="0">
+                <a:spAutoFit/>
+              </a:bodyPr>
+              <a:lstStyle/>
+              <a:p>
+                <a14:m>
+                  <m:oMathPara xmlns:m="http://schemas.openxmlformats.org/officeDocument/2006/math">
+                    <m:oMathParaPr>
+                      <m:jc m:val="centerGroup"/>
+                    </m:oMathParaPr>
+                    <m:oMath xmlns:m="http://schemas.openxmlformats.org/officeDocument/2006/math">
+                      <m:r>
+                        <a:rPr lang="en-US" b="0" i="1" smtClean="0">
+                          <a:latin typeface="Cambria Math" panose="02040503050406030204" pitchFamily="18" charset="0"/>
+                        </a:rPr>
+                        <m:t>𝑃𝑎𝑟𝑎𝑚𝑒𝑡𝑒𝑟</m:t>
+                      </m:r>
+                      <m:r>
+                        <a:rPr lang="en-US" b="0" i="1" smtClean="0">
+                          <a:latin typeface="Cambria Math" panose="02040503050406030204" pitchFamily="18" charset="0"/>
+                        </a:rPr>
+                        <m:t> </m:t>
+                      </m:r>
+                      <m:r>
+                        <a:rPr lang="en-US" b="0" i="1" smtClean="0">
+                          <a:latin typeface="Cambria Math" panose="02040503050406030204" pitchFamily="18" charset="0"/>
+                        </a:rPr>
+                        <m:t>𝑠𝑒𝑡</m:t>
+                      </m:r>
+                      <m:r>
+                        <a:rPr lang="en-US" b="0" i="1" smtClean="0">
+                          <a:latin typeface="Cambria Math" panose="02040503050406030204" pitchFamily="18" charset="0"/>
+                        </a:rPr>
+                        <m:t>: </m:t>
+                      </m:r>
+                      <m:r>
+                        <a:rPr lang="en-US" b="0" i="1" smtClean="0">
+                          <a:latin typeface="Cambria Math" panose="02040503050406030204" pitchFamily="18" charset="0"/>
+                          <a:ea typeface="Cambria Math" panose="02040503050406030204" pitchFamily="18" charset="0"/>
+                        </a:rPr>
+                        <m:t>𝜃</m:t>
+                      </m:r>
+                      <m:r>
+                        <a:rPr lang="en-US" b="0" i="1" smtClean="0">
+                          <a:latin typeface="Cambria Math" panose="02040503050406030204" pitchFamily="18" charset="0"/>
+                          <a:ea typeface="Cambria Math" panose="02040503050406030204" pitchFamily="18" charset="0"/>
+                        </a:rPr>
+                        <m:t>={</m:t>
+                      </m:r>
+                      <m:sSub>
+                        <m:sSubPr>
+                          <m:ctrlPr>
+                            <a:rPr lang="en-US" b="0" i="1" smtClean="0">
+                              <a:latin typeface="Cambria Math" panose="02040503050406030204" pitchFamily="18" charset="0"/>
+                              <a:ea typeface="Cambria Math" panose="02040503050406030204" pitchFamily="18" charset="0"/>
+                            </a:rPr>
+                          </m:ctrlPr>
+                        </m:sSubPr>
+                        <m:e>
+                          <m:r>
+                            <a:rPr lang="en-US" b="0" i="1" smtClean="0">
+                              <a:latin typeface="Cambria Math" panose="02040503050406030204" pitchFamily="18" charset="0"/>
+                              <a:ea typeface="Cambria Math" panose="02040503050406030204" pitchFamily="18" charset="0"/>
+                            </a:rPr>
+                            <m:t>𝜇</m:t>
+                          </m:r>
+                        </m:e>
+                        <m:sub>
+                          <m:r>
+                            <a:rPr lang="en-US" b="0" i="1" smtClean="0">
+                              <a:latin typeface="Cambria Math" panose="02040503050406030204" pitchFamily="18" charset="0"/>
+                              <a:ea typeface="Cambria Math" panose="02040503050406030204" pitchFamily="18" charset="0"/>
+                            </a:rPr>
+                            <m:t>𝑐𝑖</m:t>
+                          </m:r>
+                        </m:sub>
+                      </m:sSub>
+                      <m:r>
+                        <a:rPr lang="en-US" b="0" i="1" smtClean="0">
+                          <a:latin typeface="Cambria Math" panose="02040503050406030204" pitchFamily="18" charset="0"/>
+                          <a:ea typeface="Cambria Math" panose="02040503050406030204" pitchFamily="18" charset="0"/>
+                        </a:rPr>
+                        <m:t>, </m:t>
+                      </m:r>
+                      <m:sSubSup>
+                        <m:sSubSupPr>
+                          <m:ctrlPr>
+                            <a:rPr lang="en-US" b="0" i="1" smtClean="0">
+                              <a:latin typeface="Cambria Math" panose="02040503050406030204" pitchFamily="18" charset="0"/>
+                              <a:ea typeface="Cambria Math" panose="02040503050406030204" pitchFamily="18" charset="0"/>
+                            </a:rPr>
+                          </m:ctrlPr>
+                        </m:sSubSupPr>
+                        <m:e>
+                          <m:r>
+                            <a:rPr lang="en-US" b="0" i="1" smtClean="0">
+                              <a:latin typeface="Cambria Math" panose="02040503050406030204" pitchFamily="18" charset="0"/>
+                              <a:ea typeface="Cambria Math" panose="02040503050406030204" pitchFamily="18" charset="0"/>
+                            </a:rPr>
+                            <m:t>𝜎</m:t>
+                          </m:r>
+                        </m:e>
+                        <m:sub>
+                          <m:r>
+                            <a:rPr lang="en-US" b="0" i="1" smtClean="0">
+                              <a:latin typeface="Cambria Math" panose="02040503050406030204" pitchFamily="18" charset="0"/>
+                              <a:ea typeface="Cambria Math" panose="02040503050406030204" pitchFamily="18" charset="0"/>
+                            </a:rPr>
+                            <m:t>𝑐𝑖</m:t>
+                          </m:r>
+                        </m:sub>
+                        <m:sup>
+                          <m:r>
+                            <a:rPr lang="en-US" b="0" i="1" smtClean="0">
+                              <a:latin typeface="Cambria Math" panose="02040503050406030204" pitchFamily="18" charset="0"/>
+                              <a:ea typeface="Cambria Math" panose="02040503050406030204" pitchFamily="18" charset="0"/>
+                            </a:rPr>
+                            <m:t>2</m:t>
+                          </m:r>
+                        </m:sup>
+                      </m:sSubSup>
+                      <m:r>
+                        <a:rPr lang="en-US" b="0" i="1" smtClean="0">
+                          <a:latin typeface="Cambria Math" panose="02040503050406030204" pitchFamily="18" charset="0"/>
+                          <a:ea typeface="Cambria Math" panose="02040503050406030204" pitchFamily="18" charset="0"/>
+                        </a:rPr>
+                        <m:t>}</m:t>
+                      </m:r>
+                    </m:oMath>
+                  </m:oMathPara>
+                </a14:m>
+                <a:endParaRPr lang="en-US" dirty="0"/>
+              </a:p>
+            </p:txBody>
+          </p:sp>
+        </mc:Choice>
+        <mc:Fallback>
+          <p:sp>
+            <p:nvSpPr>
+              <p:cNvPr id="7" name="TextBox 6"/>
+              <p:cNvSpPr txBox="1">
+                <a:spLocks noRot="1" noChangeAspect="1" noMove="1" noResize="1" noEditPoints="1" noAdjustHandles="1" noChangeArrowheads="1" noChangeShapeType="1" noTextEdit="1"/>
+              </p:cNvSpPr>
+              <p:nvPr/>
+            </p:nvSpPr>
+            <p:spPr>
+              <a:xfrm>
+                <a:off x="1289480" y="2099307"/>
+                <a:ext cx="2977033" cy="292003"/>
+              </a:xfrm>
+              <a:prstGeom prst="rect">
+                <a:avLst/>
+              </a:prstGeom>
+              <a:blipFill rotWithShape="0">
+                <a:blip r:embed="rId3"/>
+                <a:stretch>
+                  <a:fillRect l="-1434" r="-2664" b="-37500"/>
+                </a:stretch>
+              </a:blipFill>
+            </p:spPr>
+            <p:txBody>
+              <a:bodyPr/>
+              <a:lstStyle/>
+              <a:p>
+                <a:r>
+                  <a:rPr lang="en-US">
+                    <a:noFill/>
+                  </a:rPr>
+                  <a:t> </a:t>
+                </a:r>
+              </a:p>
+            </p:txBody>
+          </p:sp>
+        </mc:Fallback>
+      </mc:AlternateContent>
+      <p:sp>
+        <p:nvSpPr>
+          <p:cNvPr id="8" name="TextBox 7"/>
+          <p:cNvSpPr txBox="1"/>
+          <p:nvPr/>
+        </p:nvSpPr>
+        <p:spPr>
+          <a:xfrm>
+            <a:off x="3637911" y="1227773"/>
+            <a:ext cx="1287147" cy="369332"/>
+          </a:xfrm>
+          <a:prstGeom prst="rect">
+            <a:avLst/>
+          </a:prstGeom>
+          <a:noFill/>
+        </p:spPr>
+        <p:txBody>
+          <a:bodyPr wrap="none" rtlCol="0">
+            <a:spAutoFit/>
+          </a:bodyPr>
+          <a:lstStyle/>
+          <a:p>
+            <a:r>
+              <a:rPr lang="en-US" dirty="0" smtClean="0">
+                <a:solidFill>
+                  <a:srgbClr val="FF0000"/>
+                </a:solidFill>
+              </a:rPr>
+              <a:t>expectation</a:t>
+            </a:r>
+            <a:endParaRPr lang="en-US" dirty="0">
+              <a:solidFill>
+                <a:srgbClr val="FF0000"/>
+              </a:solidFill>
+            </a:endParaRPr>
+          </a:p>
+        </p:txBody>
+      </p:sp>
+      <p:sp>
+        <p:nvSpPr>
+          <p:cNvPr id="9" name="TextBox 8"/>
+          <p:cNvSpPr txBox="1"/>
+          <p:nvPr/>
+        </p:nvSpPr>
+        <p:spPr>
+          <a:xfrm>
+            <a:off x="4089187" y="2919155"/>
+            <a:ext cx="974754" cy="369332"/>
+          </a:xfrm>
+          <a:prstGeom prst="rect">
+            <a:avLst/>
+          </a:prstGeom>
+          <a:noFill/>
+        </p:spPr>
+        <p:txBody>
+          <a:bodyPr wrap="none" rtlCol="0">
+            <a:spAutoFit/>
+          </a:bodyPr>
+          <a:lstStyle/>
+          <a:p>
+            <a:r>
+              <a:rPr lang="en-US" dirty="0" smtClean="0">
+                <a:solidFill>
+                  <a:srgbClr val="FF0000"/>
+                </a:solidFill>
+              </a:rPr>
+              <a:t>variance</a:t>
+            </a:r>
+            <a:endParaRPr lang="en-US" dirty="0">
+              <a:solidFill>
+                <a:srgbClr val="FF0000"/>
+              </a:solidFill>
+            </a:endParaRPr>
+          </a:p>
+        </p:txBody>
+      </p:sp>
+      <p:cxnSp>
+        <p:nvCxnSpPr>
+          <p:cNvPr id="10" name="Straight Arrow Connector 9"/>
+          <p:cNvCxnSpPr/>
+          <p:nvPr/>
+        </p:nvCxnSpPr>
+        <p:spPr>
+          <a:xfrm flipV="1">
+            <a:off x="3478322" y="1597105"/>
+            <a:ext cx="386143" cy="544253"/>
+          </a:xfrm>
+          <a:prstGeom prst="straightConnector1">
+            <a:avLst/>
+          </a:prstGeom>
+          <a:ln w="19050">
+            <a:solidFill>
+              <a:srgbClr val="FF0000"/>
+            </a:solidFill>
+            <a:tailEnd type="triangle"/>
+          </a:ln>
+        </p:spPr>
+        <p:style>
+          <a:lnRef idx="1">
+            <a:schemeClr val="accent1"/>
+          </a:lnRef>
+          <a:fillRef idx="0">
+            <a:schemeClr val="accent1"/>
+          </a:fillRef>
+          <a:effectRef idx="0">
+            <a:schemeClr val="accent1"/>
+          </a:effectRef>
+          <a:fontRef idx="minor">
+            <a:schemeClr val="tx1"/>
+          </a:fontRef>
+        </p:style>
+      </p:cxnSp>
+      <p:cxnSp>
+        <p:nvCxnSpPr>
+          <p:cNvPr id="13" name="Straight Arrow Connector 12"/>
+          <p:cNvCxnSpPr/>
+          <p:nvPr/>
+        </p:nvCxnSpPr>
+        <p:spPr>
+          <a:xfrm>
+            <a:off x="3961902" y="2437991"/>
+            <a:ext cx="319582" cy="537959"/>
+          </a:xfrm>
+          <a:prstGeom prst="straightConnector1">
+            <a:avLst/>
+          </a:prstGeom>
+          <a:ln w="19050">
+            <a:solidFill>
+              <a:srgbClr val="FF0000"/>
+            </a:solidFill>
+            <a:tailEnd type="triangle"/>
+          </a:ln>
+        </p:spPr>
+        <p:style>
+          <a:lnRef idx="1">
+            <a:schemeClr val="accent1"/>
+          </a:lnRef>
+          <a:fillRef idx="0">
+            <a:schemeClr val="accent1"/>
+          </a:fillRef>
+          <a:effectRef idx="0">
+            <a:schemeClr val="accent1"/>
+          </a:effectRef>
+          <a:fontRef idx="minor">
+            <a:schemeClr val="tx1"/>
+          </a:fontRef>
+        </p:style>
+      </p:cxnSp>
+    </p:spTree>
+    <p:extLst>
+      <p:ext uri="{BB962C8B-B14F-4D97-AF65-F5344CB8AC3E}">
+        <p14:creationId xmlns:p14="http://schemas.microsoft.com/office/powerpoint/2010/main" val="2908754169"/>
+      </p:ext>
+    </p:extLst>
+  </p:cSld>
+  <p:clrMapOvr>
+    <a:masterClrMapping/>
+  </p:clrMapOvr>
+  <p:timing>
+    <p:tnLst>
+      <p:par>
+        <p:cTn id="1" dur="indefinite" restart="never" nodeType="tmRoot">
+          <p:childTnLst>
+            <p:seq concurrent="1" nextAc="seek">
+              <p:cTn id="2" dur="indefinite" nodeType="mainSeq">
+                <p:childTnLst>
+                  <p:par>
+                    <p:cTn id="3" fill="hold">
+                      <p:stCondLst>
+                        <p:cond delay="indefinite"/>
+                      </p:stCondLst>
+                      <p:childTnLst>
+                        <p:par>
+                          <p:cTn id="4" fill="hold">
+                            <p:stCondLst>
+                              <p:cond delay="0"/>
+                            </p:stCondLst>
+                            <p:childTnLst>
+                              <p:par>
+                                <p:cTn id="5" presetID="10" presetClass="entr" presetSubtype="0" fill="hold" grpId="0" nodeType="clickEffect">
+                                  <p:stCondLst>
+                                    <p:cond delay="0"/>
+                                  </p:stCondLst>
+                                  <p:childTnLst>
+                                    <p:set>
+                                      <p:cBhvr>
+                                        <p:cTn id="6" dur="1" fill="hold">
+                                          <p:stCondLst>
+                                            <p:cond delay="0"/>
+                                          </p:stCondLst>
+                                        </p:cTn>
+                                        <p:tgtEl>
+                                          <p:spTgt spid="7"/>
+                                        </p:tgtEl>
+                                        <p:attrNameLst>
+                                          <p:attrName>style.visibility</p:attrName>
+                                        </p:attrNameLst>
+                                      </p:cBhvr>
+                                      <p:to>
+                                        <p:strVal val="visible"/>
+                                      </p:to>
+                                    </p:set>
+                                    <p:animEffect transition="in" filter="fade">
+                                      <p:cBhvr>
+                                        <p:cTn id="7" dur="500"/>
+                                        <p:tgtEl>
+                                          <p:spTgt spid="7"/>
+                                        </p:tgtEl>
+                                      </p:cBhvr>
+                                    </p:animEffect>
+                                  </p:childTnLst>
+                                </p:cTn>
+                              </p:par>
+                            </p:childTnLst>
+                          </p:cTn>
+                        </p:par>
+                      </p:childTnLst>
+                    </p:cTn>
+                  </p:par>
+                  <p:par>
+                    <p:cTn id="8" fill="hold">
+                      <p:stCondLst>
+                        <p:cond delay="indefinite"/>
+                      </p:stCondLst>
+                      <p:childTnLst>
+                        <p:par>
+                          <p:cTn id="9" fill="hold">
+                            <p:stCondLst>
+                              <p:cond delay="0"/>
+                            </p:stCondLst>
+                            <p:childTnLst>
+                              <p:par>
+                                <p:cTn id="10" presetID="10" presetClass="entr" presetSubtype="0" fill="hold" nodeType="clickEffect">
+                                  <p:stCondLst>
+                                    <p:cond delay="0"/>
+                                  </p:stCondLst>
+                                  <p:childTnLst>
+                                    <p:set>
+                                      <p:cBhvr>
+                                        <p:cTn id="11" dur="1" fill="hold">
+                                          <p:stCondLst>
+                                            <p:cond delay="0"/>
+                                          </p:stCondLst>
+                                        </p:cTn>
+                                        <p:tgtEl>
+                                          <p:spTgt spid="10"/>
+                                        </p:tgtEl>
+                                        <p:attrNameLst>
+                                          <p:attrName>style.visibility</p:attrName>
+                                        </p:attrNameLst>
+                                      </p:cBhvr>
+                                      <p:to>
+                                        <p:strVal val="visible"/>
+                                      </p:to>
+                                    </p:set>
+                                    <p:animEffect transition="in" filter="fade">
+                                      <p:cBhvr>
+                                        <p:cTn id="12" dur="500"/>
+                                        <p:tgtEl>
+                                          <p:spTgt spid="10"/>
+                                        </p:tgtEl>
+                                      </p:cBhvr>
+                                    </p:animEffect>
+                                  </p:childTnLst>
+                                </p:cTn>
+                              </p:par>
+                              <p:par>
+                                <p:cTn id="13" presetID="10" presetClass="entr" presetSubtype="0" fill="hold" grpId="0" nodeType="withEffect">
+                                  <p:stCondLst>
+                                    <p:cond delay="0"/>
+                                  </p:stCondLst>
+                                  <p:childTnLst>
+                                    <p:set>
+                                      <p:cBhvr>
+                                        <p:cTn id="14" dur="1" fill="hold">
+                                          <p:stCondLst>
+                                            <p:cond delay="0"/>
+                                          </p:stCondLst>
+                                        </p:cTn>
+                                        <p:tgtEl>
+                                          <p:spTgt spid="8"/>
+                                        </p:tgtEl>
+                                        <p:attrNameLst>
+                                          <p:attrName>style.visibility</p:attrName>
+                                        </p:attrNameLst>
+                                      </p:cBhvr>
+                                      <p:to>
+                                        <p:strVal val="visible"/>
+                                      </p:to>
+                                    </p:set>
+                                    <p:animEffect transition="in" filter="fade">
+                                      <p:cBhvr>
+                                        <p:cTn id="15" dur="500"/>
+                                        <p:tgtEl>
+                                          <p:spTgt spid="8"/>
+                                        </p:tgtEl>
+                                      </p:cBhvr>
+                                    </p:animEffect>
+                                  </p:childTnLst>
+                                </p:cTn>
+                              </p:par>
+                            </p:childTnLst>
+                          </p:cTn>
+                        </p:par>
+                      </p:childTnLst>
+                    </p:cTn>
+                  </p:par>
+                  <p:par>
+                    <p:cTn id="16" fill="hold">
+                      <p:stCondLst>
+                        <p:cond delay="indefinite"/>
+                      </p:stCondLst>
+                      <p:childTnLst>
+                        <p:par>
+                          <p:cTn id="17" fill="hold">
+                            <p:stCondLst>
+                              <p:cond delay="0"/>
+                            </p:stCondLst>
+                            <p:childTnLst>
+                              <p:par>
+                                <p:cTn id="18" presetID="1" presetClass="entr" presetSubtype="0" fill="hold" nodeType="clickEffect">
+                                  <p:stCondLst>
+                                    <p:cond delay="0"/>
+                                  </p:stCondLst>
+                                  <p:childTnLst>
+                                    <p:set>
+                                      <p:cBhvr>
+                                        <p:cTn id="19" dur="1" fill="hold">
+                                          <p:stCondLst>
+                                            <p:cond delay="0"/>
+                                          </p:stCondLst>
+                                        </p:cTn>
+                                        <p:tgtEl>
+                                          <p:spTgt spid="13"/>
+                                        </p:tgtEl>
+                                        <p:attrNameLst>
+                                          <p:attrName>style.visibility</p:attrName>
+                                        </p:attrNameLst>
+                                      </p:cBhvr>
+                                      <p:to>
+                                        <p:strVal val="visible"/>
+                                      </p:to>
+                                    </p:set>
+                                  </p:childTnLst>
+                                </p:cTn>
+                              </p:par>
+                              <p:par>
+                                <p:cTn id="20" presetID="1" presetClass="entr" presetSubtype="0" fill="hold" grpId="0" nodeType="withEffect">
+                                  <p:stCondLst>
+                                    <p:cond delay="0"/>
+                                  </p:stCondLst>
+                                  <p:childTnLst>
+                                    <p:set>
+                                      <p:cBhvr>
+                                        <p:cTn id="21" dur="1" fill="hold">
+                                          <p:stCondLst>
+                                            <p:cond delay="0"/>
+                                          </p:stCondLst>
+                                        </p:cTn>
+                                        <p:tgtEl>
+                                          <p:spTgt spid="9"/>
+                                        </p:tgtEl>
+                                        <p:attrNameLst>
+                                          <p:attrName>style.visibility</p:attrName>
+                                        </p:attrNameLst>
+                                      </p:cBhvr>
+                                      <p:to>
+                                        <p:strVal val="visible"/>
+                                      </p:to>
+                                    </p:set>
+                                  </p:childTnLst>
+                                </p:cTn>
+                              </p:par>
+                            </p:childTnLst>
+                          </p:cTn>
+                        </p:par>
+                      </p:childTnLst>
+                    </p:cTn>
+                  </p:par>
+                  <p:par>
+                    <p:cTn id="22" fill="hold">
+                      <p:stCondLst>
+                        <p:cond delay="indefinite"/>
+                      </p:stCondLst>
+                      <p:childTnLst>
+                        <p:par>
+                          <p:cTn id="23" fill="hold">
+                            <p:stCondLst>
+                              <p:cond delay="0"/>
+                            </p:stCondLst>
+                            <p:childTnLst>
+                              <p:par>
+                                <p:cTn id="24" presetID="10" presetClass="entr" presetSubtype="0" fill="hold" grpId="0" nodeType="clickEffect">
+                                  <p:stCondLst>
+                                    <p:cond delay="0"/>
+                                  </p:stCondLst>
+                                  <p:childTnLst>
+                                    <p:set>
+                                      <p:cBhvr>
+                                        <p:cTn id="25" dur="1" fill="hold">
+                                          <p:stCondLst>
+                                            <p:cond delay="0"/>
+                                          </p:stCondLst>
+                                        </p:cTn>
+                                        <p:tgtEl>
+                                          <p:spTgt spid="6"/>
+                                        </p:tgtEl>
+                                        <p:attrNameLst>
+                                          <p:attrName>style.visibility</p:attrName>
+                                        </p:attrNameLst>
+                                      </p:cBhvr>
+                                      <p:to>
+                                        <p:strVal val="visible"/>
+                                      </p:to>
+                                    </p:set>
+                                    <p:animEffect transition="in" filter="fade">
+                                      <p:cBhvr>
+                                        <p:cTn id="26" dur="500"/>
+                                        <p:tgtEl>
+                                          <p:spTgt spid="6"/>
+                                        </p:tgtEl>
+                                      </p:cBhvr>
+                                    </p:animEffect>
+                                  </p:childTnLst>
+                                </p:cTn>
+                              </p:par>
+                            </p:childTnLst>
+                          </p:cTn>
+                        </p:par>
+                      </p:childTnLst>
+                    </p:cTn>
+                  </p:par>
+                </p:childTnLst>
+              </p:cTn>
+              <p:prevCondLst>
+                <p:cond evt="onPrev" delay="0">
+                  <p:tgtEl>
+                    <p:sldTgt/>
+                  </p:tgtEl>
+                </p:cond>
+              </p:prevCondLst>
+              <p:nextCondLst>
+                <p:cond evt="onNext" delay="0">
+                  <p:tgtEl>
+                    <p:sldTgt/>
+                  </p:tgtEl>
+                </p:cond>
+              </p:nextCondLst>
+            </p:seq>
+          </p:childTnLst>
+        </p:cTn>
+      </p:par>
+    </p:tnLst>
+    <p:bldLst>
+      <p:bldP spid="6" grpId="0"/>
+      <p:bldP spid="7" grpId="0"/>
+      <p:bldP spid="8" grpId="0"/>
+      <p:bldP spid="9" grpId="0"/>
+    </p:bldLst>
+  </p:timing>
+</p:sld>
+</file>
+
+<file path=ppt/slides/slide16.xml><?xml version="1.0" encoding="utf-8"?>
+<p:sld xmlns:a="http://schemas.openxmlformats.org/drawingml/2006/main" xmlns:r="http://schemas.openxmlformats.org/officeDocument/2006/relationships" xmlns:p="http://schemas.openxmlformats.org/presentationml/2006/main">
+  <p:cSld>
+    <p:spTree>
+      <p:nvGrpSpPr>
+        <p:cNvPr id="1" name=""/>
+        <p:cNvGrpSpPr/>
+        <p:nvPr/>
+      </p:nvGrpSpPr>
+      <p:grpSpPr>
+        <a:xfrm>
+          <a:off x="0" y="0"/>
+          <a:ext cx="0" cy="0"/>
+          <a:chOff x="0" y="0"/>
+          <a:chExt cx="0" cy="0"/>
+        </a:xfrm>
+      </p:grpSpPr>
+      <p:sp>
+        <p:nvSpPr>
+          <p:cNvPr id="2" name="Title 1"/>
+          <p:cNvSpPr>
+            <a:spLocks noGrp="1"/>
+          </p:cNvSpPr>
+          <p:nvPr>
+            <p:ph type="title"/>
+          </p:nvPr>
+        </p:nvSpPr>
+        <p:spPr/>
+        <p:txBody>
+          <a:bodyPr/>
+          <a:lstStyle/>
+          <a:p>
+            <a:r>
+              <a:rPr lang="en-US" dirty="0" smtClean="0"/>
+              <a:t>Multinomial </a:t>
+            </a:r>
+            <a:r>
+              <a:rPr lang="en-US" dirty="0"/>
+              <a:t>naive Bayes</a:t>
+            </a:r>
+          </a:p>
+        </p:txBody>
+      </p:sp>
+      <p:sp>
+        <p:nvSpPr>
+          <p:cNvPr id="3" name="Content Placeholder 2"/>
+          <p:cNvSpPr>
+            <a:spLocks noGrp="1"/>
+          </p:cNvSpPr>
+          <p:nvPr>
+            <p:ph idx="1"/>
+          </p:nvPr>
+        </p:nvSpPr>
+        <p:spPr/>
+        <p:txBody>
+          <a:bodyPr/>
+          <a:lstStyle/>
+          <a:p>
+            <a:endParaRPr lang="en-US" dirty="0"/>
+          </a:p>
+        </p:txBody>
+      </p:sp>
+      <p:sp>
+        <p:nvSpPr>
+          <p:cNvPr id="4" name="Footer Placeholder 3"/>
+          <p:cNvSpPr>
+            <a:spLocks noGrp="1"/>
+          </p:cNvSpPr>
+          <p:nvPr>
+            <p:ph type="ftr" sz="quarter" idx="11"/>
+          </p:nvPr>
+        </p:nvSpPr>
+        <p:spPr/>
+        <p:txBody>
+          <a:bodyPr/>
+          <a:lstStyle/>
+          <a:p>
+            <a:r>
+              <a:rPr lang="en-US" dirty="0"/>
+              <a:t>Multinomial naive Bayes</a:t>
+            </a:r>
+            <a:endParaRPr lang="en-US" dirty="0"/>
+          </a:p>
+        </p:txBody>
+      </p:sp>
+      <p:sp>
+        <p:nvSpPr>
+          <p:cNvPr id="5" name="Slide Number Placeholder 4"/>
+          <p:cNvSpPr>
+            <a:spLocks noGrp="1"/>
+          </p:cNvSpPr>
+          <p:nvPr>
+            <p:ph type="sldNum" sz="quarter" idx="12"/>
+          </p:nvPr>
+        </p:nvSpPr>
+        <p:spPr/>
+        <p:txBody>
+          <a:bodyPr/>
+          <a:lstStyle/>
+          <a:p>
+            <a:fld id="{88E711DA-8C4A-4F9C-B06B-9858351D6192}" type="slidenum">
+              <a:rPr lang="en-US" smtClean="0"/>
+              <a:pPr/>
+              <a:t>16</a:t>
+            </a:fld>
+            <a:endParaRPr lang="en-US" dirty="0"/>
+          </a:p>
+        </p:txBody>
+      </p:sp>
+    </p:spTree>
+    <p:extLst>
+      <p:ext uri="{BB962C8B-B14F-4D97-AF65-F5344CB8AC3E}">
+        <p14:creationId xmlns:p14="http://schemas.microsoft.com/office/powerpoint/2010/main" val="217667395"/>
+      </p:ext>
+    </p:extLst>
+  </p:cSld>
+  <p:clrMapOvr>
+    <a:masterClrMapping/>
+  </p:clrMapOvr>
+  <p:timing>
+    <p:tnLst>
+      <p:par>
+        <p:cTn id="1" dur="indefinite" restart="never" nodeType="tmRoot"/>
+      </p:par>
+    </p:tnLst>
+  </p:timing>
+</p:sld>
+</file>
+
+<file path=ppt/slides/slide17.xml><?xml version="1.0" encoding="utf-8"?>
+<p:sld xmlns:a="http://schemas.openxmlformats.org/drawingml/2006/main" xmlns:r="http://schemas.openxmlformats.org/officeDocument/2006/relationships" xmlns:p="http://schemas.openxmlformats.org/presentationml/2006/main">
+  <p:cSld>
+    <p:spTree>
+      <p:nvGrpSpPr>
+        <p:cNvPr id="1" name=""/>
+        <p:cNvGrpSpPr/>
+        <p:nvPr/>
+      </p:nvGrpSpPr>
+      <p:grpSpPr>
+        <a:xfrm>
+          <a:off x="0" y="0"/>
+          <a:ext cx="0" cy="0"/>
+          <a:chOff x="0" y="0"/>
+          <a:chExt cx="0" cy="0"/>
+        </a:xfrm>
+      </p:grpSpPr>
+      <p:sp>
+        <p:nvSpPr>
+          <p:cNvPr id="2" name="Title 1">
             <a:extLst>
               <a:ext uri="{FF2B5EF4-FFF2-40B4-BE49-F238E27FC236}">
-                <a16:creationId xmlns:a16="http://schemas.microsoft.com/office/drawing/2014/main" xmlns="" id="{4AF859CF-34D0-FD46-AAD6-388E180EFBE6}"/>
+                <a16:creationId xmlns="" xmlns:a16="http://schemas.microsoft.com/office/drawing/2014/main" id="{135C05CA-8510-EF46-A677-9B58E00EB284}"/>
+              </a:ext>
+            </a:extLst>
+          </p:cNvPr>
+          <p:cNvSpPr>
+            <a:spLocks noGrp="1"/>
+          </p:cNvSpPr>
+          <p:nvPr>
+            <p:ph type="title"/>
+          </p:nvPr>
+        </p:nvSpPr>
+        <p:spPr>
+          <a:xfrm>
+            <a:off x="628650" y="308135"/>
+            <a:ext cx="7886700" cy="452662"/>
+          </a:xfrm>
+        </p:spPr>
+        <p:txBody>
+          <a:bodyPr/>
+          <a:lstStyle/>
+          <a:p>
+            <a:r>
+              <a:rPr lang="vi-VN" dirty="0"/>
+              <a:t>Evaluation Methods</a:t>
+            </a:r>
+            <a:endParaRPr lang="en-US" dirty="0"/>
+          </a:p>
+        </p:txBody>
+      </p:sp>
+      <p:sp>
+        <p:nvSpPr>
+          <p:cNvPr id="3" name="Content Placeholder 2">
+            <a:extLst>
+              <a:ext uri="{FF2B5EF4-FFF2-40B4-BE49-F238E27FC236}">
+                <a16:creationId xmlns="" xmlns:a16="http://schemas.microsoft.com/office/drawing/2014/main" id="{78488572-3041-9141-BAB8-96E34031C5BC}"/>
+              </a:ext>
+            </a:extLst>
+          </p:cNvPr>
+          <p:cNvSpPr>
+            <a:spLocks noGrp="1"/>
+          </p:cNvSpPr>
+          <p:nvPr>
+            <p:ph idx="1"/>
+          </p:nvPr>
+        </p:nvSpPr>
+        <p:spPr/>
+        <p:txBody>
+          <a:bodyPr/>
+          <a:lstStyle/>
+          <a:p>
+            <a:r>
+              <a:rPr lang="en-US" dirty="0">
+                <a:hlinkClick r:id="rId2"/>
+              </a:rPr>
+              <a:t>https://machinelearningcoban.com/2017/08/31/evaluation/</a:t>
+            </a:r>
+            <a:endParaRPr lang="vi-VN" dirty="0"/>
+          </a:p>
+          <a:p>
+            <a:endParaRPr lang="en-US" dirty="0"/>
+          </a:p>
+        </p:txBody>
+      </p:sp>
+      <p:sp>
+        <p:nvSpPr>
+          <p:cNvPr id="4" name="Footer Placeholder 3">
+            <a:extLst>
+              <a:ext uri="{FF2B5EF4-FFF2-40B4-BE49-F238E27FC236}">
+                <a16:creationId xmlns="" xmlns:a16="http://schemas.microsoft.com/office/drawing/2014/main" id="{63461E74-1AE3-EB40-A481-209D9A5EC4B8}"/>
+              </a:ext>
+            </a:extLst>
+          </p:cNvPr>
+          <p:cNvSpPr>
+            <a:spLocks noGrp="1"/>
+          </p:cNvSpPr>
+          <p:nvPr>
+            <p:ph type="ftr" sz="quarter" idx="11"/>
+          </p:nvPr>
+        </p:nvSpPr>
+        <p:spPr/>
+        <p:txBody>
+          <a:bodyPr/>
+          <a:lstStyle/>
+          <a:p>
+            <a:endParaRPr lang="en-US" dirty="0"/>
+          </a:p>
+        </p:txBody>
+      </p:sp>
+      <p:sp>
+        <p:nvSpPr>
+          <p:cNvPr id="5" name="Slide Number Placeholder 4">
+            <a:extLst>
+              <a:ext uri="{FF2B5EF4-FFF2-40B4-BE49-F238E27FC236}">
+                <a16:creationId xmlns="" xmlns:a16="http://schemas.microsoft.com/office/drawing/2014/main" id="{2DECD09F-D640-FE42-9D30-090A749E5D12}"/>
               </a:ext>
             </a:extLst>
           </p:cNvPr>
@@ -4821,18 +10396,84 @@
             <a:fld id="{88E711DA-8C4A-4F9C-B06B-9858351D6192}" type="slidenum">
               <a:rPr lang="en-US" smtClean="0"/>
               <a:pPr/>
-              <a:t>14</a:t>
+              <a:t>17</a:t>
             </a:fld>
+            <a:endParaRPr lang="en-US" dirty="0"/>
+          </a:p>
+        </p:txBody>
+      </p:sp>
+    </p:spTree>
+    <p:extLst>
+      <p:ext uri="{BB962C8B-B14F-4D97-AF65-F5344CB8AC3E}">
+        <p14:creationId xmlns:p14="http://schemas.microsoft.com/office/powerpoint/2010/main" val="3285196134"/>
+      </p:ext>
+    </p:extLst>
+  </p:cSld>
+  <p:clrMapOvr>
+    <a:masterClrMapping/>
+  </p:clrMapOvr>
+  <p:timing>
+    <p:tnLst>
+      <p:par>
+        <p:cTn id="1" dur="indefinite" restart="never" nodeType="tmRoot"/>
+      </p:par>
+    </p:tnLst>
+  </p:timing>
+</p:sld>
+</file>
+
+<file path=ppt/slides/slide18.xml><?xml version="1.0" encoding="utf-8"?>
+<p:sld xmlns:a="http://schemas.openxmlformats.org/drawingml/2006/main" xmlns:r="http://schemas.openxmlformats.org/officeDocument/2006/relationships" xmlns:p="http://schemas.openxmlformats.org/presentationml/2006/main">
+  <p:cSld>
+    <p:spTree>
+      <p:nvGrpSpPr>
+        <p:cNvPr id="1" name=""/>
+        <p:cNvGrpSpPr/>
+        <p:nvPr/>
+      </p:nvGrpSpPr>
+      <p:grpSpPr>
+        <a:xfrm>
+          <a:off x="0" y="0"/>
+          <a:ext cx="0" cy="0"/>
+          <a:chOff x="0" y="0"/>
+          <a:chExt cx="0" cy="0"/>
+        </a:xfrm>
+      </p:grpSpPr>
+      <p:sp>
+        <p:nvSpPr>
+          <p:cNvPr id="2" name="Title 1">
+            <a:extLst>
+              <a:ext uri="{FF2B5EF4-FFF2-40B4-BE49-F238E27FC236}">
+                <a16:creationId xmlns="" xmlns:a16="http://schemas.microsoft.com/office/drawing/2014/main" id="{50C7B8DA-5A23-5D40-834F-42BA85584C9D}"/>
+              </a:ext>
+            </a:extLst>
+          </p:cNvPr>
+          <p:cNvSpPr>
+            <a:spLocks noGrp="1"/>
+          </p:cNvSpPr>
+          <p:nvPr>
+            <p:ph type="title"/>
+          </p:nvPr>
+        </p:nvSpPr>
+        <p:spPr/>
+        <p:txBody>
+          <a:bodyPr/>
+          <a:lstStyle/>
+          <a:p>
+            <a:r>
+              <a:rPr lang="vi-VN" dirty="0"/>
+              <a:t>Summary</a:t>
+            </a:r>
             <a:endParaRPr lang="en-US" dirty="0"/>
           </a:p>
         </p:txBody>
       </p:sp>
       <p:sp>
         <p:nvSpPr>
-          <p:cNvPr id="5" name="Footer Placeholder 4">
+          <p:cNvPr id="4" name="Footer Placeholder 3">
             <a:extLst>
               <a:ext uri="{FF2B5EF4-FFF2-40B4-BE49-F238E27FC236}">
-                <a16:creationId xmlns:a16="http://schemas.microsoft.com/office/drawing/2014/main" xmlns="" id="{71D7DABC-A5AB-DF4F-B94F-9BE810DDB647}"/>
+                <a16:creationId xmlns="" xmlns:a16="http://schemas.microsoft.com/office/drawing/2014/main" id="{763EEBD2-5F8B-EC47-BF28-80FB52E67C6C}"/>
               </a:ext>
             </a:extLst>
           </p:cNvPr>
@@ -4852,10 +10493,154 @@
           </a:p>
         </p:txBody>
       </p:sp>
+      <p:sp>
+        <p:nvSpPr>
+          <p:cNvPr id="5" name="Slide Number Placeholder 4">
+            <a:extLst>
+              <a:ext uri="{FF2B5EF4-FFF2-40B4-BE49-F238E27FC236}">
+                <a16:creationId xmlns="" xmlns:a16="http://schemas.microsoft.com/office/drawing/2014/main" id="{AAEF948B-ADE1-E848-A70E-FEFC022EC4E2}"/>
+              </a:ext>
+            </a:extLst>
+          </p:cNvPr>
+          <p:cNvSpPr>
+            <a:spLocks noGrp="1"/>
+          </p:cNvSpPr>
+          <p:nvPr>
+            <p:ph type="sldNum" sz="quarter" idx="12"/>
+          </p:nvPr>
+        </p:nvSpPr>
+        <p:spPr/>
+        <p:txBody>
+          <a:bodyPr/>
+          <a:lstStyle/>
+          <a:p>
+            <a:fld id="{88E711DA-8C4A-4F9C-B06B-9858351D6192}" type="slidenum">
+              <a:rPr lang="en-US" smtClean="0"/>
+              <a:pPr/>
+              <a:t>18</a:t>
+            </a:fld>
+            <a:endParaRPr lang="en-US" dirty="0"/>
+          </a:p>
+        </p:txBody>
+      </p:sp>
     </p:spTree>
     <p:extLst>
       <p:ext uri="{BB962C8B-B14F-4D97-AF65-F5344CB8AC3E}">
-        <p14:creationId xmlns:p14="http://schemas.microsoft.com/office/powerpoint/2010/main" val="2812658735"/>
+        <p14:creationId xmlns:p14="http://schemas.microsoft.com/office/powerpoint/2010/main" val="1725708525"/>
+      </p:ext>
+    </p:extLst>
+  </p:cSld>
+  <p:clrMapOvr>
+    <a:masterClrMapping/>
+  </p:clrMapOvr>
+  <p:timing>
+    <p:tnLst>
+      <p:par>
+        <p:cTn id="1" dur="indefinite" restart="never" nodeType="tmRoot"/>
+      </p:par>
+    </p:tnLst>
+  </p:timing>
+</p:sld>
+</file>
+
+<file path=ppt/slides/slide19.xml><?xml version="1.0" encoding="utf-8"?>
+<p:sld xmlns:a="http://schemas.openxmlformats.org/drawingml/2006/main" xmlns:r="http://schemas.openxmlformats.org/officeDocument/2006/relationships" xmlns:p="http://schemas.openxmlformats.org/presentationml/2006/main">
+  <p:cSld>
+    <p:spTree>
+      <p:nvGrpSpPr>
+        <p:cNvPr id="1" name=""/>
+        <p:cNvGrpSpPr/>
+        <p:nvPr/>
+      </p:nvGrpSpPr>
+      <p:grpSpPr>
+        <a:xfrm>
+          <a:off x="0" y="0"/>
+          <a:ext cx="0" cy="0"/>
+          <a:chOff x="0" y="0"/>
+          <a:chExt cx="0" cy="0"/>
+        </a:xfrm>
+      </p:grpSpPr>
+      <p:sp>
+        <p:nvSpPr>
+          <p:cNvPr id="2" name="Title 1"/>
+          <p:cNvSpPr>
+            <a:spLocks noGrp="1"/>
+          </p:cNvSpPr>
+          <p:nvPr>
+            <p:ph type="title"/>
+          </p:nvPr>
+        </p:nvSpPr>
+        <p:spPr/>
+        <p:txBody>
+          <a:bodyPr/>
+          <a:lstStyle/>
+          <a:p>
+            <a:r>
+              <a:rPr lang="en-US" dirty="0"/>
+              <a:t>Demo with Python</a:t>
+            </a:r>
+          </a:p>
+        </p:txBody>
+      </p:sp>
+      <p:sp>
+        <p:nvSpPr>
+          <p:cNvPr id="3" name="Slide Number Placeholder 2">
+            <a:extLst>
+              <a:ext uri="{FF2B5EF4-FFF2-40B4-BE49-F238E27FC236}">
+                <a16:creationId xmlns="" xmlns:a16="http://schemas.microsoft.com/office/drawing/2014/main" id="{BFB842CD-44AC-AD43-824A-E1B53AB330DF}"/>
+              </a:ext>
+            </a:extLst>
+          </p:cNvPr>
+          <p:cNvSpPr>
+            <a:spLocks noGrp="1"/>
+          </p:cNvSpPr>
+          <p:nvPr>
+            <p:ph type="sldNum" sz="quarter" idx="12"/>
+          </p:nvPr>
+        </p:nvSpPr>
+        <p:spPr/>
+        <p:txBody>
+          <a:bodyPr/>
+          <a:lstStyle/>
+          <a:p>
+            <a:fld id="{88E711DA-8C4A-4F9C-B06B-9858351D6192}" type="slidenum">
+              <a:rPr lang="en-US" smtClean="0"/>
+              <a:pPr/>
+              <a:t>19</a:t>
+            </a:fld>
+            <a:endParaRPr lang="en-US" dirty="0"/>
+          </a:p>
+        </p:txBody>
+      </p:sp>
+      <p:sp>
+        <p:nvSpPr>
+          <p:cNvPr id="4" name="Footer Placeholder 3">
+            <a:extLst>
+              <a:ext uri="{FF2B5EF4-FFF2-40B4-BE49-F238E27FC236}">
+                <a16:creationId xmlns="" xmlns:a16="http://schemas.microsoft.com/office/drawing/2014/main" id="{1F7FE4C9-C950-E744-96EA-9878A1007386}"/>
+              </a:ext>
+            </a:extLst>
+          </p:cNvPr>
+          <p:cNvSpPr>
+            <a:spLocks noGrp="1"/>
+          </p:cNvSpPr>
+          <p:nvPr>
+            <p:ph type="ftr" sz="quarter" idx="11"/>
+          </p:nvPr>
+        </p:nvSpPr>
+        <p:spPr/>
+        <p:txBody>
+          <a:bodyPr/>
+          <a:lstStyle/>
+          <a:p>
+            <a:endParaRPr lang="en-US" dirty="0"/>
+          </a:p>
+        </p:txBody>
+      </p:sp>
+    </p:spTree>
+    <p:extLst>
+      <p:ext uri="{BB962C8B-B14F-4D97-AF65-F5344CB8AC3E}">
+        <p14:creationId xmlns:p14="http://schemas.microsoft.com/office/powerpoint/2010/main" val="2269408930"/>
       </p:ext>
     </p:extLst>
   </p:cSld>
@@ -4928,20 +10713,24 @@
           <a:lstStyle/>
           <a:p>
             <a:r>
-              <a:rPr lang="en-US" smtClean="0"/>
+              <a:rPr lang="en-US" dirty="0" smtClean="0"/>
               <a:t>Bayes theorem</a:t>
             </a:r>
           </a:p>
           <a:p>
             <a:r>
-              <a:rPr lang="en-US" smtClean="0"/>
+              <a:rPr lang="en-US" dirty="0" smtClean="0"/>
               <a:t>Naive Bayes classifier (NBF)</a:t>
             </a:r>
           </a:p>
           <a:p>
             <a:r>
-              <a:rPr lang="en-US"/>
-              <a:t>Commom distribution functions in NBF</a:t>
+              <a:rPr lang="en-US" dirty="0" smtClean="0"/>
+              <a:t>Common </a:t>
+            </a:r>
+            <a:r>
+              <a:rPr lang="en-US" dirty="0"/>
+              <a:t>distribution functions in NBF</a:t>
             </a:r>
           </a:p>
           <a:p>
@@ -4950,7 +10739,7 @@
               <a:buChar char="Ø"/>
             </a:pPr>
             <a:r>
-              <a:rPr lang="en-US"/>
+              <a:rPr lang="en-US" dirty="0"/>
               <a:t>Gaussian naive Bayes</a:t>
             </a:r>
           </a:p>
@@ -4960,7 +10749,7 @@
               <a:buChar char="Ø"/>
             </a:pPr>
             <a:r>
-              <a:rPr lang="en-US"/>
+              <a:rPr lang="en-US" dirty="0"/>
               <a:t>Multinomial naive Bayes</a:t>
             </a:r>
           </a:p>
@@ -4970,26 +10759,26 @@
               <a:buChar char="Ø"/>
             </a:pPr>
             <a:r>
-              <a:rPr lang="en-US"/>
+              <a:rPr lang="en-US" dirty="0"/>
               <a:t>Bernoulli naive Bayes</a:t>
             </a:r>
           </a:p>
           <a:p>
             <a:r>
-              <a:rPr lang="en-US" smtClean="0"/>
+              <a:rPr lang="en-US" dirty="0" smtClean="0"/>
               <a:t>Demo with Python</a:t>
             </a:r>
-            <a:endParaRPr lang="en-US"/>
-          </a:p>
-          <a:p>
-            <a:endParaRPr lang="en-US" smtClean="0"/>
-          </a:p>
-          <a:p>
-            <a:endParaRPr lang="en-US" smtClean="0"/>
+            <a:endParaRPr lang="en-US" dirty="0"/>
+          </a:p>
+          <a:p>
+            <a:endParaRPr lang="en-US" dirty="0" smtClean="0"/>
+          </a:p>
+          <a:p>
+            <a:endParaRPr lang="en-US" dirty="0" smtClean="0"/>
           </a:p>
           <a:p>
             <a:pPr lvl="1"/>
-            <a:endParaRPr lang="en-US"/>
+            <a:endParaRPr lang="en-US" dirty="0"/>
           </a:p>
         </p:txBody>
       </p:sp>
@@ -5476,6 +11265,230 @@
             </p:seq>
           </p:childTnLst>
         </p:cTn>
+      </p:par>
+    </p:tnLst>
+  </p:timing>
+</p:sld>
+</file>
+
+<file path=ppt/slides/slide20.xml><?xml version="1.0" encoding="utf-8"?>
+<p:sld xmlns:a="http://schemas.openxmlformats.org/drawingml/2006/main" xmlns:r="http://schemas.openxmlformats.org/officeDocument/2006/relationships" xmlns:p="http://schemas.openxmlformats.org/presentationml/2006/main">
+  <p:cSld>
+    <p:spTree>
+      <p:nvGrpSpPr>
+        <p:cNvPr id="1" name=""/>
+        <p:cNvGrpSpPr/>
+        <p:nvPr/>
+      </p:nvGrpSpPr>
+      <p:grpSpPr>
+        <a:xfrm>
+          <a:off x="0" y="0"/>
+          <a:ext cx="0" cy="0"/>
+          <a:chOff x="0" y="0"/>
+          <a:chExt cx="0" cy="0"/>
+        </a:xfrm>
+      </p:grpSpPr>
+      <p:sp>
+        <p:nvSpPr>
+          <p:cNvPr id="2" name="Title 1"/>
+          <p:cNvSpPr>
+            <a:spLocks noGrp="1"/>
+          </p:cNvSpPr>
+          <p:nvPr>
+            <p:ph type="title"/>
+          </p:nvPr>
+        </p:nvSpPr>
+        <p:spPr>
+          <a:xfrm>
+            <a:off x="628650" y="263378"/>
+            <a:ext cx="7886700" cy="452662"/>
+          </a:xfrm>
+        </p:spPr>
+        <p:txBody>
+          <a:bodyPr/>
+          <a:lstStyle/>
+          <a:p>
+            <a:r>
+              <a:rPr lang="en-US" dirty="0"/>
+              <a:t>References</a:t>
+            </a:r>
+          </a:p>
+        </p:txBody>
+      </p:sp>
+      <p:sp>
+        <p:nvSpPr>
+          <p:cNvPr id="3" name="Content Placeholder 2"/>
+          <p:cNvSpPr>
+            <a:spLocks noGrp="1"/>
+          </p:cNvSpPr>
+          <p:nvPr>
+            <p:ph idx="1"/>
+          </p:nvPr>
+        </p:nvSpPr>
+        <p:spPr/>
+        <p:txBody>
+          <a:bodyPr/>
+          <a:lstStyle/>
+          <a:p>
+            <a:r>
+              <a:rPr lang="en-US" sz="2500" dirty="0"/>
+              <a:t>Support Vector Machines: A Visual Explanation with Sample Python Code </a:t>
+            </a:r>
+            <a:r>
+              <a:rPr lang="en-US" sz="2500" dirty="0">
+                <a:hlinkClick r:id="rId2"/>
+              </a:rPr>
+              <a:t>https://www.youtube.com/watch?v=N1vOgolbjSc</a:t>
+            </a:r>
+            <a:endParaRPr lang="en-US" sz="2500" dirty="0"/>
+          </a:p>
+          <a:p>
+            <a:r>
+              <a:rPr lang="en-US" sz="2500" dirty="0"/>
+              <a:t>Support Vector Machine </a:t>
+            </a:r>
+            <a:r>
+              <a:rPr lang="en-US" sz="2500" dirty="0">
+                <a:hlinkClick r:id="rId3"/>
+              </a:rPr>
+              <a:t>https://</a:t>
+            </a:r>
+            <a:r>
+              <a:rPr lang="en-US" sz="2500" dirty="0" smtClean="0">
+                <a:hlinkClick r:id="rId3"/>
+              </a:rPr>
+              <a:t>machinelearningcoban.com</a:t>
+            </a:r>
+            <a:endParaRPr lang="en-US" sz="2500" dirty="0" smtClean="0"/>
+          </a:p>
+          <a:p>
+            <a:r>
+              <a:rPr lang="en-US" sz="2500" dirty="0"/>
+              <a:t>Machine Learning </a:t>
+            </a:r>
+            <a:r>
+              <a:rPr lang="en-US" sz="2500" dirty="0" smtClean="0"/>
+              <a:t>A-Z</a:t>
+            </a:r>
+          </a:p>
+          <a:p>
+            <a:pPr marL="0" indent="0">
+              <a:buNone/>
+            </a:pPr>
+            <a:r>
+              <a:rPr lang="en-US" sz="2500" dirty="0" smtClean="0"/>
+              <a:t>   </a:t>
+            </a:r>
+            <a:r>
+              <a:rPr lang="en-US" sz="2500" dirty="0" smtClean="0">
+                <a:hlinkClick r:id="rId4"/>
+              </a:rPr>
+              <a:t>https</a:t>
+            </a:r>
+            <a:r>
+              <a:rPr lang="en-US" sz="2500" dirty="0">
+                <a:hlinkClick r:id="rId4"/>
+              </a:rPr>
+              <a:t>://</a:t>
+            </a:r>
+            <a:r>
+              <a:rPr lang="en-US" sz="2500" dirty="0" smtClean="0">
+                <a:hlinkClick r:id="rId4"/>
+              </a:rPr>
+              <a:t>www.superdatascience.com/machine-learning</a:t>
+            </a:r>
+            <a:endParaRPr lang="en-US" sz="2500" dirty="0" smtClean="0"/>
+          </a:p>
+          <a:p>
+            <a:pPr marL="0" indent="0">
+              <a:buNone/>
+            </a:pPr>
+            <a:endParaRPr lang="en-US" sz="2500" dirty="0" smtClean="0"/>
+          </a:p>
+          <a:p>
+            <a:pPr marL="0" indent="0">
+              <a:buNone/>
+            </a:pPr>
+            <a:r>
+              <a:rPr lang="en-US" sz="2500" dirty="0" smtClean="0"/>
+              <a:t>   </a:t>
+            </a:r>
+            <a:endParaRPr lang="en-US" sz="2500" dirty="0"/>
+          </a:p>
+          <a:p>
+            <a:endParaRPr lang="en-US" dirty="0"/>
+          </a:p>
+        </p:txBody>
+      </p:sp>
+      <p:sp>
+        <p:nvSpPr>
+          <p:cNvPr id="4" name="Slide Number Placeholder 3">
+            <a:extLst>
+              <a:ext uri="{FF2B5EF4-FFF2-40B4-BE49-F238E27FC236}">
+                <a16:creationId xmlns="" xmlns:a16="http://schemas.microsoft.com/office/drawing/2014/main" id="{4AF859CF-34D0-FD46-AAD6-388E180EFBE6}"/>
+              </a:ext>
+            </a:extLst>
+          </p:cNvPr>
+          <p:cNvSpPr>
+            <a:spLocks noGrp="1"/>
+          </p:cNvSpPr>
+          <p:nvPr>
+            <p:ph type="sldNum" sz="quarter" idx="12"/>
+          </p:nvPr>
+        </p:nvSpPr>
+        <p:spPr/>
+        <p:txBody>
+          <a:bodyPr/>
+          <a:lstStyle/>
+          <a:p>
+            <a:fld id="{88E711DA-8C4A-4F9C-B06B-9858351D6192}" type="slidenum">
+              <a:rPr lang="en-US" smtClean="0"/>
+              <a:pPr/>
+              <a:t>20</a:t>
+            </a:fld>
+            <a:endParaRPr lang="en-US" dirty="0"/>
+          </a:p>
+        </p:txBody>
+      </p:sp>
+      <p:sp>
+        <p:nvSpPr>
+          <p:cNvPr id="5" name="Footer Placeholder 4">
+            <a:extLst>
+              <a:ext uri="{FF2B5EF4-FFF2-40B4-BE49-F238E27FC236}">
+                <a16:creationId xmlns="" xmlns:a16="http://schemas.microsoft.com/office/drawing/2014/main" id="{71D7DABC-A5AB-DF4F-B94F-9BE810DDB647}"/>
+              </a:ext>
+            </a:extLst>
+          </p:cNvPr>
+          <p:cNvSpPr>
+            <a:spLocks noGrp="1"/>
+          </p:cNvSpPr>
+          <p:nvPr>
+            <p:ph type="ftr" sz="quarter" idx="11"/>
+          </p:nvPr>
+        </p:nvSpPr>
+        <p:spPr/>
+        <p:txBody>
+          <a:bodyPr/>
+          <a:lstStyle/>
+          <a:p>
+            <a:endParaRPr lang="en-US" dirty="0"/>
+          </a:p>
+        </p:txBody>
+      </p:sp>
+    </p:spTree>
+    <p:extLst>
+      <p:ext uri="{BB962C8B-B14F-4D97-AF65-F5344CB8AC3E}">
+        <p14:creationId xmlns:p14="http://schemas.microsoft.com/office/powerpoint/2010/main" val="2812658735"/>
+      </p:ext>
+    </p:extLst>
+  </p:cSld>
+  <p:clrMapOvr>
+    <a:masterClrMapping/>
+  </p:clrMapOvr>
+  <p:timing>
+    <p:tnLst>
+      <p:par>
+        <p:cTn id="1" dur="indefinite" restart="never" nodeType="tmRoot"/>
       </p:par>
     </p:tnLst>
   </p:timing>
@@ -11209,8 +17222,8 @@
           </a:p>
         </p:txBody>
       </p:sp>
-      <mc:AlternateContent xmlns:mc="http://schemas.openxmlformats.org/markup-compatibility/2006">
-        <mc:Choice xmlns:a14="http://schemas.microsoft.com/office/drawing/2010/main" Requires="a14">
+      <mc:AlternateContent xmlns:mc="http://schemas.openxmlformats.org/markup-compatibility/2006" xmlns:a14="http://schemas.microsoft.com/office/drawing/2010/main">
+        <mc:Choice Requires="a14">
           <p:sp>
             <p:nvSpPr>
               <p:cNvPr id="6" name="TextBox 5"/>
@@ -11233,6 +17246,7 @@
               </a:bodyPr>
               <a:lstStyle/>
               <a:p>
+                <a:pPr/>
                 <a14:m>
                   <m:oMathPara xmlns:m="http://schemas.openxmlformats.org/officeDocument/2006/math">
                     <m:oMathParaPr>
@@ -11382,7 +17396,7 @@
             </p:txBody>
           </p:sp>
         </mc:Choice>
-        <mc:Fallback>
+        <mc:Fallback xmlns="">
           <p:sp>
             <p:nvSpPr>
               <p:cNvPr id="6" name="TextBox 5"/>
@@ -11587,11 +17601,7 @@
             </a:pPr>
             <a:r>
               <a:rPr lang="en-US" sz="1800"/>
-              <a:t>50% came from </a:t>
-            </a:r>
-            <a:r>
-              <a:rPr lang="en-US" sz="1800"/>
-              <a:t>mach2 </a:t>
+              <a:t>50% came from mach2 </a:t>
             </a:r>
             <a:endParaRPr lang="en-US" sz="1800" smtClean="0"/>
           </a:p>
@@ -12759,11 +18769,7 @@
             </a:pPr>
             <a:r>
               <a:rPr lang="en-US" sz="1800"/>
-              <a:t>50% came from </a:t>
-            </a:r>
-            <a:r>
-              <a:rPr lang="en-US" sz="1800"/>
-              <a:t>mach2 </a:t>
+              <a:t>50% came from mach2 </a:t>
             </a:r>
             <a:endParaRPr lang="en-US" sz="1800" smtClean="0"/>
           </a:p>
@@ -13160,8 +19166,8 @@
           </a:fontRef>
         </p:style>
       </p:cxnSp>
-      <mc:AlternateContent xmlns:mc="http://schemas.openxmlformats.org/markup-compatibility/2006">
-        <mc:Choice xmlns:a14="http://schemas.microsoft.com/office/drawing/2010/main" Requires="a14">
+      <mc:AlternateContent xmlns:mc="http://schemas.openxmlformats.org/markup-compatibility/2006" xmlns:a14="http://schemas.microsoft.com/office/drawing/2010/main">
+        <mc:Choice Requires="a14">
           <p:sp>
             <p:nvSpPr>
               <p:cNvPr id="11" name="TextBox 10"/>
@@ -13184,6 +19190,7 @@
               </a:bodyPr>
               <a:lstStyle/>
               <a:p>
+                <a:pPr/>
                 <a14:m>
                   <m:oMathPara xmlns:m="http://schemas.openxmlformats.org/officeDocument/2006/math">
                     <m:oMathParaPr>
@@ -13357,7 +19364,7 @@
             </p:txBody>
           </p:sp>
         </mc:Choice>
-        <mc:Fallback>
+        <mc:Fallback xmlns="">
           <p:sp>
             <p:nvSpPr>
               <p:cNvPr id="11" name="TextBox 10"/>
@@ -13447,8 +19454,8 @@
           </a:p>
         </p:txBody>
       </p:sp>
-      <mc:AlternateContent xmlns:mc="http://schemas.openxmlformats.org/markup-compatibility/2006">
-        <mc:Choice xmlns:a14="http://schemas.microsoft.com/office/drawing/2010/main" Requires="a14">
+      <mc:AlternateContent xmlns:mc="http://schemas.openxmlformats.org/markup-compatibility/2006" xmlns:a14="http://schemas.microsoft.com/office/drawing/2010/main">
+        <mc:Choice Requires="a14">
           <p:sp>
             <p:nvSpPr>
               <p:cNvPr id="12" name="TextBox 11"/>
@@ -13471,6 +19478,7 @@
               </a:bodyPr>
               <a:lstStyle/>
               <a:p>
+                <a:pPr/>
                 <a14:m>
                   <m:oMathPara xmlns:m="http://schemas.openxmlformats.org/officeDocument/2006/math">
                     <m:oMathParaPr>
@@ -13516,7 +19524,7 @@
             </p:txBody>
           </p:sp>
         </mc:Choice>
-        <mc:Fallback>
+        <mc:Fallback xmlns="">
           <p:sp>
             <p:nvSpPr>
               <p:cNvPr id="12" name="TextBox 11"/>
@@ -13555,8 +19563,8 @@
           </p:sp>
         </mc:Fallback>
       </mc:AlternateContent>
-      <mc:AlternateContent xmlns:mc="http://schemas.openxmlformats.org/markup-compatibility/2006">
-        <mc:Choice xmlns:a14="http://schemas.microsoft.com/office/drawing/2010/main" Requires="a14">
+      <mc:AlternateContent xmlns:mc="http://schemas.openxmlformats.org/markup-compatibility/2006" xmlns:a14="http://schemas.microsoft.com/office/drawing/2010/main">
+        <mc:Choice Requires="a14">
           <p:sp>
             <p:nvSpPr>
               <p:cNvPr id="20" name="TextBox 19"/>
@@ -13579,6 +19587,7 @@
               </a:bodyPr>
               <a:lstStyle/>
               <a:p>
+                <a:pPr/>
                 <a14:m>
                   <m:oMathPara xmlns:m="http://schemas.openxmlformats.org/officeDocument/2006/math">
                     <m:oMathParaPr>
@@ -13599,7 +19608,7 @@
             </p:txBody>
           </p:sp>
         </mc:Choice>
-        <mc:Fallback>
+        <mc:Fallback xmlns="">
           <p:sp>
             <p:nvSpPr>
               <p:cNvPr id="20" name="TextBox 19"/>

--- a/Naive Bayes.pptx
+++ b/Naive Bayes.pptx
@@ -5,7 +5,7 @@
     <p:sldMasterId id="2147483660" r:id="rId1"/>
   </p:sldMasterIdLst>
   <p:notesMasterIdLst>
-    <p:notesMasterId r:id="rId22"/>
+    <p:notesMasterId r:id="rId23"/>
   </p:notesMasterIdLst>
   <p:sldIdLst>
     <p:sldId id="257" r:id="rId2"/>
@@ -24,10 +24,11 @@
     <p:sldId id="304" r:id="rId15"/>
     <p:sldId id="305" r:id="rId16"/>
     <p:sldId id="306" r:id="rId17"/>
-    <p:sldId id="277" r:id="rId18"/>
-    <p:sldId id="278" r:id="rId19"/>
-    <p:sldId id="273" r:id="rId20"/>
-    <p:sldId id="274" r:id="rId21"/>
+    <p:sldId id="307" r:id="rId18"/>
+    <p:sldId id="277" r:id="rId19"/>
+    <p:sldId id="278" r:id="rId20"/>
+    <p:sldId id="273" r:id="rId21"/>
+    <p:sldId id="274" r:id="rId22"/>
   </p:sldIdLst>
   <p:sldSz cx="9144000" cy="6858000" type="screen4x3"/>
   <p:notesSz cx="6858000" cy="9144000"/>
@@ -216,7 +217,7 @@
           <a:p>
             <a:fld id="{FC296240-670F-3A4D-842C-C45A721E1F88}" type="datetimeFigureOut">
               <a:rPr lang="en-US" smtClean="0"/>
-              <a:t>6/19/2018</a:t>
+              <a:t>6/20/2018</a:t>
             </a:fld>
             <a:endParaRPr lang="en-US"/>
           </a:p>
@@ -548,7 +549,7 @@
           <a:p>
             <a:fld id="{4FA3FA8C-ED4C-A04D-8D7D-C21D3203F08B}" type="slidenum">
               <a:rPr lang="en-US" smtClean="0"/>
-              <a:t>18</a:t>
+              <a:t>19</a:t>
             </a:fld>
             <a:endParaRPr lang="en-US"/>
           </a:p>
@@ -1116,7 +1117,7 @@
           <a:p>
             <a:fld id="{2466E06E-3195-C444-9570-D8CACB2ADBF9}" type="datetime1">
               <a:rPr lang="en-US" smtClean="0"/>
-              <a:t>6/19/2018</a:t>
+              <a:t>6/20/2018</a:t>
             </a:fld>
             <a:endParaRPr lang="en-US"/>
           </a:p>
@@ -1312,7 +1313,7 @@
           <a:p>
             <a:fld id="{E61B25D2-073E-9A47-A4FE-FE2D043E8B8C}" type="datetime1">
               <a:rPr lang="en-US" smtClean="0"/>
-              <a:t>6/19/2018</a:t>
+              <a:t>6/20/2018</a:t>
             </a:fld>
             <a:endParaRPr lang="en-US"/>
           </a:p>
@@ -1540,7 +1541,7 @@
           <a:p>
             <a:fld id="{A4FC4001-555C-C444-AE8B-977AF2AC1786}" type="datetime1">
               <a:rPr lang="en-US" smtClean="0"/>
-              <a:t>6/19/2018</a:t>
+              <a:t>6/20/2018</a:t>
             </a:fld>
             <a:endParaRPr lang="en-US" dirty="0"/>
           </a:p>
@@ -1809,7 +1810,7 @@
           <a:p>
             <a:fld id="{63B3560D-905E-914A-9D0B-A79E799F5F59}" type="datetime1">
               <a:rPr lang="en-US" smtClean="0"/>
-              <a:t>6/19/2018</a:t>
+              <a:t>6/20/2018</a:t>
             </a:fld>
             <a:endParaRPr lang="en-US"/>
           </a:p>
@@ -2057,7 +2058,7 @@
           <a:p>
             <a:fld id="{35245F20-185A-E643-ABB8-9C574A71A7AC}" type="datetime1">
               <a:rPr lang="en-US" smtClean="0"/>
-              <a:t>6/19/2018</a:t>
+              <a:t>6/20/2018</a:t>
             </a:fld>
             <a:endParaRPr lang="en-US"/>
           </a:p>
@@ -2440,7 +2441,7 @@
           <a:p>
             <a:fld id="{A1C6E42E-F505-BC4A-B0DB-9BE7F59071FA}" type="datetime1">
               <a:rPr lang="en-US" smtClean="0"/>
-              <a:t>6/19/2018</a:t>
+              <a:t>6/20/2018</a:t>
             </a:fld>
             <a:endParaRPr lang="en-US"/>
           </a:p>
@@ -2574,7 +2575,7 @@
           <a:p>
             <a:fld id="{64E3C3E3-2FE7-2C4D-A9D0-A4F150F05C62}" type="datetime1">
               <a:rPr lang="en-US" smtClean="0"/>
-              <a:t>6/19/2018</a:t>
+              <a:t>6/20/2018</a:t>
             </a:fld>
             <a:endParaRPr lang="en-US"/>
           </a:p>
@@ -2685,7 +2686,7 @@
           <a:p>
             <a:fld id="{B7BE0F74-DB4D-2649-B051-F7E83A033A9E}" type="datetime1">
               <a:rPr lang="en-US" smtClean="0"/>
-              <a:t>6/19/2018</a:t>
+              <a:t>6/20/2018</a:t>
             </a:fld>
             <a:endParaRPr lang="en-US"/>
           </a:p>
@@ -2978,7 +2979,7 @@
           <a:p>
             <a:fld id="{559E3AD2-0A61-CE49-9896-C805E1B580E8}" type="datetime1">
               <a:rPr lang="en-US" smtClean="0"/>
-              <a:t>6/19/2018</a:t>
+              <a:t>6/20/2018</a:t>
             </a:fld>
             <a:endParaRPr lang="en-US"/>
           </a:p>
@@ -3251,7 +3252,7 @@
           <a:p>
             <a:fld id="{892E68CF-75D1-B948-A8E4-F1D36893A5D7}" type="datetime1">
               <a:rPr lang="en-US" smtClean="0"/>
-              <a:t>6/19/2018</a:t>
+              <a:t>6/20/2018</a:t>
             </a:fld>
             <a:endParaRPr lang="en-US"/>
           </a:p>
@@ -4161,7 +4162,6 @@
               <a:rPr lang="en-US" dirty="0"/>
               <a:t>Naive Bayes classifier</a:t>
             </a:r>
-            <a:endParaRPr lang="en-US" dirty="0"/>
           </a:p>
         </p:txBody>
       </p:sp>
@@ -4189,8 +4189,8 @@
           </a:p>
         </p:txBody>
       </p:sp>
-      <mc:AlternateContent xmlns:mc="http://schemas.openxmlformats.org/markup-compatibility/2006">
-        <mc:Choice xmlns:a14="http://schemas.microsoft.com/office/drawing/2010/main" Requires="a14">
+      <mc:AlternateContent xmlns:mc="http://schemas.openxmlformats.org/markup-compatibility/2006" xmlns:a14="http://schemas.microsoft.com/office/drawing/2010/main">
+        <mc:Choice Requires="a14">
           <p:sp>
             <p:nvSpPr>
               <p:cNvPr id="6" name="TextBox 5"/>
@@ -4213,6 +4213,7 @@
               </a:bodyPr>
               <a:lstStyle/>
               <a:p>
+                <a:pPr/>
                 <a14:m>
                   <m:oMathPara xmlns:m="http://schemas.openxmlformats.org/officeDocument/2006/math">
                     <m:oMathParaPr>
@@ -4379,7 +4380,7 @@
             </p:txBody>
           </p:sp>
         </mc:Choice>
-        <mc:Fallback>
+        <mc:Fallback xmlns="">
           <p:sp>
             <p:nvSpPr>
               <p:cNvPr id="6" name="TextBox 5"/>
@@ -4418,8 +4419,8 @@
           </p:sp>
         </mc:Fallback>
       </mc:AlternateContent>
-      <mc:AlternateContent xmlns:mc="http://schemas.openxmlformats.org/markup-compatibility/2006">
-        <mc:Choice xmlns:a14="http://schemas.microsoft.com/office/drawing/2010/main" Requires="a14">
+      <mc:AlternateContent xmlns:mc="http://schemas.openxmlformats.org/markup-compatibility/2006" xmlns:a14="http://schemas.microsoft.com/office/drawing/2010/main">
+        <mc:Choice Requires="a14">
           <p:sp>
             <p:nvSpPr>
               <p:cNvPr id="8" name="TextBox 7"/>
@@ -4442,6 +4443,7 @@
               </a:bodyPr>
               <a:lstStyle/>
               <a:p>
+                <a:pPr/>
                 <a14:m>
                   <m:oMathPara xmlns:m="http://schemas.openxmlformats.org/officeDocument/2006/math">
                     <m:oMathParaPr>
@@ -4509,6 +4511,7 @@
                 <a:endParaRPr lang="en-US" sz="2200" b="0" dirty="0" smtClean="0"/>
               </a:p>
               <a:p>
+                <a:pPr/>
                 <a14:m>
                   <m:oMathPara xmlns:m="http://schemas.openxmlformats.org/officeDocument/2006/math">
                     <m:oMathParaPr>
@@ -4568,7 +4571,7 @@
             </p:txBody>
           </p:sp>
         </mc:Choice>
-        <mc:Fallback>
+        <mc:Fallback xmlns="">
           <p:sp>
             <p:nvSpPr>
               <p:cNvPr id="8" name="TextBox 7"/>
@@ -4607,8 +4610,8 @@
           </p:sp>
         </mc:Fallback>
       </mc:AlternateContent>
-      <mc:AlternateContent xmlns:mc="http://schemas.openxmlformats.org/markup-compatibility/2006">
-        <mc:Choice xmlns:a14="http://schemas.microsoft.com/office/drawing/2010/main" Requires="a14">
+      <mc:AlternateContent xmlns:mc="http://schemas.openxmlformats.org/markup-compatibility/2006" xmlns:a14="http://schemas.microsoft.com/office/drawing/2010/main">
+        <mc:Choice Requires="a14">
           <p:sp>
             <p:nvSpPr>
               <p:cNvPr id="9" name="TextBox 8"/>
@@ -4631,6 +4634,7 @@
               </a:bodyPr>
               <a:lstStyle/>
               <a:p>
+                <a:pPr/>
                 <a14:m>
                   <m:oMathPara xmlns:m="http://schemas.openxmlformats.org/officeDocument/2006/math">
                     <m:oMathParaPr>
@@ -4877,7 +4881,7 @@
             </p:txBody>
           </p:sp>
         </mc:Choice>
-        <mc:Fallback>
+        <mc:Fallback xmlns="">
           <p:sp>
             <p:nvSpPr>
               <p:cNvPr id="9" name="TextBox 8"/>
@@ -5297,8 +5301,8 @@
           </a:p>
         </p:txBody>
       </p:sp>
-      <mc:AlternateContent xmlns:mc="http://schemas.openxmlformats.org/markup-compatibility/2006">
-        <mc:Choice xmlns:a14="http://schemas.microsoft.com/office/drawing/2010/main" Requires="a14">
+      <mc:AlternateContent xmlns:mc="http://schemas.openxmlformats.org/markup-compatibility/2006" xmlns:a14="http://schemas.microsoft.com/office/drawing/2010/main">
+        <mc:Choice Requires="a14">
           <p:sp>
             <p:nvSpPr>
               <p:cNvPr id="6" name="TextBox 5"/>
@@ -5321,6 +5325,7 @@
               </a:bodyPr>
               <a:lstStyle/>
               <a:p>
+                <a:pPr/>
                 <a14:m>
                   <m:oMathPara xmlns:m="http://schemas.openxmlformats.org/officeDocument/2006/math">
                     <m:oMathParaPr>
@@ -5567,7 +5572,7 @@
             </p:txBody>
           </p:sp>
         </mc:Choice>
-        <mc:Fallback>
+        <mc:Fallback xmlns="">
           <p:sp>
             <p:nvSpPr>
               <p:cNvPr id="6" name="TextBox 5"/>
@@ -5606,8 +5611,8 @@
           </p:sp>
         </mc:Fallback>
       </mc:AlternateContent>
-      <mc:AlternateContent xmlns:mc="http://schemas.openxmlformats.org/markup-compatibility/2006">
-        <mc:Choice xmlns:a14="http://schemas.microsoft.com/office/drawing/2010/main" Requires="a14">
+      <mc:AlternateContent xmlns:mc="http://schemas.openxmlformats.org/markup-compatibility/2006" xmlns:a14="http://schemas.microsoft.com/office/drawing/2010/main">
+        <mc:Choice Requires="a14">
           <p:sp>
             <p:nvSpPr>
               <p:cNvPr id="7" name="TextBox 6"/>
@@ -5630,6 +5635,7 @@
               </a:bodyPr>
               <a:lstStyle/>
               <a:p>
+                <a:pPr/>
                 <a14:m>
                   <m:oMathPara xmlns:m="http://schemas.openxmlformats.org/officeDocument/2006/math">
                     <m:oMathParaPr>
@@ -5851,7 +5857,7 @@
             </p:txBody>
           </p:sp>
         </mc:Choice>
-        <mc:Fallback>
+        <mc:Fallback xmlns="">
           <p:sp>
             <p:nvSpPr>
               <p:cNvPr id="7" name="TextBox 6"/>
@@ -5890,8 +5896,8 @@
           </p:sp>
         </mc:Fallback>
       </mc:AlternateContent>
-      <mc:AlternateContent xmlns:mc="http://schemas.openxmlformats.org/markup-compatibility/2006">
-        <mc:Choice xmlns:a14="http://schemas.microsoft.com/office/drawing/2010/main" Requires="a14">
+      <mc:AlternateContent xmlns:mc="http://schemas.openxmlformats.org/markup-compatibility/2006" xmlns:a14="http://schemas.microsoft.com/office/drawing/2010/main">
+        <mc:Choice Requires="a14">
           <p:sp>
             <p:nvSpPr>
               <p:cNvPr id="8" name="TextBox 7"/>
@@ -5914,6 +5920,7 @@
               </a:bodyPr>
               <a:lstStyle/>
               <a:p>
+                <a:pPr/>
                 <a14:m>
                   <m:oMathPara xmlns:m="http://schemas.openxmlformats.org/officeDocument/2006/math">
                     <m:oMathParaPr>
@@ -5969,7 +5976,7 @@
             </p:txBody>
           </p:sp>
         </mc:Choice>
-        <mc:Fallback>
+        <mc:Fallback xmlns="">
           <p:sp>
             <p:nvSpPr>
               <p:cNvPr id="8" name="TextBox 7"/>
@@ -6008,8 +6015,8 @@
           </p:sp>
         </mc:Fallback>
       </mc:AlternateContent>
-      <mc:AlternateContent xmlns:mc="http://schemas.openxmlformats.org/markup-compatibility/2006">
-        <mc:Choice xmlns:a14="http://schemas.microsoft.com/office/drawing/2010/main" Requires="a14">
+      <mc:AlternateContent xmlns:mc="http://schemas.openxmlformats.org/markup-compatibility/2006" xmlns:a14="http://schemas.microsoft.com/office/drawing/2010/main">
+        <mc:Choice Requires="a14">
           <p:sp>
             <p:nvSpPr>
               <p:cNvPr id="10" name="Rectangle 9"/>
@@ -6031,6 +6038,7 @@
               </a:bodyPr>
               <a:lstStyle/>
               <a:p>
+                <a:pPr/>
                 <a14:m>
                   <m:oMathPara xmlns:m="http://schemas.openxmlformats.org/officeDocument/2006/math">
                     <m:oMathParaPr>
@@ -6335,7 +6343,7 @@
             </p:txBody>
           </p:sp>
         </mc:Choice>
-        <mc:Fallback>
+        <mc:Fallback xmlns="">
           <p:sp>
             <p:nvSpPr>
               <p:cNvPr id="10" name="Rectangle 9"/>
@@ -6801,8 +6809,8 @@
           </a:p>
         </p:txBody>
       </p:sp>
-      <mc:AlternateContent xmlns:mc="http://schemas.openxmlformats.org/markup-compatibility/2006">
-        <mc:Choice xmlns:a14="http://schemas.microsoft.com/office/drawing/2010/main" Requires="a14">
+      <mc:AlternateContent xmlns:mc="http://schemas.openxmlformats.org/markup-compatibility/2006" xmlns:a14="http://schemas.microsoft.com/office/drawing/2010/main">
+        <mc:Choice Requires="a14">
           <p:sp>
             <p:nvSpPr>
               <p:cNvPr id="9" name="TextBox 8"/>
@@ -6957,7 +6965,7 @@
             </p:txBody>
           </p:sp>
         </mc:Choice>
-        <mc:Fallback>
+        <mc:Fallback xmlns="">
           <p:sp>
             <p:nvSpPr>
               <p:cNvPr id="9" name="TextBox 8"/>
@@ -7026,8 +7034,8 @@
           </a:p>
         </p:txBody>
       </p:sp>
-      <mc:AlternateContent xmlns:mc="http://schemas.openxmlformats.org/markup-compatibility/2006">
-        <mc:Choice xmlns:a14="http://schemas.microsoft.com/office/drawing/2010/main" Requires="a14">
+      <mc:AlternateContent xmlns:mc="http://schemas.openxmlformats.org/markup-compatibility/2006" xmlns:a14="http://schemas.microsoft.com/office/drawing/2010/main">
+        <mc:Choice Requires="a14">
           <p:sp>
             <p:nvSpPr>
               <p:cNvPr id="11" name="TextBox 10"/>
@@ -7050,6 +7058,7 @@
               </a:bodyPr>
               <a:lstStyle/>
               <a:p>
+                <a:pPr/>
                 <a14:m>
                   <m:oMathPara xmlns:m="http://schemas.openxmlformats.org/officeDocument/2006/math">
                     <m:oMathParaPr>
@@ -7198,7 +7207,6 @@
                 </a:endParaRPr>
               </a:p>
               <a:p>
-                <a:pPr/>
                 <a:r>
                   <a:rPr lang="en-US" sz="2000" b="0" dirty="0" smtClean="0"/>
                   <a:t>          </a:t>
@@ -7253,7 +7261,7 @@
             </p:txBody>
           </p:sp>
         </mc:Choice>
-        <mc:Fallback>
+        <mc:Fallback xmlns="">
           <p:sp>
             <p:nvSpPr>
               <p:cNvPr id="11" name="TextBox 10"/>
@@ -7775,8 +7783,8 @@
           </a:p>
         </p:txBody>
       </p:sp>
-      <mc:AlternateContent xmlns:mc="http://schemas.openxmlformats.org/markup-compatibility/2006">
-        <mc:Choice xmlns:a14="http://schemas.microsoft.com/office/drawing/2010/main" Requires="a14">
+      <mc:AlternateContent xmlns:mc="http://schemas.openxmlformats.org/markup-compatibility/2006" xmlns:a14="http://schemas.microsoft.com/office/drawing/2010/main">
+        <mc:Choice Requires="a14">
           <p:sp>
             <p:nvSpPr>
               <p:cNvPr id="7" name="TextBox 6"/>
@@ -7799,6 +7807,7 @@
               </a:bodyPr>
               <a:lstStyle/>
               <a:p>
+                <a:pPr/>
                 <a14:m>
                   <m:oMathPara xmlns:m="http://schemas.openxmlformats.org/officeDocument/2006/math">
                     <m:oMathParaPr>
@@ -7947,7 +7956,6 @@
                 </a:endParaRPr>
               </a:p>
               <a:p>
-                <a:pPr/>
                 <a:r>
                   <a:rPr lang="en-US" sz="2000" b="0" dirty="0" smtClean="0"/>
                   <a:t>          </a:t>
@@ -8002,7 +8010,7 @@
             </p:txBody>
           </p:sp>
         </mc:Choice>
-        <mc:Fallback>
+        <mc:Fallback xmlns="">
           <p:sp>
             <p:nvSpPr>
               <p:cNvPr id="7" name="TextBox 6"/>
@@ -8109,8 +8117,8 @@
           </a:p>
         </p:txBody>
       </p:sp>
-      <mc:AlternateContent xmlns:mc="http://schemas.openxmlformats.org/markup-compatibility/2006">
-        <mc:Choice xmlns:a14="http://schemas.microsoft.com/office/drawing/2010/main" Requires="a14">
+      <mc:AlternateContent xmlns:mc="http://schemas.openxmlformats.org/markup-compatibility/2006" xmlns:a14="http://schemas.microsoft.com/office/drawing/2010/main">
+        <mc:Choice Requires="a14">
           <p:sp>
             <p:nvSpPr>
               <p:cNvPr id="10" name="TextBox 9"/>
@@ -8133,6 +8141,7 @@
               </a:bodyPr>
               <a:lstStyle/>
               <a:p>
+                <a:pPr/>
                 <a14:m>
                   <m:oMathPara xmlns:m="http://schemas.openxmlformats.org/officeDocument/2006/math">
                     <m:oMathParaPr>
@@ -8305,7 +8314,6 @@
                 </a:endParaRPr>
               </a:p>
               <a:p>
-                <a:pPr/>
                 <a:r>
                   <a:rPr lang="en-US" sz="2000" b="0" dirty="0" smtClean="0"/>
                   <a:t>          </a:t>
@@ -8360,7 +8368,7 @@
             </p:txBody>
           </p:sp>
         </mc:Choice>
-        <mc:Fallback>
+        <mc:Fallback xmlns="">
           <p:sp>
             <p:nvSpPr>
               <p:cNvPr id="10" name="TextBox 9"/>
@@ -8744,16 +8752,24 @@
               <a:t>Use if </a:t>
             </a:r>
             <a:r>
+              <a:rPr lang="en-US" dirty="0" smtClean="0"/>
+              <a:t>data </a:t>
+            </a:r>
+            <a:r>
+              <a:rPr lang="en-US" dirty="0" smtClean="0"/>
+              <a:t>are</a:t>
+            </a:r>
+            <a:r>
+              <a:rPr lang="en-US" dirty="0" smtClean="0"/>
+              <a:t> </a:t>
+            </a:r>
+            <a:r>
+              <a:rPr lang="en-US" b="1" i="1" dirty="0" smtClean="0"/>
+              <a:t>continuous </a:t>
+            </a:r>
+            <a:r>
               <a:rPr lang="en-US" dirty="0"/>
-              <a:t>random </a:t>
-            </a:r>
-            <a:r>
-              <a:rPr lang="en-US" dirty="0" smtClean="0"/>
-              <a:t>variable is </a:t>
-            </a:r>
-            <a:r>
-              <a:rPr lang="en-US" b="1" i="1" dirty="0" smtClean="0"/>
-              <a:t>continuous</a:t>
+              <a:t>random variable</a:t>
             </a:r>
             <a:endParaRPr lang="en-US" b="1" dirty="0"/>
           </a:p>
@@ -8803,15 +8819,31 @@
             </a:pPr>
             <a:r>
               <a:rPr lang="en-US" dirty="0"/>
-              <a:t>Use if random variable is </a:t>
-            </a:r>
-            <a:r>
-              <a:rPr lang="en-US" b="1" i="1" dirty="0"/>
-              <a:t>discrete</a:t>
+              <a:t>Use </a:t>
+            </a:r>
+            <a:r>
+              <a:rPr lang="en-US" dirty="0" smtClean="0"/>
+              <a:t>if data </a:t>
+            </a:r>
+            <a:r>
+              <a:rPr lang="en-US" dirty="0" smtClean="0"/>
+              <a:t>are</a:t>
+            </a:r>
+            <a:r>
+              <a:rPr lang="en-US" dirty="0" smtClean="0"/>
+              <a:t> </a:t>
+            </a:r>
+            <a:r>
+              <a:rPr lang="en-US" b="1" i="1" dirty="0" smtClean="0"/>
+              <a:t>discrete </a:t>
             </a:r>
             <a:r>
               <a:rPr lang="en-US" dirty="0"/>
-              <a:t> </a:t>
+              <a:t>random variable </a:t>
+            </a:r>
+            <a:r>
+              <a:rPr lang="en-US" dirty="0"/>
+              <a:t/>
             </a:r>
             <a:br>
               <a:rPr lang="en-US" dirty="0"/>
@@ -8953,7 +8985,6 @@
               <a:rPr lang="en-US" dirty="0"/>
               <a:t>Gaussian naive Bayes</a:t>
             </a:r>
-            <a:endParaRPr lang="en-US" dirty="0"/>
           </a:p>
         </p:txBody>
       </p:sp>
@@ -8981,8 +9012,8 @@
           </a:p>
         </p:txBody>
       </p:sp>
-      <mc:AlternateContent xmlns:mc="http://schemas.openxmlformats.org/markup-compatibility/2006">
-        <mc:Choice xmlns:a14="http://schemas.microsoft.com/office/drawing/2010/main" Requires="a14">
+      <mc:AlternateContent xmlns:mc="http://schemas.openxmlformats.org/markup-compatibility/2006" xmlns:a14="http://schemas.microsoft.com/office/drawing/2010/main">
+        <mc:Choice Requires="a14">
           <p:sp>
             <p:nvSpPr>
               <p:cNvPr id="6" name="TextBox 5"/>
@@ -9005,6 +9036,7 @@
               </a:bodyPr>
               <a:lstStyle/>
               <a:p>
+                <a:pPr/>
                 <a14:m>
                   <m:oMathPara xmlns:m="http://schemas.openxmlformats.org/officeDocument/2006/math">
                     <m:oMathParaPr>
@@ -9437,7 +9469,7 @@
             </p:txBody>
           </p:sp>
         </mc:Choice>
-        <mc:Fallback>
+        <mc:Fallback xmlns="">
           <p:sp>
             <p:nvSpPr>
               <p:cNvPr id="6" name="TextBox 5"/>
@@ -9487,7 +9519,7 @@
             <p:spPr>
               <a:xfrm>
                 <a:off x="1289480" y="2099307"/>
-                <a:ext cx="2977033" cy="292003"/>
+                <a:ext cx="3752246" cy="292003"/>
               </a:xfrm>
               <a:prstGeom prst="rect">
                 <a:avLst/>
@@ -9500,131 +9532,143 @@
               </a:bodyPr>
               <a:lstStyle/>
               <a:p>
+                <a:pPr/>
+                <a:r>
+                  <a:rPr lang="en-US" b="0" dirty="0" smtClean="0"/>
+                  <a:t>C</a:t>
+                </a:r>
                 <a14:m>
-                  <m:oMathPara xmlns:m="http://schemas.openxmlformats.org/officeDocument/2006/math">
-                    <m:oMathParaPr>
-                      <m:jc m:val="centerGroup"/>
-                    </m:oMathParaPr>
-                    <m:oMath xmlns:m="http://schemas.openxmlformats.org/officeDocument/2006/math">
-                      <m:r>
-                        <a:rPr lang="en-US" b="0" i="1" smtClean="0">
-                          <a:latin typeface="Cambria Math" panose="02040503050406030204" pitchFamily="18" charset="0"/>
-                        </a:rPr>
-                        <m:t>𝑃𝑎𝑟𝑎𝑚𝑒𝑡𝑒𝑟</m:t>
-                      </m:r>
-                      <m:r>
-                        <a:rPr lang="en-US" b="0" i="1" smtClean="0">
-                          <a:latin typeface="Cambria Math" panose="02040503050406030204" pitchFamily="18" charset="0"/>
-                        </a:rPr>
-                        <m:t> </m:t>
-                      </m:r>
-                      <m:r>
-                        <a:rPr lang="en-US" b="0" i="1" smtClean="0">
-                          <a:latin typeface="Cambria Math" panose="02040503050406030204" pitchFamily="18" charset="0"/>
-                        </a:rPr>
-                        <m:t>𝑠𝑒𝑡</m:t>
-                      </m:r>
-                      <m:r>
-                        <a:rPr lang="en-US" b="0" i="1" smtClean="0">
-                          <a:latin typeface="Cambria Math" panose="02040503050406030204" pitchFamily="18" charset="0"/>
-                        </a:rPr>
-                        <m:t>: </m:t>
-                      </m:r>
-                      <m:r>
-                        <a:rPr lang="en-US" b="0" i="1" smtClean="0">
-                          <a:latin typeface="Cambria Math" panose="02040503050406030204" pitchFamily="18" charset="0"/>
-                          <a:ea typeface="Cambria Math" panose="02040503050406030204" pitchFamily="18" charset="0"/>
-                        </a:rPr>
-                        <m:t>𝜃</m:t>
-                      </m:r>
-                      <m:r>
-                        <a:rPr lang="en-US" b="0" i="1" smtClean="0">
-                          <a:latin typeface="Cambria Math" panose="02040503050406030204" pitchFamily="18" charset="0"/>
-                          <a:ea typeface="Cambria Math" panose="02040503050406030204" pitchFamily="18" charset="0"/>
-                        </a:rPr>
-                        <m:t>={</m:t>
-                      </m:r>
-                      <m:sSub>
-                        <m:sSubPr>
-                          <m:ctrlPr>
-                            <a:rPr lang="en-US" b="0" i="1" smtClean="0">
-                              <a:latin typeface="Cambria Math" panose="02040503050406030204" pitchFamily="18" charset="0"/>
-                              <a:ea typeface="Cambria Math" panose="02040503050406030204" pitchFamily="18" charset="0"/>
-                            </a:rPr>
-                          </m:ctrlPr>
-                        </m:sSubPr>
-                        <m:e>
-                          <m:r>
-                            <a:rPr lang="en-US" b="0" i="1" smtClean="0">
-                              <a:latin typeface="Cambria Math" panose="02040503050406030204" pitchFamily="18" charset="0"/>
-                              <a:ea typeface="Cambria Math" panose="02040503050406030204" pitchFamily="18" charset="0"/>
-                            </a:rPr>
-                            <m:t>𝜇</m:t>
-                          </m:r>
-                        </m:e>
-                        <m:sub>
-                          <m:r>
-                            <a:rPr lang="en-US" b="0" i="1" smtClean="0">
-                              <a:latin typeface="Cambria Math" panose="02040503050406030204" pitchFamily="18" charset="0"/>
-                              <a:ea typeface="Cambria Math" panose="02040503050406030204" pitchFamily="18" charset="0"/>
-                            </a:rPr>
-                            <m:t>𝑐𝑖</m:t>
-                          </m:r>
-                        </m:sub>
-                      </m:sSub>
-                      <m:r>
-                        <a:rPr lang="en-US" b="0" i="1" smtClean="0">
-                          <a:latin typeface="Cambria Math" panose="02040503050406030204" pitchFamily="18" charset="0"/>
-                          <a:ea typeface="Cambria Math" panose="02040503050406030204" pitchFamily="18" charset="0"/>
-                        </a:rPr>
-                        <m:t>, </m:t>
-                      </m:r>
-                      <m:sSubSup>
-                        <m:sSubSupPr>
-                          <m:ctrlPr>
-                            <a:rPr lang="en-US" b="0" i="1" smtClean="0">
-                              <a:latin typeface="Cambria Math" panose="02040503050406030204" pitchFamily="18" charset="0"/>
-                              <a:ea typeface="Cambria Math" panose="02040503050406030204" pitchFamily="18" charset="0"/>
-                            </a:rPr>
-                          </m:ctrlPr>
-                        </m:sSubSupPr>
-                        <m:e>
-                          <m:r>
-                            <a:rPr lang="en-US" b="0" i="1" smtClean="0">
-                              <a:latin typeface="Cambria Math" panose="02040503050406030204" pitchFamily="18" charset="0"/>
-                              <a:ea typeface="Cambria Math" panose="02040503050406030204" pitchFamily="18" charset="0"/>
-                            </a:rPr>
-                            <m:t>𝜎</m:t>
-                          </m:r>
-                        </m:e>
-                        <m:sub>
-                          <m:r>
-                            <a:rPr lang="en-US" b="0" i="1" smtClean="0">
-                              <a:latin typeface="Cambria Math" panose="02040503050406030204" pitchFamily="18" charset="0"/>
-                              <a:ea typeface="Cambria Math" panose="02040503050406030204" pitchFamily="18" charset="0"/>
-                            </a:rPr>
-                            <m:t>𝑐𝑖</m:t>
-                          </m:r>
-                        </m:sub>
-                        <m:sup>
-                          <m:r>
-                            <a:rPr lang="en-US" b="0" i="1" smtClean="0">
-                              <a:latin typeface="Cambria Math" panose="02040503050406030204" pitchFamily="18" charset="0"/>
-                              <a:ea typeface="Cambria Math" panose="02040503050406030204" pitchFamily="18" charset="0"/>
-                            </a:rPr>
-                            <m:t>2</m:t>
-                          </m:r>
-                        </m:sup>
-                      </m:sSubSup>
-                      <m:r>
-                        <a:rPr lang="en-US" b="0" i="1" smtClean="0">
-                          <a:latin typeface="Cambria Math" panose="02040503050406030204" pitchFamily="18" charset="0"/>
-                          <a:ea typeface="Cambria Math" panose="02040503050406030204" pitchFamily="18" charset="0"/>
-                        </a:rPr>
-                        <m:t>}</m:t>
-                      </m:r>
-                    </m:oMath>
-                  </m:oMathPara>
+                  <m:oMath xmlns:m="http://schemas.openxmlformats.org/officeDocument/2006/math">
+                    <m:r>
+                      <a:rPr lang="en-US" b="0" i="1" smtClean="0">
+                        <a:latin typeface="Cambria Math" panose="02040503050406030204" pitchFamily="18" charset="0"/>
+                      </a:rPr>
+                      <m:t>𝑟𝑒𝑎𝑡𝑒</m:t>
+                    </m:r>
+                    <m:r>
+                      <a:rPr lang="en-US" b="0" i="1" smtClean="0">
+                        <a:latin typeface="Cambria Math" panose="02040503050406030204" pitchFamily="18" charset="0"/>
+                      </a:rPr>
+                      <m:t> </m:t>
+                    </m:r>
+                    <m:r>
+                      <a:rPr lang="en-US" b="0" i="1" smtClean="0">
+                        <a:latin typeface="Cambria Math" panose="02040503050406030204" pitchFamily="18" charset="0"/>
+                      </a:rPr>
+                      <m:t>𝑝𝑎𝑟𝑎𝑚𝑒𝑡𝑒𝑟</m:t>
+                    </m:r>
+                    <m:r>
+                      <a:rPr lang="en-US" b="0" i="1" smtClean="0">
+                        <a:latin typeface="Cambria Math" panose="02040503050406030204" pitchFamily="18" charset="0"/>
+                      </a:rPr>
+                      <m:t> </m:t>
+                    </m:r>
+                    <m:r>
+                      <a:rPr lang="en-US" b="0" i="1" smtClean="0">
+                        <a:latin typeface="Cambria Math" panose="02040503050406030204" pitchFamily="18" charset="0"/>
+                      </a:rPr>
+                      <m:t>𝑠𝑒𝑡𝑠</m:t>
+                    </m:r>
+                    <m:r>
+                      <a:rPr lang="en-US" b="0" i="1" smtClean="0">
+                        <a:latin typeface="Cambria Math" panose="02040503050406030204" pitchFamily="18" charset="0"/>
+                      </a:rPr>
+                      <m:t>: </m:t>
+                    </m:r>
+                    <m:r>
+                      <a:rPr lang="en-US" b="0" i="1" smtClean="0">
+                        <a:latin typeface="Cambria Math" panose="02040503050406030204" pitchFamily="18" charset="0"/>
+                        <a:ea typeface="Cambria Math" panose="02040503050406030204" pitchFamily="18" charset="0"/>
+                      </a:rPr>
+                      <m:t>𝜃</m:t>
+                    </m:r>
+                    <m:r>
+                      <a:rPr lang="en-US" b="0" i="1" smtClean="0">
+                        <a:latin typeface="Cambria Math" panose="02040503050406030204" pitchFamily="18" charset="0"/>
+                        <a:ea typeface="Cambria Math" panose="02040503050406030204" pitchFamily="18" charset="0"/>
+                      </a:rPr>
+                      <m:t>={</m:t>
+                    </m:r>
+                    <m:sSub>
+                      <m:sSubPr>
+                        <m:ctrlPr>
+                          <a:rPr lang="en-US" b="0" i="1" smtClean="0">
+                            <a:latin typeface="Cambria Math" panose="02040503050406030204" pitchFamily="18" charset="0"/>
+                            <a:ea typeface="Cambria Math" panose="02040503050406030204" pitchFamily="18" charset="0"/>
+                          </a:rPr>
+                        </m:ctrlPr>
+                      </m:sSubPr>
+                      <m:e>
+                        <m:r>
+                          <a:rPr lang="en-US" b="0" i="1" smtClean="0">
+                            <a:latin typeface="Cambria Math" panose="02040503050406030204" pitchFamily="18" charset="0"/>
+                            <a:ea typeface="Cambria Math" panose="02040503050406030204" pitchFamily="18" charset="0"/>
+                          </a:rPr>
+                          <m:t>𝜇</m:t>
+                        </m:r>
+                      </m:e>
+                      <m:sub>
+                        <m:r>
+                          <a:rPr lang="en-US" b="0" i="1" smtClean="0">
+                            <a:latin typeface="Cambria Math" panose="02040503050406030204" pitchFamily="18" charset="0"/>
+                            <a:ea typeface="Cambria Math" panose="02040503050406030204" pitchFamily="18" charset="0"/>
+                          </a:rPr>
+                          <m:t>𝑐𝑖</m:t>
+                        </m:r>
+                      </m:sub>
+                    </m:sSub>
+                    <m:r>
+                      <a:rPr lang="en-US" b="0" i="1" smtClean="0">
+                        <a:latin typeface="Cambria Math" panose="02040503050406030204" pitchFamily="18" charset="0"/>
+                        <a:ea typeface="Cambria Math" panose="02040503050406030204" pitchFamily="18" charset="0"/>
+                      </a:rPr>
+                      <m:t>, </m:t>
+                    </m:r>
+                    <m:sSubSup>
+                      <m:sSubSupPr>
+                        <m:ctrlPr>
+                          <a:rPr lang="en-US" b="0" i="1" smtClean="0">
+                            <a:latin typeface="Cambria Math" panose="02040503050406030204" pitchFamily="18" charset="0"/>
+                            <a:ea typeface="Cambria Math" panose="02040503050406030204" pitchFamily="18" charset="0"/>
+                          </a:rPr>
+                        </m:ctrlPr>
+                      </m:sSubSupPr>
+                      <m:e>
+                        <m:r>
+                          <a:rPr lang="en-US" b="0" i="1" smtClean="0">
+                            <a:latin typeface="Cambria Math" panose="02040503050406030204" pitchFamily="18" charset="0"/>
+                            <a:ea typeface="Cambria Math" panose="02040503050406030204" pitchFamily="18" charset="0"/>
+                          </a:rPr>
+                          <m:t>𝜎</m:t>
+                        </m:r>
+                      </m:e>
+                      <m:sub>
+                        <m:r>
+                          <a:rPr lang="en-US" b="0" i="1" smtClean="0">
+                            <a:latin typeface="Cambria Math" panose="02040503050406030204" pitchFamily="18" charset="0"/>
+                            <a:ea typeface="Cambria Math" panose="02040503050406030204" pitchFamily="18" charset="0"/>
+                          </a:rPr>
+                          <m:t>𝑐𝑖</m:t>
+                        </m:r>
+                      </m:sub>
+                      <m:sup>
+                        <m:r>
+                          <a:rPr lang="en-US" b="0" i="1" smtClean="0">
+                            <a:latin typeface="Cambria Math" panose="02040503050406030204" pitchFamily="18" charset="0"/>
+                            <a:ea typeface="Cambria Math" panose="02040503050406030204" pitchFamily="18" charset="0"/>
+                          </a:rPr>
+                          <m:t>2</m:t>
+                        </m:r>
+                      </m:sup>
+                    </m:sSubSup>
+                    <m:r>
+                      <a:rPr lang="en-US" b="0" i="1" smtClean="0">
+                        <a:latin typeface="Cambria Math" panose="02040503050406030204" pitchFamily="18" charset="0"/>
+                        <a:ea typeface="Cambria Math" panose="02040503050406030204" pitchFamily="18" charset="0"/>
+                      </a:rPr>
+                      <m:t>}</m:t>
+                    </m:r>
+                  </m:oMath>
                 </a14:m>
                 <a:endParaRPr lang="en-US" dirty="0"/>
               </a:p>
@@ -9643,7 +9687,7 @@
             <p:spPr>
               <a:xfrm>
                 <a:off x="1289480" y="2099307"/>
-                <a:ext cx="2977033" cy="292003"/>
+                <a:ext cx="3752246" cy="292003"/>
               </a:xfrm>
               <a:prstGeom prst="rect">
                 <a:avLst/>
@@ -9651,7 +9695,7 @@
               <a:blipFill rotWithShape="0">
                 <a:blip r:embed="rId3"/>
                 <a:stretch>
-                  <a:fillRect l="-1434" r="-2664" b="-37500"/>
+                  <a:fillRect l="-3902" t="-20833" r="-2276" b="-50000"/>
                 </a:stretch>
               </a:blipFill>
             </p:spPr>
@@ -9678,7 +9722,7 @@
         </p:nvSpPr>
         <p:spPr>
           <a:xfrm>
-            <a:off x="3637911" y="1227773"/>
+            <a:off x="4420367" y="1231708"/>
             <a:ext cx="1287147" cy="369332"/>
           </a:xfrm>
           <a:prstGeom prst="rect">
@@ -9716,7 +9760,7 @@
         </p:nvSpPr>
         <p:spPr>
           <a:xfrm>
-            <a:off x="4089187" y="2919155"/>
+            <a:off x="4774206" y="2927328"/>
             <a:ext cx="974754" cy="369332"/>
           </a:xfrm>
           <a:prstGeom prst="rect">
@@ -9754,7 +9798,7 @@
         </p:nvCxnSpPr>
         <p:spPr>
           <a:xfrm flipV="1">
-            <a:off x="3478322" y="1597105"/>
+            <a:off x="4260778" y="1601040"/>
             <a:ext cx="386143" cy="544253"/>
           </a:xfrm>
           <a:prstGeom prst="straightConnector1">
@@ -9790,7 +9834,7 @@
         </p:nvCxnSpPr>
         <p:spPr>
           <a:xfrm>
-            <a:off x="3961902" y="2437991"/>
+            <a:off x="4646921" y="2446164"/>
             <a:ext cx="319582" cy="537959"/>
           </a:xfrm>
           <a:prstGeom prst="straightConnector1">
@@ -10214,7 +10258,6 @@
               <a:rPr lang="en-US" dirty="0"/>
               <a:t>Multinomial naive Bayes</a:t>
             </a:r>
-            <a:endParaRPr lang="en-US" dirty="0"/>
           </a:p>
         </p:txBody>
       </p:sp>
@@ -10281,13 +10324,7 @@
       </p:grpSpPr>
       <p:sp>
         <p:nvSpPr>
-          <p:cNvPr id="2" name="Title 1">
-            <a:extLst>
-              <a:ext uri="{FF2B5EF4-FFF2-40B4-BE49-F238E27FC236}">
-                <a16:creationId xmlns="" xmlns:a16="http://schemas.microsoft.com/office/drawing/2014/main" id="{135C05CA-8510-EF46-A677-9B58E00EB284}"/>
-              </a:ext>
-            </a:extLst>
-          </p:cNvPr>
+          <p:cNvPr id="2" name="Title 1"/>
           <p:cNvSpPr>
             <a:spLocks noGrp="1"/>
           </p:cNvSpPr>
@@ -10295,33 +10332,25 @@
             <p:ph type="title"/>
           </p:nvPr>
         </p:nvSpPr>
-        <p:spPr>
-          <a:xfrm>
-            <a:off x="628650" y="308135"/>
-            <a:ext cx="7886700" cy="452662"/>
-          </a:xfrm>
-        </p:spPr>
+        <p:spPr/>
         <p:txBody>
           <a:bodyPr/>
           <a:lstStyle/>
           <a:p>
             <a:r>
-              <a:rPr lang="vi-VN" dirty="0"/>
-              <a:t>Evaluation Methods</a:t>
-            </a:r>
-            <a:endParaRPr lang="en-US" dirty="0"/>
+              <a:rPr lang="en-US" dirty="0" smtClean="0"/>
+              <a:t>Bernoulli </a:t>
+            </a:r>
+            <a:r>
+              <a:rPr lang="en-US" dirty="0"/>
+              <a:t>naive Bayes</a:t>
+            </a:r>
           </a:p>
         </p:txBody>
       </p:sp>
       <p:sp>
         <p:nvSpPr>
-          <p:cNvPr id="3" name="Content Placeholder 2">
-            <a:extLst>
-              <a:ext uri="{FF2B5EF4-FFF2-40B4-BE49-F238E27FC236}">
-                <a16:creationId xmlns="" xmlns:a16="http://schemas.microsoft.com/office/drawing/2014/main" id="{78488572-3041-9141-BAB8-96E34031C5BC}"/>
-              </a:ext>
-            </a:extLst>
-          </p:cNvPr>
+          <p:cNvPr id="3" name="Content Placeholder 2"/>
           <p:cNvSpPr>
             <a:spLocks noGrp="1"/>
           </p:cNvSpPr>
@@ -10334,28 +10363,13 @@
           <a:bodyPr/>
           <a:lstStyle/>
           <a:p>
-            <a:r>
-              <a:rPr lang="en-US" dirty="0">
-                <a:hlinkClick r:id="rId2"/>
-              </a:rPr>
-              <a:t>https://machinelearningcoban.com/2017/08/31/evaluation/</a:t>
-            </a:r>
-            <a:endParaRPr lang="vi-VN" dirty="0"/>
-          </a:p>
-          <a:p>
-            <a:endParaRPr lang="en-US" dirty="0"/>
+            <a:endParaRPr lang="en-US"/>
           </a:p>
         </p:txBody>
       </p:sp>
       <p:sp>
         <p:nvSpPr>
-          <p:cNvPr id="4" name="Footer Placeholder 3">
-            <a:extLst>
-              <a:ext uri="{FF2B5EF4-FFF2-40B4-BE49-F238E27FC236}">
-                <a16:creationId xmlns="" xmlns:a16="http://schemas.microsoft.com/office/drawing/2014/main" id="{63461E74-1AE3-EB40-A481-209D9A5EC4B8}"/>
-              </a:ext>
-            </a:extLst>
-          </p:cNvPr>
+          <p:cNvPr id="4" name="Footer Placeholder 3"/>
           <p:cNvSpPr>
             <a:spLocks noGrp="1"/>
           </p:cNvSpPr>
@@ -10368,19 +10382,17 @@
           <a:bodyPr/>
           <a:lstStyle/>
           <a:p>
+            <a:r>
+              <a:rPr lang="en-US" dirty="0"/>
+              <a:t>Bernoulli naive Bayes</a:t>
+            </a:r>
             <a:endParaRPr lang="en-US" dirty="0"/>
           </a:p>
         </p:txBody>
       </p:sp>
       <p:sp>
         <p:nvSpPr>
-          <p:cNvPr id="5" name="Slide Number Placeholder 4">
-            <a:extLst>
-              <a:ext uri="{FF2B5EF4-FFF2-40B4-BE49-F238E27FC236}">
-                <a16:creationId xmlns="" xmlns:a16="http://schemas.microsoft.com/office/drawing/2014/main" id="{2DECD09F-D640-FE42-9D30-090A749E5D12}"/>
-              </a:ext>
-            </a:extLst>
-          </p:cNvPr>
+          <p:cNvPr id="5" name="Slide Number Placeholder 4"/>
           <p:cNvSpPr>
             <a:spLocks noGrp="1"/>
           </p:cNvSpPr>
@@ -10405,7 +10417,7 @@
     </p:spTree>
     <p:extLst>
       <p:ext uri="{BB962C8B-B14F-4D97-AF65-F5344CB8AC3E}">
-        <p14:creationId xmlns:p14="http://schemas.microsoft.com/office/powerpoint/2010/main" val="3285196134"/>
+        <p14:creationId xmlns:p14="http://schemas.microsoft.com/office/powerpoint/2010/main" val="305873004"/>
       </p:ext>
     </p:extLst>
   </p:cSld>
@@ -10444,7 +10456,7 @@
           <p:cNvPr id="2" name="Title 1">
             <a:extLst>
               <a:ext uri="{FF2B5EF4-FFF2-40B4-BE49-F238E27FC236}">
-                <a16:creationId xmlns="" xmlns:a16="http://schemas.microsoft.com/office/drawing/2014/main" id="{50C7B8DA-5A23-5D40-834F-42BA85584C9D}"/>
+                <a16:creationId xmlns="" xmlns:a16="http://schemas.microsoft.com/office/drawing/2014/main" id="{135C05CA-8510-EF46-A677-9B58E00EB284}"/>
               </a:ext>
             </a:extLst>
           </p:cNvPr>
@@ -10455,15 +10467,54 @@
             <p:ph type="title"/>
           </p:nvPr>
         </p:nvSpPr>
+        <p:spPr>
+          <a:xfrm>
+            <a:off x="628650" y="308135"/>
+            <a:ext cx="7886700" cy="452662"/>
+          </a:xfrm>
+        </p:spPr>
+        <p:txBody>
+          <a:bodyPr/>
+          <a:lstStyle/>
+          <a:p>
+            <a:r>
+              <a:rPr lang="vi-VN" dirty="0"/>
+              <a:t>Evaluation Methods</a:t>
+            </a:r>
+            <a:endParaRPr lang="en-US" dirty="0"/>
+          </a:p>
+        </p:txBody>
+      </p:sp>
+      <p:sp>
+        <p:nvSpPr>
+          <p:cNvPr id="3" name="Content Placeholder 2">
+            <a:extLst>
+              <a:ext uri="{FF2B5EF4-FFF2-40B4-BE49-F238E27FC236}">
+                <a16:creationId xmlns="" xmlns:a16="http://schemas.microsoft.com/office/drawing/2014/main" id="{78488572-3041-9141-BAB8-96E34031C5BC}"/>
+              </a:ext>
+            </a:extLst>
+          </p:cNvPr>
+          <p:cNvSpPr>
+            <a:spLocks noGrp="1"/>
+          </p:cNvSpPr>
+          <p:nvPr>
+            <p:ph idx="1"/>
+          </p:nvPr>
+        </p:nvSpPr>
         <p:spPr/>
         <p:txBody>
           <a:bodyPr/>
           <a:lstStyle/>
           <a:p>
             <a:r>
-              <a:rPr lang="vi-VN" dirty="0"/>
-              <a:t>Summary</a:t>
-            </a:r>
+              <a:rPr lang="en-US" dirty="0">
+                <a:hlinkClick r:id="rId2"/>
+              </a:rPr>
+              <a:t>https://machinelearningcoban.com/2017/08/31/evaluation/</a:t>
+            </a:r>
+            <a:endParaRPr lang="vi-VN" dirty="0"/>
+          </a:p>
+          <a:p>
             <a:endParaRPr lang="en-US" dirty="0"/>
           </a:p>
         </p:txBody>
@@ -10473,7 +10524,7 @@
           <p:cNvPr id="4" name="Footer Placeholder 3">
             <a:extLst>
               <a:ext uri="{FF2B5EF4-FFF2-40B4-BE49-F238E27FC236}">
-                <a16:creationId xmlns="" xmlns:a16="http://schemas.microsoft.com/office/drawing/2014/main" id="{763EEBD2-5F8B-EC47-BF28-80FB52E67C6C}"/>
+                <a16:creationId xmlns="" xmlns:a16="http://schemas.microsoft.com/office/drawing/2014/main" id="{63461E74-1AE3-EB40-A481-209D9A5EC4B8}"/>
               </a:ext>
             </a:extLst>
           </p:cNvPr>
@@ -10498,7 +10549,7 @@
           <p:cNvPr id="5" name="Slide Number Placeholder 4">
             <a:extLst>
               <a:ext uri="{FF2B5EF4-FFF2-40B4-BE49-F238E27FC236}">
-                <a16:creationId xmlns="" xmlns:a16="http://schemas.microsoft.com/office/drawing/2014/main" id="{AAEF948B-ADE1-E848-A70E-FEFC022EC4E2}"/>
+                <a16:creationId xmlns="" xmlns:a16="http://schemas.microsoft.com/office/drawing/2014/main" id="{2DECD09F-D640-FE42-9D30-090A749E5D12}"/>
               </a:ext>
             </a:extLst>
           </p:cNvPr>
@@ -10526,7 +10577,7 @@
     </p:spTree>
     <p:extLst>
       <p:ext uri="{BB962C8B-B14F-4D97-AF65-F5344CB8AC3E}">
-        <p14:creationId xmlns:p14="http://schemas.microsoft.com/office/powerpoint/2010/main" val="1725708525"/>
+        <p14:creationId xmlns:p14="http://schemas.microsoft.com/office/powerpoint/2010/main" val="3285196134"/>
       </p:ext>
     </p:extLst>
   </p:cSld>
@@ -10562,7 +10613,13 @@
       </p:grpSpPr>
       <p:sp>
         <p:nvSpPr>
-          <p:cNvPr id="2" name="Title 1"/>
+          <p:cNvPr id="2" name="Title 1">
+            <a:extLst>
+              <a:ext uri="{FF2B5EF4-FFF2-40B4-BE49-F238E27FC236}">
+                <a16:creationId xmlns="" xmlns:a16="http://schemas.microsoft.com/office/drawing/2014/main" id="{50C7B8DA-5A23-5D40-834F-42BA85584C9D}"/>
+              </a:ext>
+            </a:extLst>
+          </p:cNvPr>
           <p:cNvSpPr>
             <a:spLocks noGrp="1"/>
           </p:cNvSpPr>
@@ -10576,18 +10633,44 @@
           <a:lstStyle/>
           <a:p>
             <a:r>
-              <a:rPr lang="en-US" dirty="0"/>
-              <a:t>Demo with Python</a:t>
-            </a:r>
+              <a:rPr lang="vi-VN" dirty="0"/>
+              <a:t>Summary</a:t>
+            </a:r>
+            <a:endParaRPr lang="en-US" dirty="0"/>
           </a:p>
         </p:txBody>
       </p:sp>
       <p:sp>
         <p:nvSpPr>
-          <p:cNvPr id="3" name="Slide Number Placeholder 2">
+          <p:cNvPr id="4" name="Footer Placeholder 3">
             <a:extLst>
               <a:ext uri="{FF2B5EF4-FFF2-40B4-BE49-F238E27FC236}">
-                <a16:creationId xmlns="" xmlns:a16="http://schemas.microsoft.com/office/drawing/2014/main" id="{BFB842CD-44AC-AD43-824A-E1B53AB330DF}"/>
+                <a16:creationId xmlns="" xmlns:a16="http://schemas.microsoft.com/office/drawing/2014/main" id="{763EEBD2-5F8B-EC47-BF28-80FB52E67C6C}"/>
+              </a:ext>
+            </a:extLst>
+          </p:cNvPr>
+          <p:cNvSpPr>
+            <a:spLocks noGrp="1"/>
+          </p:cNvSpPr>
+          <p:nvPr>
+            <p:ph type="ftr" sz="quarter" idx="11"/>
+          </p:nvPr>
+        </p:nvSpPr>
+        <p:spPr/>
+        <p:txBody>
+          <a:bodyPr/>
+          <a:lstStyle/>
+          <a:p>
+            <a:endParaRPr lang="en-US" dirty="0"/>
+          </a:p>
+        </p:txBody>
+      </p:sp>
+      <p:sp>
+        <p:nvSpPr>
+          <p:cNvPr id="5" name="Slide Number Placeholder 4">
+            <a:extLst>
+              <a:ext uri="{FF2B5EF4-FFF2-40B4-BE49-F238E27FC236}">
+                <a16:creationId xmlns="" xmlns:a16="http://schemas.microsoft.com/office/drawing/2014/main" id="{AAEF948B-ADE1-E848-A70E-FEFC022EC4E2}"/>
               </a:ext>
             </a:extLst>
           </p:cNvPr>
@@ -10612,35 +10695,10 @@
           </a:p>
         </p:txBody>
       </p:sp>
-      <p:sp>
-        <p:nvSpPr>
-          <p:cNvPr id="4" name="Footer Placeholder 3">
-            <a:extLst>
-              <a:ext uri="{FF2B5EF4-FFF2-40B4-BE49-F238E27FC236}">
-                <a16:creationId xmlns="" xmlns:a16="http://schemas.microsoft.com/office/drawing/2014/main" id="{1F7FE4C9-C950-E744-96EA-9878A1007386}"/>
-              </a:ext>
-            </a:extLst>
-          </p:cNvPr>
-          <p:cNvSpPr>
-            <a:spLocks noGrp="1"/>
-          </p:cNvSpPr>
-          <p:nvPr>
-            <p:ph type="ftr" sz="quarter" idx="11"/>
-          </p:nvPr>
-        </p:nvSpPr>
-        <p:spPr/>
-        <p:txBody>
-          <a:bodyPr/>
-          <a:lstStyle/>
-          <a:p>
-            <a:endParaRPr lang="en-US" dirty="0"/>
-          </a:p>
-        </p:txBody>
-      </p:sp>
     </p:spTree>
     <p:extLst>
       <p:ext uri="{BB962C8B-B14F-4D97-AF65-F5344CB8AC3E}">
-        <p14:creationId xmlns:p14="http://schemas.microsoft.com/office/powerpoint/2010/main" val="2269408930"/>
+        <p14:creationId xmlns:p14="http://schemas.microsoft.com/office/powerpoint/2010/main" val="1725708525"/>
       </p:ext>
     </p:extLst>
   </p:cSld>
@@ -11298,6 +11356,120 @@
             <p:ph type="title"/>
           </p:nvPr>
         </p:nvSpPr>
+        <p:spPr/>
+        <p:txBody>
+          <a:bodyPr/>
+          <a:lstStyle/>
+          <a:p>
+            <a:r>
+              <a:rPr lang="en-US" dirty="0"/>
+              <a:t>Demo with Python</a:t>
+            </a:r>
+          </a:p>
+        </p:txBody>
+      </p:sp>
+      <p:sp>
+        <p:nvSpPr>
+          <p:cNvPr id="3" name="Slide Number Placeholder 2">
+            <a:extLst>
+              <a:ext uri="{FF2B5EF4-FFF2-40B4-BE49-F238E27FC236}">
+                <a16:creationId xmlns="" xmlns:a16="http://schemas.microsoft.com/office/drawing/2014/main" id="{BFB842CD-44AC-AD43-824A-E1B53AB330DF}"/>
+              </a:ext>
+            </a:extLst>
+          </p:cNvPr>
+          <p:cNvSpPr>
+            <a:spLocks noGrp="1"/>
+          </p:cNvSpPr>
+          <p:nvPr>
+            <p:ph type="sldNum" sz="quarter" idx="12"/>
+          </p:nvPr>
+        </p:nvSpPr>
+        <p:spPr/>
+        <p:txBody>
+          <a:bodyPr/>
+          <a:lstStyle/>
+          <a:p>
+            <a:fld id="{88E711DA-8C4A-4F9C-B06B-9858351D6192}" type="slidenum">
+              <a:rPr lang="en-US" smtClean="0"/>
+              <a:pPr/>
+              <a:t>20</a:t>
+            </a:fld>
+            <a:endParaRPr lang="en-US" dirty="0"/>
+          </a:p>
+        </p:txBody>
+      </p:sp>
+      <p:sp>
+        <p:nvSpPr>
+          <p:cNvPr id="4" name="Footer Placeholder 3">
+            <a:extLst>
+              <a:ext uri="{FF2B5EF4-FFF2-40B4-BE49-F238E27FC236}">
+                <a16:creationId xmlns="" xmlns:a16="http://schemas.microsoft.com/office/drawing/2014/main" id="{1F7FE4C9-C950-E744-96EA-9878A1007386}"/>
+              </a:ext>
+            </a:extLst>
+          </p:cNvPr>
+          <p:cNvSpPr>
+            <a:spLocks noGrp="1"/>
+          </p:cNvSpPr>
+          <p:nvPr>
+            <p:ph type="ftr" sz="quarter" idx="11"/>
+          </p:nvPr>
+        </p:nvSpPr>
+        <p:spPr/>
+        <p:txBody>
+          <a:bodyPr/>
+          <a:lstStyle/>
+          <a:p>
+            <a:endParaRPr lang="en-US" dirty="0"/>
+          </a:p>
+        </p:txBody>
+      </p:sp>
+    </p:spTree>
+    <p:extLst>
+      <p:ext uri="{BB962C8B-B14F-4D97-AF65-F5344CB8AC3E}">
+        <p14:creationId xmlns:p14="http://schemas.microsoft.com/office/powerpoint/2010/main" val="2269408930"/>
+      </p:ext>
+    </p:extLst>
+  </p:cSld>
+  <p:clrMapOvr>
+    <a:masterClrMapping/>
+  </p:clrMapOvr>
+  <p:timing>
+    <p:tnLst>
+      <p:par>
+        <p:cTn id="1" dur="indefinite" restart="never" nodeType="tmRoot"/>
+      </p:par>
+    </p:tnLst>
+  </p:timing>
+</p:sld>
+</file>
+
+<file path=ppt/slides/slide21.xml><?xml version="1.0" encoding="utf-8"?>
+<p:sld xmlns:a="http://schemas.openxmlformats.org/drawingml/2006/main" xmlns:r="http://schemas.openxmlformats.org/officeDocument/2006/relationships" xmlns:p="http://schemas.openxmlformats.org/presentationml/2006/main">
+  <p:cSld>
+    <p:spTree>
+      <p:nvGrpSpPr>
+        <p:cNvPr id="1" name=""/>
+        <p:cNvGrpSpPr/>
+        <p:nvPr/>
+      </p:nvGrpSpPr>
+      <p:grpSpPr>
+        <a:xfrm>
+          <a:off x="0" y="0"/>
+          <a:ext cx="0" cy="0"/>
+          <a:chOff x="0" y="0"/>
+          <a:chExt cx="0" cy="0"/>
+        </a:xfrm>
+      </p:grpSpPr>
+      <p:sp>
+        <p:nvSpPr>
+          <p:cNvPr id="2" name="Title 1"/>
+          <p:cNvSpPr>
+            <a:spLocks noGrp="1"/>
+          </p:cNvSpPr>
+          <p:nvPr>
+            <p:ph type="title"/>
+          </p:nvPr>
+        </p:nvSpPr>
         <p:spPr>
           <a:xfrm>
             <a:off x="628650" y="263378"/>
@@ -11444,7 +11616,7 @@
             <a:fld id="{88E711DA-8C4A-4F9C-B06B-9858351D6192}" type="slidenum">
               <a:rPr lang="en-US" smtClean="0"/>
               <a:pPr/>
-              <a:t>20</a:t>
+              <a:t>21</a:t>
             </a:fld>
             <a:endParaRPr lang="en-US" dirty="0"/>
           </a:p>

--- a/Naive Bayes.pptx
+++ b/Naive Bayes.pptx
@@ -29,10 +29,10 @@
     <p:sldId id="312" r:id="rId20"/>
     <p:sldId id="304" r:id="rId21"/>
     <p:sldId id="305" r:id="rId22"/>
-    <p:sldId id="306" r:id="rId23"/>
-    <p:sldId id="307" r:id="rId24"/>
-    <p:sldId id="314" r:id="rId25"/>
-    <p:sldId id="315" r:id="rId26"/>
+    <p:sldId id="315" r:id="rId23"/>
+    <p:sldId id="316" r:id="rId24"/>
+    <p:sldId id="307" r:id="rId25"/>
+    <p:sldId id="314" r:id="rId26"/>
     <p:sldId id="273" r:id="rId27"/>
     <p:sldId id="277" r:id="rId28"/>
     <p:sldId id="274" r:id="rId29"/>
@@ -489,6 +489,178 @@
     </a:lvl9pPr>
   </p:notesStyle>
 </p:notesMaster>
+</file>
+
+<file path=ppt/notesSlides/notesSlide1.xml><?xml version="1.0" encoding="utf-8"?>
+<p:notes xmlns:a="http://schemas.openxmlformats.org/drawingml/2006/main" xmlns:r="http://schemas.openxmlformats.org/officeDocument/2006/relationships" xmlns:p="http://schemas.openxmlformats.org/presentationml/2006/main">
+  <p:cSld>
+    <p:spTree>
+      <p:nvGrpSpPr>
+        <p:cNvPr id="1" name=""/>
+        <p:cNvGrpSpPr/>
+        <p:nvPr/>
+      </p:nvGrpSpPr>
+      <p:grpSpPr>
+        <a:xfrm>
+          <a:off x="0" y="0"/>
+          <a:ext cx="0" cy="0"/>
+          <a:chOff x="0" y="0"/>
+          <a:chExt cx="0" cy="0"/>
+        </a:xfrm>
+      </p:grpSpPr>
+      <p:sp>
+        <p:nvSpPr>
+          <p:cNvPr id="2" name="Slide Image Placeholder 1"/>
+          <p:cNvSpPr>
+            <a:spLocks noGrp="1" noRot="1" noChangeAspect="1"/>
+          </p:cNvSpPr>
+          <p:nvPr>
+            <p:ph type="sldImg"/>
+          </p:nvPr>
+        </p:nvSpPr>
+        <p:spPr/>
+      </p:sp>
+      <p:sp>
+        <p:nvSpPr>
+          <p:cNvPr id="3" name="Notes Placeholder 2"/>
+          <p:cNvSpPr>
+            <a:spLocks noGrp="1"/>
+          </p:cNvSpPr>
+          <p:nvPr>
+            <p:ph type="body" idx="1"/>
+          </p:nvPr>
+        </p:nvSpPr>
+        <p:spPr/>
+        <p:txBody>
+          <a:bodyPr/>
+          <a:lstStyle/>
+          <a:p>
+            <a:endParaRPr lang="en-US"/>
+          </a:p>
+        </p:txBody>
+      </p:sp>
+      <p:sp>
+        <p:nvSpPr>
+          <p:cNvPr id="4" name="Slide Number Placeholder 3"/>
+          <p:cNvSpPr>
+            <a:spLocks noGrp="1"/>
+          </p:cNvSpPr>
+          <p:nvPr>
+            <p:ph type="sldNum" sz="quarter" idx="10"/>
+          </p:nvPr>
+        </p:nvSpPr>
+        <p:spPr/>
+        <p:txBody>
+          <a:bodyPr/>
+          <a:lstStyle/>
+          <a:p>
+            <a:fld id="{4FA3FA8C-ED4C-A04D-8D7D-C21D3203F08B}" type="slidenum">
+              <a:rPr lang="en-US" smtClean="0"/>
+              <a:t>22</a:t>
+            </a:fld>
+            <a:endParaRPr lang="en-US"/>
+          </a:p>
+        </p:txBody>
+      </p:sp>
+    </p:spTree>
+    <p:extLst>
+      <p:ext uri="{BB962C8B-B14F-4D97-AF65-F5344CB8AC3E}">
+        <p14:creationId xmlns:p14="http://schemas.microsoft.com/office/powerpoint/2010/main" val="3668820234"/>
+      </p:ext>
+    </p:extLst>
+  </p:cSld>
+  <p:clrMapOvr>
+    <a:masterClrMapping/>
+  </p:clrMapOvr>
+</p:notes>
+</file>
+
+<file path=ppt/notesSlides/notesSlide2.xml><?xml version="1.0" encoding="utf-8"?>
+<p:notes xmlns:a="http://schemas.openxmlformats.org/drawingml/2006/main" xmlns:r="http://schemas.openxmlformats.org/officeDocument/2006/relationships" xmlns:p="http://schemas.openxmlformats.org/presentationml/2006/main">
+  <p:cSld>
+    <p:spTree>
+      <p:nvGrpSpPr>
+        <p:cNvPr id="1" name=""/>
+        <p:cNvGrpSpPr/>
+        <p:nvPr/>
+      </p:nvGrpSpPr>
+      <p:grpSpPr>
+        <a:xfrm>
+          <a:off x="0" y="0"/>
+          <a:ext cx="0" cy="0"/>
+          <a:chOff x="0" y="0"/>
+          <a:chExt cx="0" cy="0"/>
+        </a:xfrm>
+      </p:grpSpPr>
+      <p:sp>
+        <p:nvSpPr>
+          <p:cNvPr id="2" name="Slide Image Placeholder 1"/>
+          <p:cNvSpPr>
+            <a:spLocks noGrp="1" noRot="1" noChangeAspect="1"/>
+          </p:cNvSpPr>
+          <p:nvPr>
+            <p:ph type="sldImg"/>
+          </p:nvPr>
+        </p:nvSpPr>
+        <p:spPr/>
+      </p:sp>
+      <p:sp>
+        <p:nvSpPr>
+          <p:cNvPr id="3" name="Notes Placeholder 2"/>
+          <p:cNvSpPr>
+            <a:spLocks noGrp="1"/>
+          </p:cNvSpPr>
+          <p:nvPr>
+            <p:ph type="body" idx="1"/>
+          </p:nvPr>
+        </p:nvSpPr>
+        <p:spPr/>
+        <p:txBody>
+          <a:bodyPr/>
+          <a:lstStyle/>
+          <a:p>
+            <a:r>
+              <a:rPr lang="en-US" smtClean="0"/>
+              <a:t>https://www.quora.com/Could-someone-explain-Laplacian-smoothing-or-1-up-smoothing</a:t>
+            </a:r>
+            <a:endParaRPr lang="en-US"/>
+          </a:p>
+        </p:txBody>
+      </p:sp>
+      <p:sp>
+        <p:nvSpPr>
+          <p:cNvPr id="4" name="Slide Number Placeholder 3"/>
+          <p:cNvSpPr>
+            <a:spLocks noGrp="1"/>
+          </p:cNvSpPr>
+          <p:nvPr>
+            <p:ph type="sldNum" sz="quarter" idx="10"/>
+          </p:nvPr>
+        </p:nvSpPr>
+        <p:spPr/>
+        <p:txBody>
+          <a:bodyPr/>
+          <a:lstStyle/>
+          <a:p>
+            <a:fld id="{4FA3FA8C-ED4C-A04D-8D7D-C21D3203F08B}" type="slidenum">
+              <a:rPr lang="en-US" smtClean="0"/>
+              <a:t>23</a:t>
+            </a:fld>
+            <a:endParaRPr lang="en-US"/>
+          </a:p>
+        </p:txBody>
+      </p:sp>
+    </p:spTree>
+    <p:extLst>
+      <p:ext uri="{BB962C8B-B14F-4D97-AF65-F5344CB8AC3E}">
+        <p14:creationId xmlns:p14="http://schemas.microsoft.com/office/powerpoint/2010/main" val="3857867257"/>
+      </p:ext>
+    </p:extLst>
+  </p:cSld>
+  <p:clrMapOvr>
+    <a:masterClrMapping/>
+  </p:clrMapOvr>
+</p:notes>
 </file>
 
 <file path=ppt/slideLayouts/slideLayout1.xml><?xml version="1.0" encoding="utf-8"?>
@@ -5935,23 +6107,7 @@
                   <a:srgbClr val="FF0000"/>
                 </a:solidFill>
               </a:rPr>
-              <a:t>a part produced by </a:t>
-            </a:r>
-            <a:r>
-              <a:rPr lang="en-US" sz="1800" smtClean="0">
-                <a:solidFill>
-                  <a:srgbClr val="FF0000"/>
-                </a:solidFill>
-              </a:rPr>
-              <a:t>mach1 </a:t>
-            </a:r>
-            <a:r>
-              <a:rPr lang="en-US" sz="1800" smtClean="0">
-                <a:solidFill>
-                  <a:srgbClr val="FF0000"/>
-                </a:solidFill>
-              </a:rPr>
-              <a:t>is defective </a:t>
+              <a:t>a part produced by mach1 is defective </a:t>
             </a:r>
             <a:r>
               <a:rPr lang="en-US" sz="1800" smtClean="0"/>
@@ -6321,8 +6477,8 @@
           </a:fontRef>
         </p:style>
       </p:cxnSp>
-      <mc:AlternateContent xmlns:mc="http://schemas.openxmlformats.org/markup-compatibility/2006">
-        <mc:Choice xmlns:a14="http://schemas.microsoft.com/office/drawing/2010/main" Requires="a14">
+      <mc:AlternateContent xmlns:mc="http://schemas.openxmlformats.org/markup-compatibility/2006" xmlns:a14="http://schemas.microsoft.com/office/drawing/2010/main">
+        <mc:Choice Requires="a14">
           <p:sp>
             <p:nvSpPr>
               <p:cNvPr id="11" name="TextBox 10"/>
@@ -6434,13 +6590,7 @@
                                 <a:rPr lang="en-US" b="0" i="1" smtClean="0">
                                   <a:latin typeface="Cambria Math" panose="02040503050406030204" pitchFamily="18" charset="0"/>
                                 </a:rPr>
-                                <m:t>1</m:t>
-                              </m:r>
-                              <m:r>
-                                <a:rPr lang="en-US" b="0" i="1" smtClean="0">
-                                  <a:latin typeface="Cambria Math" panose="02040503050406030204" pitchFamily="18" charset="0"/>
-                                </a:rPr>
-                                <m:t> </m:t>
+                                <m:t>1 </m:t>
                               </m:r>
                             </m:e>
                           </m:d>
@@ -6510,13 +6660,7 @@
                             <a:rPr lang="en-US" b="0" i="1" smtClean="0">
                               <a:latin typeface="Cambria Math" panose="02040503050406030204" pitchFamily="18" charset="0"/>
                             </a:rPr>
-                            <m:t>1</m:t>
-                          </m:r>
-                          <m:r>
-                            <a:rPr lang="en-US" b="0" i="1" smtClean="0">
-                              <a:latin typeface="Cambria Math" panose="02040503050406030204" pitchFamily="18" charset="0"/>
-                            </a:rPr>
-                            <m:t>)</m:t>
+                            <m:t>1)</m:t>
                           </m:r>
                         </m:den>
                       </m:f>
@@ -6531,7 +6675,7 @@
             </p:txBody>
           </p:sp>
         </mc:Choice>
-        <mc:Fallback>
+        <mc:Fallback xmlns="">
           <p:sp>
             <p:nvSpPr>
               <p:cNvPr id="11" name="TextBox 10"/>
@@ -6609,29 +6753,7 @@
                 <a:cs typeface="Arial" panose="020B0604020202020204" pitchFamily="34" charset="0"/>
                 <a:sym typeface="Wingdings" panose="05000000000000000000" pitchFamily="2" charset="2"/>
               </a:rPr>
-              <a:t>P(Defect | </a:t>
-            </a:r>
-            <a:r>
-              <a:rPr lang="en-US" smtClean="0">
-                <a:solidFill>
-                  <a:srgbClr val="FF0000"/>
-                </a:solidFill>
-                <a:latin typeface="Arial" panose="020B0604020202020204" pitchFamily="34" charset="0"/>
-                <a:cs typeface="Arial" panose="020B0604020202020204" pitchFamily="34" charset="0"/>
-                <a:sym typeface="Wingdings" panose="05000000000000000000" pitchFamily="2" charset="2"/>
-              </a:rPr>
-              <a:t>Mach1) </a:t>
-            </a:r>
-            <a:r>
-              <a:rPr lang="en-US" smtClean="0">
-                <a:solidFill>
-                  <a:srgbClr val="FF0000"/>
-                </a:solidFill>
-                <a:latin typeface="Arial" panose="020B0604020202020204" pitchFamily="34" charset="0"/>
-                <a:cs typeface="Arial" panose="020B0604020202020204" pitchFamily="34" charset="0"/>
-                <a:sym typeface="Wingdings" panose="05000000000000000000" pitchFamily="2" charset="2"/>
-              </a:rPr>
-              <a:t>= ?</a:t>
+              <a:t>P(Defect | Mach1) = ?</a:t>
             </a:r>
             <a:endParaRPr lang="en-US">
               <a:solidFill>
@@ -6643,8 +6765,8 @@
           </a:p>
         </p:txBody>
       </p:sp>
-      <mc:AlternateContent xmlns:mc="http://schemas.openxmlformats.org/markup-compatibility/2006">
-        <mc:Choice xmlns:a14="http://schemas.microsoft.com/office/drawing/2010/main" Requires="a14">
+      <mc:AlternateContent xmlns:mc="http://schemas.openxmlformats.org/markup-compatibility/2006" xmlns:a14="http://schemas.microsoft.com/office/drawing/2010/main">
+        <mc:Choice Requires="a14">
           <p:sp>
             <p:nvSpPr>
               <p:cNvPr id="12" name="TextBox 11"/>
@@ -6701,13 +6823,7 @@
                             <a:rPr lang="en-US" b="0" i="1" smtClean="0">
                               <a:latin typeface="Cambria Math" panose="02040503050406030204" pitchFamily="18" charset="0"/>
                             </a:rPr>
-                            <m:t>0.</m:t>
-                          </m:r>
-                          <m:r>
-                            <a:rPr lang="en-US" b="0" i="1" smtClean="0">
-                              <a:latin typeface="Cambria Math" panose="02040503050406030204" pitchFamily="18" charset="0"/>
-                            </a:rPr>
-                            <m:t>6</m:t>
+                            <m:t>0.6</m:t>
                           </m:r>
                         </m:den>
                       </m:f>
@@ -6719,7 +6835,7 @@
             </p:txBody>
           </p:sp>
         </mc:Choice>
-        <mc:Fallback>
+        <mc:Fallback xmlns="">
           <p:sp>
             <p:nvSpPr>
               <p:cNvPr id="12" name="TextBox 11"/>
@@ -6758,8 +6874,8 @@
           </p:sp>
         </mc:Fallback>
       </mc:AlternateContent>
-      <mc:AlternateContent xmlns:mc="http://schemas.openxmlformats.org/markup-compatibility/2006">
-        <mc:Choice xmlns:a14="http://schemas.microsoft.com/office/drawing/2010/main" Requires="a14">
+      <mc:AlternateContent xmlns:mc="http://schemas.openxmlformats.org/markup-compatibility/2006" xmlns:a14="http://schemas.microsoft.com/office/drawing/2010/main">
+        <mc:Choice Requires="a14">
           <p:sp>
             <p:nvSpPr>
               <p:cNvPr id="20" name="TextBox 19"/>
@@ -6793,25 +6909,7 @@
                         <a:rPr lang="en-US" b="0" i="1" smtClean="0">
                           <a:latin typeface="Cambria Math" panose="02040503050406030204" pitchFamily="18" charset="0"/>
                         </a:rPr>
-                        <m:t>=0.0083</m:t>
-                      </m:r>
-                      <m:r>
-                        <a:rPr lang="en-US" b="0" i="1" smtClean="0">
-                          <a:latin typeface="Cambria Math" panose="02040503050406030204" pitchFamily="18" charset="0"/>
-                        </a:rPr>
-                        <m:t>=</m:t>
-                      </m:r>
-                      <m:r>
-                        <a:rPr lang="en-US" b="0" i="1" smtClean="0">
-                          <a:latin typeface="Cambria Math" panose="02040503050406030204" pitchFamily="18" charset="0"/>
-                        </a:rPr>
-                        <m:t>0.83</m:t>
-                      </m:r>
-                      <m:r>
-                        <a:rPr lang="en-US" b="0" i="1" smtClean="0">
-                          <a:latin typeface="Cambria Math" panose="02040503050406030204" pitchFamily="18" charset="0"/>
-                        </a:rPr>
-                        <m:t>%</m:t>
+                        <m:t>=0.0083=0.83%</m:t>
                       </m:r>
                     </m:oMath>
                   </m:oMathPara>
@@ -6821,7 +6919,7 @@
             </p:txBody>
           </p:sp>
         </mc:Choice>
-        <mc:Fallback>
+        <mc:Fallback xmlns="">
           <p:sp>
             <p:nvSpPr>
               <p:cNvPr id="20" name="TextBox 19"/>
@@ -7229,11 +7327,7 @@
             <a:pPr algn="l"/>
             <a:r>
               <a:rPr lang="en-US" sz="3500" b="1"/>
-              <a:t>Naive Bayes classifier (</a:t>
-            </a:r>
-            <a:r>
-              <a:rPr lang="en-US" sz="3500" b="1"/>
-              <a:t>NBF</a:t>
+              <a:t>Naive Bayes classifier (NBF</a:t>
             </a:r>
             <a:r>
               <a:rPr lang="en-US" sz="3500" b="1" smtClean="0"/>
@@ -8789,8 +8883,8 @@
           </p:sp>
         </mc:Fallback>
       </mc:AlternateContent>
-      <mc:AlternateContent xmlns:mc="http://schemas.openxmlformats.org/markup-compatibility/2006">
-        <mc:Choice xmlns:a14="http://schemas.microsoft.com/office/drawing/2010/main" Requires="a14">
+      <mc:AlternateContent xmlns:mc="http://schemas.openxmlformats.org/markup-compatibility/2006" xmlns:a14="http://schemas.microsoft.com/office/drawing/2010/main">
+        <mc:Choice Requires="a14">
           <p:sp>
             <p:nvSpPr>
               <p:cNvPr id="7" name="TextBox 6"/>
@@ -9048,7 +9142,7 @@
             </p:txBody>
           </p:sp>
         </mc:Choice>
-        <mc:Fallback>
+        <mc:Fallback xmlns="">
           <p:sp>
             <p:nvSpPr>
               <p:cNvPr id="7" name="TextBox 6"/>
@@ -9206,8 +9300,8 @@
           </p:sp>
         </mc:Fallback>
       </mc:AlternateContent>
-      <mc:AlternateContent xmlns:mc="http://schemas.openxmlformats.org/markup-compatibility/2006">
-        <mc:Choice xmlns:a14="http://schemas.microsoft.com/office/drawing/2010/main" Requires="a14">
+      <mc:AlternateContent xmlns:mc="http://schemas.openxmlformats.org/markup-compatibility/2006" xmlns:a14="http://schemas.microsoft.com/office/drawing/2010/main">
+        <mc:Choice Requires="a14">
           <p:sp>
             <p:nvSpPr>
               <p:cNvPr id="10" name="Rectangle 9"/>
@@ -9277,7 +9371,7 @@
             </p:txBody>
           </p:sp>
         </mc:Choice>
-        <mc:Fallback>
+        <mc:Fallback xmlns="">
           <p:sp>
             <p:nvSpPr>
               <p:cNvPr id="10" name="Rectangle 9"/>
@@ -9665,8 +9759,8 @@
           </a:p>
         </p:txBody>
       </p:sp>
-      <mc:AlternateContent xmlns:mc="http://schemas.openxmlformats.org/markup-compatibility/2006">
-        <mc:Choice xmlns:a14="http://schemas.microsoft.com/office/drawing/2010/main" Requires="a14">
+      <mc:AlternateContent xmlns:mc="http://schemas.openxmlformats.org/markup-compatibility/2006" xmlns:a14="http://schemas.microsoft.com/office/drawing/2010/main">
+        <mc:Choice Requires="a14">
           <p:sp>
             <p:nvSpPr>
               <p:cNvPr id="6" name="Rectangle 5"/>
@@ -9993,7 +10087,7 @@
             </p:txBody>
           </p:sp>
         </mc:Choice>
-        <mc:Fallback>
+        <mc:Fallback xmlns="">
           <p:sp>
             <p:nvSpPr>
               <p:cNvPr id="6" name="Rectangle 5"/>
@@ -10098,8 +10192,8 @@
           </a:fontRef>
         </p:style>
       </p:cxnSp>
-      <mc:AlternateContent xmlns:mc="http://schemas.openxmlformats.org/markup-compatibility/2006">
-        <mc:Choice xmlns:a14="http://schemas.microsoft.com/office/drawing/2010/main" Requires="a14">
+      <mc:AlternateContent xmlns:mc="http://schemas.openxmlformats.org/markup-compatibility/2006" xmlns:a14="http://schemas.microsoft.com/office/drawing/2010/main">
+        <mc:Choice Requires="a14">
           <p:sp>
             <p:nvSpPr>
               <p:cNvPr id="14" name="TextBox 13"/>
@@ -10174,7 +10268,7 @@
             </p:txBody>
           </p:sp>
         </mc:Choice>
-        <mc:Fallback>
+        <mc:Fallback xmlns="">
           <p:sp>
             <p:nvSpPr>
               <p:cNvPr id="14" name="TextBox 13"/>
@@ -10213,8 +10307,8 @@
           </p:sp>
         </mc:Fallback>
       </mc:AlternateContent>
-      <mc:AlternateContent xmlns:mc="http://schemas.openxmlformats.org/markup-compatibility/2006">
-        <mc:Choice xmlns:a14="http://schemas.microsoft.com/office/drawing/2010/main" Requires="a14">
+      <mc:AlternateContent xmlns:mc="http://schemas.openxmlformats.org/markup-compatibility/2006" xmlns:a14="http://schemas.microsoft.com/office/drawing/2010/main">
+        <mc:Choice Requires="a14">
           <p:sp>
             <p:nvSpPr>
               <p:cNvPr id="15" name="TextBox 14"/>
@@ -10289,7 +10383,7 @@
             </p:txBody>
           </p:sp>
         </mc:Choice>
-        <mc:Fallback>
+        <mc:Fallback xmlns="">
           <p:sp>
             <p:nvSpPr>
               <p:cNvPr id="15" name="TextBox 14"/>
@@ -11913,8 +12007,8 @@
           </a:fontRef>
         </p:style>
       </p:cxnSp>
-      <mc:AlternateContent xmlns:mc="http://schemas.openxmlformats.org/markup-compatibility/2006">
-        <mc:Choice xmlns:a14="http://schemas.microsoft.com/office/drawing/2010/main" Requires="a14">
+      <mc:AlternateContent xmlns:mc="http://schemas.openxmlformats.org/markup-compatibility/2006" xmlns:a14="http://schemas.microsoft.com/office/drawing/2010/main">
+        <mc:Choice Requires="a14">
           <p:sp>
             <p:nvSpPr>
               <p:cNvPr id="69" name="Rectangle 68"/>
@@ -12062,7 +12156,7 @@
             </p:txBody>
           </p:sp>
         </mc:Choice>
-        <mc:Fallback>
+        <mc:Fallback xmlns="">
           <p:sp>
             <p:nvSpPr>
               <p:cNvPr id="69" name="Rectangle 68"/>
@@ -12101,8 +12195,8 @@
           </p:sp>
         </mc:Fallback>
       </mc:AlternateContent>
-      <mc:AlternateContent xmlns:mc="http://schemas.openxmlformats.org/markup-compatibility/2006">
-        <mc:Choice xmlns:a14="http://schemas.microsoft.com/office/drawing/2010/main" Requires="a14">
+      <mc:AlternateContent xmlns:mc="http://schemas.openxmlformats.org/markup-compatibility/2006" xmlns:a14="http://schemas.microsoft.com/office/drawing/2010/main">
+        <mc:Choice Requires="a14">
           <p:sp>
             <p:nvSpPr>
               <p:cNvPr id="70" name="Rectangle 69"/>
@@ -12124,6 +12218,7 @@
               </a:bodyPr>
               <a:lstStyle/>
               <a:p>
+                <a:pPr/>
                 <a14:m>
                   <m:oMathPara xmlns:m="http://schemas.openxmlformats.org/officeDocument/2006/math">
                     <m:oMathParaPr>
@@ -12166,7 +12261,7 @@
             </p:txBody>
           </p:sp>
         </mc:Choice>
-        <mc:Fallback>
+        <mc:Fallback xmlns="">
           <p:sp>
             <p:nvSpPr>
               <p:cNvPr id="70" name="Rectangle 69"/>
@@ -12205,8 +12300,8 @@
           </p:sp>
         </mc:Fallback>
       </mc:AlternateContent>
-      <mc:AlternateContent xmlns:mc="http://schemas.openxmlformats.org/markup-compatibility/2006">
-        <mc:Choice xmlns:a14="http://schemas.microsoft.com/office/drawing/2010/main" Requires="a14">
+      <mc:AlternateContent xmlns:mc="http://schemas.openxmlformats.org/markup-compatibility/2006" xmlns:a14="http://schemas.microsoft.com/office/drawing/2010/main">
+        <mc:Choice Requires="a14">
           <p:sp>
             <p:nvSpPr>
               <p:cNvPr id="71" name="TextBox 70"/>
@@ -12285,7 +12380,7 @@
             </p:txBody>
           </p:sp>
         </mc:Choice>
-        <mc:Fallback>
+        <mc:Fallback xmlns="">
           <p:sp>
             <p:nvSpPr>
               <p:cNvPr id="71" name="TextBox 70"/>
@@ -15444,8 +15539,8 @@
         </p:nvSpPr>
         <p:spPr>
           <a:xfrm>
-            <a:off x="1016831" y="2907808"/>
-            <a:ext cx="6867712" cy="523220"/>
+            <a:off x="380246" y="2868188"/>
+            <a:ext cx="8383508" cy="861774"/>
           </a:xfrm>
           <a:prstGeom prst="rect">
             <a:avLst/>
@@ -15459,14 +15554,38 @@
           <a:lstStyle/>
           <a:p>
             <a:r>
-              <a:rPr lang="en-US" sz="2800" dirty="0" smtClean="0">
+              <a:rPr lang="en-US" sz="2500" dirty="0" smtClean="0">
                 <a:solidFill>
                   <a:srgbClr val="FF0000"/>
                 </a:solidFill>
               </a:rPr>
-              <a:t>Problem: If “d” is large, “C” will be very small </a:t>
+              <a:t>Problem: If “d” </a:t>
             </a:r>
-            <a:endParaRPr lang="en-US" sz="2800" dirty="0">
+            <a:r>
+              <a:rPr lang="en-US" sz="2500" smtClean="0">
+                <a:solidFill>
+                  <a:srgbClr val="FF0000"/>
+                </a:solidFill>
+              </a:rPr>
+              <a:t>is </a:t>
+            </a:r>
+            <a:r>
+              <a:rPr lang="en-US" sz="2500" smtClean="0">
+                <a:solidFill>
+                  <a:srgbClr val="FF0000"/>
+                </a:solidFill>
+              </a:rPr>
+              <a:t>large and probabilities are small, </a:t>
+            </a:r>
+            <a:r>
+              <a:rPr lang="en-US" sz="2500" dirty="0" smtClean="0">
+                <a:solidFill>
+                  <a:srgbClr val="FF0000"/>
+                </a:solidFill>
+              </a:rPr>
+              <a:t>“C” will be very small </a:t>
+            </a:r>
+            <a:endParaRPr lang="en-US" sz="2500" dirty="0">
               <a:solidFill>
                 <a:srgbClr val="FF0000"/>
               </a:solidFill>
@@ -15482,8 +15601,8 @@
         </p:nvSpPr>
         <p:spPr>
           <a:xfrm>
-            <a:off x="628650" y="3729962"/>
-            <a:ext cx="6867712" cy="523220"/>
+            <a:off x="266512" y="3726498"/>
+            <a:ext cx="6867712" cy="477054"/>
           </a:xfrm>
           <a:prstGeom prst="rect">
             <a:avLst/>
@@ -15497,15 +15616,15 @@
           <a:lstStyle/>
           <a:p>
             <a:r>
-              <a:rPr lang="en-US" sz="2800" dirty="0" smtClean="0"/>
+              <a:rPr lang="en-US" sz="2500" dirty="0" smtClean="0"/>
               <a:t>=&gt; Apply “log” to right side:</a:t>
             </a:r>
-            <a:endParaRPr lang="en-US" sz="2800" dirty="0"/>
+            <a:endParaRPr lang="en-US" sz="2500" dirty="0"/>
           </a:p>
         </p:txBody>
       </p:sp>
-      <mc:AlternateContent xmlns:mc="http://schemas.openxmlformats.org/markup-compatibility/2006">
-        <mc:Choice xmlns:a14="http://schemas.microsoft.com/office/drawing/2010/main" Requires="a14">
+      <mc:AlternateContent xmlns:mc="http://schemas.openxmlformats.org/markup-compatibility/2006" xmlns:a14="http://schemas.microsoft.com/office/drawing/2010/main">
+        <mc:Choice Requires="a14">
           <p:sp>
             <p:nvSpPr>
               <p:cNvPr id="10" name="TextBox 9"/>
@@ -15726,11 +15845,7 @@
               <a:p>
                 <a:r>
                   <a:rPr lang="en-US" sz="2000" b="0" dirty="0" smtClean="0"/>
-                  <a:t>          </a:t>
-                </a:r>
-                <a:r>
-                  <a:rPr lang="en-US" sz="2000" b="0" dirty="0" smtClean="0"/>
-                  <a:t>   </a:t>
+                  <a:t>             </a:t>
                 </a:r>
                 <a14:m>
                   <m:oMath xmlns:m="http://schemas.openxmlformats.org/officeDocument/2006/math">
@@ -15782,7 +15897,7 @@
             </p:txBody>
           </p:sp>
         </mc:Choice>
-        <mc:Fallback>
+        <mc:Fallback xmlns="">
           <p:sp>
             <p:nvSpPr>
               <p:cNvPr id="10" name="TextBox 9"/>
@@ -16168,8 +16283,8 @@
           </a:p>
         </p:txBody>
       </p:sp>
-      <mc:AlternateContent xmlns:mc="http://schemas.openxmlformats.org/markup-compatibility/2006">
-        <mc:Choice xmlns:a14="http://schemas.microsoft.com/office/drawing/2010/main" Requires="a14">
+      <mc:AlternateContent xmlns:mc="http://schemas.openxmlformats.org/markup-compatibility/2006" xmlns:a14="http://schemas.microsoft.com/office/drawing/2010/main">
+        <mc:Choice Requires="a14">
           <p:sp>
             <p:nvSpPr>
               <p:cNvPr id="6" name="TextBox 5"/>
@@ -16395,7 +16510,7 @@
             </p:txBody>
           </p:sp>
         </mc:Choice>
-        <mc:Fallback>
+        <mc:Fallback xmlns="">
           <p:sp>
             <p:nvSpPr>
               <p:cNvPr id="6" name="TextBox 5"/>
@@ -17053,11 +17168,7 @@
           <a:p>
             <a:r>
               <a:rPr lang="en-US"/>
-              <a:t>Demo </a:t>
-            </a:r>
-            <a:r>
-              <a:rPr lang="en-US"/>
-              <a:t>with </a:t>
+              <a:t>Demo with </a:t>
             </a:r>
             <a:r>
               <a:rPr lang="en-US" smtClean="0"/>
@@ -17873,7 +17984,342 @@
   <p:timing>
     <p:tnLst>
       <p:par>
-        <p:cTn id="1" dur="indefinite" restart="never" nodeType="tmRoot"/>
+        <p:cTn id="1" dur="indefinite" restart="never" nodeType="tmRoot">
+          <p:childTnLst>
+            <p:seq concurrent="1" nextAc="seek">
+              <p:cTn id="2" dur="indefinite" nodeType="mainSeq">
+                <p:childTnLst>
+                  <p:par>
+                    <p:cTn id="3" fill="hold">
+                      <p:stCondLst>
+                        <p:cond delay="indefinite"/>
+                      </p:stCondLst>
+                      <p:childTnLst>
+                        <p:par>
+                          <p:cTn id="4" fill="hold">
+                            <p:stCondLst>
+                              <p:cond delay="0"/>
+                            </p:stCondLst>
+                            <p:childTnLst>
+                              <p:par>
+                                <p:cTn id="5" presetID="10" presetClass="entr" presetSubtype="0" fill="hold" nodeType="clickEffect">
+                                  <p:stCondLst>
+                                    <p:cond delay="0"/>
+                                  </p:stCondLst>
+                                  <p:childTnLst>
+                                    <p:set>
+                                      <p:cBhvr>
+                                        <p:cTn id="6" dur="1" fill="hold">
+                                          <p:stCondLst>
+                                            <p:cond delay="0"/>
+                                          </p:stCondLst>
+                                        </p:cTn>
+                                        <p:tgtEl>
+                                          <p:spTgt spid="3">
+                                            <p:txEl>
+                                              <p:pRg st="0" end="0"/>
+                                            </p:txEl>
+                                          </p:spTgt>
+                                        </p:tgtEl>
+                                        <p:attrNameLst>
+                                          <p:attrName>style.visibility</p:attrName>
+                                        </p:attrNameLst>
+                                      </p:cBhvr>
+                                      <p:to>
+                                        <p:strVal val="visible"/>
+                                      </p:to>
+                                    </p:set>
+                                    <p:animEffect transition="in" filter="fade">
+                                      <p:cBhvr>
+                                        <p:cTn id="7" dur="500"/>
+                                        <p:tgtEl>
+                                          <p:spTgt spid="3">
+                                            <p:txEl>
+                                              <p:pRg st="0" end="0"/>
+                                            </p:txEl>
+                                          </p:spTgt>
+                                        </p:tgtEl>
+                                      </p:cBhvr>
+                                    </p:animEffect>
+                                  </p:childTnLst>
+                                </p:cTn>
+                              </p:par>
+                              <p:par>
+                                <p:cTn id="8" presetID="10" presetClass="entr" presetSubtype="0" fill="hold" nodeType="withEffect">
+                                  <p:stCondLst>
+                                    <p:cond delay="0"/>
+                                  </p:stCondLst>
+                                  <p:childTnLst>
+                                    <p:set>
+                                      <p:cBhvr>
+                                        <p:cTn id="9" dur="1" fill="hold">
+                                          <p:stCondLst>
+                                            <p:cond delay="0"/>
+                                          </p:stCondLst>
+                                        </p:cTn>
+                                        <p:tgtEl>
+                                          <p:spTgt spid="3">
+                                            <p:txEl>
+                                              <p:pRg st="1" end="1"/>
+                                            </p:txEl>
+                                          </p:spTgt>
+                                        </p:tgtEl>
+                                        <p:attrNameLst>
+                                          <p:attrName>style.visibility</p:attrName>
+                                        </p:attrNameLst>
+                                      </p:cBhvr>
+                                      <p:to>
+                                        <p:strVal val="visible"/>
+                                      </p:to>
+                                    </p:set>
+                                    <p:animEffect transition="in" filter="fade">
+                                      <p:cBhvr>
+                                        <p:cTn id="10" dur="500"/>
+                                        <p:tgtEl>
+                                          <p:spTgt spid="3">
+                                            <p:txEl>
+                                              <p:pRg st="1" end="1"/>
+                                            </p:txEl>
+                                          </p:spTgt>
+                                        </p:tgtEl>
+                                      </p:cBhvr>
+                                    </p:animEffect>
+                                  </p:childTnLst>
+                                </p:cTn>
+                              </p:par>
+                            </p:childTnLst>
+                          </p:cTn>
+                        </p:par>
+                      </p:childTnLst>
+                    </p:cTn>
+                  </p:par>
+                  <p:par>
+                    <p:cTn id="11" fill="hold">
+                      <p:stCondLst>
+                        <p:cond delay="indefinite"/>
+                      </p:stCondLst>
+                      <p:childTnLst>
+                        <p:par>
+                          <p:cTn id="12" fill="hold">
+                            <p:stCondLst>
+                              <p:cond delay="0"/>
+                            </p:stCondLst>
+                            <p:childTnLst>
+                              <p:par>
+                                <p:cTn id="13" presetID="10" presetClass="entr" presetSubtype="0" fill="hold" nodeType="clickEffect">
+                                  <p:stCondLst>
+                                    <p:cond delay="0"/>
+                                  </p:stCondLst>
+                                  <p:childTnLst>
+                                    <p:set>
+                                      <p:cBhvr>
+                                        <p:cTn id="14" dur="1" fill="hold">
+                                          <p:stCondLst>
+                                            <p:cond delay="0"/>
+                                          </p:stCondLst>
+                                        </p:cTn>
+                                        <p:tgtEl>
+                                          <p:spTgt spid="3">
+                                            <p:txEl>
+                                              <p:pRg st="2" end="2"/>
+                                            </p:txEl>
+                                          </p:spTgt>
+                                        </p:tgtEl>
+                                        <p:attrNameLst>
+                                          <p:attrName>style.visibility</p:attrName>
+                                        </p:attrNameLst>
+                                      </p:cBhvr>
+                                      <p:to>
+                                        <p:strVal val="visible"/>
+                                      </p:to>
+                                    </p:set>
+                                    <p:animEffect transition="in" filter="fade">
+                                      <p:cBhvr>
+                                        <p:cTn id="15" dur="500"/>
+                                        <p:tgtEl>
+                                          <p:spTgt spid="3">
+                                            <p:txEl>
+                                              <p:pRg st="2" end="2"/>
+                                            </p:txEl>
+                                          </p:spTgt>
+                                        </p:tgtEl>
+                                      </p:cBhvr>
+                                    </p:animEffect>
+                                  </p:childTnLst>
+                                </p:cTn>
+                              </p:par>
+                              <p:par>
+                                <p:cTn id="16" presetID="10" presetClass="entr" presetSubtype="0" fill="hold" nodeType="withEffect">
+                                  <p:stCondLst>
+                                    <p:cond delay="0"/>
+                                  </p:stCondLst>
+                                  <p:childTnLst>
+                                    <p:set>
+                                      <p:cBhvr>
+                                        <p:cTn id="17" dur="1" fill="hold">
+                                          <p:stCondLst>
+                                            <p:cond delay="0"/>
+                                          </p:stCondLst>
+                                        </p:cTn>
+                                        <p:tgtEl>
+                                          <p:spTgt spid="3">
+                                            <p:txEl>
+                                              <p:pRg st="3" end="3"/>
+                                            </p:txEl>
+                                          </p:spTgt>
+                                        </p:tgtEl>
+                                        <p:attrNameLst>
+                                          <p:attrName>style.visibility</p:attrName>
+                                        </p:attrNameLst>
+                                      </p:cBhvr>
+                                      <p:to>
+                                        <p:strVal val="visible"/>
+                                      </p:to>
+                                    </p:set>
+                                    <p:animEffect transition="in" filter="fade">
+                                      <p:cBhvr>
+                                        <p:cTn id="18" dur="500"/>
+                                        <p:tgtEl>
+                                          <p:spTgt spid="3">
+                                            <p:txEl>
+                                              <p:pRg st="3" end="3"/>
+                                            </p:txEl>
+                                          </p:spTgt>
+                                        </p:tgtEl>
+                                      </p:cBhvr>
+                                    </p:animEffect>
+                                  </p:childTnLst>
+                                </p:cTn>
+                              </p:par>
+                            </p:childTnLst>
+                          </p:cTn>
+                        </p:par>
+                      </p:childTnLst>
+                    </p:cTn>
+                  </p:par>
+                  <p:par>
+                    <p:cTn id="19" fill="hold">
+                      <p:stCondLst>
+                        <p:cond delay="indefinite"/>
+                      </p:stCondLst>
+                      <p:childTnLst>
+                        <p:par>
+                          <p:cTn id="20" fill="hold">
+                            <p:stCondLst>
+                              <p:cond delay="0"/>
+                            </p:stCondLst>
+                            <p:childTnLst>
+                              <p:par>
+                                <p:cTn id="21" presetID="10" presetClass="entr" presetSubtype="0" fill="hold" nodeType="clickEffect">
+                                  <p:stCondLst>
+                                    <p:cond delay="0"/>
+                                  </p:stCondLst>
+                                  <p:childTnLst>
+                                    <p:set>
+                                      <p:cBhvr>
+                                        <p:cTn id="22" dur="1" fill="hold">
+                                          <p:stCondLst>
+                                            <p:cond delay="0"/>
+                                          </p:stCondLst>
+                                        </p:cTn>
+                                        <p:tgtEl>
+                                          <p:spTgt spid="3">
+                                            <p:txEl>
+                                              <p:pRg st="4" end="4"/>
+                                            </p:txEl>
+                                          </p:spTgt>
+                                        </p:tgtEl>
+                                        <p:attrNameLst>
+                                          <p:attrName>style.visibility</p:attrName>
+                                        </p:attrNameLst>
+                                      </p:cBhvr>
+                                      <p:to>
+                                        <p:strVal val="visible"/>
+                                      </p:to>
+                                    </p:set>
+                                    <p:animEffect transition="in" filter="fade">
+                                      <p:cBhvr>
+                                        <p:cTn id="23" dur="500"/>
+                                        <p:tgtEl>
+                                          <p:spTgt spid="3">
+                                            <p:txEl>
+                                              <p:pRg st="4" end="4"/>
+                                            </p:txEl>
+                                          </p:spTgt>
+                                        </p:tgtEl>
+                                      </p:cBhvr>
+                                    </p:animEffect>
+                                  </p:childTnLst>
+                                </p:cTn>
+                              </p:par>
+                              <p:par>
+                                <p:cTn id="24" presetID="10" presetClass="entr" presetSubtype="0" fill="hold" nodeType="withEffect">
+                                  <p:stCondLst>
+                                    <p:cond delay="0"/>
+                                  </p:stCondLst>
+                                  <p:childTnLst>
+                                    <p:set>
+                                      <p:cBhvr>
+                                        <p:cTn id="25" dur="1" fill="hold">
+                                          <p:stCondLst>
+                                            <p:cond delay="0"/>
+                                          </p:stCondLst>
+                                        </p:cTn>
+                                        <p:tgtEl>
+                                          <p:spTgt spid="3">
+                                            <p:txEl>
+                                              <p:pRg st="5" end="5"/>
+                                            </p:txEl>
+                                          </p:spTgt>
+                                        </p:tgtEl>
+                                        <p:attrNameLst>
+                                          <p:attrName>style.visibility</p:attrName>
+                                        </p:attrNameLst>
+                                      </p:cBhvr>
+                                      <p:to>
+                                        <p:strVal val="visible"/>
+                                      </p:to>
+                                    </p:set>
+                                    <p:animEffect transition="in" filter="fade">
+                                      <p:cBhvr>
+                                        <p:cTn id="26" dur="500"/>
+                                        <p:tgtEl>
+                                          <p:spTgt spid="3">
+                                            <p:txEl>
+                                              <p:pRg st="5" end="5"/>
+                                            </p:txEl>
+                                          </p:spTgt>
+                                        </p:tgtEl>
+                                      </p:cBhvr>
+                                    </p:animEffect>
+                                  </p:childTnLst>
+                                </p:cTn>
+                              </p:par>
+                            </p:childTnLst>
+                          </p:cTn>
+                        </p:par>
+                      </p:childTnLst>
+                    </p:cTn>
+                  </p:par>
+                </p:childTnLst>
+              </p:cTn>
+              <p:prevCondLst>
+                <p:cond evt="onPrev" delay="0">
+                  <p:tgtEl>
+                    <p:sldTgt/>
+                  </p:tgtEl>
+                </p:cond>
+              </p:prevCondLst>
+              <p:nextCondLst>
+                <p:cond evt="onNext" delay="0">
+                  <p:tgtEl>
+                    <p:sldTgt/>
+                  </p:tgtEl>
+                </p:cond>
+              </p:nextCondLst>
+            </p:seq>
+          </p:childTnLst>
+        </p:cTn>
       </p:par>
     </p:tnLst>
   </p:timing>
@@ -17966,8 +18412,8 @@
           </a:p>
         </p:txBody>
       </p:sp>
-      <mc:AlternateContent xmlns:mc="http://schemas.openxmlformats.org/markup-compatibility/2006" xmlns:a14="http://schemas.microsoft.com/office/drawing/2010/main">
-        <mc:Choice Requires="a14">
+      <mc:AlternateContent xmlns:mc="http://schemas.openxmlformats.org/markup-compatibility/2006">
+        <mc:Choice xmlns:a14="http://schemas.microsoft.com/office/drawing/2010/main" Requires="a14">
           <p:sp>
             <p:nvSpPr>
               <p:cNvPr id="6" name="TextBox 5"/>
@@ -17976,7 +18422,7 @@
             </p:nvSpPr>
             <p:spPr>
               <a:xfrm>
-                <a:off x="1175122" y="3843549"/>
+                <a:off x="1175122" y="4502311"/>
                 <a:ext cx="5984010" cy="1000338"/>
               </a:xfrm>
               <a:prstGeom prst="rect">
@@ -18423,7 +18869,7 @@
             </p:txBody>
           </p:sp>
         </mc:Choice>
-        <mc:Fallback xmlns="">
+        <mc:Fallback>
           <p:sp>
             <p:nvSpPr>
               <p:cNvPr id="6" name="TextBox 5"/>
@@ -18434,7 +18880,7 @@
             </p:nvSpPr>
             <p:spPr>
               <a:xfrm>
-                <a:off x="1175122" y="3843549"/>
+                <a:off x="1175122" y="4502311"/>
                 <a:ext cx="5984010" cy="1000338"/>
               </a:xfrm>
               <a:prstGeom prst="rect">
@@ -18787,7 +19233,7 @@
         </p:nvCxnSpPr>
         <p:spPr>
           <a:xfrm>
-            <a:off x="4646921" y="2446164"/>
+            <a:off x="4744358" y="2405785"/>
             <a:ext cx="319582" cy="537959"/>
           </a:xfrm>
           <a:prstGeom prst="straightConnector1">
@@ -18815,6 +19261,477 @@
           </a:fontRef>
         </p:style>
       </p:cxnSp>
+      <mc:AlternateContent xmlns:mc="http://schemas.openxmlformats.org/markup-compatibility/2006">
+        <mc:Choice xmlns:a14="http://schemas.microsoft.com/office/drawing/2010/main" Requires="a14">
+          <p:sp>
+            <p:nvSpPr>
+              <p:cNvPr id="3" name="TextBox 2"/>
+              <p:cNvSpPr txBox="1"/>
+              <p:nvPr/>
+            </p:nvSpPr>
+            <p:spPr>
+              <a:xfrm>
+                <a:off x="5926527" y="2765136"/>
+                <a:ext cx="2033890" cy="756233"/>
+              </a:xfrm>
+              <a:prstGeom prst="rect">
+                <a:avLst/>
+              </a:prstGeom>
+              <a:noFill/>
+            </p:spPr>
+            <p:txBody>
+              <a:bodyPr wrap="none" lIns="0" tIns="0" rIns="0" bIns="0" rtlCol="0">
+                <a:spAutoFit/>
+              </a:bodyPr>
+              <a:lstStyle/>
+              <a:p>
+                <a14:m>
+                  <m:oMathPara xmlns:m="http://schemas.openxmlformats.org/officeDocument/2006/math">
+                    <m:oMathParaPr>
+                      <m:jc m:val="centerGroup"/>
+                    </m:oMathParaPr>
+                    <m:oMath xmlns:m="http://schemas.openxmlformats.org/officeDocument/2006/math">
+                      <m:sSubSup>
+                        <m:sSubSupPr>
+                          <m:ctrlPr>
+                            <a:rPr lang="en-US" i="1" smtClean="0">
+                              <a:latin typeface="Cambria Math" panose="02040503050406030204" pitchFamily="18" charset="0"/>
+                            </a:rPr>
+                          </m:ctrlPr>
+                        </m:sSubSupPr>
+                        <m:e>
+                          <m:r>
+                            <a:rPr lang="en-US" i="1" smtClean="0">
+                              <a:latin typeface="Cambria Math" panose="02040503050406030204" pitchFamily="18" charset="0"/>
+                              <a:ea typeface="Cambria Math" panose="02040503050406030204" pitchFamily="18" charset="0"/>
+                            </a:rPr>
+                            <m:t>𝜎</m:t>
+                          </m:r>
+                        </m:e>
+                        <m:sub>
+                          <m:r>
+                            <a:rPr lang="en-US" b="0" i="1" smtClean="0">
+                              <a:latin typeface="Cambria Math" panose="02040503050406030204" pitchFamily="18" charset="0"/>
+                            </a:rPr>
+                            <m:t>𝑐𝑖</m:t>
+                          </m:r>
+                        </m:sub>
+                        <m:sup>
+                          <m:r>
+                            <a:rPr lang="en-US" b="0" i="1" smtClean="0">
+                              <a:latin typeface="Cambria Math" panose="02040503050406030204" pitchFamily="18" charset="0"/>
+                            </a:rPr>
+                            <m:t>2</m:t>
+                          </m:r>
+                        </m:sup>
+                      </m:sSubSup>
+                      <m:r>
+                        <a:rPr lang="en-US" b="0" i="1" smtClean="0">
+                          <a:latin typeface="Cambria Math" panose="02040503050406030204" pitchFamily="18" charset="0"/>
+                        </a:rPr>
+                        <m:t>=</m:t>
+                      </m:r>
+                      <m:nary>
+                        <m:naryPr>
+                          <m:chr m:val="∑"/>
+                          <m:ctrlPr>
+                            <a:rPr lang="en-US" b="0" i="1" smtClean="0">
+                              <a:latin typeface="Cambria Math" panose="02040503050406030204" pitchFamily="18" charset="0"/>
+                            </a:rPr>
+                          </m:ctrlPr>
+                        </m:naryPr>
+                        <m:sub>
+                          <m:r>
+                            <m:rPr>
+                              <m:brk m:alnAt="23"/>
+                            </m:rPr>
+                            <a:rPr lang="en-US" b="0" i="1" smtClean="0">
+                              <a:latin typeface="Cambria Math" panose="02040503050406030204" pitchFamily="18" charset="0"/>
+                            </a:rPr>
+                            <m:t>𝑖</m:t>
+                          </m:r>
+                          <m:r>
+                            <a:rPr lang="en-US" b="0" i="1" smtClean="0">
+                              <a:latin typeface="Cambria Math" panose="02040503050406030204" pitchFamily="18" charset="0"/>
+                            </a:rPr>
+                            <m:t>=1</m:t>
+                          </m:r>
+                        </m:sub>
+                        <m:sup>
+                          <m:r>
+                            <a:rPr lang="en-US" b="0" i="1" smtClean="0">
+                              <a:latin typeface="Cambria Math" panose="02040503050406030204" pitchFamily="18" charset="0"/>
+                            </a:rPr>
+                            <m:t>𝑛</m:t>
+                          </m:r>
+                        </m:sup>
+                        <m:e>
+                          <m:f>
+                            <m:fPr>
+                              <m:ctrlPr>
+                                <a:rPr lang="en-US" b="0" i="1" smtClean="0">
+                                  <a:latin typeface="Cambria Math" panose="02040503050406030204" pitchFamily="18" charset="0"/>
+                                </a:rPr>
+                              </m:ctrlPr>
+                            </m:fPr>
+                            <m:num>
+                              <m:sSup>
+                                <m:sSupPr>
+                                  <m:ctrlPr>
+                                    <a:rPr lang="en-US" i="1">
+                                      <a:latin typeface="Cambria Math" panose="02040503050406030204" pitchFamily="18" charset="0"/>
+                                    </a:rPr>
+                                  </m:ctrlPr>
+                                </m:sSupPr>
+                                <m:e>
+                                  <m:d>
+                                    <m:dPr>
+                                      <m:ctrlPr>
+                                        <a:rPr lang="en-US" i="1">
+                                          <a:latin typeface="Cambria Math" panose="02040503050406030204" pitchFamily="18" charset="0"/>
+                                        </a:rPr>
+                                      </m:ctrlPr>
+                                    </m:dPr>
+                                    <m:e>
+                                      <m:sSub>
+                                        <m:sSubPr>
+                                          <m:ctrlPr>
+                                            <a:rPr lang="en-US" i="1">
+                                              <a:latin typeface="Cambria Math" panose="02040503050406030204" pitchFamily="18" charset="0"/>
+                                            </a:rPr>
+                                          </m:ctrlPr>
+                                        </m:sSubPr>
+                                        <m:e>
+                                          <m:r>
+                                            <a:rPr lang="en-US" i="1">
+                                              <a:latin typeface="Cambria Math" panose="02040503050406030204" pitchFamily="18" charset="0"/>
+                                            </a:rPr>
+                                            <m:t>𝑥</m:t>
+                                          </m:r>
+                                        </m:e>
+                                        <m:sub>
+                                          <m:r>
+                                            <a:rPr lang="en-US" i="1">
+                                              <a:latin typeface="Cambria Math" panose="02040503050406030204" pitchFamily="18" charset="0"/>
+                                            </a:rPr>
+                                            <m:t>𝑖</m:t>
+                                          </m:r>
+                                        </m:sub>
+                                      </m:sSub>
+                                      <m:r>
+                                        <a:rPr lang="en-US" i="1">
+                                          <a:latin typeface="Cambria Math" panose="02040503050406030204" pitchFamily="18" charset="0"/>
+                                        </a:rPr>
+                                        <m:t>−</m:t>
+                                      </m:r>
+                                      <m:sSub>
+                                        <m:sSubPr>
+                                          <m:ctrlPr>
+                                            <a:rPr lang="en-US" i="1">
+                                              <a:latin typeface="Cambria Math" panose="02040503050406030204" pitchFamily="18" charset="0"/>
+                                              <a:ea typeface="Cambria Math" panose="02040503050406030204" pitchFamily="18" charset="0"/>
+                                            </a:rPr>
+                                          </m:ctrlPr>
+                                        </m:sSubPr>
+                                        <m:e>
+                                          <m:r>
+                                            <a:rPr lang="en-US" i="1">
+                                              <a:latin typeface="Cambria Math" panose="02040503050406030204" pitchFamily="18" charset="0"/>
+                                              <a:ea typeface="Cambria Math" panose="02040503050406030204" pitchFamily="18" charset="0"/>
+                                            </a:rPr>
+                                            <m:t>𝜇</m:t>
+                                          </m:r>
+                                        </m:e>
+                                        <m:sub>
+                                          <m:r>
+                                            <a:rPr lang="en-US" i="1">
+                                              <a:latin typeface="Cambria Math" panose="02040503050406030204" pitchFamily="18" charset="0"/>
+                                              <a:ea typeface="Cambria Math" panose="02040503050406030204" pitchFamily="18" charset="0"/>
+                                            </a:rPr>
+                                            <m:t>𝑐𝑖</m:t>
+                                          </m:r>
+                                        </m:sub>
+                                      </m:sSub>
+                                    </m:e>
+                                  </m:d>
+                                </m:e>
+                                <m:sup>
+                                  <m:r>
+                                    <a:rPr lang="en-US" i="1">
+                                      <a:latin typeface="Cambria Math" panose="02040503050406030204" pitchFamily="18" charset="0"/>
+                                    </a:rPr>
+                                    <m:t>2</m:t>
+                                  </m:r>
+                                </m:sup>
+                              </m:sSup>
+                            </m:num>
+                            <m:den>
+                              <m:r>
+                                <a:rPr lang="en-US" b="0" i="1" smtClean="0">
+                                  <a:latin typeface="Cambria Math" panose="02040503050406030204" pitchFamily="18" charset="0"/>
+                                </a:rPr>
+                                <m:t>𝑛</m:t>
+                              </m:r>
+                            </m:den>
+                          </m:f>
+                        </m:e>
+                      </m:nary>
+                    </m:oMath>
+                  </m:oMathPara>
+                </a14:m>
+                <a:endParaRPr lang="en-US"/>
+              </a:p>
+            </p:txBody>
+          </p:sp>
+        </mc:Choice>
+        <mc:Fallback>
+          <p:sp>
+            <p:nvSpPr>
+              <p:cNvPr id="3" name="TextBox 2"/>
+              <p:cNvSpPr txBox="1">
+                <a:spLocks noRot="1" noChangeAspect="1" noMove="1" noResize="1" noEditPoints="1" noAdjustHandles="1" noChangeArrowheads="1" noChangeShapeType="1" noTextEdit="1"/>
+              </p:cNvSpPr>
+              <p:nvPr/>
+            </p:nvSpPr>
+            <p:spPr>
+              <a:xfrm>
+                <a:off x="5926527" y="2765136"/>
+                <a:ext cx="2033890" cy="756233"/>
+              </a:xfrm>
+              <a:prstGeom prst="rect">
+                <a:avLst/>
+              </a:prstGeom>
+              <a:blipFill rotWithShape="0">
+                <a:blip r:embed="rId4"/>
+                <a:stretch>
+                  <a:fillRect/>
+                </a:stretch>
+              </a:blipFill>
+            </p:spPr>
+            <p:txBody>
+              <a:bodyPr/>
+              <a:lstStyle/>
+              <a:p>
+                <a:r>
+                  <a:rPr lang="en-US">
+                    <a:noFill/>
+                  </a:rPr>
+                  <a:t> </a:t>
+                </a:r>
+              </a:p>
+            </p:txBody>
+          </p:sp>
+        </mc:Fallback>
+      </mc:AlternateContent>
+      <mc:AlternateContent xmlns:mc="http://schemas.openxmlformats.org/markup-compatibility/2006">
+        <mc:Choice xmlns:a14="http://schemas.microsoft.com/office/drawing/2010/main" Requires="a14">
+          <p:sp>
+            <p:nvSpPr>
+              <p:cNvPr id="11" name="TextBox 10"/>
+              <p:cNvSpPr txBox="1"/>
+              <p:nvPr/>
+            </p:nvSpPr>
+            <p:spPr>
+              <a:xfrm>
+                <a:off x="5926527" y="978339"/>
+                <a:ext cx="1356269" cy="756233"/>
+              </a:xfrm>
+              <a:prstGeom prst="rect">
+                <a:avLst/>
+              </a:prstGeom>
+              <a:noFill/>
+            </p:spPr>
+            <p:txBody>
+              <a:bodyPr wrap="none" lIns="0" tIns="0" rIns="0" bIns="0" rtlCol="0">
+                <a:spAutoFit/>
+              </a:bodyPr>
+              <a:lstStyle/>
+              <a:p>
+                <a14:m>
+                  <m:oMathPara xmlns:m="http://schemas.openxmlformats.org/officeDocument/2006/math">
+                    <m:oMathParaPr>
+                      <m:jc m:val="centerGroup"/>
+                    </m:oMathParaPr>
+                    <m:oMath xmlns:m="http://schemas.openxmlformats.org/officeDocument/2006/math">
+                      <m:sSub>
+                        <m:sSubPr>
+                          <m:ctrlPr>
+                            <a:rPr lang="en-US" i="1" smtClean="0">
+                              <a:latin typeface="Cambria Math" panose="02040503050406030204" pitchFamily="18" charset="0"/>
+                              <a:ea typeface="Cambria Math" panose="02040503050406030204" pitchFamily="18" charset="0"/>
+                            </a:rPr>
+                          </m:ctrlPr>
+                        </m:sSubPr>
+                        <m:e>
+                          <m:r>
+                            <a:rPr lang="en-US" i="1">
+                              <a:latin typeface="Cambria Math" panose="02040503050406030204" pitchFamily="18" charset="0"/>
+                              <a:ea typeface="Cambria Math" panose="02040503050406030204" pitchFamily="18" charset="0"/>
+                            </a:rPr>
+                            <m:t>𝜇</m:t>
+                          </m:r>
+                        </m:e>
+                        <m:sub>
+                          <m:r>
+                            <a:rPr lang="en-US" i="1">
+                              <a:latin typeface="Cambria Math" panose="02040503050406030204" pitchFamily="18" charset="0"/>
+                              <a:ea typeface="Cambria Math" panose="02040503050406030204" pitchFamily="18" charset="0"/>
+                            </a:rPr>
+                            <m:t>𝑐𝑖</m:t>
+                          </m:r>
+                        </m:sub>
+                      </m:sSub>
+                      <m:r>
+                        <a:rPr lang="en-US" b="0" i="1" smtClean="0">
+                          <a:latin typeface="Cambria Math" panose="02040503050406030204" pitchFamily="18" charset="0"/>
+                          <a:ea typeface="Cambria Math" panose="02040503050406030204" pitchFamily="18" charset="0"/>
+                        </a:rPr>
+                        <m:t>=</m:t>
+                      </m:r>
+                      <m:f>
+                        <m:fPr>
+                          <m:ctrlPr>
+                            <a:rPr lang="en-US" b="0" i="1" smtClean="0">
+                              <a:latin typeface="Cambria Math" panose="02040503050406030204" pitchFamily="18" charset="0"/>
+                              <a:ea typeface="Cambria Math" panose="02040503050406030204" pitchFamily="18" charset="0"/>
+                            </a:rPr>
+                          </m:ctrlPr>
+                        </m:fPr>
+                        <m:num>
+                          <m:r>
+                            <a:rPr lang="en-US" b="0" i="1" smtClean="0">
+                              <a:latin typeface="Cambria Math" panose="02040503050406030204" pitchFamily="18" charset="0"/>
+                              <a:ea typeface="Cambria Math" panose="02040503050406030204" pitchFamily="18" charset="0"/>
+                            </a:rPr>
+                            <m:t>1</m:t>
+                          </m:r>
+                        </m:num>
+                        <m:den>
+                          <m:r>
+                            <a:rPr lang="en-US" b="0" i="1" smtClean="0">
+                              <a:latin typeface="Cambria Math" panose="02040503050406030204" pitchFamily="18" charset="0"/>
+                              <a:ea typeface="Cambria Math" panose="02040503050406030204" pitchFamily="18" charset="0"/>
+                            </a:rPr>
+                            <m:t>𝑛</m:t>
+                          </m:r>
+                        </m:den>
+                      </m:f>
+                      <m:nary>
+                        <m:naryPr>
+                          <m:chr m:val="∑"/>
+                          <m:ctrlPr>
+                            <a:rPr lang="en-US" b="0" i="1" smtClean="0">
+                              <a:latin typeface="Cambria Math" panose="02040503050406030204" pitchFamily="18" charset="0"/>
+                              <a:ea typeface="Cambria Math" panose="02040503050406030204" pitchFamily="18" charset="0"/>
+                            </a:rPr>
+                          </m:ctrlPr>
+                        </m:naryPr>
+                        <m:sub>
+                          <m:r>
+                            <m:rPr>
+                              <m:brk m:alnAt="23"/>
+                            </m:rPr>
+                            <a:rPr lang="en-US" b="0" i="1" smtClean="0">
+                              <a:latin typeface="Cambria Math" panose="02040503050406030204" pitchFamily="18" charset="0"/>
+                              <a:ea typeface="Cambria Math" panose="02040503050406030204" pitchFamily="18" charset="0"/>
+                            </a:rPr>
+                            <m:t>𝑖</m:t>
+                          </m:r>
+                          <m:r>
+                            <a:rPr lang="en-US" b="0" i="1" smtClean="0">
+                              <a:latin typeface="Cambria Math" panose="02040503050406030204" pitchFamily="18" charset="0"/>
+                              <a:ea typeface="Cambria Math" panose="02040503050406030204" pitchFamily="18" charset="0"/>
+                            </a:rPr>
+                            <m:t>=1</m:t>
+                          </m:r>
+                        </m:sub>
+                        <m:sup>
+                          <m:r>
+                            <a:rPr lang="en-US" b="0" i="1" smtClean="0">
+                              <a:latin typeface="Cambria Math" panose="02040503050406030204" pitchFamily="18" charset="0"/>
+                              <a:ea typeface="Cambria Math" panose="02040503050406030204" pitchFamily="18" charset="0"/>
+                            </a:rPr>
+                            <m:t>𝑛</m:t>
+                          </m:r>
+                        </m:sup>
+                        <m:e>
+                          <m:sSub>
+                            <m:sSubPr>
+                              <m:ctrlPr>
+                                <a:rPr lang="en-US" b="0" i="1" smtClean="0">
+                                  <a:latin typeface="Cambria Math" panose="02040503050406030204" pitchFamily="18" charset="0"/>
+                                  <a:ea typeface="Cambria Math" panose="02040503050406030204" pitchFamily="18" charset="0"/>
+                                </a:rPr>
+                              </m:ctrlPr>
+                            </m:sSubPr>
+                            <m:e>
+                              <m:r>
+                                <a:rPr lang="en-US" b="0" i="1" smtClean="0">
+                                  <a:latin typeface="Cambria Math" panose="02040503050406030204" pitchFamily="18" charset="0"/>
+                                  <a:ea typeface="Cambria Math" panose="02040503050406030204" pitchFamily="18" charset="0"/>
+                                </a:rPr>
+                                <m:t>𝑥</m:t>
+                              </m:r>
+                            </m:e>
+                            <m:sub>
+                              <m:r>
+                                <a:rPr lang="en-US" b="0" i="1" smtClean="0">
+                                  <a:latin typeface="Cambria Math" panose="02040503050406030204" pitchFamily="18" charset="0"/>
+                                  <a:ea typeface="Cambria Math" panose="02040503050406030204" pitchFamily="18" charset="0"/>
+                                </a:rPr>
+                                <m:t>𝑖</m:t>
+                              </m:r>
+                            </m:sub>
+                          </m:sSub>
+                        </m:e>
+                      </m:nary>
+                    </m:oMath>
+                  </m:oMathPara>
+                </a14:m>
+                <a:endParaRPr lang="en-US"/>
+              </a:p>
+            </p:txBody>
+          </p:sp>
+        </mc:Choice>
+        <mc:Fallback>
+          <p:sp>
+            <p:nvSpPr>
+              <p:cNvPr id="11" name="TextBox 10"/>
+              <p:cNvSpPr txBox="1">
+                <a:spLocks noRot="1" noChangeAspect="1" noMove="1" noResize="1" noEditPoints="1" noAdjustHandles="1" noChangeArrowheads="1" noChangeShapeType="1" noTextEdit="1"/>
+              </p:cNvSpPr>
+              <p:nvPr/>
+            </p:nvSpPr>
+            <p:spPr>
+              <a:xfrm>
+                <a:off x="5926527" y="978339"/>
+                <a:ext cx="1356269" cy="756233"/>
+              </a:xfrm>
+              <a:prstGeom prst="rect">
+                <a:avLst/>
+              </a:prstGeom>
+              <a:blipFill rotWithShape="0">
+                <a:blip r:embed="rId5"/>
+                <a:stretch>
+                  <a:fillRect/>
+                </a:stretch>
+              </a:blipFill>
+            </p:spPr>
+            <p:txBody>
+              <a:bodyPr/>
+              <a:lstStyle/>
+              <a:p>
+                <a:r>
+                  <a:rPr lang="en-US">
+                    <a:noFill/>
+                  </a:rPr>
+                  <a:t> </a:t>
+                </a:r>
+              </a:p>
+            </p:txBody>
+          </p:sp>
+        </mc:Fallback>
+      </mc:AlternateContent>
     </p:spTree>
     <p:extLst>
       <p:ext uri="{BB962C8B-B14F-4D97-AF65-F5344CB8AC3E}">
@@ -18968,39 +19885,21 @@
                                   </p:childTnLst>
                                 </p:cTn>
                               </p:par>
-                            </p:childTnLst>
-                          </p:cTn>
-                        </p:par>
-                      </p:childTnLst>
-                    </p:cTn>
-                  </p:par>
-                  <p:par>
-                    <p:cTn id="16" fill="hold">
-                      <p:stCondLst>
-                        <p:cond delay="indefinite"/>
-                      </p:stCondLst>
-                      <p:childTnLst>
-                        <p:par>
-                          <p:cTn id="17" fill="hold">
-                            <p:stCondLst>
-                              <p:cond delay="0"/>
-                            </p:stCondLst>
-                            <p:childTnLst>
                               <p:par>
-                                <p:cTn id="18" presetID="1" presetClass="entr" presetSubtype="0" fill="hold" nodeType="clickEffect">
+                                <p:cTn id="16" presetID="10" presetClass="entr" presetSubtype="0" fill="hold" grpId="0" nodeType="withEffect">
                                   <p:stCondLst>
                                     <p:cond delay="0"/>
                                   </p:stCondLst>
                                   <p:childTnLst>
                                     <p:set>
                                       <p:cBhvr>
-                                        <p:cTn id="19" dur="1" fill="hold">
+                                        <p:cTn id="17" dur="1" fill="hold">
                                           <p:stCondLst>
                                             <p:cond delay="0"/>
                                           </p:stCondLst>
                                         </p:cTn>
                                         <p:tgtEl>
-                                          <p:spTgt spid="13"/>
+                                          <p:spTgt spid="11"/>
                                         </p:tgtEl>
                                         <p:attrNameLst>
                                           <p:attrName>style.visibility</p:attrName>
@@ -19010,33 +19909,14 @@
                                         <p:strVal val="visible"/>
                                       </p:to>
                                     </p:set>
-                                  </p:childTnLst>
-                                </p:cTn>
-                              </p:par>
-                              <p:par>
-                                <p:cTn id="20" presetID="1" presetClass="entr" presetSubtype="0" fill="hold" grpId="0" nodeType="withEffect">
-                                  <p:stCondLst>
-                                    <p:cond delay="0"/>
-                                  </p:stCondLst>
-                                  <p:childTnLst>
-                                    <p:set>
-                                      <p:cBhvr>
-                                        <p:cTn id="21" dur="1" fill="hold">
-                                          <p:stCondLst>
-                                            <p:cond delay="0"/>
-                                          </p:stCondLst>
-                                        </p:cTn>
-                                        <p:tgtEl>
-                                          <p:spTgt spid="9"/>
-                                        </p:tgtEl>
-                                        <p:attrNameLst>
-                                          <p:attrName>style.visibility</p:attrName>
-                                        </p:attrNameLst>
-                                      </p:cBhvr>
-                                      <p:to>
-                                        <p:strVal val="visible"/>
-                                      </p:to>
-                                    </p:set>
+                                    <p:animEffect transition="in" filter="fade">
+                                      <p:cBhvr>
+                                        <p:cTn id="18" dur="500"/>
+                                        <p:tgtEl>
+                                          <p:spTgt spid="11"/>
+                                        </p:tgtEl>
+                                      </p:cBhvr>
+                                    </p:animEffect>
                                   </p:childTnLst>
                                 </p:cTn>
                               </p:par>
@@ -19047,32 +19927,67 @@
                     </p:cTn>
                   </p:par>
                   <p:par>
-                    <p:cTn id="22" fill="hold">
+                    <p:cTn id="19" fill="hold">
                       <p:stCondLst>
                         <p:cond delay="indefinite"/>
                       </p:stCondLst>
                       <p:childTnLst>
                         <p:par>
-                          <p:cTn id="23" fill="hold">
+                          <p:cTn id="20" fill="hold">
                             <p:stCondLst>
                               <p:cond delay="0"/>
                             </p:stCondLst>
                             <p:childTnLst>
                               <p:par>
-                                <p:cTn id="24" presetID="10" presetClass="entr" presetSubtype="0" fill="hold" grpId="0" nodeType="clickEffect">
+                                <p:cTn id="21" presetID="10" presetClass="entr" presetSubtype="0" fill="hold" nodeType="clickEffect">
                                   <p:stCondLst>
                                     <p:cond delay="0"/>
                                   </p:stCondLst>
                                   <p:childTnLst>
                                     <p:set>
                                       <p:cBhvr>
+                                        <p:cTn id="22" dur="1" fill="hold">
+                                          <p:stCondLst>
+                                            <p:cond delay="0"/>
+                                          </p:stCondLst>
+                                        </p:cTn>
+                                        <p:tgtEl>
+                                          <p:spTgt spid="13"/>
+                                        </p:tgtEl>
+                                        <p:attrNameLst>
+                                          <p:attrName>style.visibility</p:attrName>
+                                        </p:attrNameLst>
+                                      </p:cBhvr>
+                                      <p:to>
+                                        <p:strVal val="visible"/>
+                                      </p:to>
+                                    </p:set>
+                                    <p:animEffect transition="in" filter="fade">
+                                      <p:cBhvr>
+                                        <p:cTn id="23" dur="500"/>
+                                        <p:tgtEl>
+                                          <p:spTgt spid="13"/>
+                                        </p:tgtEl>
+                                      </p:cBhvr>
+                                    </p:animEffect>
+                                  </p:childTnLst>
+                                </p:cTn>
+                              </p:par>
+                              <p:par>
+                                <p:cTn id="24" presetID="10" presetClass="entr" presetSubtype="0" fill="hold" grpId="0" nodeType="withEffect">
+                                  <p:stCondLst>
+                                    <p:cond delay="0"/>
+                                  </p:stCondLst>
+                                  <p:childTnLst>
+                                    <p:set>
+                                      <p:cBhvr>
                                         <p:cTn id="25" dur="1" fill="hold">
                                           <p:stCondLst>
                                             <p:cond delay="0"/>
                                           </p:stCondLst>
                                         </p:cTn>
                                         <p:tgtEl>
-                                          <p:spTgt spid="6"/>
+                                          <p:spTgt spid="9"/>
                                         </p:tgtEl>
                                         <p:attrNameLst>
                                           <p:attrName>style.visibility</p:attrName>
@@ -19085,6 +20000,94 @@
                                     <p:animEffect transition="in" filter="fade">
                                       <p:cBhvr>
                                         <p:cTn id="26" dur="500"/>
+                                        <p:tgtEl>
+                                          <p:spTgt spid="9"/>
+                                        </p:tgtEl>
+                                      </p:cBhvr>
+                                    </p:animEffect>
+                                  </p:childTnLst>
+                                </p:cTn>
+                              </p:par>
+                              <p:par>
+                                <p:cTn id="27" presetID="10" presetClass="entr" presetSubtype="0" fill="hold" grpId="0" nodeType="withEffect">
+                                  <p:stCondLst>
+                                    <p:cond delay="0"/>
+                                  </p:stCondLst>
+                                  <p:childTnLst>
+                                    <p:set>
+                                      <p:cBhvr>
+                                        <p:cTn id="28" dur="1" fill="hold">
+                                          <p:stCondLst>
+                                            <p:cond delay="0"/>
+                                          </p:stCondLst>
+                                        </p:cTn>
+                                        <p:tgtEl>
+                                          <p:spTgt spid="3"/>
+                                        </p:tgtEl>
+                                        <p:attrNameLst>
+                                          <p:attrName>style.visibility</p:attrName>
+                                        </p:attrNameLst>
+                                      </p:cBhvr>
+                                      <p:to>
+                                        <p:strVal val="visible"/>
+                                      </p:to>
+                                    </p:set>
+                                    <p:animEffect transition="in" filter="fade">
+                                      <p:cBhvr>
+                                        <p:cTn id="29" dur="500"/>
+                                        <p:tgtEl>
+                                          <p:spTgt spid="3"/>
+                                        </p:tgtEl>
+                                      </p:cBhvr>
+                                    </p:animEffect>
+                                  </p:childTnLst>
+                                </p:cTn>
+                              </p:par>
+                            </p:childTnLst>
+                          </p:cTn>
+                        </p:par>
+                      </p:childTnLst>
+                    </p:cTn>
+                  </p:par>
+                  <p:par>
+                    <p:cTn id="30" fill="hold">
+                      <p:stCondLst>
+                        <p:cond delay="indefinite"/>
+                      </p:stCondLst>
+                      <p:childTnLst>
+                        <p:par>
+                          <p:cTn id="31" fill="hold">
+                            <p:stCondLst>
+                              <p:cond delay="0"/>
+                            </p:stCondLst>
+                            <p:childTnLst>
+                              <p:par>
+                                <p:cTn id="32" presetID="10" presetClass="entr" presetSubtype="0" fill="hold" grpId="0" nodeType="clickEffect">
+                                  <p:stCondLst>
+                                    <p:cond delay="0"/>
+                                  </p:stCondLst>
+                                  <p:childTnLst>
+                                    <p:set>
+                                      <p:cBhvr>
+                                        <p:cTn id="33" dur="1" fill="hold">
+                                          <p:stCondLst>
+                                            <p:cond delay="0"/>
+                                          </p:stCondLst>
+                                        </p:cTn>
+                                        <p:tgtEl>
+                                          <p:spTgt spid="6"/>
+                                        </p:tgtEl>
+                                        <p:attrNameLst>
+                                          <p:attrName>style.visibility</p:attrName>
+                                        </p:attrNameLst>
+                                      </p:cBhvr>
+                                      <p:to>
+                                        <p:strVal val="visible"/>
+                                      </p:to>
+                                    </p:set>
+                                    <p:animEffect transition="in" filter="fade">
+                                      <p:cBhvr>
+                                        <p:cTn id="34" dur="500"/>
                                         <p:tgtEl>
                                           <p:spTgt spid="6"/>
                                         </p:tgtEl>
@@ -19125,6 +20128,8 @@
       <p:bldP spid="7" grpId="0"/>
       <p:bldP spid="8" grpId="0"/>
       <p:bldP spid="9" grpId="0"/>
+      <p:bldP spid="3" grpId="0"/>
+      <p:bldP spid="11" grpId="0"/>
     </p:bldLst>
   </p:timing>
 </p:sld>
@@ -19175,37 +20180,6 @@
       </p:sp>
       <p:sp>
         <p:nvSpPr>
-          <p:cNvPr id="3" name="Content Placeholder 2"/>
-          <p:cNvSpPr>
-            <a:spLocks noGrp="1"/>
-          </p:cNvSpPr>
-          <p:nvPr>
-            <p:ph idx="1"/>
-          </p:nvPr>
-        </p:nvSpPr>
-        <p:spPr>
-          <a:xfrm>
-            <a:off x="628650" y="2101605"/>
-            <a:ext cx="8304958" cy="1664636"/>
-          </a:xfrm>
-        </p:spPr>
-        <p:txBody>
-          <a:bodyPr/>
-          <a:lstStyle/>
-          <a:p>
-            <a:pPr marL="0" indent="0">
-              <a:buNone/>
-            </a:pPr>
-            <a:r>
-              <a:rPr lang="en-US" smtClean="0"/>
-              <a:t>Machine Learning cơ bản.pdf : Page 129</a:t>
-            </a:r>
-            <a:endParaRPr lang="en-US" dirty="0"/>
-          </a:p>
-        </p:txBody>
-      </p:sp>
-      <p:sp>
-        <p:nvSpPr>
           <p:cNvPr id="4" name="Footer Placeholder 3"/>
           <p:cNvSpPr>
             <a:spLocks noGrp="1"/>
@@ -19250,10 +20224,1274 @@
           </a:p>
         </p:txBody>
       </p:sp>
+      <mc:AlternateContent xmlns:mc="http://schemas.openxmlformats.org/markup-compatibility/2006">
+        <mc:Choice xmlns:a14="http://schemas.microsoft.com/office/drawing/2010/main" Requires="a14">
+          <p:sp>
+            <p:nvSpPr>
+              <p:cNvPr id="7" name="TextBox 6"/>
+              <p:cNvSpPr txBox="1"/>
+              <p:nvPr/>
+            </p:nvSpPr>
+            <p:spPr>
+              <a:xfrm>
+                <a:off x="2173407" y="3099485"/>
+                <a:ext cx="2202013" cy="565348"/>
+              </a:xfrm>
+              <a:prstGeom prst="rect">
+                <a:avLst/>
+              </a:prstGeom>
+              <a:noFill/>
+            </p:spPr>
+            <p:txBody>
+              <a:bodyPr wrap="none" lIns="0" tIns="0" rIns="0" bIns="0" rtlCol="0">
+                <a:spAutoFit/>
+              </a:bodyPr>
+              <a:lstStyle/>
+              <a:p>
+                <a14:m>
+                  <m:oMathPara xmlns:m="http://schemas.openxmlformats.org/officeDocument/2006/math">
+                    <m:oMathParaPr>
+                      <m:jc m:val="centerGroup"/>
+                    </m:oMathParaPr>
+                    <m:oMath xmlns:m="http://schemas.openxmlformats.org/officeDocument/2006/math">
+                      <m:sSub>
+                        <m:sSubPr>
+                          <m:ctrlPr>
+                            <a:rPr lang="en-US" i="1" smtClean="0">
+                              <a:latin typeface="Cambria Math" panose="02040503050406030204" pitchFamily="18" charset="0"/>
+                            </a:rPr>
+                          </m:ctrlPr>
+                        </m:sSubPr>
+                        <m:e>
+                          <m:r>
+                            <a:rPr lang="en-US" b="0" i="1" smtClean="0">
+                              <a:latin typeface="Cambria Math" panose="02040503050406030204" pitchFamily="18" charset="0"/>
+                            </a:rPr>
+                            <m:t>⇒</m:t>
+                          </m:r>
+                          <m:r>
+                            <a:rPr lang="en-US" i="1" smtClean="0">
+                              <a:latin typeface="Cambria Math" panose="02040503050406030204" pitchFamily="18" charset="0"/>
+                              <a:ea typeface="Cambria Math" panose="02040503050406030204" pitchFamily="18" charset="0"/>
+                            </a:rPr>
+                            <m:t>𝜆</m:t>
+                          </m:r>
+                        </m:e>
+                        <m:sub>
+                          <m:r>
+                            <a:rPr lang="en-US" b="0" i="1" smtClean="0">
+                              <a:latin typeface="Cambria Math" panose="02040503050406030204" pitchFamily="18" charset="0"/>
+                            </a:rPr>
+                            <m:t>𝑐𝑖</m:t>
+                          </m:r>
+                        </m:sub>
+                      </m:sSub>
+                      <m:r>
+                        <a:rPr lang="en-US" b="0" i="1" smtClean="0">
+                          <a:latin typeface="Cambria Math" panose="02040503050406030204" pitchFamily="18" charset="0"/>
+                        </a:rPr>
+                        <m:t>=</m:t>
+                      </m:r>
+                      <m:r>
+                        <a:rPr lang="en-US" b="0" i="1" smtClean="0">
+                          <a:latin typeface="Cambria Math" panose="02040503050406030204" pitchFamily="18" charset="0"/>
+                        </a:rPr>
+                        <m:t>𝑃</m:t>
+                      </m:r>
+                      <m:d>
+                        <m:dPr>
+                          <m:ctrlPr>
+                            <a:rPr lang="en-US" b="0" i="1" smtClean="0">
+                              <a:latin typeface="Cambria Math" panose="02040503050406030204" pitchFamily="18" charset="0"/>
+                            </a:rPr>
+                          </m:ctrlPr>
+                        </m:dPr>
+                        <m:e>
+                          <m:sSub>
+                            <m:sSubPr>
+                              <m:ctrlPr>
+                                <a:rPr lang="en-US" b="0" i="1" smtClean="0">
+                                  <a:latin typeface="Cambria Math" panose="02040503050406030204" pitchFamily="18" charset="0"/>
+                                </a:rPr>
+                              </m:ctrlPr>
+                            </m:sSubPr>
+                            <m:e>
+                              <m:r>
+                                <a:rPr lang="en-US" b="0" i="1" smtClean="0">
+                                  <a:latin typeface="Cambria Math" panose="02040503050406030204" pitchFamily="18" charset="0"/>
+                                </a:rPr>
+                                <m:t>𝑥</m:t>
+                              </m:r>
+                            </m:e>
+                            <m:sub>
+                              <m:r>
+                                <a:rPr lang="en-US" b="0" i="1" smtClean="0">
+                                  <a:latin typeface="Cambria Math" panose="02040503050406030204" pitchFamily="18" charset="0"/>
+                                </a:rPr>
+                                <m:t>𝑖</m:t>
+                              </m:r>
+                            </m:sub>
+                          </m:sSub>
+                          <m:r>
+                            <a:rPr lang="en-US" b="0" i="1" smtClean="0">
+                              <a:latin typeface="Cambria Math" panose="02040503050406030204" pitchFamily="18" charset="0"/>
+                            </a:rPr>
+                            <m:t>|</m:t>
+                          </m:r>
+                          <m:r>
+                            <a:rPr lang="en-US" b="0" i="1" smtClean="0">
+                              <a:latin typeface="Cambria Math" panose="02040503050406030204" pitchFamily="18" charset="0"/>
+                            </a:rPr>
+                            <m:t>𝐶</m:t>
+                          </m:r>
+                        </m:e>
+                      </m:d>
+                      <m:r>
+                        <a:rPr lang="en-US" b="0" i="1" smtClean="0">
+                          <a:latin typeface="Cambria Math" panose="02040503050406030204" pitchFamily="18" charset="0"/>
+                        </a:rPr>
+                        <m:t>=</m:t>
+                      </m:r>
+                      <m:f>
+                        <m:fPr>
+                          <m:ctrlPr>
+                            <a:rPr lang="en-US" b="0" i="1" smtClean="0">
+                              <a:latin typeface="Cambria Math" panose="02040503050406030204" pitchFamily="18" charset="0"/>
+                            </a:rPr>
+                          </m:ctrlPr>
+                        </m:fPr>
+                        <m:num>
+                          <m:sSub>
+                            <m:sSubPr>
+                              <m:ctrlPr>
+                                <a:rPr lang="en-US" b="0" i="1" smtClean="0">
+                                  <a:latin typeface="Cambria Math" panose="02040503050406030204" pitchFamily="18" charset="0"/>
+                                </a:rPr>
+                              </m:ctrlPr>
+                            </m:sSubPr>
+                            <m:e>
+                              <m:r>
+                                <a:rPr lang="en-US" b="0" i="1" smtClean="0">
+                                  <a:latin typeface="Cambria Math" panose="02040503050406030204" pitchFamily="18" charset="0"/>
+                                </a:rPr>
+                                <m:t>𝑁</m:t>
+                              </m:r>
+                            </m:e>
+                            <m:sub>
+                              <m:r>
+                                <a:rPr lang="en-US" b="0" i="1" smtClean="0">
+                                  <a:latin typeface="Cambria Math" panose="02040503050406030204" pitchFamily="18" charset="0"/>
+                                </a:rPr>
+                                <m:t>𝑐𝑖</m:t>
+                              </m:r>
+                            </m:sub>
+                          </m:sSub>
+                        </m:num>
+                        <m:den>
+                          <m:sSub>
+                            <m:sSubPr>
+                              <m:ctrlPr>
+                                <a:rPr lang="en-US" b="0" i="1" smtClean="0">
+                                  <a:latin typeface="Cambria Math" panose="02040503050406030204" pitchFamily="18" charset="0"/>
+                                </a:rPr>
+                              </m:ctrlPr>
+                            </m:sSubPr>
+                            <m:e>
+                              <m:r>
+                                <a:rPr lang="en-US" b="0" i="1" smtClean="0">
+                                  <a:latin typeface="Cambria Math" panose="02040503050406030204" pitchFamily="18" charset="0"/>
+                                </a:rPr>
+                                <m:t>𝑁</m:t>
+                              </m:r>
+                            </m:e>
+                            <m:sub>
+                              <m:r>
+                                <a:rPr lang="en-US" b="0" i="1" smtClean="0">
+                                  <a:latin typeface="Cambria Math" panose="02040503050406030204" pitchFamily="18" charset="0"/>
+                                </a:rPr>
+                                <m:t>𝑐</m:t>
+                              </m:r>
+                            </m:sub>
+                          </m:sSub>
+                        </m:den>
+                      </m:f>
+                    </m:oMath>
+                  </m:oMathPara>
+                </a14:m>
+                <a:endParaRPr lang="en-US"/>
+              </a:p>
+            </p:txBody>
+          </p:sp>
+        </mc:Choice>
+        <mc:Fallback>
+          <p:sp>
+            <p:nvSpPr>
+              <p:cNvPr id="7" name="TextBox 6"/>
+              <p:cNvSpPr txBox="1">
+                <a:spLocks noRot="1" noChangeAspect="1" noMove="1" noResize="1" noEditPoints="1" noAdjustHandles="1" noChangeArrowheads="1" noChangeShapeType="1" noTextEdit="1"/>
+              </p:cNvSpPr>
+              <p:nvPr/>
+            </p:nvSpPr>
+            <p:spPr>
+              <a:xfrm>
+                <a:off x="2173407" y="3099485"/>
+                <a:ext cx="2202013" cy="565348"/>
+              </a:xfrm>
+              <a:prstGeom prst="rect">
+                <a:avLst/>
+              </a:prstGeom>
+              <a:blipFill rotWithShape="0">
+                <a:blip r:embed="rId3"/>
+                <a:stretch>
+                  <a:fillRect/>
+                </a:stretch>
+              </a:blipFill>
+            </p:spPr>
+            <p:txBody>
+              <a:bodyPr/>
+              <a:lstStyle/>
+              <a:p>
+                <a:r>
+                  <a:rPr lang="en-US">
+                    <a:noFill/>
+                  </a:rPr>
+                  <a:t> </a:t>
+                </a:r>
+              </a:p>
+            </p:txBody>
+          </p:sp>
+        </mc:Fallback>
+      </mc:AlternateContent>
+      <p:sp>
+        <p:nvSpPr>
+          <p:cNvPr id="8" name="TextBox 7"/>
+          <p:cNvSpPr txBox="1"/>
+          <p:nvPr/>
+        </p:nvSpPr>
+        <p:spPr>
+          <a:xfrm>
+            <a:off x="194084" y="1213603"/>
+            <a:ext cx="3809954" cy="477054"/>
+          </a:xfrm>
+          <a:prstGeom prst="rect">
+            <a:avLst/>
+          </a:prstGeom>
+          <a:noFill/>
+        </p:spPr>
+        <p:txBody>
+          <a:bodyPr wrap="none" rtlCol="0">
+            <a:spAutoFit/>
+          </a:bodyPr>
+          <a:lstStyle/>
+          <a:p>
+            <a:r>
+              <a:rPr lang="en-US" sz="2500" smtClean="0">
+                <a:latin typeface="Cambria Math" panose="02040503050406030204" pitchFamily="18" charset="0"/>
+                <a:ea typeface="Cambria Math" panose="02040503050406030204" pitchFamily="18" charset="0"/>
+              </a:rPr>
+              <a:t>Apply “</a:t>
+            </a:r>
+            <a:r>
+              <a:rPr lang="en-US" sz="2500" smtClean="0">
+                <a:solidFill>
+                  <a:srgbClr val="FF0000"/>
+                </a:solidFill>
+                <a:latin typeface="Cambria Math" panose="02040503050406030204" pitchFamily="18" charset="0"/>
+                <a:ea typeface="Cambria Math" panose="02040503050406030204" pitchFamily="18" charset="0"/>
+              </a:rPr>
+              <a:t>Bag of words</a:t>
+            </a:r>
+            <a:r>
+              <a:rPr lang="en-US" sz="2500" smtClean="0">
+                <a:latin typeface="Cambria Math" panose="02040503050406030204" pitchFamily="18" charset="0"/>
+                <a:ea typeface="Cambria Math" panose="02040503050406030204" pitchFamily="18" charset="0"/>
+              </a:rPr>
+              <a:t>” idea:</a:t>
+            </a:r>
+            <a:endParaRPr lang="en-US" sz="2500">
+              <a:latin typeface="Cambria Math" panose="02040503050406030204" pitchFamily="18" charset="0"/>
+              <a:ea typeface="Cambria Math" panose="02040503050406030204" pitchFamily="18" charset="0"/>
+            </a:endParaRPr>
+          </a:p>
+        </p:txBody>
+      </p:sp>
+      <mc:AlternateContent xmlns:mc="http://schemas.openxmlformats.org/markup-compatibility/2006">
+        <mc:Choice xmlns:a14="http://schemas.microsoft.com/office/drawing/2010/main" Requires="a14">
+          <p:sp>
+            <p:nvSpPr>
+              <p:cNvPr id="9" name="TextBox 8"/>
+              <p:cNvSpPr txBox="1"/>
+              <p:nvPr/>
+            </p:nvSpPr>
+            <p:spPr>
+              <a:xfrm>
+                <a:off x="2569830" y="1996885"/>
+                <a:ext cx="5760616" cy="719428"/>
+              </a:xfrm>
+              <a:prstGeom prst="rect">
+                <a:avLst/>
+              </a:prstGeom>
+              <a:noFill/>
+            </p:spPr>
+            <p:txBody>
+              <a:bodyPr wrap="none" lIns="0" tIns="0" rIns="0" bIns="0" rtlCol="0">
+                <a:spAutoFit/>
+              </a:bodyPr>
+              <a:lstStyle/>
+              <a:p>
+                <a:pPr/>
+                <a14:m>
+                  <m:oMathPara xmlns:m="http://schemas.openxmlformats.org/officeDocument/2006/math">
+                    <m:oMathParaPr>
+                      <m:jc m:val="left"/>
+                    </m:oMathParaPr>
+                    <m:oMath xmlns:m="http://schemas.openxmlformats.org/officeDocument/2006/math">
+                      <m:d>
+                        <m:dPr>
+                          <m:begChr m:val="{"/>
+                          <m:endChr m:val=""/>
+                          <m:ctrlPr>
+                            <a:rPr lang="en-US" i="1" smtClean="0">
+                              <a:latin typeface="Cambria Math" panose="02040503050406030204" pitchFamily="18" charset="0"/>
+                            </a:rPr>
+                          </m:ctrlPr>
+                        </m:dPr>
+                        <m:e>
+                          <m:eqArr>
+                            <m:eqArrPr>
+                              <m:ctrlPr>
+                                <a:rPr lang="en-US" i="1" smtClean="0">
+                                  <a:latin typeface="Cambria Math" panose="02040503050406030204" pitchFamily="18" charset="0"/>
+                                </a:rPr>
+                              </m:ctrlPr>
+                            </m:eqArrPr>
+                            <m:e>
+                              <m:r>
+                                <a:rPr lang="en-US" b="0" i="1" smtClean="0">
+                                  <a:latin typeface="Cambria Math" panose="02040503050406030204" pitchFamily="18" charset="0"/>
+                                </a:rPr>
+                                <m:t>𝑋</m:t>
+                              </m:r>
+                              <m:r>
+                                <a:rPr lang="en-US" b="0" i="1" smtClean="0">
+                                  <a:latin typeface="Cambria Math" panose="02040503050406030204" pitchFamily="18" charset="0"/>
+                                </a:rPr>
+                                <m:t>=</m:t>
+                              </m:r>
+                              <m:d>
+                                <m:dPr>
+                                  <m:begChr m:val="{"/>
+                                  <m:endChr m:val="}"/>
+                                  <m:ctrlPr>
+                                    <a:rPr lang="en-US" b="0" i="1" smtClean="0">
+                                      <a:latin typeface="Cambria Math" panose="02040503050406030204" pitchFamily="18" charset="0"/>
+                                    </a:rPr>
+                                  </m:ctrlPr>
+                                </m:dPr>
+                                <m:e>
+                                  <m:sSub>
+                                    <m:sSubPr>
+                                      <m:ctrlPr>
+                                        <a:rPr lang="en-US" b="0" i="1" smtClean="0">
+                                          <a:latin typeface="Cambria Math" panose="02040503050406030204" pitchFamily="18" charset="0"/>
+                                        </a:rPr>
+                                      </m:ctrlPr>
+                                    </m:sSubPr>
+                                    <m:e>
+                                      <m:r>
+                                        <a:rPr lang="en-US" b="0" i="1" smtClean="0">
+                                          <a:latin typeface="Cambria Math" panose="02040503050406030204" pitchFamily="18" charset="0"/>
+                                        </a:rPr>
+                                        <m:t>𝑥</m:t>
+                                      </m:r>
+                                    </m:e>
+                                    <m:sub>
+                                      <m:r>
+                                        <a:rPr lang="en-US" b="0" i="1" smtClean="0">
+                                          <a:latin typeface="Cambria Math" panose="02040503050406030204" pitchFamily="18" charset="0"/>
+                                        </a:rPr>
+                                        <m:t>1</m:t>
+                                      </m:r>
+                                    </m:sub>
+                                  </m:sSub>
+                                  <m:r>
+                                    <a:rPr lang="en-US" b="0" i="1" smtClean="0">
+                                      <a:latin typeface="Cambria Math" panose="02040503050406030204" pitchFamily="18" charset="0"/>
+                                    </a:rPr>
+                                    <m:t>,</m:t>
+                                  </m:r>
+                                  <m:sSub>
+                                    <m:sSubPr>
+                                      <m:ctrlPr>
+                                        <a:rPr lang="en-US" b="0" i="1" smtClean="0">
+                                          <a:latin typeface="Cambria Math" panose="02040503050406030204" pitchFamily="18" charset="0"/>
+                                        </a:rPr>
+                                      </m:ctrlPr>
+                                    </m:sSubPr>
+                                    <m:e>
+                                      <m:r>
+                                        <a:rPr lang="en-US" b="0" i="1" smtClean="0">
+                                          <a:latin typeface="Cambria Math" panose="02040503050406030204" pitchFamily="18" charset="0"/>
+                                        </a:rPr>
+                                        <m:t>𝑥</m:t>
+                                      </m:r>
+                                    </m:e>
+                                    <m:sub>
+                                      <m:r>
+                                        <a:rPr lang="en-US" b="0" i="1" smtClean="0">
+                                          <a:latin typeface="Cambria Math" panose="02040503050406030204" pitchFamily="18" charset="0"/>
+                                        </a:rPr>
+                                        <m:t>2</m:t>
+                                      </m:r>
+                                    </m:sub>
+                                  </m:sSub>
+                                  <m:r>
+                                    <a:rPr lang="en-US" b="0" i="1" smtClean="0">
+                                      <a:latin typeface="Cambria Math" panose="02040503050406030204" pitchFamily="18" charset="0"/>
+                                    </a:rPr>
+                                    <m:t>, . . .,</m:t>
+                                  </m:r>
+                                  <m:sSub>
+                                    <m:sSubPr>
+                                      <m:ctrlPr>
+                                        <a:rPr lang="en-US" b="0" i="1" smtClean="0">
+                                          <a:latin typeface="Cambria Math" panose="02040503050406030204" pitchFamily="18" charset="0"/>
+                                        </a:rPr>
+                                      </m:ctrlPr>
+                                    </m:sSubPr>
+                                    <m:e>
+                                      <m:r>
+                                        <a:rPr lang="en-US" b="0" i="1" smtClean="0">
+                                          <a:latin typeface="Cambria Math" panose="02040503050406030204" pitchFamily="18" charset="0"/>
+                                        </a:rPr>
+                                        <m:t>𝑥</m:t>
+                                      </m:r>
+                                    </m:e>
+                                    <m:sub>
+                                      <m:r>
+                                        <a:rPr lang="en-US" b="0" i="1" smtClean="0">
+                                          <a:latin typeface="Cambria Math" panose="02040503050406030204" pitchFamily="18" charset="0"/>
+                                        </a:rPr>
+                                        <m:t>𝑑</m:t>
+                                      </m:r>
+                                    </m:sub>
+                                  </m:sSub>
+                                </m:e>
+                              </m:d>
+                              <m:r>
+                                <a:rPr lang="en-US" b="0" i="1" smtClean="0">
+                                  <a:latin typeface="Cambria Math" panose="02040503050406030204" pitchFamily="18" charset="0"/>
+                                </a:rPr>
+                                <m:t>, </m:t>
+                              </m:r>
+                              <m:r>
+                                <a:rPr lang="en-US" b="0" i="1" smtClean="0">
+                                  <a:latin typeface="Cambria Math" panose="02040503050406030204" pitchFamily="18" charset="0"/>
+                                </a:rPr>
+                                <m:t>𝑑</m:t>
+                              </m:r>
+                              <m:r>
+                                <a:rPr lang="en-US" b="0" i="1" smtClean="0">
+                                  <a:latin typeface="Cambria Math" panose="02040503050406030204" pitchFamily="18" charset="0"/>
+                                </a:rPr>
+                                <m:t>=</m:t>
+                              </m:r>
+                              <m:r>
+                                <a:rPr lang="en-US" b="0" i="1" smtClean="0">
+                                  <a:latin typeface="Cambria Math" panose="02040503050406030204" pitchFamily="18" charset="0"/>
+                                </a:rPr>
+                                <m:t>𝑛𝑢𝑚𝑏𝑒𝑟</m:t>
+                              </m:r>
+                              <m:r>
+                                <a:rPr lang="en-US" b="0" i="1" smtClean="0">
+                                  <a:latin typeface="Cambria Math" panose="02040503050406030204" pitchFamily="18" charset="0"/>
+                                </a:rPr>
+                                <m:t> </m:t>
+                              </m:r>
+                              <m:r>
+                                <a:rPr lang="en-US" b="0" i="1" smtClean="0">
+                                  <a:latin typeface="Cambria Math" panose="02040503050406030204" pitchFamily="18" charset="0"/>
+                                </a:rPr>
+                                <m:t>𝑜𝑓</m:t>
+                              </m:r>
+                              <m:r>
+                                <a:rPr lang="en-US" b="0" i="1" smtClean="0">
+                                  <a:latin typeface="Cambria Math" panose="02040503050406030204" pitchFamily="18" charset="0"/>
+                                </a:rPr>
+                                <m:t> </m:t>
+                              </m:r>
+                              <m:r>
+                                <a:rPr lang="en-US" b="0" i="1" smtClean="0">
+                                  <a:latin typeface="Cambria Math" panose="02040503050406030204" pitchFamily="18" charset="0"/>
+                                </a:rPr>
+                                <m:t>𝑤𝑜𝑟𝑑𝑠</m:t>
+                              </m:r>
+                              <m:r>
+                                <a:rPr lang="en-US" b="0" i="1" smtClean="0">
+                                  <a:latin typeface="Cambria Math" panose="02040503050406030204" pitchFamily="18" charset="0"/>
+                                </a:rPr>
+                                <m:t> </m:t>
+                              </m:r>
+                              <m:r>
+                                <a:rPr lang="en-US" b="0" i="1" smtClean="0">
+                                  <a:latin typeface="Cambria Math" panose="02040503050406030204" pitchFamily="18" charset="0"/>
+                                </a:rPr>
+                                <m:t>𝑖𝑛</m:t>
+                              </m:r>
+                              <m:r>
+                                <a:rPr lang="en-US" b="0" i="1" smtClean="0">
+                                  <a:latin typeface="Cambria Math" panose="02040503050406030204" pitchFamily="18" charset="0"/>
+                                </a:rPr>
+                                <m:t> </m:t>
+                              </m:r>
+                              <m:r>
+                                <a:rPr lang="en-US" b="0" i="1" smtClean="0">
+                                  <a:latin typeface="Cambria Math" panose="02040503050406030204" pitchFamily="18" charset="0"/>
+                                </a:rPr>
+                                <m:t>𝑑𝑖𝑐𝑡𝑖𝑜𝑛𝑎𝑟𝑦</m:t>
+                              </m:r>
+                            </m:e>
+                            <m:e>
+                              <m:sSub>
+                                <m:sSubPr>
+                                  <m:ctrlPr>
+                                    <a:rPr lang="en-US" i="1" smtClean="0">
+                                      <a:latin typeface="Cambria Math" panose="02040503050406030204" pitchFamily="18" charset="0"/>
+                                    </a:rPr>
+                                  </m:ctrlPr>
+                                </m:sSubPr>
+                                <m:e>
+                                  <m:r>
+                                    <a:rPr lang="en-US" b="0" i="1" smtClean="0">
+                                      <a:latin typeface="Cambria Math" panose="02040503050406030204" pitchFamily="18" charset="0"/>
+                                    </a:rPr>
+                                    <m:t>𝑥</m:t>
+                                  </m:r>
+                                </m:e>
+                                <m:sub>
+                                  <m:r>
+                                    <a:rPr lang="en-US" b="0" i="1" smtClean="0">
+                                      <a:latin typeface="Cambria Math" panose="02040503050406030204" pitchFamily="18" charset="0"/>
+                                    </a:rPr>
+                                    <m:t>𝑖</m:t>
+                                  </m:r>
+                                </m:sub>
+                              </m:sSub>
+                              <m:r>
+                                <a:rPr lang="en-US" b="0" i="1" smtClean="0">
+                                  <a:latin typeface="Cambria Math" panose="02040503050406030204" pitchFamily="18" charset="0"/>
+                                </a:rPr>
+                                <m:t>= </m:t>
+                              </m:r>
+                              <m:sSup>
+                                <m:sSupPr>
+                                  <m:ctrlPr>
+                                    <a:rPr lang="en-US" b="0" i="1" smtClean="0">
+                                      <a:latin typeface="Cambria Math" panose="02040503050406030204" pitchFamily="18" charset="0"/>
+                                    </a:rPr>
+                                  </m:ctrlPr>
+                                </m:sSupPr>
+                                <m:e>
+                                  <m:r>
+                                    <a:rPr lang="en-US" i="1">
+                                      <a:latin typeface="Cambria Math" panose="02040503050406030204" pitchFamily="18" charset="0"/>
+                                    </a:rPr>
+                                    <m:t>𝑛𝑢𝑚𝑏𝑒𝑟</m:t>
+                                  </m:r>
+                                  <m:r>
+                                    <a:rPr lang="en-US" i="1">
+                                      <a:latin typeface="Cambria Math" panose="02040503050406030204" pitchFamily="18" charset="0"/>
+                                    </a:rPr>
+                                    <m:t> </m:t>
+                                  </m:r>
+                                  <m:r>
+                                    <a:rPr lang="en-US" i="1">
+                                      <a:latin typeface="Cambria Math" panose="02040503050406030204" pitchFamily="18" charset="0"/>
+                                    </a:rPr>
+                                    <m:t>𝑜𝑓𝑎𝑝𝑝𝑒𝑎𝑟𝑎𝑛𝑐𝑒𝑠</m:t>
+                                  </m:r>
+                                  <m:r>
+                                    <a:rPr lang="en-US" b="0" i="1" smtClean="0">
+                                      <a:latin typeface="Cambria Math" panose="02040503050406030204" pitchFamily="18" charset="0"/>
+                                    </a:rPr>
+                                    <m:t> </m:t>
+                                  </m:r>
+                                  <m:r>
+                                    <a:rPr lang="en-US" i="1">
+                                      <a:latin typeface="Cambria Math" panose="02040503050406030204" pitchFamily="18" charset="0"/>
+                                    </a:rPr>
+                                    <m:t>𝑜𝑓</m:t>
+                                  </m:r>
+                                  <m:r>
+                                    <a:rPr lang="en-US" i="1">
+                                      <a:latin typeface="Cambria Math" panose="02040503050406030204" pitchFamily="18" charset="0"/>
+                                    </a:rPr>
+                                    <m:t> </m:t>
+                                  </m:r>
+                                  <m:r>
+                                    <a:rPr lang="en-US" i="1">
+                                      <a:latin typeface="Cambria Math" panose="02040503050406030204" pitchFamily="18" charset="0"/>
+                                    </a:rPr>
+                                    <m:t>𝑖</m:t>
+                                  </m:r>
+                                </m:e>
+                                <m:sup>
+                                  <m:r>
+                                    <a:rPr lang="en-US" b="0" i="1" smtClean="0">
+                                      <a:latin typeface="Cambria Math" panose="02040503050406030204" pitchFamily="18" charset="0"/>
+                                    </a:rPr>
+                                    <m:t>𝑡h</m:t>
+                                  </m:r>
+                                </m:sup>
+                              </m:sSup>
+                              <m:r>
+                                <a:rPr lang="en-US" b="0" i="1" smtClean="0">
+                                  <a:latin typeface="Cambria Math" panose="02040503050406030204" pitchFamily="18" charset="0"/>
+                                </a:rPr>
+                                <m:t> </m:t>
+                              </m:r>
+                              <m:r>
+                                <a:rPr lang="en-US" b="0" i="1" smtClean="0">
+                                  <a:latin typeface="Cambria Math" panose="02040503050406030204" pitchFamily="18" charset="0"/>
+                                </a:rPr>
+                                <m:t>𝑤𝑜𝑟𝑑</m:t>
+                              </m:r>
+                              <m:r>
+                                <a:rPr lang="en-US" b="0" i="1" smtClean="0">
+                                  <a:latin typeface="Cambria Math" panose="02040503050406030204" pitchFamily="18" charset="0"/>
+                                </a:rPr>
+                                <m:t> </m:t>
+                              </m:r>
+                            </m:e>
+                          </m:eqArr>
+                        </m:e>
+                      </m:d>
+                    </m:oMath>
+                  </m:oMathPara>
+                </a14:m>
+                <a:endParaRPr lang="en-US"/>
+              </a:p>
+            </p:txBody>
+          </p:sp>
+        </mc:Choice>
+        <mc:Fallback>
+          <p:sp>
+            <p:nvSpPr>
+              <p:cNvPr id="9" name="TextBox 8"/>
+              <p:cNvSpPr txBox="1">
+                <a:spLocks noRot="1" noChangeAspect="1" noMove="1" noResize="1" noEditPoints="1" noAdjustHandles="1" noChangeArrowheads="1" noChangeShapeType="1" noTextEdit="1"/>
+              </p:cNvSpPr>
+              <p:nvPr/>
+            </p:nvSpPr>
+            <p:spPr>
+              <a:xfrm>
+                <a:off x="2569830" y="1996885"/>
+                <a:ext cx="5760616" cy="719428"/>
+              </a:xfrm>
+              <a:prstGeom prst="rect">
+                <a:avLst/>
+              </a:prstGeom>
+              <a:blipFill rotWithShape="0">
+                <a:blip r:embed="rId4"/>
+                <a:stretch>
+                  <a:fillRect/>
+                </a:stretch>
+              </a:blipFill>
+            </p:spPr>
+            <p:txBody>
+              <a:bodyPr/>
+              <a:lstStyle/>
+              <a:p>
+                <a:r>
+                  <a:rPr lang="en-US">
+                    <a:noFill/>
+                  </a:rPr>
+                  <a:t> </a:t>
+                </a:r>
+              </a:p>
+            </p:txBody>
+          </p:sp>
+        </mc:Fallback>
+      </mc:AlternateContent>
+      <p:sp>
+        <p:nvSpPr>
+          <p:cNvPr id="11" name="Rectangle 10"/>
+          <p:cNvSpPr/>
+          <p:nvPr/>
+        </p:nvSpPr>
+        <p:spPr>
+          <a:xfrm>
+            <a:off x="547169" y="2171933"/>
+            <a:ext cx="1955792" cy="369332"/>
+          </a:xfrm>
+          <a:prstGeom prst="rect">
+            <a:avLst/>
+          </a:prstGeom>
+        </p:spPr>
+        <p:txBody>
+          <a:bodyPr wrap="none">
+            <a:spAutoFit/>
+          </a:bodyPr>
+          <a:lstStyle/>
+          <a:p>
+            <a:r>
+              <a:rPr lang="en-US" smtClean="0">
+                <a:latin typeface="Cambria Math" panose="02040503050406030204" pitchFamily="18" charset="0"/>
+                <a:ea typeface="Cambria Math" panose="02040503050406030204" pitchFamily="18" charset="0"/>
+              </a:rPr>
+              <a:t>standardized data</a:t>
+            </a:r>
+            <a:endParaRPr lang="en-US">
+              <a:latin typeface="Cambria Math" panose="02040503050406030204" pitchFamily="18" charset="0"/>
+              <a:ea typeface="Cambria Math" panose="02040503050406030204" pitchFamily="18" charset="0"/>
+            </a:endParaRPr>
+          </a:p>
+        </p:txBody>
+      </p:sp>
+      <p:sp>
+        <p:nvSpPr>
+          <p:cNvPr id="12" name="TextBox 11"/>
+          <p:cNvSpPr txBox="1"/>
+          <p:nvPr/>
+        </p:nvSpPr>
+        <p:spPr>
+          <a:xfrm>
+            <a:off x="1412341" y="4517679"/>
+            <a:ext cx="184731" cy="369332"/>
+          </a:xfrm>
+          <a:prstGeom prst="rect">
+            <a:avLst/>
+          </a:prstGeom>
+          <a:noFill/>
+        </p:spPr>
+        <p:txBody>
+          <a:bodyPr wrap="none" rtlCol="0">
+            <a:spAutoFit/>
+          </a:bodyPr>
+          <a:lstStyle/>
+          <a:p>
+            <a:endParaRPr lang="en-US"/>
+          </a:p>
+        </p:txBody>
+      </p:sp>
+      <mc:AlternateContent xmlns:mc="http://schemas.openxmlformats.org/markup-compatibility/2006">
+        <mc:Choice xmlns:a14="http://schemas.microsoft.com/office/drawing/2010/main" Requires="a14">
+          <p:sp>
+            <p:nvSpPr>
+              <p:cNvPr id="13" name="TextBox 12"/>
+              <p:cNvSpPr txBox="1"/>
+              <p:nvPr/>
+            </p:nvSpPr>
+            <p:spPr>
+              <a:xfrm>
+                <a:off x="1919334" y="4143409"/>
+                <a:ext cx="6925742" cy="374270"/>
+              </a:xfrm>
+              <a:prstGeom prst="rect">
+                <a:avLst/>
+              </a:prstGeom>
+              <a:noFill/>
+            </p:spPr>
+            <p:txBody>
+              <a:bodyPr wrap="none" rtlCol="0">
+                <a:spAutoFit/>
+              </a:bodyPr>
+              <a:lstStyle/>
+              <a:p>
+                <a14:m>
+                  <m:oMath xmlns:m="http://schemas.openxmlformats.org/officeDocument/2006/math">
+                    <m:sSub>
+                      <m:sSubPr>
+                        <m:ctrlPr>
+                          <a:rPr lang="en-US" i="1" smtClean="0">
+                            <a:latin typeface="Cambria Math" panose="02040503050406030204" pitchFamily="18" charset="0"/>
+                          </a:rPr>
+                        </m:ctrlPr>
+                      </m:sSubPr>
+                      <m:e>
+                        <m:r>
+                          <a:rPr lang="en-US" i="1">
+                            <a:latin typeface="Cambria Math" panose="02040503050406030204" pitchFamily="18" charset="0"/>
+                          </a:rPr>
+                          <m:t>𝑁</m:t>
+                        </m:r>
+                      </m:e>
+                      <m:sub>
+                        <m:r>
+                          <a:rPr lang="en-US" i="1">
+                            <a:latin typeface="Cambria Math" panose="02040503050406030204" pitchFamily="18" charset="0"/>
+                          </a:rPr>
+                          <m:t>𝑐𝑖</m:t>
+                        </m:r>
+                      </m:sub>
+                    </m:sSub>
+                  </m:oMath>
+                </a14:m>
+                <a:r>
+                  <a:rPr lang="en-US" smtClean="0"/>
+                  <a:t>: </a:t>
+                </a:r>
+                <a:r>
+                  <a:rPr lang="en-US" smtClean="0">
+                    <a:latin typeface="Cambria Math" panose="02040503050406030204" pitchFamily="18" charset="0"/>
+                    <a:ea typeface="Cambria Math" panose="02040503050406030204" pitchFamily="18" charset="0"/>
+                  </a:rPr>
+                  <a:t>total number of </a:t>
+                </a:r>
+                <a14:m>
+                  <m:oMath xmlns:m="http://schemas.openxmlformats.org/officeDocument/2006/math">
+                    <m:sSup>
+                      <m:sSupPr>
+                        <m:ctrlPr>
+                          <a:rPr lang="en-US" i="1" smtClean="0">
+                            <a:latin typeface="Cambria Math" panose="02040503050406030204" pitchFamily="18" charset="0"/>
+                            <a:ea typeface="Cambria Math" panose="02040503050406030204" pitchFamily="18" charset="0"/>
+                          </a:rPr>
+                        </m:ctrlPr>
+                      </m:sSupPr>
+                      <m:e>
+                        <m:r>
+                          <a:rPr lang="en-US" b="0" i="1" smtClean="0">
+                            <a:latin typeface="Cambria Math" panose="02040503050406030204" pitchFamily="18" charset="0"/>
+                            <a:ea typeface="Cambria Math" panose="02040503050406030204" pitchFamily="18" charset="0"/>
+                          </a:rPr>
+                          <m:t>𝑖</m:t>
+                        </m:r>
+                      </m:e>
+                      <m:sup>
+                        <m:r>
+                          <a:rPr lang="en-US" b="0" i="1" smtClean="0">
+                            <a:latin typeface="Cambria Math" panose="02040503050406030204" pitchFamily="18" charset="0"/>
+                            <a:ea typeface="Cambria Math" panose="02040503050406030204" pitchFamily="18" charset="0"/>
+                          </a:rPr>
+                          <m:t>𝑡h</m:t>
+                        </m:r>
+                      </m:sup>
+                    </m:sSup>
+                  </m:oMath>
+                </a14:m>
+                <a:r>
+                  <a:rPr lang="en-US" smtClean="0">
+                    <a:latin typeface="Cambria Math" panose="02040503050406030204" pitchFamily="18" charset="0"/>
+                    <a:ea typeface="Cambria Math" panose="02040503050406030204" pitchFamily="18" charset="0"/>
+                  </a:rPr>
+                  <a:t>(testing data) words that appearing in class C</a:t>
+                </a:r>
+                <a:endParaRPr lang="en-US">
+                  <a:latin typeface="Cambria Math" panose="02040503050406030204" pitchFamily="18" charset="0"/>
+                  <a:ea typeface="Cambria Math" panose="02040503050406030204" pitchFamily="18" charset="0"/>
+                </a:endParaRPr>
+              </a:p>
+            </p:txBody>
+          </p:sp>
+        </mc:Choice>
+        <mc:Fallback>
+          <p:sp>
+            <p:nvSpPr>
+              <p:cNvPr id="13" name="TextBox 12"/>
+              <p:cNvSpPr txBox="1">
+                <a:spLocks noRot="1" noChangeAspect="1" noMove="1" noResize="1" noEditPoints="1" noAdjustHandles="1" noChangeArrowheads="1" noChangeShapeType="1" noTextEdit="1"/>
+              </p:cNvSpPr>
+              <p:nvPr/>
+            </p:nvSpPr>
+            <p:spPr>
+              <a:xfrm>
+                <a:off x="1919334" y="4143409"/>
+                <a:ext cx="6925742" cy="374270"/>
+              </a:xfrm>
+              <a:prstGeom prst="rect">
+                <a:avLst/>
+              </a:prstGeom>
+              <a:blipFill rotWithShape="0">
+                <a:blip r:embed="rId5"/>
+                <a:stretch>
+                  <a:fillRect t="-11475" b="-26230"/>
+                </a:stretch>
+              </a:blipFill>
+            </p:spPr>
+            <p:txBody>
+              <a:bodyPr/>
+              <a:lstStyle/>
+              <a:p>
+                <a:r>
+                  <a:rPr lang="en-US">
+                    <a:noFill/>
+                  </a:rPr>
+                  <a:t> </a:t>
+                </a:r>
+              </a:p>
+            </p:txBody>
+          </p:sp>
+        </mc:Fallback>
+      </mc:AlternateContent>
+      <mc:AlternateContent xmlns:mc="http://schemas.openxmlformats.org/markup-compatibility/2006">
+        <mc:Choice xmlns:a14="http://schemas.microsoft.com/office/drawing/2010/main" Requires="a14">
+          <p:sp>
+            <p:nvSpPr>
+              <p:cNvPr id="14" name="TextBox 13"/>
+              <p:cNvSpPr txBox="1"/>
+              <p:nvPr/>
+            </p:nvSpPr>
+            <p:spPr>
+              <a:xfrm>
+                <a:off x="1919334" y="4576199"/>
+                <a:ext cx="5253939" cy="369332"/>
+              </a:xfrm>
+              <a:prstGeom prst="rect">
+                <a:avLst/>
+              </a:prstGeom>
+              <a:noFill/>
+            </p:spPr>
+            <p:txBody>
+              <a:bodyPr wrap="none" rtlCol="0">
+                <a:spAutoFit/>
+              </a:bodyPr>
+              <a:lstStyle/>
+              <a:p>
+                <a14:m>
+                  <m:oMath xmlns:m="http://schemas.openxmlformats.org/officeDocument/2006/math">
+                    <m:sSub>
+                      <m:sSubPr>
+                        <m:ctrlPr>
+                          <a:rPr lang="en-US" i="1" smtClean="0">
+                            <a:latin typeface="Cambria Math" panose="02040503050406030204" pitchFamily="18" charset="0"/>
+                          </a:rPr>
+                        </m:ctrlPr>
+                      </m:sSubPr>
+                      <m:e>
+                        <m:r>
+                          <a:rPr lang="en-US" i="1">
+                            <a:latin typeface="Cambria Math" panose="02040503050406030204" pitchFamily="18" charset="0"/>
+                          </a:rPr>
+                          <m:t>𝑁</m:t>
+                        </m:r>
+                      </m:e>
+                      <m:sub>
+                        <m:r>
+                          <a:rPr lang="en-US" i="1">
+                            <a:latin typeface="Cambria Math" panose="02040503050406030204" pitchFamily="18" charset="0"/>
+                          </a:rPr>
+                          <m:t>𝑐𝑖</m:t>
+                        </m:r>
+                      </m:sub>
+                    </m:sSub>
+                  </m:oMath>
+                </a14:m>
+                <a:r>
+                  <a:rPr lang="en-US" smtClean="0"/>
+                  <a:t>: </a:t>
+                </a:r>
+                <a:r>
+                  <a:rPr lang="en-US" smtClean="0">
+                    <a:latin typeface="Cambria Math" panose="02040503050406030204" pitchFamily="18" charset="0"/>
+                    <a:ea typeface="Cambria Math" panose="02040503050406030204" pitchFamily="18" charset="0"/>
+                  </a:rPr>
+                  <a:t>total number of words that appearing in class C</a:t>
+                </a:r>
+                <a:endParaRPr lang="en-US">
+                  <a:latin typeface="Cambria Math" panose="02040503050406030204" pitchFamily="18" charset="0"/>
+                  <a:ea typeface="Cambria Math" panose="02040503050406030204" pitchFamily="18" charset="0"/>
+                </a:endParaRPr>
+              </a:p>
+            </p:txBody>
+          </p:sp>
+        </mc:Choice>
+        <mc:Fallback>
+          <p:sp>
+            <p:nvSpPr>
+              <p:cNvPr id="14" name="TextBox 13"/>
+              <p:cNvSpPr txBox="1">
+                <a:spLocks noRot="1" noChangeAspect="1" noMove="1" noResize="1" noEditPoints="1" noAdjustHandles="1" noChangeArrowheads="1" noChangeShapeType="1" noTextEdit="1"/>
+              </p:cNvSpPr>
+              <p:nvPr/>
+            </p:nvSpPr>
+            <p:spPr>
+              <a:xfrm>
+                <a:off x="1919334" y="4576199"/>
+                <a:ext cx="5253939" cy="369332"/>
+              </a:xfrm>
+              <a:prstGeom prst="rect">
+                <a:avLst/>
+              </a:prstGeom>
+              <a:blipFill rotWithShape="0">
+                <a:blip r:embed="rId6"/>
+                <a:stretch>
+                  <a:fillRect t="-13333" b="-26667"/>
+                </a:stretch>
+              </a:blipFill>
+            </p:spPr>
+            <p:txBody>
+              <a:bodyPr/>
+              <a:lstStyle/>
+              <a:p>
+                <a:r>
+                  <a:rPr lang="en-US">
+                    <a:noFill/>
+                  </a:rPr>
+                  <a:t> </a:t>
+                </a:r>
+              </a:p>
+            </p:txBody>
+          </p:sp>
+        </mc:Fallback>
+      </mc:AlternateContent>
+      <mc:AlternateContent xmlns:mc="http://schemas.openxmlformats.org/markup-compatibility/2006">
+        <mc:Choice xmlns:a14="http://schemas.microsoft.com/office/drawing/2010/main" Requires="a14">
+          <p:sp>
+            <p:nvSpPr>
+              <p:cNvPr id="15" name="TextBox 14"/>
+              <p:cNvSpPr txBox="1"/>
+              <p:nvPr/>
+            </p:nvSpPr>
+            <p:spPr>
+              <a:xfrm>
+                <a:off x="2358842" y="5165463"/>
+                <a:ext cx="4021037" cy="572593"/>
+              </a:xfrm>
+              <a:prstGeom prst="rect">
+                <a:avLst/>
+              </a:prstGeom>
+              <a:noFill/>
+            </p:spPr>
+            <p:txBody>
+              <a:bodyPr wrap="none" lIns="0" tIns="0" rIns="0" bIns="0" rtlCol="0">
+                <a:spAutoFit/>
+              </a:bodyPr>
+              <a:lstStyle/>
+              <a:p>
+                <a14:m>
+                  <m:oMathPara xmlns:m="http://schemas.openxmlformats.org/officeDocument/2006/math">
+                    <m:oMathParaPr>
+                      <m:jc m:val="centerGroup"/>
+                    </m:oMathParaPr>
+                    <m:oMath xmlns:m="http://schemas.openxmlformats.org/officeDocument/2006/math">
+                      <m:r>
+                        <a:rPr lang="en-US" b="0" i="1" smtClean="0">
+                          <a:latin typeface="Cambria Math" panose="02040503050406030204" pitchFamily="18" charset="0"/>
+                        </a:rPr>
+                        <m:t>⇒</m:t>
+                      </m:r>
+                      <m:sSub>
+                        <m:sSubPr>
+                          <m:ctrlPr>
+                            <a:rPr lang="en-US" b="0" i="1" smtClean="0">
+                              <a:latin typeface="Cambria Math" panose="02040503050406030204" pitchFamily="18" charset="0"/>
+                            </a:rPr>
+                          </m:ctrlPr>
+                        </m:sSubPr>
+                        <m:e>
+                          <m:r>
+                            <a:rPr lang="en-US" b="0" i="1" smtClean="0">
+                              <a:latin typeface="Cambria Math" panose="02040503050406030204" pitchFamily="18" charset="0"/>
+                            </a:rPr>
+                            <m:t>𝑁</m:t>
+                          </m:r>
+                        </m:e>
+                        <m:sub>
+                          <m:r>
+                            <a:rPr lang="en-US" b="0" i="1" smtClean="0">
+                              <a:latin typeface="Cambria Math" panose="02040503050406030204" pitchFamily="18" charset="0"/>
+                            </a:rPr>
+                            <m:t>𝑐</m:t>
+                          </m:r>
+                        </m:sub>
+                      </m:sSub>
+                      <m:r>
+                        <a:rPr lang="en-US" b="0" i="1" smtClean="0">
+                          <a:latin typeface="Cambria Math" panose="02040503050406030204" pitchFamily="18" charset="0"/>
+                        </a:rPr>
+                        <m:t>=</m:t>
+                      </m:r>
+                      <m:nary>
+                        <m:naryPr>
+                          <m:chr m:val="∑"/>
+                          <m:limLoc m:val="subSup"/>
+                          <m:ctrlPr>
+                            <a:rPr lang="en-US" b="0" i="1" smtClean="0">
+                              <a:latin typeface="Cambria Math" panose="02040503050406030204" pitchFamily="18" charset="0"/>
+                            </a:rPr>
+                          </m:ctrlPr>
+                        </m:naryPr>
+                        <m:sub>
+                          <m:r>
+                            <m:rPr>
+                              <m:brk m:alnAt="25"/>
+                            </m:rPr>
+                            <a:rPr lang="en-US" b="0" i="1" smtClean="0">
+                              <a:latin typeface="Cambria Math" panose="02040503050406030204" pitchFamily="18" charset="0"/>
+                            </a:rPr>
+                            <m:t>𝑖</m:t>
+                          </m:r>
+                          <m:r>
+                            <a:rPr lang="en-US" b="0" i="1" smtClean="0">
+                              <a:latin typeface="Cambria Math" panose="02040503050406030204" pitchFamily="18" charset="0"/>
+                            </a:rPr>
+                            <m:t>=1</m:t>
+                          </m:r>
+                        </m:sub>
+                        <m:sup>
+                          <m:r>
+                            <a:rPr lang="en-US" b="0" i="1" smtClean="0">
+                              <a:latin typeface="Cambria Math" panose="02040503050406030204" pitchFamily="18" charset="0"/>
+                            </a:rPr>
+                            <m:t>𝑑</m:t>
+                          </m:r>
+                        </m:sup>
+                        <m:e>
+                          <m:sSub>
+                            <m:sSubPr>
+                              <m:ctrlPr>
+                                <a:rPr lang="en-US" b="0" i="1" smtClean="0">
+                                  <a:latin typeface="Cambria Math" panose="02040503050406030204" pitchFamily="18" charset="0"/>
+                                </a:rPr>
+                              </m:ctrlPr>
+                            </m:sSubPr>
+                            <m:e>
+                              <m:r>
+                                <a:rPr lang="en-US" b="0" i="1" smtClean="0">
+                                  <a:latin typeface="Cambria Math" panose="02040503050406030204" pitchFamily="18" charset="0"/>
+                                </a:rPr>
+                                <m:t>𝑁</m:t>
+                              </m:r>
+                            </m:e>
+                            <m:sub>
+                              <m:r>
+                                <a:rPr lang="en-US" b="0" i="1" smtClean="0">
+                                  <a:latin typeface="Cambria Math" panose="02040503050406030204" pitchFamily="18" charset="0"/>
+                                </a:rPr>
+                                <m:t>𝑐𝑖</m:t>
+                              </m:r>
+                            </m:sub>
+                          </m:sSub>
+                        </m:e>
+                      </m:nary>
+                      <m:r>
+                        <a:rPr lang="en-US" b="0" i="1" smtClean="0">
+                          <a:latin typeface="Cambria Math" panose="02040503050406030204" pitchFamily="18" charset="0"/>
+                        </a:rPr>
+                        <m:t>       &amp;       </m:t>
+                      </m:r>
+                      <m:nary>
+                        <m:naryPr>
+                          <m:chr m:val="∑"/>
+                          <m:limLoc m:val="subSup"/>
+                          <m:ctrlPr>
+                            <a:rPr lang="en-US" b="0" i="1" smtClean="0">
+                              <a:latin typeface="Cambria Math" panose="02040503050406030204" pitchFamily="18" charset="0"/>
+                            </a:rPr>
+                          </m:ctrlPr>
+                        </m:naryPr>
+                        <m:sub>
+                          <m:r>
+                            <m:rPr>
+                              <m:brk m:alnAt="25"/>
+                            </m:rPr>
+                            <a:rPr lang="en-US" b="0" i="1" smtClean="0">
+                              <a:latin typeface="Cambria Math" panose="02040503050406030204" pitchFamily="18" charset="0"/>
+                            </a:rPr>
+                            <m:t>𝑖</m:t>
+                          </m:r>
+                          <m:r>
+                            <a:rPr lang="en-US" b="0" i="1" smtClean="0">
+                              <a:latin typeface="Cambria Math" panose="02040503050406030204" pitchFamily="18" charset="0"/>
+                            </a:rPr>
+                            <m:t>=1</m:t>
+                          </m:r>
+                        </m:sub>
+                        <m:sup>
+                          <m:r>
+                            <a:rPr lang="en-US" b="0" i="1" smtClean="0">
+                              <a:latin typeface="Cambria Math" panose="02040503050406030204" pitchFamily="18" charset="0"/>
+                            </a:rPr>
+                            <m:t>𝑑</m:t>
+                          </m:r>
+                        </m:sup>
+                        <m:e>
+                          <m:sSub>
+                            <m:sSubPr>
+                              <m:ctrlPr>
+                                <a:rPr lang="en-US" b="0" i="1" smtClean="0">
+                                  <a:latin typeface="Cambria Math" panose="02040503050406030204" pitchFamily="18" charset="0"/>
+                                </a:rPr>
+                              </m:ctrlPr>
+                            </m:sSubPr>
+                            <m:e>
+                              <m:r>
+                                <a:rPr lang="en-US" b="0" i="1" smtClean="0">
+                                  <a:latin typeface="Cambria Math" panose="02040503050406030204" pitchFamily="18" charset="0"/>
+                                  <a:ea typeface="Cambria Math" panose="02040503050406030204" pitchFamily="18" charset="0"/>
+                                </a:rPr>
+                                <m:t>𝜆</m:t>
+                              </m:r>
+                            </m:e>
+                            <m:sub>
+                              <m:r>
+                                <a:rPr lang="en-US" b="0" i="1" smtClean="0">
+                                  <a:latin typeface="Cambria Math" panose="02040503050406030204" pitchFamily="18" charset="0"/>
+                                </a:rPr>
+                                <m:t>𝑐𝑖</m:t>
+                              </m:r>
+                            </m:sub>
+                          </m:sSub>
+                          <m:r>
+                            <a:rPr lang="en-US" b="0" i="1" smtClean="0">
+                              <a:latin typeface="Cambria Math" panose="02040503050406030204" pitchFamily="18" charset="0"/>
+                            </a:rPr>
+                            <m:t>=1</m:t>
+                          </m:r>
+                        </m:e>
+                      </m:nary>
+                    </m:oMath>
+                  </m:oMathPara>
+                </a14:m>
+                <a:endParaRPr lang="en-US"/>
+              </a:p>
+            </p:txBody>
+          </p:sp>
+        </mc:Choice>
+        <mc:Fallback>
+          <p:sp>
+            <p:nvSpPr>
+              <p:cNvPr id="15" name="TextBox 14"/>
+              <p:cNvSpPr txBox="1">
+                <a:spLocks noRot="1" noChangeAspect="1" noMove="1" noResize="1" noEditPoints="1" noAdjustHandles="1" noChangeArrowheads="1" noChangeShapeType="1" noTextEdit="1"/>
+              </p:cNvSpPr>
+              <p:nvPr/>
+            </p:nvSpPr>
+            <p:spPr>
+              <a:xfrm>
+                <a:off x="2358842" y="5165463"/>
+                <a:ext cx="4021037" cy="572593"/>
+              </a:xfrm>
+              <a:prstGeom prst="rect">
+                <a:avLst/>
+              </a:prstGeom>
+              <a:blipFill rotWithShape="0">
+                <a:blip r:embed="rId7"/>
+                <a:stretch>
+                  <a:fillRect/>
+                </a:stretch>
+              </a:blipFill>
+            </p:spPr>
+            <p:txBody>
+              <a:bodyPr/>
+              <a:lstStyle/>
+              <a:p>
+                <a:r>
+                  <a:rPr lang="en-US">
+                    <a:noFill/>
+                  </a:rPr>
+                  <a:t> </a:t>
+                </a:r>
+              </a:p>
+            </p:txBody>
+          </p:sp>
+        </mc:Fallback>
+      </mc:AlternateContent>
     </p:spTree>
     <p:extLst>
       <p:ext uri="{BB962C8B-B14F-4D97-AF65-F5344CB8AC3E}">
-        <p14:creationId xmlns:p14="http://schemas.microsoft.com/office/powerpoint/2010/main" val="217667395"/>
+        <p14:creationId xmlns:p14="http://schemas.microsoft.com/office/powerpoint/2010/main" val="546473623"/>
       </p:ext>
     </p:extLst>
   </p:cSld>
@@ -19263,9 +21501,412 @@
   <p:timing>
     <p:tnLst>
       <p:par>
-        <p:cTn id="1" dur="indefinite" restart="never" nodeType="tmRoot"/>
+        <p:cTn id="1" dur="indefinite" restart="never" nodeType="tmRoot">
+          <p:childTnLst>
+            <p:seq concurrent="1" nextAc="seek">
+              <p:cTn id="2" dur="indefinite" nodeType="mainSeq">
+                <p:childTnLst>
+                  <p:par>
+                    <p:cTn id="3" fill="hold">
+                      <p:stCondLst>
+                        <p:cond delay="indefinite"/>
+                      </p:stCondLst>
+                      <p:childTnLst>
+                        <p:par>
+                          <p:cTn id="4" fill="hold">
+                            <p:stCondLst>
+                              <p:cond delay="0"/>
+                            </p:stCondLst>
+                            <p:childTnLst>
+                              <p:par>
+                                <p:cTn id="5" presetID="10" presetClass="entr" presetSubtype="0" fill="hold" grpId="0" nodeType="clickEffect">
+                                  <p:stCondLst>
+                                    <p:cond delay="0"/>
+                                  </p:stCondLst>
+                                  <p:childTnLst>
+                                    <p:set>
+                                      <p:cBhvr>
+                                        <p:cTn id="6" dur="1" fill="hold">
+                                          <p:stCondLst>
+                                            <p:cond delay="0"/>
+                                          </p:stCondLst>
+                                        </p:cTn>
+                                        <p:tgtEl>
+                                          <p:spTgt spid="8"/>
+                                        </p:tgtEl>
+                                        <p:attrNameLst>
+                                          <p:attrName>style.visibility</p:attrName>
+                                        </p:attrNameLst>
+                                      </p:cBhvr>
+                                      <p:to>
+                                        <p:strVal val="visible"/>
+                                      </p:to>
+                                    </p:set>
+                                    <p:animEffect transition="in" filter="fade">
+                                      <p:cBhvr>
+                                        <p:cTn id="7" dur="500"/>
+                                        <p:tgtEl>
+                                          <p:spTgt spid="8"/>
+                                        </p:tgtEl>
+                                      </p:cBhvr>
+                                    </p:animEffect>
+                                  </p:childTnLst>
+                                </p:cTn>
+                              </p:par>
+                            </p:childTnLst>
+                          </p:cTn>
+                        </p:par>
+                      </p:childTnLst>
+                    </p:cTn>
+                  </p:par>
+                  <p:par>
+                    <p:cTn id="8" fill="hold">
+                      <p:stCondLst>
+                        <p:cond delay="indefinite"/>
+                      </p:stCondLst>
+                      <p:childTnLst>
+                        <p:par>
+                          <p:cTn id="9" fill="hold">
+                            <p:stCondLst>
+                              <p:cond delay="0"/>
+                            </p:stCondLst>
+                            <p:childTnLst>
+                              <p:par>
+                                <p:cTn id="10" presetID="10" presetClass="entr" presetSubtype="0" fill="hold" grpId="0" nodeType="clickEffect">
+                                  <p:stCondLst>
+                                    <p:cond delay="0"/>
+                                  </p:stCondLst>
+                                  <p:childTnLst>
+                                    <p:set>
+                                      <p:cBhvr>
+                                        <p:cTn id="11" dur="1" fill="hold">
+                                          <p:stCondLst>
+                                            <p:cond delay="0"/>
+                                          </p:stCondLst>
+                                        </p:cTn>
+                                        <p:tgtEl>
+                                          <p:spTgt spid="11"/>
+                                        </p:tgtEl>
+                                        <p:attrNameLst>
+                                          <p:attrName>style.visibility</p:attrName>
+                                        </p:attrNameLst>
+                                      </p:cBhvr>
+                                      <p:to>
+                                        <p:strVal val="visible"/>
+                                      </p:to>
+                                    </p:set>
+                                    <p:animEffect transition="in" filter="fade">
+                                      <p:cBhvr>
+                                        <p:cTn id="12" dur="500"/>
+                                        <p:tgtEl>
+                                          <p:spTgt spid="11"/>
+                                        </p:tgtEl>
+                                      </p:cBhvr>
+                                    </p:animEffect>
+                                  </p:childTnLst>
+                                </p:cTn>
+                              </p:par>
+                            </p:childTnLst>
+                          </p:cTn>
+                        </p:par>
+                      </p:childTnLst>
+                    </p:cTn>
+                  </p:par>
+                  <p:par>
+                    <p:cTn id="13" fill="hold">
+                      <p:stCondLst>
+                        <p:cond delay="indefinite"/>
+                      </p:stCondLst>
+                      <p:childTnLst>
+                        <p:par>
+                          <p:cTn id="14" fill="hold">
+                            <p:stCondLst>
+                              <p:cond delay="0"/>
+                            </p:stCondLst>
+                            <p:childTnLst>
+                              <p:par>
+                                <p:cTn id="15" presetID="10" presetClass="entr" presetSubtype="0" fill="hold" grpId="0" nodeType="clickEffect">
+                                  <p:stCondLst>
+                                    <p:cond delay="0"/>
+                                  </p:stCondLst>
+                                  <p:childTnLst>
+                                    <p:set>
+                                      <p:cBhvr>
+                                        <p:cTn id="16" dur="1" fill="hold">
+                                          <p:stCondLst>
+                                            <p:cond delay="0"/>
+                                          </p:stCondLst>
+                                        </p:cTn>
+                                        <p:tgtEl>
+                                          <p:spTgt spid="9"/>
+                                        </p:tgtEl>
+                                        <p:attrNameLst>
+                                          <p:attrName>style.visibility</p:attrName>
+                                        </p:attrNameLst>
+                                      </p:cBhvr>
+                                      <p:to>
+                                        <p:strVal val="visible"/>
+                                      </p:to>
+                                    </p:set>
+                                    <p:animEffect transition="in" filter="fade">
+                                      <p:cBhvr>
+                                        <p:cTn id="17" dur="500"/>
+                                        <p:tgtEl>
+                                          <p:spTgt spid="9"/>
+                                        </p:tgtEl>
+                                      </p:cBhvr>
+                                    </p:animEffect>
+                                  </p:childTnLst>
+                                </p:cTn>
+                              </p:par>
+                            </p:childTnLst>
+                          </p:cTn>
+                        </p:par>
+                      </p:childTnLst>
+                    </p:cTn>
+                  </p:par>
+                  <p:par>
+                    <p:cTn id="18" fill="hold">
+                      <p:stCondLst>
+                        <p:cond delay="indefinite"/>
+                      </p:stCondLst>
+                      <p:childTnLst>
+                        <p:par>
+                          <p:cTn id="19" fill="hold">
+                            <p:stCondLst>
+                              <p:cond delay="0"/>
+                            </p:stCondLst>
+                            <p:childTnLst>
+                              <p:par>
+                                <p:cTn id="20" presetID="10" presetClass="entr" presetSubtype="0" fill="hold" grpId="0" nodeType="clickEffect">
+                                  <p:stCondLst>
+                                    <p:cond delay="0"/>
+                                  </p:stCondLst>
+                                  <p:childTnLst>
+                                    <p:set>
+                                      <p:cBhvr>
+                                        <p:cTn id="21" dur="1" fill="hold">
+                                          <p:stCondLst>
+                                            <p:cond delay="0"/>
+                                          </p:stCondLst>
+                                        </p:cTn>
+                                        <p:tgtEl>
+                                          <p:spTgt spid="7"/>
+                                        </p:tgtEl>
+                                        <p:attrNameLst>
+                                          <p:attrName>style.visibility</p:attrName>
+                                        </p:attrNameLst>
+                                      </p:cBhvr>
+                                      <p:to>
+                                        <p:strVal val="visible"/>
+                                      </p:to>
+                                    </p:set>
+                                    <p:animEffect transition="in" filter="fade">
+                                      <p:cBhvr>
+                                        <p:cTn id="22" dur="500"/>
+                                        <p:tgtEl>
+                                          <p:spTgt spid="7"/>
+                                        </p:tgtEl>
+                                      </p:cBhvr>
+                                    </p:animEffect>
+                                  </p:childTnLst>
+                                </p:cTn>
+                              </p:par>
+                            </p:childTnLst>
+                          </p:cTn>
+                        </p:par>
+                      </p:childTnLst>
+                    </p:cTn>
+                  </p:par>
+                  <p:par>
+                    <p:cTn id="23" fill="hold">
+                      <p:stCondLst>
+                        <p:cond delay="indefinite"/>
+                      </p:stCondLst>
+                      <p:childTnLst>
+                        <p:par>
+                          <p:cTn id="24" fill="hold">
+                            <p:stCondLst>
+                              <p:cond delay="0"/>
+                            </p:stCondLst>
+                            <p:childTnLst>
+                              <p:par>
+                                <p:cTn id="25" presetID="10" presetClass="entr" presetSubtype="0" fill="hold" grpId="0" nodeType="clickEffect">
+                                  <p:stCondLst>
+                                    <p:cond delay="0"/>
+                                  </p:stCondLst>
+                                  <p:childTnLst>
+                                    <p:set>
+                                      <p:cBhvr>
+                                        <p:cTn id="26" dur="1" fill="hold">
+                                          <p:stCondLst>
+                                            <p:cond delay="0"/>
+                                          </p:stCondLst>
+                                        </p:cTn>
+                                        <p:tgtEl>
+                                          <p:spTgt spid="13"/>
+                                        </p:tgtEl>
+                                        <p:attrNameLst>
+                                          <p:attrName>style.visibility</p:attrName>
+                                        </p:attrNameLst>
+                                      </p:cBhvr>
+                                      <p:to>
+                                        <p:strVal val="visible"/>
+                                      </p:to>
+                                    </p:set>
+                                    <p:animEffect transition="in" filter="fade">
+                                      <p:cBhvr>
+                                        <p:cTn id="27" dur="500"/>
+                                        <p:tgtEl>
+                                          <p:spTgt spid="13"/>
+                                        </p:tgtEl>
+                                      </p:cBhvr>
+                                    </p:animEffect>
+                                  </p:childTnLst>
+                                </p:cTn>
+                              </p:par>
+                            </p:childTnLst>
+                          </p:cTn>
+                        </p:par>
+                      </p:childTnLst>
+                    </p:cTn>
+                  </p:par>
+                  <p:par>
+                    <p:cTn id="28" fill="hold">
+                      <p:stCondLst>
+                        <p:cond delay="indefinite"/>
+                      </p:stCondLst>
+                      <p:childTnLst>
+                        <p:par>
+                          <p:cTn id="29" fill="hold">
+                            <p:stCondLst>
+                              <p:cond delay="0"/>
+                            </p:stCondLst>
+                            <p:childTnLst>
+                              <p:par>
+                                <p:cTn id="30" presetID="10" presetClass="entr" presetSubtype="0" fill="hold" grpId="0" nodeType="clickEffect">
+                                  <p:stCondLst>
+                                    <p:cond delay="0"/>
+                                  </p:stCondLst>
+                                  <p:childTnLst>
+                                    <p:set>
+                                      <p:cBhvr>
+                                        <p:cTn id="31" dur="1" fill="hold">
+                                          <p:stCondLst>
+                                            <p:cond delay="0"/>
+                                          </p:stCondLst>
+                                        </p:cTn>
+                                        <p:tgtEl>
+                                          <p:spTgt spid="14"/>
+                                        </p:tgtEl>
+                                        <p:attrNameLst>
+                                          <p:attrName>style.visibility</p:attrName>
+                                        </p:attrNameLst>
+                                      </p:cBhvr>
+                                      <p:to>
+                                        <p:strVal val="visible"/>
+                                      </p:to>
+                                    </p:set>
+                                    <p:animEffect transition="in" filter="fade">
+                                      <p:cBhvr>
+                                        <p:cTn id="32" dur="500"/>
+                                        <p:tgtEl>
+                                          <p:spTgt spid="14"/>
+                                        </p:tgtEl>
+                                      </p:cBhvr>
+                                    </p:animEffect>
+                                  </p:childTnLst>
+                                </p:cTn>
+                              </p:par>
+                            </p:childTnLst>
+                          </p:cTn>
+                        </p:par>
+                      </p:childTnLst>
+                    </p:cTn>
+                  </p:par>
+                  <p:par>
+                    <p:cTn id="33" fill="hold">
+                      <p:stCondLst>
+                        <p:cond delay="indefinite"/>
+                      </p:stCondLst>
+                      <p:childTnLst>
+                        <p:par>
+                          <p:cTn id="34" fill="hold">
+                            <p:stCondLst>
+                              <p:cond delay="0"/>
+                            </p:stCondLst>
+                            <p:childTnLst>
+                              <p:par>
+                                <p:cTn id="35" presetID="10" presetClass="entr" presetSubtype="0" fill="hold" grpId="0" nodeType="clickEffect">
+                                  <p:stCondLst>
+                                    <p:cond delay="0"/>
+                                  </p:stCondLst>
+                                  <p:childTnLst>
+                                    <p:set>
+                                      <p:cBhvr>
+                                        <p:cTn id="36" dur="1" fill="hold">
+                                          <p:stCondLst>
+                                            <p:cond delay="0"/>
+                                          </p:stCondLst>
+                                        </p:cTn>
+                                        <p:tgtEl>
+                                          <p:spTgt spid="15"/>
+                                        </p:tgtEl>
+                                        <p:attrNameLst>
+                                          <p:attrName>style.visibility</p:attrName>
+                                        </p:attrNameLst>
+                                      </p:cBhvr>
+                                      <p:to>
+                                        <p:strVal val="visible"/>
+                                      </p:to>
+                                    </p:set>
+                                    <p:animEffect transition="in" filter="fade">
+                                      <p:cBhvr>
+                                        <p:cTn id="37" dur="500"/>
+                                        <p:tgtEl>
+                                          <p:spTgt spid="15"/>
+                                        </p:tgtEl>
+                                      </p:cBhvr>
+                                    </p:animEffect>
+                                  </p:childTnLst>
+                                </p:cTn>
+                              </p:par>
+                            </p:childTnLst>
+                          </p:cTn>
+                        </p:par>
+                      </p:childTnLst>
+                    </p:cTn>
+                  </p:par>
+                </p:childTnLst>
+              </p:cTn>
+              <p:prevCondLst>
+                <p:cond evt="onPrev" delay="0">
+                  <p:tgtEl>
+                    <p:sldTgt/>
+                  </p:tgtEl>
+                </p:cond>
+              </p:prevCondLst>
+              <p:nextCondLst>
+                <p:cond evt="onNext" delay="0">
+                  <p:tgtEl>
+                    <p:sldTgt/>
+                  </p:tgtEl>
+                </p:cond>
+              </p:nextCondLst>
+            </p:seq>
+          </p:childTnLst>
+        </p:cTn>
       </p:par>
     </p:tnLst>
+    <p:bldLst>
+      <p:bldP spid="7" grpId="0"/>
+      <p:bldP spid="8" grpId="0"/>
+      <p:bldP spid="9" grpId="0"/>
+      <p:bldP spid="11" grpId="0"/>
+      <p:bldP spid="13" grpId="0"/>
+      <p:bldP spid="14" grpId="0"/>
+      <p:bldP spid="15" grpId="0"/>
+    </p:bldLst>
   </p:timing>
 </p:sld>
 </file>
@@ -19304,7 +21945,7 @@
           <a:p>
             <a:r>
               <a:rPr lang="en-US" dirty="0" smtClean="0"/>
-              <a:t>Bernoulli </a:t>
+              <a:t>Multinomial </a:t>
             </a:r>
             <a:r>
               <a:rPr lang="en-US" dirty="0"/>
@@ -19330,7 +21971,7 @@
           <a:p>
             <a:r>
               <a:rPr lang="en-US" dirty="0"/>
-              <a:t>Bernoulli naive Bayes</a:t>
+              <a:t>Multinomial naive Bayes</a:t>
             </a:r>
           </a:p>
         </p:txBody>
@@ -19361,35 +22002,2401 @@
       </p:sp>
       <p:sp>
         <p:nvSpPr>
-          <p:cNvPr id="8" name="Content Placeholder 2"/>
+          <p:cNvPr id="8" name="TextBox 7"/>
+          <p:cNvSpPr txBox="1"/>
+          <p:nvPr/>
+        </p:nvSpPr>
+        <p:spPr>
+          <a:xfrm>
+            <a:off x="194084" y="1213603"/>
+            <a:ext cx="1333057" cy="477054"/>
+          </a:xfrm>
+          <a:prstGeom prst="rect">
+            <a:avLst/>
+          </a:prstGeom>
+          <a:noFill/>
+        </p:spPr>
+        <p:txBody>
+          <a:bodyPr wrap="none" rtlCol="0">
+            <a:spAutoFit/>
+          </a:bodyPr>
+          <a:lstStyle/>
+          <a:p>
+            <a:r>
+              <a:rPr lang="en-US" sz="2500" smtClean="0">
+                <a:latin typeface="Cambria Math" panose="02040503050406030204" pitchFamily="18" charset="0"/>
+                <a:ea typeface="Cambria Math" panose="02040503050406030204" pitchFamily="18" charset="0"/>
+              </a:rPr>
+              <a:t>Remind:</a:t>
+            </a:r>
+            <a:endParaRPr lang="en-US" sz="2500">
+              <a:latin typeface="Cambria Math" panose="02040503050406030204" pitchFamily="18" charset="0"/>
+              <a:ea typeface="Cambria Math" panose="02040503050406030204" pitchFamily="18" charset="0"/>
+            </a:endParaRPr>
+          </a:p>
+        </p:txBody>
+      </p:sp>
+      <p:sp>
+        <p:nvSpPr>
+          <p:cNvPr id="12" name="TextBox 11"/>
+          <p:cNvSpPr txBox="1"/>
+          <p:nvPr/>
+        </p:nvSpPr>
+        <p:spPr>
+          <a:xfrm>
+            <a:off x="1412341" y="4517679"/>
+            <a:ext cx="184731" cy="369332"/>
+          </a:xfrm>
+          <a:prstGeom prst="rect">
+            <a:avLst/>
+          </a:prstGeom>
+          <a:noFill/>
+        </p:spPr>
+        <p:txBody>
+          <a:bodyPr wrap="none" rtlCol="0">
+            <a:spAutoFit/>
+          </a:bodyPr>
+          <a:lstStyle/>
+          <a:p>
+            <a:endParaRPr lang="en-US"/>
+          </a:p>
+        </p:txBody>
+      </p:sp>
+      <mc:AlternateContent xmlns:mc="http://schemas.openxmlformats.org/markup-compatibility/2006">
+        <mc:Choice xmlns:a14="http://schemas.microsoft.com/office/drawing/2010/main" Requires="a14">
+          <p:sp>
+            <p:nvSpPr>
+              <p:cNvPr id="16" name="TextBox 15"/>
+              <p:cNvSpPr txBox="1"/>
+              <p:nvPr/>
+            </p:nvSpPr>
+            <p:spPr>
+              <a:xfrm>
+                <a:off x="628650" y="1764241"/>
+                <a:ext cx="4288290" cy="1397306"/>
+              </a:xfrm>
+              <a:prstGeom prst="rect">
+                <a:avLst/>
+              </a:prstGeom>
+              <a:noFill/>
+            </p:spPr>
+            <p:txBody>
+              <a:bodyPr wrap="none" lIns="0" tIns="0" rIns="0" bIns="0" rtlCol="0">
+                <a:spAutoFit/>
+              </a:bodyPr>
+              <a:lstStyle/>
+              <a:p>
+                <a:pPr/>
+                <a14:m>
+                  <m:oMathPara xmlns:m="http://schemas.openxmlformats.org/officeDocument/2006/math">
+                    <m:oMathParaPr>
+                      <m:jc m:val="centerGroup"/>
+                    </m:oMathParaPr>
+                    <m:oMath xmlns:m="http://schemas.openxmlformats.org/officeDocument/2006/math">
+                      <m:r>
+                        <a:rPr lang="en-US" sz="2500" b="0" i="1" smtClean="0">
+                          <a:latin typeface="Cambria Math" panose="02040503050406030204" pitchFamily="18" charset="0"/>
+                        </a:rPr>
+                        <m:t>𝐶</m:t>
+                      </m:r>
+                      <m:r>
+                        <a:rPr lang="en-US" sz="2500" b="0" i="1" smtClean="0">
+                          <a:latin typeface="Cambria Math" panose="02040503050406030204" pitchFamily="18" charset="0"/>
+                        </a:rPr>
+                        <m:t>=</m:t>
+                      </m:r>
+                      <m:r>
+                        <a:rPr lang="en-US" sz="2500" b="0" i="1" smtClean="0">
+                          <a:latin typeface="Cambria Math" panose="02040503050406030204" pitchFamily="18" charset="0"/>
+                        </a:rPr>
+                        <m:t>𝑎𝑟𝑔𝑚𝑎𝑥</m:t>
+                      </m:r>
+                      <m:r>
+                        <a:rPr lang="en-US" sz="2500" b="0" i="1" smtClean="0">
+                          <a:latin typeface="Cambria Math" panose="02040503050406030204" pitchFamily="18" charset="0"/>
+                        </a:rPr>
+                        <m:t> </m:t>
+                      </m:r>
+                      <m:r>
+                        <a:rPr lang="en-US" sz="2500" b="0" i="1" smtClean="0">
+                          <a:latin typeface="Cambria Math" panose="02040503050406030204" pitchFamily="18" charset="0"/>
+                        </a:rPr>
+                        <m:t>𝑃</m:t>
+                      </m:r>
+                      <m:d>
+                        <m:dPr>
+                          <m:ctrlPr>
+                            <a:rPr lang="en-US" sz="2500" b="0" i="1" smtClean="0">
+                              <a:latin typeface="Cambria Math" panose="02040503050406030204" pitchFamily="18" charset="0"/>
+                            </a:rPr>
+                          </m:ctrlPr>
+                        </m:dPr>
+                        <m:e>
+                          <m:r>
+                            <a:rPr lang="en-US" sz="2500" b="0" i="1" smtClean="0">
+                              <a:latin typeface="Cambria Math" panose="02040503050406030204" pitchFamily="18" charset="0"/>
+                            </a:rPr>
+                            <m:t>𝐶</m:t>
+                          </m:r>
+                        </m:e>
+                      </m:d>
+                      <m:nary>
+                        <m:naryPr>
+                          <m:chr m:val="∏"/>
+                          <m:ctrlPr>
+                            <a:rPr lang="en-US" sz="2500" i="1">
+                              <a:latin typeface="Cambria Math" panose="02040503050406030204" pitchFamily="18" charset="0"/>
+                            </a:rPr>
+                          </m:ctrlPr>
+                        </m:naryPr>
+                        <m:sub>
+                          <m:r>
+                            <m:rPr>
+                              <m:brk m:alnAt="23"/>
+                            </m:rPr>
+                            <a:rPr lang="en-US" sz="2500" i="1">
+                              <a:latin typeface="Cambria Math" panose="02040503050406030204" pitchFamily="18" charset="0"/>
+                            </a:rPr>
+                            <m:t>𝑖</m:t>
+                          </m:r>
+                          <m:r>
+                            <a:rPr lang="en-US" sz="2500" i="1">
+                              <a:latin typeface="Cambria Math" panose="02040503050406030204" pitchFamily="18" charset="0"/>
+                            </a:rPr>
+                            <m:t>=1</m:t>
+                          </m:r>
+                        </m:sub>
+                        <m:sup>
+                          <m:r>
+                            <a:rPr lang="en-US" sz="2500" i="1">
+                              <a:latin typeface="Cambria Math" panose="02040503050406030204" pitchFamily="18" charset="0"/>
+                            </a:rPr>
+                            <m:t>𝑑</m:t>
+                          </m:r>
+                        </m:sup>
+                        <m:e>
+                          <m:r>
+                            <a:rPr lang="en-US" sz="2500" i="1">
+                              <a:latin typeface="Cambria Math" panose="02040503050406030204" pitchFamily="18" charset="0"/>
+                            </a:rPr>
+                            <m:t>𝑃</m:t>
+                          </m:r>
+                          <m:d>
+                            <m:dPr>
+                              <m:ctrlPr>
+                                <a:rPr lang="en-US" sz="2500" i="1">
+                                  <a:latin typeface="Cambria Math" panose="02040503050406030204" pitchFamily="18" charset="0"/>
+                                </a:rPr>
+                              </m:ctrlPr>
+                            </m:dPr>
+                            <m:e>
+                              <m:sSub>
+                                <m:sSubPr>
+                                  <m:ctrlPr>
+                                    <a:rPr lang="en-US" sz="2500" i="1">
+                                      <a:latin typeface="Cambria Math" panose="02040503050406030204" pitchFamily="18" charset="0"/>
+                                    </a:rPr>
+                                  </m:ctrlPr>
+                                </m:sSubPr>
+                                <m:e>
+                                  <m:r>
+                                    <a:rPr lang="en-US" sz="2500" i="1">
+                                      <a:latin typeface="Cambria Math" panose="02040503050406030204" pitchFamily="18" charset="0"/>
+                                    </a:rPr>
+                                    <m:t>𝑥</m:t>
+                                  </m:r>
+                                </m:e>
+                                <m:sub>
+                                  <m:r>
+                                    <a:rPr lang="en-US" sz="2500" i="1">
+                                      <a:latin typeface="Cambria Math" panose="02040503050406030204" pitchFamily="18" charset="0"/>
+                                    </a:rPr>
+                                    <m:t>𝑖</m:t>
+                                  </m:r>
+                                </m:sub>
+                              </m:sSub>
+                            </m:e>
+                            <m:e>
+                              <m:r>
+                                <a:rPr lang="en-US" sz="2500" i="1">
+                                  <a:latin typeface="Cambria Math" panose="02040503050406030204" pitchFamily="18" charset="0"/>
+                                </a:rPr>
+                                <m:t>𝐶</m:t>
+                              </m:r>
+                            </m:e>
+                          </m:d>
+                        </m:e>
+                      </m:nary>
+                    </m:oMath>
+                  </m:oMathPara>
+                </a14:m>
+                <a:endParaRPr lang="en-US" sz="2500" i="1" dirty="0" smtClean="0">
+                  <a:latin typeface="Cambria Math" panose="02040503050406030204" pitchFamily="18" charset="0"/>
+                </a:endParaRPr>
+              </a:p>
+              <a:p>
+                <a:r>
+                  <a:rPr lang="en-US" sz="2000" b="0" dirty="0" smtClean="0"/>
+                  <a:t>          </a:t>
+                </a:r>
+                <a14:m>
+                  <m:oMath xmlns:m="http://schemas.openxmlformats.org/officeDocument/2006/math">
+                    <m:r>
+                      <a:rPr lang="en-US" sz="2000" b="0" i="1" smtClean="0">
+                        <a:latin typeface="Cambria Math" panose="02040503050406030204" pitchFamily="18" charset="0"/>
+                      </a:rPr>
+                      <m:t>𝐶</m:t>
+                    </m:r>
+                    <m:r>
+                      <a:rPr lang="en-US" sz="2000" b="0" i="1" smtClean="0">
+                        <a:latin typeface="Cambria Math" panose="02040503050406030204" pitchFamily="18" charset="0"/>
+                        <a:ea typeface="Cambria Math" panose="02040503050406030204" pitchFamily="18" charset="0"/>
+                      </a:rPr>
+                      <m:t>∈</m:t>
+                    </m:r>
+                    <m:d>
+                      <m:dPr>
+                        <m:begChr m:val="{"/>
+                        <m:endChr m:val="}"/>
+                        <m:ctrlPr>
+                          <a:rPr lang="en-US" sz="2000" b="0" i="1" smtClean="0">
+                            <a:latin typeface="Cambria Math" panose="02040503050406030204" pitchFamily="18" charset="0"/>
+                            <a:ea typeface="Cambria Math" panose="02040503050406030204" pitchFamily="18" charset="0"/>
+                          </a:rPr>
+                        </m:ctrlPr>
+                      </m:dPr>
+                      <m:e>
+                        <m:r>
+                          <a:rPr lang="en-US" sz="2000" b="0" i="1" smtClean="0">
+                            <a:latin typeface="Cambria Math" panose="02040503050406030204" pitchFamily="18" charset="0"/>
+                            <a:ea typeface="Cambria Math" panose="02040503050406030204" pitchFamily="18" charset="0"/>
+                          </a:rPr>
+                          <m:t>1,. . .,</m:t>
+                        </m:r>
+                        <m:r>
+                          <a:rPr lang="en-US" sz="2000" b="0" i="1" smtClean="0">
+                            <a:latin typeface="Cambria Math" panose="02040503050406030204" pitchFamily="18" charset="0"/>
+                            <a:ea typeface="Cambria Math" panose="02040503050406030204" pitchFamily="18" charset="0"/>
+                          </a:rPr>
+                          <m:t>𝐶</m:t>
+                        </m:r>
+                      </m:e>
+                    </m:d>
+                  </m:oMath>
+                </a14:m>
+                <a:endParaRPr lang="en-US" sz="2000" dirty="0"/>
+              </a:p>
+            </p:txBody>
+          </p:sp>
+        </mc:Choice>
+        <mc:Fallback>
+          <p:sp>
+            <p:nvSpPr>
+              <p:cNvPr id="16" name="TextBox 15"/>
+              <p:cNvSpPr txBox="1">
+                <a:spLocks noRot="1" noChangeAspect="1" noMove="1" noResize="1" noEditPoints="1" noAdjustHandles="1" noChangeArrowheads="1" noChangeShapeType="1" noTextEdit="1"/>
+              </p:cNvSpPr>
+              <p:nvPr/>
+            </p:nvSpPr>
+            <p:spPr>
+              <a:xfrm>
+                <a:off x="628650" y="1764241"/>
+                <a:ext cx="4288290" cy="1397306"/>
+              </a:xfrm>
+              <a:prstGeom prst="rect">
+                <a:avLst/>
+              </a:prstGeom>
+              <a:blipFill rotWithShape="0">
+                <a:blip r:embed="rId3"/>
+                <a:stretch>
+                  <a:fillRect b="-435"/>
+                </a:stretch>
+              </a:blipFill>
+            </p:spPr>
+            <p:txBody>
+              <a:bodyPr/>
+              <a:lstStyle/>
+              <a:p>
+                <a:r>
+                  <a:rPr lang="en-US">
+                    <a:noFill/>
+                  </a:rPr>
+                  <a:t> </a:t>
+                </a:r>
+              </a:p>
+            </p:txBody>
+          </p:sp>
+        </mc:Fallback>
+      </mc:AlternateContent>
+      <mc:AlternateContent xmlns:mc="http://schemas.openxmlformats.org/markup-compatibility/2006">
+        <mc:Choice xmlns:a14="http://schemas.microsoft.com/office/drawing/2010/main" Requires="a14">
+          <p:sp>
+            <p:nvSpPr>
+              <p:cNvPr id="3" name="TextBox 2"/>
+              <p:cNvSpPr txBox="1"/>
+              <p:nvPr/>
+            </p:nvSpPr>
+            <p:spPr>
+              <a:xfrm>
+                <a:off x="1002040" y="4002222"/>
+                <a:ext cx="2738057" cy="477054"/>
+              </a:xfrm>
+              <a:prstGeom prst="rect">
+                <a:avLst/>
+              </a:prstGeom>
+              <a:noFill/>
+            </p:spPr>
+            <p:txBody>
+              <a:bodyPr wrap="none" rtlCol="0">
+                <a:spAutoFit/>
+              </a:bodyPr>
+              <a:lstStyle/>
+              <a:p>
+                <a:r>
+                  <a:rPr lang="en-US" sz="2500" smtClean="0">
+                    <a:latin typeface="Cambria Math" panose="02040503050406030204" pitchFamily="18" charset="0"/>
+                    <a:ea typeface="Cambria Math" panose="02040503050406030204" pitchFamily="18" charset="0"/>
+                  </a:rPr>
+                  <a:t>If</a:t>
+                </a:r>
+                <a:r>
+                  <a:rPr lang="en-US" sz="2500" smtClean="0"/>
+                  <a:t> </a:t>
+                </a:r>
+                <a14:m>
+                  <m:oMath xmlns:m="http://schemas.openxmlformats.org/officeDocument/2006/math">
+                    <m:sSub>
+                      <m:sSubPr>
+                        <m:ctrlPr>
+                          <a:rPr lang="en-US" sz="2500" i="1" smtClean="0">
+                            <a:latin typeface="Cambria Math" panose="02040503050406030204" pitchFamily="18" charset="0"/>
+                          </a:rPr>
+                        </m:ctrlPr>
+                      </m:sSubPr>
+                      <m:e>
+                        <m:r>
+                          <a:rPr lang="en-US" sz="2500" b="0" i="1" smtClean="0">
+                            <a:latin typeface="Cambria Math" panose="02040503050406030204" pitchFamily="18" charset="0"/>
+                          </a:rPr>
+                          <m:t>𝑁</m:t>
+                        </m:r>
+                      </m:e>
+                      <m:sub>
+                        <m:r>
+                          <a:rPr lang="en-US" sz="2500" b="0" i="1" smtClean="0">
+                            <a:latin typeface="Cambria Math" panose="02040503050406030204" pitchFamily="18" charset="0"/>
+                          </a:rPr>
+                          <m:t>𝑐𝑖</m:t>
+                        </m:r>
+                      </m:sub>
+                    </m:sSub>
+                    <m:r>
+                      <a:rPr lang="en-US" sz="2500" b="0" i="1" smtClean="0">
+                        <a:latin typeface="Cambria Math" panose="02040503050406030204" pitchFamily="18" charset="0"/>
+                      </a:rPr>
+                      <m:t>=0⇒</m:t>
+                    </m:r>
+                    <m:r>
+                      <a:rPr lang="en-US" sz="2500" b="0" i="1" smtClean="0">
+                        <a:latin typeface="Cambria Math" panose="02040503050406030204" pitchFamily="18" charset="0"/>
+                      </a:rPr>
+                      <m:t>𝐶</m:t>
+                    </m:r>
+                    <m:r>
+                      <a:rPr lang="en-US" sz="2500" b="0" i="1" smtClean="0">
+                        <a:latin typeface="Cambria Math" panose="02040503050406030204" pitchFamily="18" charset="0"/>
+                      </a:rPr>
+                      <m:t>=0</m:t>
+                    </m:r>
+                  </m:oMath>
+                </a14:m>
+                <a:endParaRPr lang="en-US" sz="2500"/>
+              </a:p>
+            </p:txBody>
+          </p:sp>
+        </mc:Choice>
+        <mc:Fallback>
+          <p:sp>
+            <p:nvSpPr>
+              <p:cNvPr id="3" name="TextBox 2"/>
+              <p:cNvSpPr txBox="1">
+                <a:spLocks noRot="1" noChangeAspect="1" noMove="1" noResize="1" noEditPoints="1" noAdjustHandles="1" noChangeArrowheads="1" noChangeShapeType="1" noTextEdit="1"/>
+              </p:cNvSpPr>
+              <p:nvPr/>
+            </p:nvSpPr>
+            <p:spPr>
+              <a:xfrm>
+                <a:off x="1002040" y="4002222"/>
+                <a:ext cx="2738057" cy="477054"/>
+              </a:xfrm>
+              <a:prstGeom prst="rect">
+                <a:avLst/>
+              </a:prstGeom>
+              <a:blipFill rotWithShape="0">
+                <a:blip r:embed="rId4"/>
+                <a:stretch>
+                  <a:fillRect l="-3556" t="-12821" b="-28205"/>
+                </a:stretch>
+              </a:blipFill>
+            </p:spPr>
+            <p:txBody>
+              <a:bodyPr/>
+              <a:lstStyle/>
+              <a:p>
+                <a:r>
+                  <a:rPr lang="en-US">
+                    <a:noFill/>
+                  </a:rPr>
+                  <a:t> </a:t>
+                </a:r>
+              </a:p>
+            </p:txBody>
+          </p:sp>
+        </mc:Fallback>
+      </mc:AlternateContent>
+      <mc:AlternateContent xmlns:mc="http://schemas.openxmlformats.org/markup-compatibility/2006">
+        <mc:Choice xmlns:a14="http://schemas.microsoft.com/office/drawing/2010/main" Requires="a14">
+          <p:sp>
+            <p:nvSpPr>
+              <p:cNvPr id="6" name="TextBox 5"/>
+              <p:cNvSpPr txBox="1"/>
+              <p:nvPr/>
+            </p:nvSpPr>
+            <p:spPr>
+              <a:xfrm>
+                <a:off x="3956363" y="4054703"/>
+                <a:ext cx="3179332" cy="384721"/>
+              </a:xfrm>
+              <a:prstGeom prst="rect">
+                <a:avLst/>
+              </a:prstGeom>
+              <a:noFill/>
+            </p:spPr>
+            <p:txBody>
+              <a:bodyPr wrap="none" lIns="0" tIns="0" rIns="0" bIns="0" rtlCol="0">
+                <a:spAutoFit/>
+              </a:bodyPr>
+              <a:lstStyle/>
+              <a:p>
+                <a14:m>
+                  <m:oMath xmlns:m="http://schemas.openxmlformats.org/officeDocument/2006/math">
+                    <m:r>
+                      <a:rPr lang="en-US" sz="2500" b="0" i="1" smtClean="0">
+                        <a:solidFill>
+                          <a:srgbClr val="FF0000"/>
+                        </a:solidFill>
+                        <a:latin typeface="Cambria Math" panose="02040503050406030204" pitchFamily="18" charset="0"/>
+                      </a:rPr>
+                      <m:t>⇒</m:t>
+                    </m:r>
+                    <m:r>
+                      <a:rPr lang="en-US" sz="2500" b="0" i="1" smtClean="0">
+                        <a:solidFill>
+                          <a:srgbClr val="FF0000"/>
+                        </a:solidFill>
+                        <a:latin typeface="Cambria Math" panose="02040503050406030204" pitchFamily="18" charset="0"/>
+                      </a:rPr>
+                      <m:t>𝐿𝑎𝑝𝑙𝑎𝑐𝑒</m:t>
+                    </m:r>
+                    <m:r>
+                      <a:rPr lang="en-US" sz="2500" b="0" i="1" smtClean="0">
+                        <a:solidFill>
+                          <a:srgbClr val="FF0000"/>
+                        </a:solidFill>
+                        <a:latin typeface="Cambria Math" panose="02040503050406030204" pitchFamily="18" charset="0"/>
+                      </a:rPr>
+                      <m:t> </m:t>
+                    </m:r>
+                    <m:r>
+                      <a:rPr lang="en-US" sz="2500" b="0" i="1" smtClean="0">
+                        <a:solidFill>
+                          <a:srgbClr val="FF0000"/>
+                        </a:solidFill>
+                        <a:latin typeface="Cambria Math" panose="02040503050406030204" pitchFamily="18" charset="0"/>
+                      </a:rPr>
+                      <m:t>𝑠𝑚𝑜𝑜𝑡h𝑖𝑛𝑔</m:t>
+                    </m:r>
+                  </m:oMath>
+                </a14:m>
+                <a:r>
+                  <a:rPr lang="en-US" sz="2500" smtClean="0">
+                    <a:solidFill>
+                      <a:srgbClr val="FF0000"/>
+                    </a:solidFill>
+                  </a:rPr>
+                  <a:t>:</a:t>
+                </a:r>
+                <a:endParaRPr lang="en-US" sz="2500">
+                  <a:solidFill>
+                    <a:srgbClr val="FF0000"/>
+                  </a:solidFill>
+                </a:endParaRPr>
+              </a:p>
+            </p:txBody>
+          </p:sp>
+        </mc:Choice>
+        <mc:Fallback>
+          <p:sp>
+            <p:nvSpPr>
+              <p:cNvPr id="6" name="TextBox 5"/>
+              <p:cNvSpPr txBox="1">
+                <a:spLocks noRot="1" noChangeAspect="1" noMove="1" noResize="1" noEditPoints="1" noAdjustHandles="1" noChangeArrowheads="1" noChangeShapeType="1" noTextEdit="1"/>
+              </p:cNvSpPr>
+              <p:nvPr/>
+            </p:nvSpPr>
+            <p:spPr>
+              <a:xfrm>
+                <a:off x="3956363" y="4054703"/>
+                <a:ext cx="3179332" cy="384721"/>
+              </a:xfrm>
+              <a:prstGeom prst="rect">
+                <a:avLst/>
+              </a:prstGeom>
+              <a:blipFill rotWithShape="0">
+                <a:blip r:embed="rId5"/>
+                <a:stretch>
+                  <a:fillRect l="-2874" t="-23810" r="-5556" b="-50794"/>
+                </a:stretch>
+              </a:blipFill>
+            </p:spPr>
+            <p:txBody>
+              <a:bodyPr/>
+              <a:lstStyle/>
+              <a:p>
+                <a:r>
+                  <a:rPr lang="en-US">
+                    <a:noFill/>
+                  </a:rPr>
+                  <a:t> </a:t>
+                </a:r>
+              </a:p>
+            </p:txBody>
+          </p:sp>
+        </mc:Fallback>
+      </mc:AlternateContent>
+      <mc:AlternateContent xmlns:mc="http://schemas.openxmlformats.org/markup-compatibility/2006">
+        <mc:Choice xmlns:a14="http://schemas.microsoft.com/office/drawing/2010/main" Requires="a14">
+          <p:sp>
+            <p:nvSpPr>
+              <p:cNvPr id="11" name="TextBox 10"/>
+              <p:cNvSpPr txBox="1"/>
+              <p:nvPr/>
+            </p:nvSpPr>
+            <p:spPr>
+              <a:xfrm>
+                <a:off x="5743244" y="1936286"/>
+                <a:ext cx="2772106" cy="785280"/>
+              </a:xfrm>
+              <a:prstGeom prst="rect">
+                <a:avLst/>
+              </a:prstGeom>
+              <a:noFill/>
+            </p:spPr>
+            <p:txBody>
+              <a:bodyPr wrap="none" lIns="0" tIns="0" rIns="0" bIns="0" rtlCol="0">
+                <a:spAutoFit/>
+              </a:bodyPr>
+              <a:lstStyle/>
+              <a:p>
+                <a14:m>
+                  <m:oMathPara xmlns:m="http://schemas.openxmlformats.org/officeDocument/2006/math">
+                    <m:oMathParaPr>
+                      <m:jc m:val="centerGroup"/>
+                    </m:oMathParaPr>
+                    <m:oMath xmlns:m="http://schemas.openxmlformats.org/officeDocument/2006/math">
+                      <m:sSub>
+                        <m:sSubPr>
+                          <m:ctrlPr>
+                            <a:rPr lang="en-US" sz="2500" i="1" smtClean="0">
+                              <a:latin typeface="Cambria Math" panose="02040503050406030204" pitchFamily="18" charset="0"/>
+                            </a:rPr>
+                          </m:ctrlPr>
+                        </m:sSubPr>
+                        <m:e>
+                          <m:r>
+                            <a:rPr lang="en-US" sz="2500" i="1" smtClean="0">
+                              <a:latin typeface="Cambria Math" panose="02040503050406030204" pitchFamily="18" charset="0"/>
+                              <a:ea typeface="Cambria Math" panose="02040503050406030204" pitchFamily="18" charset="0"/>
+                            </a:rPr>
+                            <m:t>𝜆</m:t>
+                          </m:r>
+                        </m:e>
+                        <m:sub>
+                          <m:r>
+                            <a:rPr lang="en-US" sz="2500" b="0" i="1" smtClean="0">
+                              <a:latin typeface="Cambria Math" panose="02040503050406030204" pitchFamily="18" charset="0"/>
+                            </a:rPr>
+                            <m:t>𝑐𝑖</m:t>
+                          </m:r>
+                        </m:sub>
+                      </m:sSub>
+                      <m:r>
+                        <a:rPr lang="en-US" sz="2500" b="0" i="1" smtClean="0">
+                          <a:latin typeface="Cambria Math" panose="02040503050406030204" pitchFamily="18" charset="0"/>
+                        </a:rPr>
+                        <m:t>=</m:t>
+                      </m:r>
+                      <m:r>
+                        <a:rPr lang="en-US" sz="2500" b="0" i="1" smtClean="0">
+                          <a:latin typeface="Cambria Math" panose="02040503050406030204" pitchFamily="18" charset="0"/>
+                        </a:rPr>
+                        <m:t>𝑃</m:t>
+                      </m:r>
+                      <m:d>
+                        <m:dPr>
+                          <m:ctrlPr>
+                            <a:rPr lang="en-US" sz="2500" b="0" i="1" smtClean="0">
+                              <a:latin typeface="Cambria Math" panose="02040503050406030204" pitchFamily="18" charset="0"/>
+                            </a:rPr>
+                          </m:ctrlPr>
+                        </m:dPr>
+                        <m:e>
+                          <m:sSub>
+                            <m:sSubPr>
+                              <m:ctrlPr>
+                                <a:rPr lang="en-US" sz="2500" b="0" i="1" smtClean="0">
+                                  <a:latin typeface="Cambria Math" panose="02040503050406030204" pitchFamily="18" charset="0"/>
+                                </a:rPr>
+                              </m:ctrlPr>
+                            </m:sSubPr>
+                            <m:e>
+                              <m:r>
+                                <a:rPr lang="en-US" sz="2500" b="0" i="1" smtClean="0">
+                                  <a:latin typeface="Cambria Math" panose="02040503050406030204" pitchFamily="18" charset="0"/>
+                                </a:rPr>
+                                <m:t>𝑥</m:t>
+                              </m:r>
+                            </m:e>
+                            <m:sub>
+                              <m:r>
+                                <a:rPr lang="en-US" sz="2500" b="0" i="1" smtClean="0">
+                                  <a:latin typeface="Cambria Math" panose="02040503050406030204" pitchFamily="18" charset="0"/>
+                                </a:rPr>
+                                <m:t>𝑖</m:t>
+                              </m:r>
+                            </m:sub>
+                          </m:sSub>
+                          <m:r>
+                            <a:rPr lang="en-US" sz="2500" b="0" i="1" smtClean="0">
+                              <a:latin typeface="Cambria Math" panose="02040503050406030204" pitchFamily="18" charset="0"/>
+                            </a:rPr>
+                            <m:t>|</m:t>
+                          </m:r>
+                          <m:r>
+                            <a:rPr lang="en-US" sz="2500" b="0" i="1" smtClean="0">
+                              <a:latin typeface="Cambria Math" panose="02040503050406030204" pitchFamily="18" charset="0"/>
+                            </a:rPr>
+                            <m:t>𝐶</m:t>
+                          </m:r>
+                        </m:e>
+                      </m:d>
+                      <m:r>
+                        <a:rPr lang="en-US" sz="2500" b="0" i="1" smtClean="0">
+                          <a:latin typeface="Cambria Math" panose="02040503050406030204" pitchFamily="18" charset="0"/>
+                        </a:rPr>
+                        <m:t>=</m:t>
+                      </m:r>
+                      <m:f>
+                        <m:fPr>
+                          <m:ctrlPr>
+                            <a:rPr lang="en-US" sz="2500" b="0" i="1" smtClean="0">
+                              <a:latin typeface="Cambria Math" panose="02040503050406030204" pitchFamily="18" charset="0"/>
+                            </a:rPr>
+                          </m:ctrlPr>
+                        </m:fPr>
+                        <m:num>
+                          <m:sSub>
+                            <m:sSubPr>
+                              <m:ctrlPr>
+                                <a:rPr lang="en-US" sz="2500" b="0" i="1" smtClean="0">
+                                  <a:latin typeface="Cambria Math" panose="02040503050406030204" pitchFamily="18" charset="0"/>
+                                </a:rPr>
+                              </m:ctrlPr>
+                            </m:sSubPr>
+                            <m:e>
+                              <m:r>
+                                <a:rPr lang="en-US" sz="2500" b="0" i="1" smtClean="0">
+                                  <a:latin typeface="Cambria Math" panose="02040503050406030204" pitchFamily="18" charset="0"/>
+                                </a:rPr>
+                                <m:t>𝑁</m:t>
+                              </m:r>
+                            </m:e>
+                            <m:sub>
+                              <m:r>
+                                <a:rPr lang="en-US" sz="2500" b="0" i="1" smtClean="0">
+                                  <a:latin typeface="Cambria Math" panose="02040503050406030204" pitchFamily="18" charset="0"/>
+                                </a:rPr>
+                                <m:t>𝑐𝑖</m:t>
+                              </m:r>
+                            </m:sub>
+                          </m:sSub>
+                        </m:num>
+                        <m:den>
+                          <m:sSub>
+                            <m:sSubPr>
+                              <m:ctrlPr>
+                                <a:rPr lang="en-US" sz="2500" b="0" i="1" smtClean="0">
+                                  <a:latin typeface="Cambria Math" panose="02040503050406030204" pitchFamily="18" charset="0"/>
+                                </a:rPr>
+                              </m:ctrlPr>
+                            </m:sSubPr>
+                            <m:e>
+                              <m:r>
+                                <a:rPr lang="en-US" sz="2500" b="0" i="1" smtClean="0">
+                                  <a:latin typeface="Cambria Math" panose="02040503050406030204" pitchFamily="18" charset="0"/>
+                                </a:rPr>
+                                <m:t>𝑁</m:t>
+                              </m:r>
+                            </m:e>
+                            <m:sub>
+                              <m:r>
+                                <a:rPr lang="en-US" sz="2500" b="0" i="1" smtClean="0">
+                                  <a:latin typeface="Cambria Math" panose="02040503050406030204" pitchFamily="18" charset="0"/>
+                                </a:rPr>
+                                <m:t>𝑐</m:t>
+                              </m:r>
+                            </m:sub>
+                          </m:sSub>
+                        </m:den>
+                      </m:f>
+                    </m:oMath>
+                  </m:oMathPara>
+                </a14:m>
+                <a:endParaRPr lang="en-US" sz="2500"/>
+              </a:p>
+            </p:txBody>
+          </p:sp>
+        </mc:Choice>
+        <mc:Fallback>
+          <p:sp>
+            <p:nvSpPr>
+              <p:cNvPr id="11" name="TextBox 10"/>
+              <p:cNvSpPr txBox="1">
+                <a:spLocks noRot="1" noChangeAspect="1" noMove="1" noResize="1" noEditPoints="1" noAdjustHandles="1" noChangeArrowheads="1" noChangeShapeType="1" noTextEdit="1"/>
+              </p:cNvSpPr>
+              <p:nvPr/>
+            </p:nvSpPr>
+            <p:spPr>
+              <a:xfrm>
+                <a:off x="5743244" y="1936286"/>
+                <a:ext cx="2772106" cy="785280"/>
+              </a:xfrm>
+              <a:prstGeom prst="rect">
+                <a:avLst/>
+              </a:prstGeom>
+              <a:blipFill rotWithShape="0">
+                <a:blip r:embed="rId6"/>
+                <a:stretch>
+                  <a:fillRect/>
+                </a:stretch>
+              </a:blipFill>
+            </p:spPr>
+            <p:txBody>
+              <a:bodyPr/>
+              <a:lstStyle/>
+              <a:p>
+                <a:r>
+                  <a:rPr lang="en-US">
+                    <a:noFill/>
+                  </a:rPr>
+                  <a:t> </a:t>
+                </a:r>
+              </a:p>
+            </p:txBody>
+          </p:sp>
+        </mc:Fallback>
+      </mc:AlternateContent>
+      <mc:AlternateContent xmlns:mc="http://schemas.openxmlformats.org/markup-compatibility/2006">
+        <mc:Choice xmlns:a14="http://schemas.microsoft.com/office/drawing/2010/main" Requires="a14">
+          <p:sp>
+            <p:nvSpPr>
+              <p:cNvPr id="7" name="TextBox 6"/>
+              <p:cNvSpPr txBox="1"/>
+              <p:nvPr/>
+            </p:nvSpPr>
+            <p:spPr>
+              <a:xfrm>
+                <a:off x="1347046" y="4710102"/>
+                <a:ext cx="5416804" cy="810543"/>
+              </a:xfrm>
+              <a:prstGeom prst="rect">
+                <a:avLst/>
+              </a:prstGeom>
+              <a:noFill/>
+            </p:spPr>
+            <p:txBody>
+              <a:bodyPr wrap="none" lIns="0" tIns="0" rIns="0" bIns="0" rtlCol="0">
+                <a:spAutoFit/>
+              </a:bodyPr>
+              <a:lstStyle/>
+              <a:p>
+                <a14:m>
+                  <m:oMathPara xmlns:m="http://schemas.openxmlformats.org/officeDocument/2006/math">
+                    <m:oMathParaPr>
+                      <m:jc m:val="centerGroup"/>
+                    </m:oMathParaPr>
+                    <m:oMath xmlns:m="http://schemas.openxmlformats.org/officeDocument/2006/math">
+                      <m:r>
+                        <a:rPr lang="en-US" sz="2500" b="0" i="1" smtClean="0">
+                          <a:latin typeface="Cambria Math" panose="02040503050406030204" pitchFamily="18" charset="0"/>
+                        </a:rPr>
+                        <m:t>⇒</m:t>
+                      </m:r>
+                      <m:acc>
+                        <m:accPr>
+                          <m:chr m:val="̂"/>
+                          <m:ctrlPr>
+                            <a:rPr lang="en-US" sz="2500" i="1" smtClean="0">
+                              <a:latin typeface="Cambria Math" panose="02040503050406030204" pitchFamily="18" charset="0"/>
+                            </a:rPr>
+                          </m:ctrlPr>
+                        </m:accPr>
+                        <m:e>
+                          <m:sSub>
+                            <m:sSubPr>
+                              <m:ctrlPr>
+                                <a:rPr lang="en-US" sz="2500" i="1" smtClean="0">
+                                  <a:latin typeface="Cambria Math" panose="02040503050406030204" pitchFamily="18" charset="0"/>
+                                </a:rPr>
+                              </m:ctrlPr>
+                            </m:sSubPr>
+                            <m:e>
+                              <m:r>
+                                <a:rPr lang="en-US" sz="2500" i="1" smtClean="0">
+                                  <a:latin typeface="Cambria Math" panose="02040503050406030204" pitchFamily="18" charset="0"/>
+                                  <a:ea typeface="Cambria Math" panose="02040503050406030204" pitchFamily="18" charset="0"/>
+                                </a:rPr>
+                                <m:t>𝜆</m:t>
+                              </m:r>
+                            </m:e>
+                            <m:sub>
+                              <m:r>
+                                <a:rPr lang="en-US" sz="2500" b="0" i="1" smtClean="0">
+                                  <a:latin typeface="Cambria Math" panose="02040503050406030204" pitchFamily="18" charset="0"/>
+                                </a:rPr>
+                                <m:t>𝑐𝑖</m:t>
+                              </m:r>
+                            </m:sub>
+                          </m:sSub>
+                        </m:e>
+                      </m:acc>
+                      <m:r>
+                        <a:rPr lang="en-US" sz="2500" b="0" i="1" smtClean="0">
+                          <a:latin typeface="Cambria Math" panose="02040503050406030204" pitchFamily="18" charset="0"/>
+                        </a:rPr>
+                        <m:t>=</m:t>
+                      </m:r>
+                      <m:f>
+                        <m:fPr>
+                          <m:ctrlPr>
+                            <a:rPr lang="en-US" sz="2500" b="0" i="1" smtClean="0">
+                              <a:latin typeface="Cambria Math" panose="02040503050406030204" pitchFamily="18" charset="0"/>
+                            </a:rPr>
+                          </m:ctrlPr>
+                        </m:fPr>
+                        <m:num>
+                          <m:sSub>
+                            <m:sSubPr>
+                              <m:ctrlPr>
+                                <a:rPr lang="en-US" sz="2500" b="0" i="1" smtClean="0">
+                                  <a:latin typeface="Cambria Math" panose="02040503050406030204" pitchFamily="18" charset="0"/>
+                                </a:rPr>
+                              </m:ctrlPr>
+                            </m:sSubPr>
+                            <m:e>
+                              <m:r>
+                                <a:rPr lang="en-US" sz="2500" b="0" i="1" smtClean="0">
+                                  <a:latin typeface="Cambria Math" panose="02040503050406030204" pitchFamily="18" charset="0"/>
+                                </a:rPr>
+                                <m:t>𝑁</m:t>
+                              </m:r>
+                            </m:e>
+                            <m:sub>
+                              <m:r>
+                                <a:rPr lang="en-US" sz="2500" b="0" i="1" smtClean="0">
+                                  <a:latin typeface="Cambria Math" panose="02040503050406030204" pitchFamily="18" charset="0"/>
+                                </a:rPr>
+                                <m:t>𝑐𝑖</m:t>
+                              </m:r>
+                            </m:sub>
+                          </m:sSub>
+                          <m:r>
+                            <a:rPr lang="en-US" sz="2500" b="0" i="1" smtClean="0">
+                              <a:latin typeface="Cambria Math" panose="02040503050406030204" pitchFamily="18" charset="0"/>
+                            </a:rPr>
+                            <m:t>+</m:t>
+                          </m:r>
+                          <m:r>
+                            <a:rPr lang="en-US" sz="2500" b="0" i="1" smtClean="0">
+                              <a:latin typeface="Cambria Math" panose="02040503050406030204" pitchFamily="18" charset="0"/>
+                              <a:ea typeface="Cambria Math" panose="02040503050406030204" pitchFamily="18" charset="0"/>
+                            </a:rPr>
+                            <m:t>𝛼</m:t>
+                          </m:r>
+                        </m:num>
+                        <m:den>
+                          <m:sSub>
+                            <m:sSubPr>
+                              <m:ctrlPr>
+                                <a:rPr lang="en-US" sz="2500" b="0" i="1" smtClean="0">
+                                  <a:latin typeface="Cambria Math" panose="02040503050406030204" pitchFamily="18" charset="0"/>
+                                </a:rPr>
+                              </m:ctrlPr>
+                            </m:sSubPr>
+                            <m:e>
+                              <m:r>
+                                <a:rPr lang="en-US" sz="2500" b="0" i="1" smtClean="0">
+                                  <a:latin typeface="Cambria Math" panose="02040503050406030204" pitchFamily="18" charset="0"/>
+                                </a:rPr>
+                                <m:t>𝑁</m:t>
+                              </m:r>
+                            </m:e>
+                            <m:sub>
+                              <m:r>
+                                <a:rPr lang="en-US" sz="2500" b="0" i="1" smtClean="0">
+                                  <a:latin typeface="Cambria Math" panose="02040503050406030204" pitchFamily="18" charset="0"/>
+                                </a:rPr>
+                                <m:t>𝑐</m:t>
+                              </m:r>
+                            </m:sub>
+                          </m:sSub>
+                          <m:r>
+                            <a:rPr lang="en-US" sz="2500" b="0" i="1" smtClean="0">
+                              <a:latin typeface="Cambria Math" panose="02040503050406030204" pitchFamily="18" charset="0"/>
+                            </a:rPr>
+                            <m:t>+</m:t>
+                          </m:r>
+                          <m:r>
+                            <a:rPr lang="en-US" sz="2500" b="0" i="1" smtClean="0">
+                              <a:latin typeface="Cambria Math" panose="02040503050406030204" pitchFamily="18" charset="0"/>
+                            </a:rPr>
+                            <m:t>𝑑</m:t>
+                          </m:r>
+                          <m:r>
+                            <a:rPr lang="en-US" sz="2500" b="0" i="1" smtClean="0">
+                              <a:latin typeface="Cambria Math" panose="02040503050406030204" pitchFamily="18" charset="0"/>
+                              <a:ea typeface="Cambria Math" panose="02040503050406030204" pitchFamily="18" charset="0"/>
+                            </a:rPr>
+                            <m:t>𝛼</m:t>
+                          </m:r>
+                        </m:den>
+                      </m:f>
+                      <m:r>
+                        <a:rPr lang="en-US" sz="2500" b="0" i="1" smtClean="0">
+                          <a:latin typeface="Cambria Math" panose="02040503050406030204" pitchFamily="18" charset="0"/>
+                        </a:rPr>
+                        <m:t>       ,  </m:t>
+                      </m:r>
+                      <m:nary>
+                        <m:naryPr>
+                          <m:chr m:val="∑"/>
+                          <m:limLoc m:val="subSup"/>
+                          <m:ctrlPr>
+                            <a:rPr lang="en-US" sz="2500" i="1">
+                              <a:latin typeface="Cambria Math" panose="02040503050406030204" pitchFamily="18" charset="0"/>
+                            </a:rPr>
+                          </m:ctrlPr>
+                        </m:naryPr>
+                        <m:sub>
+                          <m:r>
+                            <m:rPr>
+                              <m:brk m:alnAt="25"/>
+                            </m:rPr>
+                            <a:rPr lang="en-US" sz="2500" i="1">
+                              <a:latin typeface="Cambria Math" panose="02040503050406030204" pitchFamily="18" charset="0"/>
+                            </a:rPr>
+                            <m:t>𝑖</m:t>
+                          </m:r>
+                          <m:r>
+                            <a:rPr lang="en-US" sz="2500" i="1">
+                              <a:latin typeface="Cambria Math" panose="02040503050406030204" pitchFamily="18" charset="0"/>
+                            </a:rPr>
+                            <m:t>=1</m:t>
+                          </m:r>
+                        </m:sub>
+                        <m:sup>
+                          <m:r>
+                            <a:rPr lang="en-US" sz="2500" i="1">
+                              <a:latin typeface="Cambria Math" panose="02040503050406030204" pitchFamily="18" charset="0"/>
+                            </a:rPr>
+                            <m:t>𝑑</m:t>
+                          </m:r>
+                        </m:sup>
+                        <m:e>
+                          <m:acc>
+                            <m:accPr>
+                              <m:chr m:val="̂"/>
+                              <m:ctrlPr>
+                                <a:rPr lang="en-US" sz="2500" i="1">
+                                  <a:latin typeface="Cambria Math" panose="02040503050406030204" pitchFamily="18" charset="0"/>
+                                </a:rPr>
+                              </m:ctrlPr>
+                            </m:accPr>
+                            <m:e>
+                              <m:sSub>
+                                <m:sSubPr>
+                                  <m:ctrlPr>
+                                    <a:rPr lang="en-US" sz="2500" i="1">
+                                      <a:latin typeface="Cambria Math" panose="02040503050406030204" pitchFamily="18" charset="0"/>
+                                    </a:rPr>
+                                  </m:ctrlPr>
+                                </m:sSubPr>
+                                <m:e>
+                                  <m:r>
+                                    <a:rPr lang="en-US" sz="2500" i="1">
+                                      <a:latin typeface="Cambria Math" panose="02040503050406030204" pitchFamily="18" charset="0"/>
+                                      <a:ea typeface="Cambria Math" panose="02040503050406030204" pitchFamily="18" charset="0"/>
+                                    </a:rPr>
+                                    <m:t>𝜆</m:t>
+                                  </m:r>
+                                </m:e>
+                                <m:sub>
+                                  <m:r>
+                                    <a:rPr lang="en-US" sz="2500" i="1">
+                                      <a:latin typeface="Cambria Math" panose="02040503050406030204" pitchFamily="18" charset="0"/>
+                                    </a:rPr>
+                                    <m:t>𝑐𝑖</m:t>
+                                  </m:r>
+                                </m:sub>
+                              </m:sSub>
+                            </m:e>
+                          </m:acc>
+                          <m:r>
+                            <a:rPr lang="en-US" sz="2500" i="1">
+                              <a:latin typeface="Cambria Math" panose="02040503050406030204" pitchFamily="18" charset="0"/>
+                            </a:rPr>
+                            <m:t>=1</m:t>
+                          </m:r>
+                        </m:e>
+                      </m:nary>
+                    </m:oMath>
+                  </m:oMathPara>
+                </a14:m>
+                <a:endParaRPr lang="en-US" sz="2500"/>
+              </a:p>
+            </p:txBody>
+          </p:sp>
+        </mc:Choice>
+        <mc:Fallback>
+          <p:sp>
+            <p:nvSpPr>
+              <p:cNvPr id="7" name="TextBox 6"/>
+              <p:cNvSpPr txBox="1">
+                <a:spLocks noRot="1" noChangeAspect="1" noMove="1" noResize="1" noEditPoints="1" noAdjustHandles="1" noChangeArrowheads="1" noChangeShapeType="1" noTextEdit="1"/>
+              </p:cNvSpPr>
+              <p:nvPr/>
+            </p:nvSpPr>
+            <p:spPr>
+              <a:xfrm>
+                <a:off x="1347046" y="4710102"/>
+                <a:ext cx="5416804" cy="810543"/>
+              </a:xfrm>
+              <a:prstGeom prst="rect">
+                <a:avLst/>
+              </a:prstGeom>
+              <a:blipFill rotWithShape="0">
+                <a:blip r:embed="rId7"/>
+                <a:stretch>
+                  <a:fillRect/>
+                </a:stretch>
+              </a:blipFill>
+            </p:spPr>
+            <p:txBody>
+              <a:bodyPr/>
+              <a:lstStyle/>
+              <a:p>
+                <a:r>
+                  <a:rPr lang="en-US">
+                    <a:noFill/>
+                  </a:rPr>
+                  <a:t> </a:t>
+                </a:r>
+              </a:p>
+            </p:txBody>
+          </p:sp>
+        </mc:Fallback>
+      </mc:AlternateContent>
+    </p:spTree>
+    <p:extLst>
+      <p:ext uri="{BB962C8B-B14F-4D97-AF65-F5344CB8AC3E}">
+        <p14:creationId xmlns:p14="http://schemas.microsoft.com/office/powerpoint/2010/main" val="2156465218"/>
+      </p:ext>
+    </p:extLst>
+  </p:cSld>
+  <p:clrMapOvr>
+    <a:masterClrMapping/>
+  </p:clrMapOvr>
+  <p:timing>
+    <p:tnLst>
+      <p:par>
+        <p:cTn id="1" dur="indefinite" restart="never" nodeType="tmRoot">
+          <p:childTnLst>
+            <p:seq concurrent="1" nextAc="seek">
+              <p:cTn id="2" dur="indefinite" nodeType="mainSeq">
+                <p:childTnLst>
+                  <p:par>
+                    <p:cTn id="3" fill="hold">
+                      <p:stCondLst>
+                        <p:cond delay="indefinite"/>
+                      </p:stCondLst>
+                      <p:childTnLst>
+                        <p:par>
+                          <p:cTn id="4" fill="hold">
+                            <p:stCondLst>
+                              <p:cond delay="0"/>
+                            </p:stCondLst>
+                            <p:childTnLst>
+                              <p:par>
+                                <p:cTn id="5" presetID="10" presetClass="entr" presetSubtype="0" fill="hold" grpId="0" nodeType="clickEffect">
+                                  <p:stCondLst>
+                                    <p:cond delay="0"/>
+                                  </p:stCondLst>
+                                  <p:childTnLst>
+                                    <p:set>
+                                      <p:cBhvr>
+                                        <p:cTn id="6" dur="1" fill="hold">
+                                          <p:stCondLst>
+                                            <p:cond delay="0"/>
+                                          </p:stCondLst>
+                                        </p:cTn>
+                                        <p:tgtEl>
+                                          <p:spTgt spid="16"/>
+                                        </p:tgtEl>
+                                        <p:attrNameLst>
+                                          <p:attrName>style.visibility</p:attrName>
+                                        </p:attrNameLst>
+                                      </p:cBhvr>
+                                      <p:to>
+                                        <p:strVal val="visible"/>
+                                      </p:to>
+                                    </p:set>
+                                    <p:animEffect transition="in" filter="fade">
+                                      <p:cBhvr>
+                                        <p:cTn id="7" dur="500"/>
+                                        <p:tgtEl>
+                                          <p:spTgt spid="16"/>
+                                        </p:tgtEl>
+                                      </p:cBhvr>
+                                    </p:animEffect>
+                                  </p:childTnLst>
+                                </p:cTn>
+                              </p:par>
+                              <p:par>
+                                <p:cTn id="8" presetID="10" presetClass="entr" presetSubtype="0" fill="hold" grpId="0" nodeType="withEffect">
+                                  <p:stCondLst>
+                                    <p:cond delay="0"/>
+                                  </p:stCondLst>
+                                  <p:childTnLst>
+                                    <p:set>
+                                      <p:cBhvr>
+                                        <p:cTn id="9" dur="1" fill="hold">
+                                          <p:stCondLst>
+                                            <p:cond delay="0"/>
+                                          </p:stCondLst>
+                                        </p:cTn>
+                                        <p:tgtEl>
+                                          <p:spTgt spid="8"/>
+                                        </p:tgtEl>
+                                        <p:attrNameLst>
+                                          <p:attrName>style.visibility</p:attrName>
+                                        </p:attrNameLst>
+                                      </p:cBhvr>
+                                      <p:to>
+                                        <p:strVal val="visible"/>
+                                      </p:to>
+                                    </p:set>
+                                    <p:animEffect transition="in" filter="fade">
+                                      <p:cBhvr>
+                                        <p:cTn id="10" dur="500"/>
+                                        <p:tgtEl>
+                                          <p:spTgt spid="8"/>
+                                        </p:tgtEl>
+                                      </p:cBhvr>
+                                    </p:animEffect>
+                                  </p:childTnLst>
+                                </p:cTn>
+                              </p:par>
+                            </p:childTnLst>
+                          </p:cTn>
+                        </p:par>
+                      </p:childTnLst>
+                    </p:cTn>
+                  </p:par>
+                  <p:par>
+                    <p:cTn id="11" fill="hold">
+                      <p:stCondLst>
+                        <p:cond delay="indefinite"/>
+                      </p:stCondLst>
+                      <p:childTnLst>
+                        <p:par>
+                          <p:cTn id="12" fill="hold">
+                            <p:stCondLst>
+                              <p:cond delay="0"/>
+                            </p:stCondLst>
+                            <p:childTnLst>
+                              <p:par>
+                                <p:cTn id="13" presetID="10" presetClass="entr" presetSubtype="0" fill="hold" grpId="0" nodeType="clickEffect">
+                                  <p:stCondLst>
+                                    <p:cond delay="0"/>
+                                  </p:stCondLst>
+                                  <p:childTnLst>
+                                    <p:set>
+                                      <p:cBhvr>
+                                        <p:cTn id="14" dur="1" fill="hold">
+                                          <p:stCondLst>
+                                            <p:cond delay="0"/>
+                                          </p:stCondLst>
+                                        </p:cTn>
+                                        <p:tgtEl>
+                                          <p:spTgt spid="11"/>
+                                        </p:tgtEl>
+                                        <p:attrNameLst>
+                                          <p:attrName>style.visibility</p:attrName>
+                                        </p:attrNameLst>
+                                      </p:cBhvr>
+                                      <p:to>
+                                        <p:strVal val="visible"/>
+                                      </p:to>
+                                    </p:set>
+                                    <p:animEffect transition="in" filter="fade">
+                                      <p:cBhvr>
+                                        <p:cTn id="15" dur="500"/>
+                                        <p:tgtEl>
+                                          <p:spTgt spid="11"/>
+                                        </p:tgtEl>
+                                      </p:cBhvr>
+                                    </p:animEffect>
+                                  </p:childTnLst>
+                                </p:cTn>
+                              </p:par>
+                            </p:childTnLst>
+                          </p:cTn>
+                        </p:par>
+                      </p:childTnLst>
+                    </p:cTn>
+                  </p:par>
+                  <p:par>
+                    <p:cTn id="16" fill="hold">
+                      <p:stCondLst>
+                        <p:cond delay="indefinite"/>
+                      </p:stCondLst>
+                      <p:childTnLst>
+                        <p:par>
+                          <p:cTn id="17" fill="hold">
+                            <p:stCondLst>
+                              <p:cond delay="0"/>
+                            </p:stCondLst>
+                            <p:childTnLst>
+                              <p:par>
+                                <p:cTn id="18" presetID="10" presetClass="entr" presetSubtype="0" fill="hold" grpId="0" nodeType="clickEffect">
+                                  <p:stCondLst>
+                                    <p:cond delay="0"/>
+                                  </p:stCondLst>
+                                  <p:childTnLst>
+                                    <p:set>
+                                      <p:cBhvr>
+                                        <p:cTn id="19" dur="1" fill="hold">
+                                          <p:stCondLst>
+                                            <p:cond delay="0"/>
+                                          </p:stCondLst>
+                                        </p:cTn>
+                                        <p:tgtEl>
+                                          <p:spTgt spid="3"/>
+                                        </p:tgtEl>
+                                        <p:attrNameLst>
+                                          <p:attrName>style.visibility</p:attrName>
+                                        </p:attrNameLst>
+                                      </p:cBhvr>
+                                      <p:to>
+                                        <p:strVal val="visible"/>
+                                      </p:to>
+                                    </p:set>
+                                    <p:animEffect transition="in" filter="fade">
+                                      <p:cBhvr>
+                                        <p:cTn id="20" dur="500"/>
+                                        <p:tgtEl>
+                                          <p:spTgt spid="3"/>
+                                        </p:tgtEl>
+                                      </p:cBhvr>
+                                    </p:animEffect>
+                                  </p:childTnLst>
+                                </p:cTn>
+                              </p:par>
+                            </p:childTnLst>
+                          </p:cTn>
+                        </p:par>
+                      </p:childTnLst>
+                    </p:cTn>
+                  </p:par>
+                  <p:par>
+                    <p:cTn id="21" fill="hold">
+                      <p:stCondLst>
+                        <p:cond delay="indefinite"/>
+                      </p:stCondLst>
+                      <p:childTnLst>
+                        <p:par>
+                          <p:cTn id="22" fill="hold">
+                            <p:stCondLst>
+                              <p:cond delay="0"/>
+                            </p:stCondLst>
+                            <p:childTnLst>
+                              <p:par>
+                                <p:cTn id="23" presetID="10" presetClass="entr" presetSubtype="0" fill="hold" grpId="0" nodeType="clickEffect">
+                                  <p:stCondLst>
+                                    <p:cond delay="0"/>
+                                  </p:stCondLst>
+                                  <p:childTnLst>
+                                    <p:set>
+                                      <p:cBhvr>
+                                        <p:cTn id="24" dur="1" fill="hold">
+                                          <p:stCondLst>
+                                            <p:cond delay="0"/>
+                                          </p:stCondLst>
+                                        </p:cTn>
+                                        <p:tgtEl>
+                                          <p:spTgt spid="6"/>
+                                        </p:tgtEl>
+                                        <p:attrNameLst>
+                                          <p:attrName>style.visibility</p:attrName>
+                                        </p:attrNameLst>
+                                      </p:cBhvr>
+                                      <p:to>
+                                        <p:strVal val="visible"/>
+                                      </p:to>
+                                    </p:set>
+                                    <p:animEffect transition="in" filter="fade">
+                                      <p:cBhvr>
+                                        <p:cTn id="25" dur="500"/>
+                                        <p:tgtEl>
+                                          <p:spTgt spid="6"/>
+                                        </p:tgtEl>
+                                      </p:cBhvr>
+                                    </p:animEffect>
+                                  </p:childTnLst>
+                                </p:cTn>
+                              </p:par>
+                            </p:childTnLst>
+                          </p:cTn>
+                        </p:par>
+                      </p:childTnLst>
+                    </p:cTn>
+                  </p:par>
+                  <p:par>
+                    <p:cTn id="26" fill="hold">
+                      <p:stCondLst>
+                        <p:cond delay="indefinite"/>
+                      </p:stCondLst>
+                      <p:childTnLst>
+                        <p:par>
+                          <p:cTn id="27" fill="hold">
+                            <p:stCondLst>
+                              <p:cond delay="0"/>
+                            </p:stCondLst>
+                            <p:childTnLst>
+                              <p:par>
+                                <p:cTn id="28" presetID="10" presetClass="entr" presetSubtype="0" fill="hold" grpId="0" nodeType="clickEffect">
+                                  <p:stCondLst>
+                                    <p:cond delay="0"/>
+                                  </p:stCondLst>
+                                  <p:childTnLst>
+                                    <p:set>
+                                      <p:cBhvr>
+                                        <p:cTn id="29" dur="1" fill="hold">
+                                          <p:stCondLst>
+                                            <p:cond delay="0"/>
+                                          </p:stCondLst>
+                                        </p:cTn>
+                                        <p:tgtEl>
+                                          <p:spTgt spid="7"/>
+                                        </p:tgtEl>
+                                        <p:attrNameLst>
+                                          <p:attrName>style.visibility</p:attrName>
+                                        </p:attrNameLst>
+                                      </p:cBhvr>
+                                      <p:to>
+                                        <p:strVal val="visible"/>
+                                      </p:to>
+                                    </p:set>
+                                    <p:animEffect transition="in" filter="fade">
+                                      <p:cBhvr>
+                                        <p:cTn id="30" dur="500"/>
+                                        <p:tgtEl>
+                                          <p:spTgt spid="7"/>
+                                        </p:tgtEl>
+                                      </p:cBhvr>
+                                    </p:animEffect>
+                                  </p:childTnLst>
+                                </p:cTn>
+                              </p:par>
+                            </p:childTnLst>
+                          </p:cTn>
+                        </p:par>
+                      </p:childTnLst>
+                    </p:cTn>
+                  </p:par>
+                </p:childTnLst>
+              </p:cTn>
+              <p:prevCondLst>
+                <p:cond evt="onPrev" delay="0">
+                  <p:tgtEl>
+                    <p:sldTgt/>
+                  </p:tgtEl>
+                </p:cond>
+              </p:prevCondLst>
+              <p:nextCondLst>
+                <p:cond evt="onNext" delay="0">
+                  <p:tgtEl>
+                    <p:sldTgt/>
+                  </p:tgtEl>
+                </p:cond>
+              </p:nextCondLst>
+            </p:seq>
+          </p:childTnLst>
+        </p:cTn>
+      </p:par>
+    </p:tnLst>
+    <p:bldLst>
+      <p:bldP spid="8" grpId="0"/>
+      <p:bldP spid="16" grpId="0"/>
+      <p:bldP spid="3" grpId="0"/>
+      <p:bldP spid="6" grpId="0"/>
+      <p:bldP spid="11" grpId="0"/>
+      <p:bldP spid="7" grpId="0"/>
+    </p:bldLst>
+  </p:timing>
+</p:sld>
+</file>
+
+<file path=ppt/slides/slide24.xml><?xml version="1.0" encoding="utf-8"?>
+<p:sld xmlns:a="http://schemas.openxmlformats.org/drawingml/2006/main" xmlns:r="http://schemas.openxmlformats.org/officeDocument/2006/relationships" xmlns:p="http://schemas.openxmlformats.org/presentationml/2006/main">
+  <p:cSld>
+    <p:spTree>
+      <p:nvGrpSpPr>
+        <p:cNvPr id="1" name=""/>
+        <p:cNvGrpSpPr/>
+        <p:nvPr/>
+      </p:nvGrpSpPr>
+      <p:grpSpPr>
+        <a:xfrm>
+          <a:off x="0" y="0"/>
+          <a:ext cx="0" cy="0"/>
+          <a:chOff x="0" y="0"/>
+          <a:chExt cx="0" cy="0"/>
+        </a:xfrm>
+      </p:grpSpPr>
+      <p:sp>
+        <p:nvSpPr>
+          <p:cNvPr id="2" name="Title 1"/>
           <p:cNvSpPr>
             <a:spLocks noGrp="1"/>
           </p:cNvSpPr>
           <p:nvPr>
-            <p:ph idx="1"/>
+            <p:ph type="title"/>
           </p:nvPr>
+        </p:nvSpPr>
+        <p:spPr/>
+        <p:txBody>
+          <a:bodyPr/>
+          <a:lstStyle/>
+          <a:p>
+            <a:r>
+              <a:rPr lang="en-US" dirty="0" smtClean="0"/>
+              <a:t>Bernoulli </a:t>
+            </a:r>
+            <a:r>
+              <a:rPr lang="en-US" dirty="0"/>
+              <a:t>naive Bayes</a:t>
+            </a:r>
+          </a:p>
+        </p:txBody>
+      </p:sp>
+      <p:sp>
+        <p:nvSpPr>
+          <p:cNvPr id="4" name="Footer Placeholder 3"/>
+          <p:cNvSpPr>
+            <a:spLocks noGrp="1"/>
+          </p:cNvSpPr>
+          <p:nvPr>
+            <p:ph type="ftr" sz="quarter" idx="11"/>
+          </p:nvPr>
+        </p:nvSpPr>
+        <p:spPr/>
+        <p:txBody>
+          <a:bodyPr/>
+          <a:lstStyle/>
+          <a:p>
+            <a:r>
+              <a:rPr lang="en-US" dirty="0"/>
+              <a:t>Bernoulli naive Bayes</a:t>
+            </a:r>
+          </a:p>
+        </p:txBody>
+      </p:sp>
+      <p:sp>
+        <p:nvSpPr>
+          <p:cNvPr id="5" name="Slide Number Placeholder 4"/>
+          <p:cNvSpPr>
+            <a:spLocks noGrp="1"/>
+          </p:cNvSpPr>
+          <p:nvPr>
+            <p:ph type="sldNum" sz="quarter" idx="12"/>
+          </p:nvPr>
+        </p:nvSpPr>
+        <p:spPr/>
+        <p:txBody>
+          <a:bodyPr/>
+          <a:lstStyle/>
+          <a:p>
+            <a:fld id="{88E711DA-8C4A-4F9C-B06B-9858351D6192}" type="slidenum">
+              <a:rPr lang="en-US" smtClean="0"/>
+              <a:pPr/>
+              <a:t>24</a:t>
+            </a:fld>
+            <a:endParaRPr lang="en-US" dirty="0"/>
+          </a:p>
+        </p:txBody>
+      </p:sp>
+      <p:sp>
+        <p:nvSpPr>
+          <p:cNvPr id="7" name="TextBox 6"/>
+          <p:cNvSpPr txBox="1"/>
+          <p:nvPr/>
         </p:nvSpPr>
         <p:spPr>
           <a:xfrm>
-            <a:off x="628650" y="2101605"/>
-            <a:ext cx="8304958" cy="1664636"/>
+            <a:off x="194084" y="1213603"/>
+            <a:ext cx="3809954" cy="477054"/>
           </a:xfrm>
+          <a:prstGeom prst="rect">
+            <a:avLst/>
+          </a:prstGeom>
+          <a:noFill/>
         </p:spPr>
         <p:txBody>
-          <a:bodyPr/>
+          <a:bodyPr wrap="none" rtlCol="0">
+            <a:spAutoFit/>
+          </a:bodyPr>
           <a:lstStyle/>
           <a:p>
-            <a:pPr marL="0" indent="0">
-              <a:buNone/>
-            </a:pPr>
             <a:r>
-              <a:rPr lang="en-US" smtClean="0"/>
-              <a:t>Machine Learning cơ bản.pdf : Page 129</a:t>
+              <a:rPr lang="en-US" sz="2500" smtClean="0">
+                <a:latin typeface="Cambria Math" panose="02040503050406030204" pitchFamily="18" charset="0"/>
+                <a:ea typeface="Cambria Math" panose="02040503050406030204" pitchFamily="18" charset="0"/>
+              </a:rPr>
+              <a:t>Apply “</a:t>
             </a:r>
-            <a:endParaRPr lang="en-US" dirty="0"/>
+            <a:r>
+              <a:rPr lang="en-US" sz="2500" smtClean="0">
+                <a:solidFill>
+                  <a:srgbClr val="FF0000"/>
+                </a:solidFill>
+                <a:latin typeface="Cambria Math" panose="02040503050406030204" pitchFamily="18" charset="0"/>
+                <a:ea typeface="Cambria Math" panose="02040503050406030204" pitchFamily="18" charset="0"/>
+              </a:rPr>
+              <a:t>Bag of words</a:t>
+            </a:r>
+            <a:r>
+              <a:rPr lang="en-US" sz="2500" smtClean="0">
+                <a:latin typeface="Cambria Math" panose="02040503050406030204" pitchFamily="18" charset="0"/>
+                <a:ea typeface="Cambria Math" panose="02040503050406030204" pitchFamily="18" charset="0"/>
+              </a:rPr>
+              <a:t>” idea:</a:t>
+            </a:r>
+            <a:endParaRPr lang="en-US" sz="2500">
+              <a:latin typeface="Cambria Math" panose="02040503050406030204" pitchFamily="18" charset="0"/>
+              <a:ea typeface="Cambria Math" panose="02040503050406030204" pitchFamily="18" charset="0"/>
+            </a:endParaRPr>
           </a:p>
         </p:txBody>
       </p:sp>
+      <mc:AlternateContent xmlns:mc="http://schemas.openxmlformats.org/markup-compatibility/2006">
+        <mc:Choice xmlns:a14="http://schemas.microsoft.com/office/drawing/2010/main" Requires="a14">
+          <p:sp>
+            <p:nvSpPr>
+              <p:cNvPr id="9" name="TextBox 8"/>
+              <p:cNvSpPr txBox="1"/>
+              <p:nvPr/>
+            </p:nvSpPr>
+            <p:spPr>
+              <a:xfrm>
+                <a:off x="2569830" y="1996885"/>
+                <a:ext cx="5818131" cy="1025665"/>
+              </a:xfrm>
+              <a:prstGeom prst="rect">
+                <a:avLst/>
+              </a:prstGeom>
+              <a:noFill/>
+            </p:spPr>
+            <p:txBody>
+              <a:bodyPr wrap="none" lIns="0" tIns="0" rIns="0" bIns="0" numCol="1" rtlCol="0">
+                <a:spAutoFit/>
+              </a:bodyPr>
+              <a:lstStyle/>
+              <a:p>
+                <a:pPr/>
+                <a14:m>
+                  <m:oMathPara xmlns:m="http://schemas.openxmlformats.org/officeDocument/2006/math">
+                    <m:oMathParaPr>
+                      <m:jc m:val="left"/>
+                    </m:oMathParaPr>
+                    <m:oMath xmlns:m="http://schemas.openxmlformats.org/officeDocument/2006/math">
+                      <m:d>
+                        <m:dPr>
+                          <m:begChr m:val="{"/>
+                          <m:endChr m:val=""/>
+                          <m:ctrlPr>
+                            <a:rPr lang="en-US" i="1" smtClean="0">
+                              <a:latin typeface="Cambria Math" panose="02040503050406030204" pitchFamily="18" charset="0"/>
+                            </a:rPr>
+                          </m:ctrlPr>
+                        </m:dPr>
+                        <m:e>
+                          <m:eqArr>
+                            <m:eqArrPr>
+                              <m:ctrlPr>
+                                <a:rPr lang="en-US" i="1" smtClean="0">
+                                  <a:latin typeface="Cambria Math" panose="02040503050406030204" pitchFamily="18" charset="0"/>
+                                </a:rPr>
+                              </m:ctrlPr>
+                            </m:eqArrPr>
+                            <m:e>
+                              <m:r>
+                                <a:rPr lang="en-US" b="0" i="1" smtClean="0">
+                                  <a:latin typeface="Cambria Math" panose="02040503050406030204" pitchFamily="18" charset="0"/>
+                                </a:rPr>
+                                <m:t>𝑋</m:t>
+                              </m:r>
+                              <m:r>
+                                <a:rPr lang="en-US" b="0" i="1" smtClean="0">
+                                  <a:latin typeface="Cambria Math" panose="02040503050406030204" pitchFamily="18" charset="0"/>
+                                </a:rPr>
+                                <m:t>=</m:t>
+                              </m:r>
+                              <m:d>
+                                <m:dPr>
+                                  <m:begChr m:val="{"/>
+                                  <m:endChr m:val="}"/>
+                                  <m:ctrlPr>
+                                    <a:rPr lang="en-US" b="0" i="1" smtClean="0">
+                                      <a:latin typeface="Cambria Math" panose="02040503050406030204" pitchFamily="18" charset="0"/>
+                                    </a:rPr>
+                                  </m:ctrlPr>
+                                </m:dPr>
+                                <m:e>
+                                  <m:sSub>
+                                    <m:sSubPr>
+                                      <m:ctrlPr>
+                                        <a:rPr lang="en-US" b="0" i="1" smtClean="0">
+                                          <a:latin typeface="Cambria Math" panose="02040503050406030204" pitchFamily="18" charset="0"/>
+                                        </a:rPr>
+                                      </m:ctrlPr>
+                                    </m:sSubPr>
+                                    <m:e>
+                                      <m:r>
+                                        <a:rPr lang="en-US" b="0" i="1" smtClean="0">
+                                          <a:latin typeface="Cambria Math" panose="02040503050406030204" pitchFamily="18" charset="0"/>
+                                        </a:rPr>
+                                        <m:t>𝑥</m:t>
+                                      </m:r>
+                                    </m:e>
+                                    <m:sub>
+                                      <m:r>
+                                        <a:rPr lang="en-US" b="0" i="1" smtClean="0">
+                                          <a:latin typeface="Cambria Math" panose="02040503050406030204" pitchFamily="18" charset="0"/>
+                                        </a:rPr>
+                                        <m:t>1</m:t>
+                                      </m:r>
+                                    </m:sub>
+                                  </m:sSub>
+                                  <m:r>
+                                    <a:rPr lang="en-US" b="0" i="1" smtClean="0">
+                                      <a:latin typeface="Cambria Math" panose="02040503050406030204" pitchFamily="18" charset="0"/>
+                                    </a:rPr>
+                                    <m:t>,</m:t>
+                                  </m:r>
+                                  <m:sSub>
+                                    <m:sSubPr>
+                                      <m:ctrlPr>
+                                        <a:rPr lang="en-US" b="0" i="1" smtClean="0">
+                                          <a:latin typeface="Cambria Math" panose="02040503050406030204" pitchFamily="18" charset="0"/>
+                                        </a:rPr>
+                                      </m:ctrlPr>
+                                    </m:sSubPr>
+                                    <m:e>
+                                      <m:r>
+                                        <a:rPr lang="en-US" b="0" i="1" smtClean="0">
+                                          <a:latin typeface="Cambria Math" panose="02040503050406030204" pitchFamily="18" charset="0"/>
+                                        </a:rPr>
+                                        <m:t>𝑥</m:t>
+                                      </m:r>
+                                    </m:e>
+                                    <m:sub>
+                                      <m:r>
+                                        <a:rPr lang="en-US" b="0" i="1" smtClean="0">
+                                          <a:latin typeface="Cambria Math" panose="02040503050406030204" pitchFamily="18" charset="0"/>
+                                        </a:rPr>
+                                        <m:t>2</m:t>
+                                      </m:r>
+                                    </m:sub>
+                                  </m:sSub>
+                                  <m:r>
+                                    <a:rPr lang="en-US" b="0" i="1" smtClean="0">
+                                      <a:latin typeface="Cambria Math" panose="02040503050406030204" pitchFamily="18" charset="0"/>
+                                    </a:rPr>
+                                    <m:t>, . . .,</m:t>
+                                  </m:r>
+                                  <m:sSub>
+                                    <m:sSubPr>
+                                      <m:ctrlPr>
+                                        <a:rPr lang="en-US" b="0" i="1" smtClean="0">
+                                          <a:latin typeface="Cambria Math" panose="02040503050406030204" pitchFamily="18" charset="0"/>
+                                        </a:rPr>
+                                      </m:ctrlPr>
+                                    </m:sSubPr>
+                                    <m:e>
+                                      <m:r>
+                                        <a:rPr lang="en-US" b="0" i="1" smtClean="0">
+                                          <a:latin typeface="Cambria Math" panose="02040503050406030204" pitchFamily="18" charset="0"/>
+                                        </a:rPr>
+                                        <m:t>𝑥</m:t>
+                                      </m:r>
+                                    </m:e>
+                                    <m:sub>
+                                      <m:r>
+                                        <a:rPr lang="en-US" b="0" i="1" smtClean="0">
+                                          <a:latin typeface="Cambria Math" panose="02040503050406030204" pitchFamily="18" charset="0"/>
+                                        </a:rPr>
+                                        <m:t>𝑑</m:t>
+                                      </m:r>
+                                    </m:sub>
+                                  </m:sSub>
+                                </m:e>
+                              </m:d>
+                              <m:r>
+                                <a:rPr lang="en-US" b="0" i="1" smtClean="0">
+                                  <a:latin typeface="Cambria Math" panose="02040503050406030204" pitchFamily="18" charset="0"/>
+                                </a:rPr>
+                                <m:t>, </m:t>
+                              </m:r>
+                              <m:r>
+                                <a:rPr lang="en-US" b="0" i="1" smtClean="0">
+                                  <a:latin typeface="Cambria Math" panose="02040503050406030204" pitchFamily="18" charset="0"/>
+                                </a:rPr>
+                                <m:t>𝑑</m:t>
+                              </m:r>
+                              <m:r>
+                                <a:rPr lang="en-US" b="0" i="1" smtClean="0">
+                                  <a:latin typeface="Cambria Math" panose="02040503050406030204" pitchFamily="18" charset="0"/>
+                                </a:rPr>
+                                <m:t>=</m:t>
+                              </m:r>
+                              <m:r>
+                                <a:rPr lang="en-US" b="0" i="1" smtClean="0">
+                                  <a:latin typeface="Cambria Math" panose="02040503050406030204" pitchFamily="18" charset="0"/>
+                                </a:rPr>
+                                <m:t>𝑛𝑢𝑚𝑏𝑒𝑟</m:t>
+                              </m:r>
+                              <m:r>
+                                <a:rPr lang="en-US" b="0" i="1" smtClean="0">
+                                  <a:latin typeface="Cambria Math" panose="02040503050406030204" pitchFamily="18" charset="0"/>
+                                </a:rPr>
+                                <m:t> </m:t>
+                              </m:r>
+                              <m:r>
+                                <a:rPr lang="en-US" b="0" i="1" smtClean="0">
+                                  <a:latin typeface="Cambria Math" panose="02040503050406030204" pitchFamily="18" charset="0"/>
+                                </a:rPr>
+                                <m:t>𝑜𝑓</m:t>
+                              </m:r>
+                              <m:r>
+                                <a:rPr lang="en-US" b="0" i="1" smtClean="0">
+                                  <a:latin typeface="Cambria Math" panose="02040503050406030204" pitchFamily="18" charset="0"/>
+                                </a:rPr>
+                                <m:t> </m:t>
+                              </m:r>
+                              <m:r>
+                                <a:rPr lang="en-US" b="0" i="1" smtClean="0">
+                                  <a:latin typeface="Cambria Math" panose="02040503050406030204" pitchFamily="18" charset="0"/>
+                                </a:rPr>
+                                <m:t>𝑤𝑜𝑟𝑑𝑠</m:t>
+                              </m:r>
+                              <m:r>
+                                <a:rPr lang="en-US" b="0" i="1" smtClean="0">
+                                  <a:latin typeface="Cambria Math" panose="02040503050406030204" pitchFamily="18" charset="0"/>
+                                </a:rPr>
+                                <m:t> </m:t>
+                              </m:r>
+                              <m:r>
+                                <a:rPr lang="en-US" b="0" i="1" smtClean="0">
+                                  <a:latin typeface="Cambria Math" panose="02040503050406030204" pitchFamily="18" charset="0"/>
+                                </a:rPr>
+                                <m:t>𝑖𝑛</m:t>
+                              </m:r>
+                              <m:r>
+                                <a:rPr lang="en-US" b="0" i="1" smtClean="0">
+                                  <a:latin typeface="Cambria Math" panose="02040503050406030204" pitchFamily="18" charset="0"/>
+                                </a:rPr>
+                                <m:t> </m:t>
+                              </m:r>
+                              <m:r>
+                                <a:rPr lang="en-US" b="0" i="1" smtClean="0">
+                                  <a:latin typeface="Cambria Math" panose="02040503050406030204" pitchFamily="18" charset="0"/>
+                                </a:rPr>
+                                <m:t>𝑑𝑖𝑐𝑡𝑖𝑜𝑛𝑎𝑟𝑦</m:t>
+                              </m:r>
+                            </m:e>
+                            <m:e>
+                              <m:sSub>
+                                <m:sSubPr>
+                                  <m:ctrlPr>
+                                    <a:rPr lang="en-US" i="1" smtClean="0">
+                                      <a:latin typeface="Cambria Math" panose="02040503050406030204" pitchFamily="18" charset="0"/>
+                                    </a:rPr>
+                                  </m:ctrlPr>
+                                </m:sSubPr>
+                                <m:e>
+                                  <m:r>
+                                    <a:rPr lang="en-US" b="0" i="1" smtClean="0">
+                                      <a:latin typeface="Cambria Math" panose="02040503050406030204" pitchFamily="18" charset="0"/>
+                                    </a:rPr>
+                                    <m:t>𝑥</m:t>
+                                  </m:r>
+                                </m:e>
+                                <m:sub>
+                                  <m:r>
+                                    <a:rPr lang="en-US" b="0" i="1" smtClean="0">
+                                      <a:latin typeface="Cambria Math" panose="02040503050406030204" pitchFamily="18" charset="0"/>
+                                    </a:rPr>
+                                    <m:t>𝑖</m:t>
+                                  </m:r>
+                                </m:sub>
+                              </m:sSub>
+                              <m:r>
+                                <a:rPr lang="en-US" b="0" i="1" smtClean="0">
+                                  <a:latin typeface="Cambria Math" panose="02040503050406030204" pitchFamily="18" charset="0"/>
+                                </a:rPr>
+                                <m:t>=</m:t>
+                              </m:r>
+                              <m:d>
+                                <m:dPr>
+                                  <m:begChr m:val="{"/>
+                                  <m:endChr m:val=""/>
+                                  <m:ctrlPr>
+                                    <a:rPr lang="en-US" b="0" i="1" smtClean="0">
+                                      <a:latin typeface="Cambria Math" panose="02040503050406030204" pitchFamily="18" charset="0"/>
+                                    </a:rPr>
+                                  </m:ctrlPr>
+                                </m:dPr>
+                                <m:e>
+                                  <m:eqArr>
+                                    <m:eqArrPr>
+                                      <m:ctrlPr>
+                                        <a:rPr lang="en-US" b="0" i="1" smtClean="0">
+                                          <a:latin typeface="Cambria Math" panose="02040503050406030204" pitchFamily="18" charset="0"/>
+                                        </a:rPr>
+                                      </m:ctrlPr>
+                                    </m:eqArrPr>
+                                    <m:e>
+                                      <m:r>
+                                        <a:rPr lang="en-US" b="0" i="1" smtClean="0">
+                                          <a:latin typeface="Cambria Math" panose="02040503050406030204" pitchFamily="18" charset="0"/>
+                                        </a:rPr>
+                                        <m:t>0</m:t>
+                                      </m:r>
+                                      <m:r>
+                                        <a:rPr lang="en-US" b="0" i="1" smtClean="0">
+                                          <a:latin typeface="Cambria Math" panose="02040503050406030204" pitchFamily="18" charset="0"/>
+                                        </a:rPr>
+                                        <m:t>,         </m:t>
+                                      </m:r>
+                                      <m:sSup>
+                                        <m:sSupPr>
+                                          <m:ctrlPr>
+                                            <a:rPr lang="en-US" b="0" i="1" smtClean="0">
+                                              <a:latin typeface="Cambria Math" panose="02040503050406030204" pitchFamily="18" charset="0"/>
+                                            </a:rPr>
+                                          </m:ctrlPr>
+                                        </m:sSupPr>
+                                        <m:e>
+                                          <m:r>
+                                            <a:rPr lang="en-US" b="0" i="1" smtClean="0">
+                                              <a:latin typeface="Cambria Math" panose="02040503050406030204" pitchFamily="18" charset="0"/>
+                                            </a:rPr>
+                                            <m:t>𝑖</m:t>
+                                          </m:r>
+                                        </m:e>
+                                        <m:sup>
+                                          <m:r>
+                                            <a:rPr lang="en-US" b="0" i="1" smtClean="0">
+                                              <a:latin typeface="Cambria Math" panose="02040503050406030204" pitchFamily="18" charset="0"/>
+                                            </a:rPr>
+                                            <m:t>𝑡h</m:t>
+                                          </m:r>
+                                        </m:sup>
+                                      </m:sSup>
+                                      <m:r>
+                                        <a:rPr lang="en-US" b="0" i="1" smtClean="0">
+                                          <a:latin typeface="Cambria Math" panose="02040503050406030204" pitchFamily="18" charset="0"/>
+                                        </a:rPr>
+                                        <m:t> </m:t>
+                                      </m:r>
+                                      <m:r>
+                                        <a:rPr lang="en-US" b="0" i="1" smtClean="0">
+                                          <a:latin typeface="Cambria Math" panose="02040503050406030204" pitchFamily="18" charset="0"/>
+                                        </a:rPr>
+                                        <m:t>𝑤𝑜𝑟𝑑</m:t>
+                                      </m:r>
+                                      <m:r>
+                                        <a:rPr lang="en-US" b="0" i="1" smtClean="0">
+                                          <a:latin typeface="Cambria Math" panose="02040503050406030204" pitchFamily="18" charset="0"/>
+                                        </a:rPr>
+                                        <m:t> </m:t>
+                                      </m:r>
+                                      <m:r>
+                                        <a:rPr lang="en-US" b="0" i="1" smtClean="0">
+                                          <a:latin typeface="Cambria Math" panose="02040503050406030204" pitchFamily="18" charset="0"/>
+                                        </a:rPr>
+                                        <m:t>𝑒𝑥𝑖𝑠𝑡𝑠</m:t>
+                                      </m:r>
+                                      <m:r>
+                                        <a:rPr lang="en-US" b="0" i="1" smtClean="0">
+                                          <a:latin typeface="Cambria Math" panose="02040503050406030204" pitchFamily="18" charset="0"/>
+                                        </a:rPr>
+                                        <m:t>&lt;0</m:t>
+                                      </m:r>
+                                    </m:e>
+                                    <m:e>
+                                      <m:r>
+                                        <a:rPr lang="en-US" b="0" i="1" smtClean="0">
+                                          <a:latin typeface="Cambria Math" panose="02040503050406030204" pitchFamily="18" charset="0"/>
+                                        </a:rPr>
+                                        <m:t>&amp;1,  </m:t>
+                                      </m:r>
+                                      <m:sSup>
+                                        <m:sSupPr>
+                                          <m:ctrlPr>
+                                            <a:rPr lang="en-US" b="0" i="1" smtClean="0">
+                                              <a:latin typeface="Cambria Math" panose="02040503050406030204" pitchFamily="18" charset="0"/>
+                                            </a:rPr>
+                                          </m:ctrlPr>
+                                        </m:sSupPr>
+                                        <m:e>
+                                          <m:r>
+                                            <a:rPr lang="en-US" b="0" i="1" smtClean="0">
+                                              <a:latin typeface="Cambria Math" panose="02040503050406030204" pitchFamily="18" charset="0"/>
+                                            </a:rPr>
+                                            <m:t>𝑖</m:t>
+                                          </m:r>
+                                        </m:e>
+                                        <m:sup>
+                                          <m:r>
+                                            <a:rPr lang="en-US" b="0" i="1" smtClean="0">
+                                              <a:latin typeface="Cambria Math" panose="02040503050406030204" pitchFamily="18" charset="0"/>
+                                            </a:rPr>
+                                            <m:t>𝑡h</m:t>
+                                          </m:r>
+                                        </m:sup>
+                                      </m:sSup>
+                                      <m:r>
+                                        <a:rPr lang="en-US" b="0" i="1" smtClean="0">
+                                          <a:latin typeface="Cambria Math" panose="02040503050406030204" pitchFamily="18" charset="0"/>
+                                        </a:rPr>
+                                        <m:t> </m:t>
+                                      </m:r>
+                                      <m:r>
+                                        <a:rPr lang="en-US" b="0" i="1" smtClean="0">
+                                          <a:latin typeface="Cambria Math" panose="02040503050406030204" pitchFamily="18" charset="0"/>
+                                        </a:rPr>
+                                        <m:t>𝑤𝑜𝑟𝑑</m:t>
+                                      </m:r>
+                                      <m:r>
+                                        <a:rPr lang="en-US" b="0" i="1" smtClean="0">
+                                          <a:latin typeface="Cambria Math" panose="02040503050406030204" pitchFamily="18" charset="0"/>
+                                        </a:rPr>
+                                        <m:t> </m:t>
+                                      </m:r>
+                                      <m:r>
+                                        <a:rPr lang="en-US" b="0" i="1" smtClean="0">
+                                          <a:latin typeface="Cambria Math" panose="02040503050406030204" pitchFamily="18" charset="0"/>
+                                        </a:rPr>
+                                        <m:t>𝑛𝑜𝑡</m:t>
+                                      </m:r>
+                                      <m:r>
+                                        <a:rPr lang="en-US" b="0" i="1" smtClean="0">
+                                          <a:latin typeface="Cambria Math" panose="02040503050406030204" pitchFamily="18" charset="0"/>
+                                        </a:rPr>
+                                        <m:t> </m:t>
+                                      </m:r>
+                                      <m:r>
+                                        <a:rPr lang="en-US" b="0" i="1" smtClean="0">
+                                          <a:latin typeface="Cambria Math" panose="02040503050406030204" pitchFamily="18" charset="0"/>
+                                        </a:rPr>
+                                        <m:t>𝑒𝑥𝑖𝑠𝑡𝑠</m:t>
+                                      </m:r>
+                                      <m:r>
+                                        <a:rPr lang="en-US" b="0" i="1" smtClean="0">
+                                          <a:latin typeface="Cambria Math" panose="02040503050406030204" pitchFamily="18" charset="0"/>
+                                        </a:rPr>
+                                        <m:t>≥0</m:t>
+                                      </m:r>
+                                    </m:e>
+                                  </m:eqArr>
+                                </m:e>
+                              </m:d>
+                            </m:e>
+                          </m:eqArr>
+                        </m:e>
+                      </m:d>
+                    </m:oMath>
+                  </m:oMathPara>
+                </a14:m>
+                <a:endParaRPr lang="en-US"/>
+              </a:p>
+            </p:txBody>
+          </p:sp>
+        </mc:Choice>
+        <mc:Fallback>
+          <p:sp>
+            <p:nvSpPr>
+              <p:cNvPr id="9" name="TextBox 8"/>
+              <p:cNvSpPr txBox="1">
+                <a:spLocks noRot="1" noChangeAspect="1" noMove="1" noResize="1" noEditPoints="1" noAdjustHandles="1" noChangeArrowheads="1" noChangeShapeType="1" noTextEdit="1"/>
+              </p:cNvSpPr>
+              <p:nvPr/>
+            </p:nvSpPr>
+            <p:spPr>
+              <a:xfrm>
+                <a:off x="2569830" y="1996885"/>
+                <a:ext cx="5818131" cy="1025665"/>
+              </a:xfrm>
+              <a:prstGeom prst="rect">
+                <a:avLst/>
+              </a:prstGeom>
+              <a:blipFill rotWithShape="0">
+                <a:blip r:embed="rId2"/>
+                <a:stretch>
+                  <a:fillRect/>
+                </a:stretch>
+              </a:blipFill>
+            </p:spPr>
+            <p:txBody>
+              <a:bodyPr/>
+              <a:lstStyle/>
+              <a:p>
+                <a:r>
+                  <a:rPr lang="en-US">
+                    <a:noFill/>
+                  </a:rPr>
+                  <a:t> </a:t>
+                </a:r>
+              </a:p>
+            </p:txBody>
+          </p:sp>
+        </mc:Fallback>
+      </mc:AlternateContent>
+      <p:sp>
+        <p:nvSpPr>
+          <p:cNvPr id="10" name="Rectangle 9"/>
+          <p:cNvSpPr/>
+          <p:nvPr/>
+        </p:nvSpPr>
+        <p:spPr>
+          <a:xfrm>
+            <a:off x="547169" y="2171933"/>
+            <a:ext cx="1955792" cy="369332"/>
+          </a:xfrm>
+          <a:prstGeom prst="rect">
+            <a:avLst/>
+          </a:prstGeom>
+        </p:spPr>
+        <p:txBody>
+          <a:bodyPr wrap="none">
+            <a:spAutoFit/>
+          </a:bodyPr>
+          <a:lstStyle/>
+          <a:p>
+            <a:r>
+              <a:rPr lang="en-US" smtClean="0">
+                <a:latin typeface="Cambria Math" panose="02040503050406030204" pitchFamily="18" charset="0"/>
+                <a:ea typeface="Cambria Math" panose="02040503050406030204" pitchFamily="18" charset="0"/>
+              </a:rPr>
+              <a:t>standardized data</a:t>
+            </a:r>
+            <a:endParaRPr lang="en-US">
+              <a:latin typeface="Cambria Math" panose="02040503050406030204" pitchFamily="18" charset="0"/>
+              <a:ea typeface="Cambria Math" panose="02040503050406030204" pitchFamily="18" charset="0"/>
+            </a:endParaRPr>
+          </a:p>
+        </p:txBody>
+      </p:sp>
+      <mc:AlternateContent xmlns:mc="http://schemas.openxmlformats.org/markup-compatibility/2006">
+        <mc:Choice xmlns:a14="http://schemas.microsoft.com/office/drawing/2010/main" Requires="a14">
+          <p:sp>
+            <p:nvSpPr>
+              <p:cNvPr id="6" name="TextBox 5"/>
+              <p:cNvSpPr txBox="1"/>
+              <p:nvPr/>
+            </p:nvSpPr>
+            <p:spPr>
+              <a:xfrm>
+                <a:off x="1149790" y="4241478"/>
+                <a:ext cx="6256072" cy="384721"/>
+              </a:xfrm>
+              <a:prstGeom prst="rect">
+                <a:avLst/>
+              </a:prstGeom>
+              <a:noFill/>
+            </p:spPr>
+            <p:txBody>
+              <a:bodyPr wrap="none" lIns="0" tIns="0" rIns="0" bIns="0" rtlCol="0">
+                <a:spAutoFit/>
+              </a:bodyPr>
+              <a:lstStyle/>
+              <a:p>
+                <a14:m>
+                  <m:oMathPara xmlns:m="http://schemas.openxmlformats.org/officeDocument/2006/math">
+                    <m:oMathParaPr>
+                      <m:jc m:val="centerGroup"/>
+                    </m:oMathParaPr>
+                    <m:oMath xmlns:m="http://schemas.openxmlformats.org/officeDocument/2006/math">
+                      <m:r>
+                        <a:rPr lang="en-US" sz="2500" b="0" i="1" smtClean="0">
+                          <a:latin typeface="Cambria Math" panose="02040503050406030204" pitchFamily="18" charset="0"/>
+                        </a:rPr>
+                        <m:t>⇒</m:t>
+                      </m:r>
+                      <m:r>
+                        <a:rPr lang="en-US" sz="2500" b="0" i="1" smtClean="0">
+                          <a:latin typeface="Cambria Math" panose="02040503050406030204" pitchFamily="18" charset="0"/>
+                        </a:rPr>
+                        <m:t>𝑃</m:t>
+                      </m:r>
+                      <m:d>
+                        <m:dPr>
+                          <m:ctrlPr>
+                            <a:rPr lang="en-US" sz="2500" b="0" i="1" smtClean="0">
+                              <a:latin typeface="Cambria Math" panose="02040503050406030204" pitchFamily="18" charset="0"/>
+                            </a:rPr>
+                          </m:ctrlPr>
+                        </m:dPr>
+                        <m:e>
+                          <m:sSub>
+                            <m:sSubPr>
+                              <m:ctrlPr>
+                                <a:rPr lang="en-US" sz="2500" b="0" i="1" smtClean="0">
+                                  <a:latin typeface="Cambria Math" panose="02040503050406030204" pitchFamily="18" charset="0"/>
+                                </a:rPr>
+                              </m:ctrlPr>
+                            </m:sSubPr>
+                            <m:e>
+                              <m:r>
+                                <a:rPr lang="en-US" sz="2500" b="0" i="1" smtClean="0">
+                                  <a:latin typeface="Cambria Math" panose="02040503050406030204" pitchFamily="18" charset="0"/>
+                                </a:rPr>
+                                <m:t>𝑥</m:t>
+                              </m:r>
+                            </m:e>
+                            <m:sub>
+                              <m:r>
+                                <a:rPr lang="en-US" sz="2500" b="0" i="1" smtClean="0">
+                                  <a:latin typeface="Cambria Math" panose="02040503050406030204" pitchFamily="18" charset="0"/>
+                                </a:rPr>
+                                <m:t>𝑖</m:t>
+                              </m:r>
+                            </m:sub>
+                          </m:sSub>
+                        </m:e>
+                        <m:e>
+                          <m:r>
+                            <a:rPr lang="en-US" sz="2500" b="0" i="1" smtClean="0">
+                              <a:latin typeface="Cambria Math" panose="02040503050406030204" pitchFamily="18" charset="0"/>
+                            </a:rPr>
+                            <m:t>𝐶</m:t>
+                          </m:r>
+                        </m:e>
+                      </m:d>
+                      <m:r>
+                        <a:rPr lang="en-US" sz="2500" b="0" i="1" smtClean="0">
+                          <a:latin typeface="Cambria Math" panose="02040503050406030204" pitchFamily="18" charset="0"/>
+                        </a:rPr>
+                        <m:t>=</m:t>
+                      </m:r>
+                      <m:r>
+                        <a:rPr lang="en-US" sz="2500" b="0" i="1" smtClean="0">
+                          <a:latin typeface="Cambria Math" panose="02040503050406030204" pitchFamily="18" charset="0"/>
+                        </a:rPr>
+                        <m:t>𝑃</m:t>
+                      </m:r>
+                      <m:d>
+                        <m:dPr>
+                          <m:ctrlPr>
+                            <a:rPr lang="en-US" sz="2500" b="0" i="1" smtClean="0">
+                              <a:latin typeface="Cambria Math" panose="02040503050406030204" pitchFamily="18" charset="0"/>
+                            </a:rPr>
+                          </m:ctrlPr>
+                        </m:dPr>
+                        <m:e>
+                          <m:r>
+                            <a:rPr lang="en-US" sz="2500" b="0" i="1" smtClean="0">
+                              <a:latin typeface="Cambria Math" panose="02040503050406030204" pitchFamily="18" charset="0"/>
+                            </a:rPr>
+                            <m:t>𝑖</m:t>
+                          </m:r>
+                        </m:e>
+                        <m:e>
+                          <m:r>
+                            <a:rPr lang="en-US" sz="2500" b="0" i="1" smtClean="0">
+                              <a:latin typeface="Cambria Math" panose="02040503050406030204" pitchFamily="18" charset="0"/>
+                            </a:rPr>
+                            <m:t>𝐶</m:t>
+                          </m:r>
+                        </m:e>
+                      </m:d>
+                      <m:sSub>
+                        <m:sSubPr>
+                          <m:ctrlPr>
+                            <a:rPr lang="en-US" sz="2500" b="0" i="1" smtClean="0">
+                              <a:latin typeface="Cambria Math" panose="02040503050406030204" pitchFamily="18" charset="0"/>
+                            </a:rPr>
+                          </m:ctrlPr>
+                        </m:sSubPr>
+                        <m:e>
+                          <m:r>
+                            <a:rPr lang="en-US" sz="2500" b="0" i="1" smtClean="0">
+                              <a:latin typeface="Cambria Math" panose="02040503050406030204" pitchFamily="18" charset="0"/>
+                            </a:rPr>
+                            <m:t>𝑥</m:t>
+                          </m:r>
+                        </m:e>
+                        <m:sub>
+                          <m:r>
+                            <a:rPr lang="en-US" sz="2500" b="0" i="1" smtClean="0">
+                              <a:latin typeface="Cambria Math" panose="02040503050406030204" pitchFamily="18" charset="0"/>
+                            </a:rPr>
+                            <m:t>𝑖</m:t>
+                          </m:r>
+                        </m:sub>
+                      </m:sSub>
+                      <m:r>
+                        <a:rPr lang="en-US" sz="2500" b="0" i="1" smtClean="0">
+                          <a:latin typeface="Cambria Math" panose="02040503050406030204" pitchFamily="18" charset="0"/>
+                        </a:rPr>
+                        <m:t>+(1−</m:t>
+                      </m:r>
+                      <m:r>
+                        <a:rPr lang="en-US" sz="2500" b="0" i="1" smtClean="0">
+                          <a:latin typeface="Cambria Math" panose="02040503050406030204" pitchFamily="18" charset="0"/>
+                        </a:rPr>
+                        <m:t>𝑃</m:t>
+                      </m:r>
+                      <m:r>
+                        <a:rPr lang="en-US" sz="2500" b="0" i="1" smtClean="0">
+                          <a:latin typeface="Cambria Math" panose="02040503050406030204" pitchFamily="18" charset="0"/>
+                        </a:rPr>
+                        <m:t>(</m:t>
+                      </m:r>
+                      <m:r>
+                        <a:rPr lang="en-US" sz="2500" b="0" i="1" smtClean="0">
+                          <a:latin typeface="Cambria Math" panose="02040503050406030204" pitchFamily="18" charset="0"/>
+                        </a:rPr>
+                        <m:t>𝑖</m:t>
+                      </m:r>
+                      <m:r>
+                        <a:rPr lang="en-US" sz="2500" b="0" i="1" smtClean="0">
+                          <a:latin typeface="Cambria Math" panose="02040503050406030204" pitchFamily="18" charset="0"/>
+                        </a:rPr>
+                        <m:t>|</m:t>
+                      </m:r>
+                      <m:r>
+                        <a:rPr lang="en-US" sz="2500" b="0" i="1" smtClean="0">
+                          <a:latin typeface="Cambria Math" panose="02040503050406030204" pitchFamily="18" charset="0"/>
+                        </a:rPr>
+                        <m:t>𝐶</m:t>
+                      </m:r>
+                      <m:r>
+                        <a:rPr lang="en-US" sz="2500" b="0" i="1" smtClean="0">
+                          <a:latin typeface="Cambria Math" panose="02040503050406030204" pitchFamily="18" charset="0"/>
+                        </a:rPr>
+                        <m:t>))(1−</m:t>
+                      </m:r>
+                      <m:sSub>
+                        <m:sSubPr>
+                          <m:ctrlPr>
+                            <a:rPr lang="en-US" sz="2500" b="0" i="1" smtClean="0">
+                              <a:latin typeface="Cambria Math" panose="02040503050406030204" pitchFamily="18" charset="0"/>
+                            </a:rPr>
+                          </m:ctrlPr>
+                        </m:sSubPr>
+                        <m:e>
+                          <m:r>
+                            <a:rPr lang="en-US" sz="2500" b="0" i="1" smtClean="0">
+                              <a:latin typeface="Cambria Math" panose="02040503050406030204" pitchFamily="18" charset="0"/>
+                            </a:rPr>
+                            <m:t>𝑥</m:t>
+                          </m:r>
+                        </m:e>
+                        <m:sub>
+                          <m:r>
+                            <a:rPr lang="en-US" sz="2500" b="0" i="1" smtClean="0">
+                              <a:latin typeface="Cambria Math" panose="02040503050406030204" pitchFamily="18" charset="0"/>
+                            </a:rPr>
+                            <m:t>𝑖</m:t>
+                          </m:r>
+                        </m:sub>
+                      </m:sSub>
+                      <m:r>
+                        <a:rPr lang="en-US" sz="2500" b="0" i="1" smtClean="0">
+                          <a:latin typeface="Cambria Math" panose="02040503050406030204" pitchFamily="18" charset="0"/>
+                        </a:rPr>
+                        <m:t>)</m:t>
+                      </m:r>
+                    </m:oMath>
+                  </m:oMathPara>
+                </a14:m>
+                <a:endParaRPr lang="en-US" sz="2500"/>
+              </a:p>
+            </p:txBody>
+          </p:sp>
+        </mc:Choice>
+        <mc:Fallback>
+          <p:sp>
+            <p:nvSpPr>
+              <p:cNvPr id="6" name="TextBox 5"/>
+              <p:cNvSpPr txBox="1">
+                <a:spLocks noRot="1" noChangeAspect="1" noMove="1" noResize="1" noEditPoints="1" noAdjustHandles="1" noChangeArrowheads="1" noChangeShapeType="1" noTextEdit="1"/>
+              </p:cNvSpPr>
+              <p:nvPr/>
+            </p:nvSpPr>
+            <p:spPr>
+              <a:xfrm>
+                <a:off x="1149790" y="4241478"/>
+                <a:ext cx="6256072" cy="384721"/>
+              </a:xfrm>
+              <a:prstGeom prst="rect">
+                <a:avLst/>
+              </a:prstGeom>
+              <a:blipFill rotWithShape="0">
+                <a:blip r:embed="rId3"/>
+                <a:stretch>
+                  <a:fillRect l="-390" t="-1587" r="-1365" b="-33333"/>
+                </a:stretch>
+              </a:blipFill>
+            </p:spPr>
+            <p:txBody>
+              <a:bodyPr/>
+              <a:lstStyle/>
+              <a:p>
+                <a:r>
+                  <a:rPr lang="en-US">
+                    <a:noFill/>
+                  </a:rPr>
+                  <a:t> </a:t>
+                </a:r>
+              </a:p>
+            </p:txBody>
+          </p:sp>
+        </mc:Fallback>
+      </mc:AlternateContent>
     </p:spTree>
     <p:extLst>
       <p:ext uri="{BB962C8B-B14F-4D97-AF65-F5344CB8AC3E}">
@@ -19403,14 +24410,255 @@
   <p:timing>
     <p:tnLst>
       <p:par>
-        <p:cTn id="1" dur="indefinite" restart="never" nodeType="tmRoot"/>
+        <p:cTn id="1" dur="indefinite" restart="never" nodeType="tmRoot">
+          <p:childTnLst>
+            <p:seq concurrent="1" nextAc="seek">
+              <p:cTn id="2" dur="indefinite" nodeType="mainSeq">
+                <p:childTnLst>
+                  <p:par>
+                    <p:cTn id="3" fill="hold">
+                      <p:stCondLst>
+                        <p:cond delay="indefinite"/>
+                      </p:stCondLst>
+                      <p:childTnLst>
+                        <p:par>
+                          <p:cTn id="4" fill="hold">
+                            <p:stCondLst>
+                              <p:cond delay="0"/>
+                            </p:stCondLst>
+                            <p:childTnLst>
+                              <p:par>
+                                <p:cTn id="5" presetID="10" presetClass="entr" presetSubtype="0" fill="hold" grpId="0" nodeType="clickEffect">
+                                  <p:stCondLst>
+                                    <p:cond delay="0"/>
+                                  </p:stCondLst>
+                                  <p:childTnLst>
+                                    <p:set>
+                                      <p:cBhvr>
+                                        <p:cTn id="6" dur="1" fill="hold">
+                                          <p:stCondLst>
+                                            <p:cond delay="0"/>
+                                          </p:stCondLst>
+                                        </p:cTn>
+                                        <p:tgtEl>
+                                          <p:spTgt spid="7"/>
+                                        </p:tgtEl>
+                                        <p:attrNameLst>
+                                          <p:attrName>style.visibility</p:attrName>
+                                        </p:attrNameLst>
+                                      </p:cBhvr>
+                                      <p:to>
+                                        <p:strVal val="visible"/>
+                                      </p:to>
+                                    </p:set>
+                                    <p:animEffect transition="in" filter="fade">
+                                      <p:cBhvr>
+                                        <p:cTn id="7" dur="500"/>
+                                        <p:tgtEl>
+                                          <p:spTgt spid="7"/>
+                                        </p:tgtEl>
+                                      </p:cBhvr>
+                                    </p:animEffect>
+                                  </p:childTnLst>
+                                </p:cTn>
+                              </p:par>
+                            </p:childTnLst>
+                          </p:cTn>
+                        </p:par>
+                      </p:childTnLst>
+                    </p:cTn>
+                  </p:par>
+                  <p:par>
+                    <p:cTn id="8" fill="hold">
+                      <p:stCondLst>
+                        <p:cond delay="indefinite"/>
+                      </p:stCondLst>
+                      <p:childTnLst>
+                        <p:par>
+                          <p:cTn id="9" fill="hold">
+                            <p:stCondLst>
+                              <p:cond delay="0"/>
+                            </p:stCondLst>
+                            <p:childTnLst>
+                              <p:par>
+                                <p:cTn id="10" presetID="10" presetClass="entr" presetSubtype="0" fill="hold" grpId="0" nodeType="clickEffect">
+                                  <p:stCondLst>
+                                    <p:cond delay="0"/>
+                                  </p:stCondLst>
+                                  <p:childTnLst>
+                                    <p:set>
+                                      <p:cBhvr>
+                                        <p:cTn id="11" dur="1" fill="hold">
+                                          <p:stCondLst>
+                                            <p:cond delay="0"/>
+                                          </p:stCondLst>
+                                        </p:cTn>
+                                        <p:tgtEl>
+                                          <p:spTgt spid="10"/>
+                                        </p:tgtEl>
+                                        <p:attrNameLst>
+                                          <p:attrName>style.visibility</p:attrName>
+                                        </p:attrNameLst>
+                                      </p:cBhvr>
+                                      <p:to>
+                                        <p:strVal val="visible"/>
+                                      </p:to>
+                                    </p:set>
+                                    <p:animEffect transition="in" filter="fade">
+                                      <p:cBhvr>
+                                        <p:cTn id="12" dur="500"/>
+                                        <p:tgtEl>
+                                          <p:spTgt spid="10"/>
+                                        </p:tgtEl>
+                                      </p:cBhvr>
+                                    </p:animEffect>
+                                  </p:childTnLst>
+                                </p:cTn>
+                              </p:par>
+                            </p:childTnLst>
+                          </p:cTn>
+                        </p:par>
+                      </p:childTnLst>
+                    </p:cTn>
+                  </p:par>
+                  <p:par>
+                    <p:cTn id="13" fill="hold">
+                      <p:stCondLst>
+                        <p:cond delay="indefinite"/>
+                      </p:stCondLst>
+                      <p:childTnLst>
+                        <p:par>
+                          <p:cTn id="14" fill="hold">
+                            <p:stCondLst>
+                              <p:cond delay="0"/>
+                            </p:stCondLst>
+                            <p:childTnLst>
+                              <p:par>
+                                <p:cTn id="15" presetID="10" presetClass="entr" presetSubtype="0" fill="hold" grpId="0" nodeType="clickEffect">
+                                  <p:stCondLst>
+                                    <p:cond delay="0"/>
+                                  </p:stCondLst>
+                                  <p:childTnLst>
+                                    <p:set>
+                                      <p:cBhvr>
+                                        <p:cTn id="16" dur="1" fill="hold">
+                                          <p:stCondLst>
+                                            <p:cond delay="0"/>
+                                          </p:stCondLst>
+                                        </p:cTn>
+                                        <p:tgtEl>
+                                          <p:spTgt spid="9"/>
+                                        </p:tgtEl>
+                                        <p:attrNameLst>
+                                          <p:attrName>style.visibility</p:attrName>
+                                        </p:attrNameLst>
+                                      </p:cBhvr>
+                                      <p:to>
+                                        <p:strVal val="visible"/>
+                                      </p:to>
+                                    </p:set>
+                                    <p:animEffect transition="in" filter="fade">
+                                      <p:cBhvr>
+                                        <p:cTn id="17" dur="500"/>
+                                        <p:tgtEl>
+                                          <p:spTgt spid="9"/>
+                                        </p:tgtEl>
+                                      </p:cBhvr>
+                                    </p:animEffect>
+                                  </p:childTnLst>
+                                </p:cTn>
+                              </p:par>
+                            </p:childTnLst>
+                          </p:cTn>
+                        </p:par>
+                      </p:childTnLst>
+                    </p:cTn>
+                  </p:par>
+                  <p:par>
+                    <p:cTn id="18" fill="hold">
+                      <p:stCondLst>
+                        <p:cond delay="indefinite"/>
+                      </p:stCondLst>
+                      <p:childTnLst>
+                        <p:par>
+                          <p:cTn id="19" fill="hold">
+                            <p:stCondLst>
+                              <p:cond delay="0"/>
+                            </p:stCondLst>
+                            <p:childTnLst>
+                              <p:par>
+                                <p:cTn id="20" presetID="10" presetClass="entr" presetSubtype="0" fill="hold" grpId="0" nodeType="clickEffect">
+                                  <p:stCondLst>
+                                    <p:cond delay="0"/>
+                                  </p:stCondLst>
+                                  <p:childTnLst>
+                                    <p:set>
+                                      <p:cBhvr>
+                                        <p:cTn id="21" dur="1" fill="hold">
+                                          <p:stCondLst>
+                                            <p:cond delay="0"/>
+                                          </p:stCondLst>
+                                        </p:cTn>
+                                        <p:tgtEl>
+                                          <p:spTgt spid="6"/>
+                                        </p:tgtEl>
+                                        <p:attrNameLst>
+                                          <p:attrName>style.visibility</p:attrName>
+                                        </p:attrNameLst>
+                                      </p:cBhvr>
+                                      <p:to>
+                                        <p:strVal val="visible"/>
+                                      </p:to>
+                                    </p:set>
+                                    <p:animEffect transition="in" filter="fade">
+                                      <p:cBhvr>
+                                        <p:cTn id="22" dur="500"/>
+                                        <p:tgtEl>
+                                          <p:spTgt spid="6"/>
+                                        </p:tgtEl>
+                                      </p:cBhvr>
+                                    </p:animEffect>
+                                  </p:childTnLst>
+                                </p:cTn>
+                              </p:par>
+                            </p:childTnLst>
+                          </p:cTn>
+                        </p:par>
+                      </p:childTnLst>
+                    </p:cTn>
+                  </p:par>
+                </p:childTnLst>
+              </p:cTn>
+              <p:prevCondLst>
+                <p:cond evt="onPrev" delay="0">
+                  <p:tgtEl>
+                    <p:sldTgt/>
+                  </p:tgtEl>
+                </p:cond>
+              </p:prevCondLst>
+              <p:nextCondLst>
+                <p:cond evt="onNext" delay="0">
+                  <p:tgtEl>
+                    <p:sldTgt/>
+                  </p:tgtEl>
+                </p:cond>
+              </p:nextCondLst>
+            </p:seq>
+          </p:childTnLst>
+        </p:cTn>
       </p:par>
     </p:tnLst>
+    <p:bldLst>
+      <p:bldP spid="7" grpId="0"/>
+      <p:bldP spid="9" grpId="0"/>
+      <p:bldP spid="10" grpId="0"/>
+      <p:bldP spid="6" grpId="0"/>
+    </p:bldLst>
   </p:timing>
 </p:sld>
 </file>
 
-<file path=ppt/slides/slide24.xml><?xml version="1.0" encoding="utf-8"?>
+<file path=ppt/slides/slide25.xml><?xml version="1.0" encoding="utf-8"?>
 <p:sld xmlns:a="http://schemas.openxmlformats.org/drawingml/2006/main" xmlns:r="http://schemas.openxmlformats.org/officeDocument/2006/relationships" xmlns:p="http://schemas.openxmlformats.org/presentationml/2006/main">
   <p:cSld>
     <p:spTree>
@@ -19473,132 +24721,6 @@
     <p:extLst>
       <p:ext uri="{BB962C8B-B14F-4D97-AF65-F5344CB8AC3E}">
         <p14:creationId xmlns:p14="http://schemas.microsoft.com/office/powerpoint/2010/main" val="2240125584"/>
-      </p:ext>
-    </p:extLst>
-  </p:cSld>
-  <p:clrMapOvr>
-    <a:masterClrMapping/>
-  </p:clrMapOvr>
-  <p:timing>
-    <p:tnLst>
-      <p:par>
-        <p:cTn id="1" dur="indefinite" restart="never" nodeType="tmRoot"/>
-      </p:par>
-    </p:tnLst>
-  </p:timing>
-</p:sld>
-</file>
-
-<file path=ppt/slides/slide25.xml><?xml version="1.0" encoding="utf-8"?>
-<p:sld xmlns:a="http://schemas.openxmlformats.org/drawingml/2006/main" xmlns:r="http://schemas.openxmlformats.org/officeDocument/2006/relationships" xmlns:p="http://schemas.openxmlformats.org/presentationml/2006/main">
-  <p:cSld>
-    <p:spTree>
-      <p:nvGrpSpPr>
-        <p:cNvPr id="1" name=""/>
-        <p:cNvGrpSpPr/>
-        <p:nvPr/>
-      </p:nvGrpSpPr>
-      <p:grpSpPr>
-        <a:xfrm>
-          <a:off x="0" y="0"/>
-          <a:ext cx="0" cy="0"/>
-          <a:chOff x="0" y="0"/>
-          <a:chExt cx="0" cy="0"/>
-        </a:xfrm>
-      </p:grpSpPr>
-      <p:sp>
-        <p:nvSpPr>
-          <p:cNvPr id="2" name="Title 1"/>
-          <p:cNvSpPr>
-            <a:spLocks noGrp="1"/>
-          </p:cNvSpPr>
-          <p:nvPr>
-            <p:ph type="title"/>
-          </p:nvPr>
-        </p:nvSpPr>
-        <p:spPr/>
-        <p:txBody>
-          <a:bodyPr/>
-          <a:lstStyle/>
-          <a:p>
-            <a:r>
-              <a:rPr lang="vi-VN"/>
-              <a:t>Summary</a:t>
-            </a:r>
-            <a:endParaRPr lang="en-US"/>
-          </a:p>
-        </p:txBody>
-      </p:sp>
-      <p:sp>
-        <p:nvSpPr>
-          <p:cNvPr id="3" name="Content Placeholder 2"/>
-          <p:cNvSpPr>
-            <a:spLocks noGrp="1"/>
-          </p:cNvSpPr>
-          <p:nvPr>
-            <p:ph idx="1"/>
-          </p:nvPr>
-        </p:nvSpPr>
-        <p:spPr/>
-        <p:txBody>
-          <a:bodyPr/>
-          <a:lstStyle/>
-          <a:p>
-            <a:endParaRPr lang="en-US"/>
-          </a:p>
-        </p:txBody>
-      </p:sp>
-      <p:sp>
-        <p:nvSpPr>
-          <p:cNvPr id="4" name="Footer Placeholder 3"/>
-          <p:cNvSpPr>
-            <a:spLocks noGrp="1"/>
-          </p:cNvSpPr>
-          <p:nvPr>
-            <p:ph type="ftr" sz="quarter" idx="11"/>
-          </p:nvPr>
-        </p:nvSpPr>
-        <p:spPr/>
-        <p:txBody>
-          <a:bodyPr/>
-          <a:lstStyle/>
-          <a:p>
-            <a:r>
-              <a:rPr lang="vi-VN" smtClean="0"/>
-              <a:t>Summary</a:t>
-            </a:r>
-            <a:endParaRPr lang="en-US"/>
-          </a:p>
-        </p:txBody>
-      </p:sp>
-      <p:sp>
-        <p:nvSpPr>
-          <p:cNvPr id="5" name="Slide Number Placeholder 4"/>
-          <p:cNvSpPr>
-            <a:spLocks noGrp="1"/>
-          </p:cNvSpPr>
-          <p:nvPr>
-            <p:ph type="sldNum" sz="quarter" idx="12"/>
-          </p:nvPr>
-        </p:nvSpPr>
-        <p:spPr/>
-        <p:txBody>
-          <a:bodyPr/>
-          <a:lstStyle/>
-          <a:p>
-            <a:fld id="{88E711DA-8C4A-4F9C-B06B-9858351D6192}" type="slidenum">
-              <a:rPr lang="en-US" smtClean="0"/>
-              <a:pPr/>
-              <a:t>25</a:t>
-            </a:fld>
-            <a:endParaRPr lang="en-US" dirty="0"/>
-          </a:p>
-        </p:txBody>
-      </p:sp>
-    </p:spTree>
-    <p:extLst>
-      <p:ext uri="{BB962C8B-B14F-4D97-AF65-F5344CB8AC3E}">
-        <p14:creationId xmlns:p14="http://schemas.microsoft.com/office/powerpoint/2010/main" val="3263685728"/>
       </p:ext>
     </p:extLst>
   </p:cSld>
@@ -19952,11 +25074,7 @@
           <a:p>
             <a:r>
               <a:rPr lang="vi-VN" sz="2400"/>
-              <a:t>Ứng dụng thuật toán Naive Bayes trong giải quyết bài toán chuẩn đoán bệnh </a:t>
-            </a:r>
-            <a:r>
-              <a:rPr lang="vi-VN" sz="2400"/>
-              <a:t>tiểu </a:t>
+              <a:t>Ứng dụng thuật toán Naive Bayes trong giải quyết bài toán chuẩn đoán bệnh tiểu </a:t>
             </a:r>
             <a:r>
               <a:rPr lang="vi-VN" sz="2400" smtClean="0"/>
@@ -19991,11 +25109,7 @@
           <a:p>
             <a:r>
               <a:rPr lang="en-US" sz="2500" smtClean="0"/>
-              <a:t>Naïve Bayes classifier</a:t>
-            </a:r>
-            <a:r>
-              <a:rPr lang="en-US" sz="2500" smtClean="0"/>
-              <a:t> </a:t>
+              <a:t>Naïve Bayes classifier </a:t>
             </a:r>
             <a:r>
               <a:rPr lang="en-US" sz="2500" smtClean="0">

--- a/Naive Bayes.pptx
+++ b/Naive Bayes.pptx
@@ -5,7 +5,7 @@
     <p:sldMasterId id="2147483660" r:id="rId1"/>
   </p:sldMasterIdLst>
   <p:notesMasterIdLst>
-    <p:notesMasterId r:id="rId30"/>
+    <p:notesMasterId r:id="rId31"/>
   </p:notesMasterIdLst>
   <p:sldIdLst>
     <p:sldId id="257" r:id="rId2"/>
@@ -33,9 +33,10 @@
     <p:sldId id="316" r:id="rId24"/>
     <p:sldId id="307" r:id="rId25"/>
     <p:sldId id="314" r:id="rId26"/>
-    <p:sldId id="273" r:id="rId27"/>
-    <p:sldId id="277" r:id="rId28"/>
-    <p:sldId id="274" r:id="rId29"/>
+    <p:sldId id="317" r:id="rId27"/>
+    <p:sldId id="273" r:id="rId28"/>
+    <p:sldId id="277" r:id="rId29"/>
+    <p:sldId id="274" r:id="rId30"/>
   </p:sldIdLst>
   <p:sldSz cx="9144000" cy="6858000" type="screen4x3"/>
   <p:notesSz cx="6858000" cy="9144000"/>
@@ -224,7 +225,7 @@
           <a:p>
             <a:fld id="{FC296240-670F-3A4D-842C-C45A721E1F88}" type="datetimeFigureOut">
               <a:rPr lang="en-US" smtClean="0"/>
-              <a:t>6/20/2018</a:t>
+              <a:t>6/21/2018</a:t>
             </a:fld>
             <a:endParaRPr lang="en-US"/>
           </a:p>
@@ -535,7 +536,7 @@
           <a:bodyPr/>
           <a:lstStyle/>
           <a:p>
-            <a:endParaRPr lang="en-US"/>
+            <a:endParaRPr lang="en-US" dirty="0"/>
           </a:p>
         </p:txBody>
       </p:sp>
@@ -1306,7 +1307,7 @@
           <a:p>
             <a:fld id="{892E68CF-75D1-B948-A8E4-F1D36893A5D7}" type="datetime1">
               <a:rPr lang="en-US" smtClean="0"/>
-              <a:t>6/20/2018</a:t>
+              <a:t>6/21/2018</a:t>
             </a:fld>
             <a:endParaRPr lang="en-US"/>
           </a:p>
@@ -1492,7 +1493,7 @@
           <a:p>
             <a:fld id="{2466E06E-3195-C444-9570-D8CACB2ADBF9}" type="datetime1">
               <a:rPr lang="en-US" smtClean="0"/>
-              <a:t>6/20/2018</a:t>
+              <a:t>6/21/2018</a:t>
             </a:fld>
             <a:endParaRPr lang="en-US"/>
           </a:p>
@@ -1688,7 +1689,7 @@
           <a:p>
             <a:fld id="{E61B25D2-073E-9A47-A4FE-FE2D043E8B8C}" type="datetime1">
               <a:rPr lang="en-US" smtClean="0"/>
-              <a:t>6/20/2018</a:t>
+              <a:t>6/21/2018</a:t>
             </a:fld>
             <a:endParaRPr lang="en-US"/>
           </a:p>
@@ -2331,7 +2332,7 @@
           <a:p>
             <a:fld id="{A4FC4001-555C-C444-AE8B-977AF2AC1786}" type="datetime1">
               <a:rPr lang="en-US" smtClean="0"/>
-              <a:t>6/20/2018</a:t>
+              <a:t>6/21/2018</a:t>
             </a:fld>
             <a:endParaRPr lang="en-US" dirty="0"/>
           </a:p>
@@ -2607,7 +2608,7 @@
           <a:p>
             <a:fld id="{63B3560D-905E-914A-9D0B-A79E799F5F59}" type="datetime1">
               <a:rPr lang="en-US" smtClean="0"/>
-              <a:t>6/20/2018</a:t>
+              <a:t>6/21/2018</a:t>
             </a:fld>
             <a:endParaRPr lang="en-US"/>
           </a:p>
@@ -2855,7 +2856,7 @@
           <a:p>
             <a:fld id="{35245F20-185A-E643-ABB8-9C574A71A7AC}" type="datetime1">
               <a:rPr lang="en-US" smtClean="0"/>
-              <a:t>6/20/2018</a:t>
+              <a:t>6/21/2018</a:t>
             </a:fld>
             <a:endParaRPr lang="en-US"/>
           </a:p>
@@ -3238,7 +3239,7 @@
           <a:p>
             <a:fld id="{A1C6E42E-F505-BC4A-B0DB-9BE7F59071FA}" type="datetime1">
               <a:rPr lang="en-US" smtClean="0"/>
-              <a:t>6/20/2018</a:t>
+              <a:t>6/21/2018</a:t>
             </a:fld>
             <a:endParaRPr lang="en-US"/>
           </a:p>
@@ -3372,7 +3373,7 @@
           <a:p>
             <a:fld id="{64E3C3E3-2FE7-2C4D-A9D0-A4F150F05C62}" type="datetime1">
               <a:rPr lang="en-US" smtClean="0"/>
-              <a:t>6/20/2018</a:t>
+              <a:t>6/21/2018</a:t>
             </a:fld>
             <a:endParaRPr lang="en-US"/>
           </a:p>
@@ -3490,7 +3491,7 @@
           <a:p>
             <a:fld id="{B7BE0F74-DB4D-2649-B051-F7E83A033A9E}" type="datetime1">
               <a:rPr lang="en-US" smtClean="0"/>
-              <a:t>6/20/2018</a:t>
+              <a:t>6/21/2018</a:t>
             </a:fld>
             <a:endParaRPr lang="en-US"/>
           </a:p>
@@ -3783,7 +3784,7 @@
           <a:p>
             <a:fld id="{559E3AD2-0A61-CE49-9896-C805E1B580E8}" type="datetime1">
               <a:rPr lang="en-US" smtClean="0"/>
-              <a:t>6/20/2018</a:t>
+              <a:t>6/21/2018</a:t>
             </a:fld>
             <a:endParaRPr lang="en-US"/>
           </a:p>
@@ -8583,8 +8584,8 @@
             </p:nvSpPr>
             <p:spPr>
               <a:xfrm>
-                <a:off x="258554" y="1536565"/>
-                <a:ext cx="8390759" cy="717184"/>
+                <a:off x="1897573" y="1488080"/>
+                <a:ext cx="3588290" cy="384721"/>
               </a:xfrm>
               <a:prstGeom prst="rect">
                 <a:avLst/>
@@ -8605,31 +8606,31 @@
                     </m:oMathParaPr>
                     <m:oMath xmlns:m="http://schemas.openxmlformats.org/officeDocument/2006/math">
                       <m:r>
-                        <a:rPr lang="en-US" sz="2200" b="0" i="1" smtClean="0">
+                        <a:rPr lang="en-US" sz="2500" b="0" i="1" smtClean="0">
                           <a:latin typeface="Cambria Math" panose="02040503050406030204" pitchFamily="18" charset="0"/>
                         </a:rPr>
                         <m:t>𝐶</m:t>
                       </m:r>
                       <m:r>
-                        <a:rPr lang="en-US" sz="2200" b="0" i="1" smtClean="0">
+                        <a:rPr lang="en-US" sz="2500" b="0" i="1" smtClean="0">
                           <a:latin typeface="Cambria Math" panose="02040503050406030204" pitchFamily="18" charset="0"/>
                         </a:rPr>
                         <m:t>=</m:t>
                       </m:r>
                       <m:r>
-                        <a:rPr lang="en-US" sz="2200" b="0" i="1" smtClean="0">
+                        <a:rPr lang="en-US" sz="2500" b="0" i="1" smtClean="0">
                           <a:latin typeface="Cambria Math" panose="02040503050406030204" pitchFamily="18" charset="0"/>
                         </a:rPr>
                         <m:t>𝑎𝑟𝑔𝑚𝑎𝑥</m:t>
                       </m:r>
                       <m:r>
-                        <a:rPr lang="en-US" sz="2200" b="0" i="1" smtClean="0">
+                        <a:rPr lang="en-US" sz="2500" b="0" i="1" smtClean="0">
                           <a:latin typeface="Cambria Math" panose="02040503050406030204" pitchFamily="18" charset="0"/>
                         </a:rPr>
                         <m:t> </m:t>
                       </m:r>
                       <m:r>
-                        <a:rPr lang="en-US" sz="2200" b="0" i="1" smtClean="0">
+                        <a:rPr lang="en-US" sz="2500" b="0" i="1" smtClean="0">
                           <a:latin typeface="Cambria Math" panose="02040503050406030204" pitchFamily="18" charset="0"/>
                         </a:rPr>
                         <m:t>𝑃</m:t>
@@ -8637,167 +8638,14 @@
                       <m:d>
                         <m:dPr>
                           <m:ctrlPr>
-                            <a:rPr lang="en-US" sz="2200" b="0" i="1" smtClean="0">
+                            <a:rPr lang="en-US" sz="2500" b="0" i="1" smtClean="0">
                               <a:latin typeface="Cambria Math" panose="02040503050406030204" pitchFamily="18" charset="0"/>
                             </a:rPr>
                           </m:ctrlPr>
                         </m:dPr>
                         <m:e>
                           <m:r>
-                            <a:rPr lang="en-US" sz="2200" b="0" i="1" smtClean="0">
-                              <a:latin typeface="Cambria Math" panose="02040503050406030204" pitchFamily="18" charset="0"/>
-                            </a:rPr>
-                            <m:t>𝐶</m:t>
-                          </m:r>
-                        </m:e>
-                        <m:e>
-                          <m:r>
-                            <a:rPr lang="en-US" sz="2200" b="0" i="1" smtClean="0">
-                              <a:latin typeface="Cambria Math" panose="02040503050406030204" pitchFamily="18" charset="0"/>
-                            </a:rPr>
-                            <m:t>𝑋</m:t>
-                          </m:r>
-                        </m:e>
-                      </m:d>
-                      <m:r>
-                        <a:rPr lang="en-US" sz="2200" b="0" i="1" smtClean="0">
-                          <a:latin typeface="Cambria Math" panose="02040503050406030204" pitchFamily="18" charset="0"/>
-                        </a:rPr>
-                        <m:t>=</m:t>
-                      </m:r>
-                      <m:r>
-                        <a:rPr lang="en-US" sz="2200" b="0" i="1" smtClean="0">
-                          <a:latin typeface="Cambria Math" panose="02040503050406030204" pitchFamily="18" charset="0"/>
-                        </a:rPr>
-                        <m:t>𝑎𝑟𝑔𝑚𝑎𝑥</m:t>
-                      </m:r>
-                      <m:f>
-                        <m:fPr>
-                          <m:ctrlPr>
-                            <a:rPr lang="en-US" sz="2200" b="0" i="1" smtClean="0">
-                              <a:latin typeface="Cambria Math" panose="02040503050406030204" pitchFamily="18" charset="0"/>
-                            </a:rPr>
-                          </m:ctrlPr>
-                        </m:fPr>
-                        <m:num>
-                          <m:r>
-                            <a:rPr lang="en-US" sz="2200" b="0" i="1" smtClean="0">
-                              <a:latin typeface="Cambria Math" panose="02040503050406030204" pitchFamily="18" charset="0"/>
-                            </a:rPr>
-                            <m:t>𝑃</m:t>
-                          </m:r>
-                          <m:d>
-                            <m:dPr>
-                              <m:ctrlPr>
-                                <a:rPr lang="en-US" sz="2200" b="0" i="1" smtClean="0">
-                                  <a:latin typeface="Cambria Math" panose="02040503050406030204" pitchFamily="18" charset="0"/>
-                                </a:rPr>
-                              </m:ctrlPr>
-                            </m:dPr>
-                            <m:e>
-                              <m:r>
-                                <a:rPr lang="en-US" sz="2200" b="0" i="1" smtClean="0">
-                                  <a:latin typeface="Cambria Math" panose="02040503050406030204" pitchFamily="18" charset="0"/>
-                                </a:rPr>
-                                <m:t>𝑋</m:t>
-                              </m:r>
-                            </m:e>
-                            <m:e>
-                              <m:r>
-                                <a:rPr lang="en-US" sz="2200" b="0" i="1" smtClean="0">
-                                  <a:latin typeface="Cambria Math" panose="02040503050406030204" pitchFamily="18" charset="0"/>
-                                </a:rPr>
-                                <m:t>𝐶</m:t>
-                              </m:r>
-                            </m:e>
-                          </m:d>
-                          <m:r>
-                            <a:rPr lang="en-US" sz="2200" b="0" i="1" smtClean="0">
-                              <a:latin typeface="Cambria Math" panose="02040503050406030204" pitchFamily="18" charset="0"/>
-                            </a:rPr>
-                            <m:t>𝑃</m:t>
-                          </m:r>
-                          <m:r>
-                            <a:rPr lang="en-US" sz="2200" b="0" i="1" smtClean="0">
-                              <a:latin typeface="Cambria Math" panose="02040503050406030204" pitchFamily="18" charset="0"/>
-                            </a:rPr>
-                            <m:t>(</m:t>
-                          </m:r>
-                          <m:r>
-                            <a:rPr lang="en-US" sz="2200" b="0" i="1" smtClean="0">
-                              <a:latin typeface="Cambria Math" panose="02040503050406030204" pitchFamily="18" charset="0"/>
-                            </a:rPr>
-                            <m:t>𝐶</m:t>
-                          </m:r>
-                          <m:r>
-                            <a:rPr lang="en-US" sz="2200" b="0" i="1" smtClean="0">
-                              <a:latin typeface="Cambria Math" panose="02040503050406030204" pitchFamily="18" charset="0"/>
-                            </a:rPr>
-                            <m:t>)</m:t>
-                          </m:r>
-                        </m:num>
-                        <m:den>
-                          <m:r>
-                            <a:rPr lang="en-US" sz="2200" b="0" i="1" smtClean="0">
-                              <a:latin typeface="Cambria Math" panose="02040503050406030204" pitchFamily="18" charset="0"/>
-                            </a:rPr>
-                            <m:t>𝑃</m:t>
-                          </m:r>
-                          <m:r>
-                            <a:rPr lang="en-US" sz="2200" b="0" i="1" smtClean="0">
-                              <a:latin typeface="Cambria Math" panose="02040503050406030204" pitchFamily="18" charset="0"/>
-                            </a:rPr>
-                            <m:t>(</m:t>
-                          </m:r>
-                          <m:r>
-                            <a:rPr lang="en-US" sz="2200" b="0" i="1" smtClean="0">
-                              <a:latin typeface="Cambria Math" panose="02040503050406030204" pitchFamily="18" charset="0"/>
-                            </a:rPr>
-                            <m:t>𝑋</m:t>
-                          </m:r>
-                          <m:r>
-                            <a:rPr lang="en-US" sz="2200" b="0" i="1" smtClean="0">
-                              <a:latin typeface="Cambria Math" panose="02040503050406030204" pitchFamily="18" charset="0"/>
-                            </a:rPr>
-                            <m:t>)</m:t>
-                          </m:r>
-                        </m:den>
-                      </m:f>
-                      <m:r>
-                        <a:rPr lang="en-US" sz="2200" b="0" i="1" smtClean="0">
-                          <a:latin typeface="Cambria Math" panose="02040503050406030204" pitchFamily="18" charset="0"/>
-                        </a:rPr>
-                        <m:t>=</m:t>
-                      </m:r>
-                      <m:r>
-                        <a:rPr lang="en-US" sz="2200" b="0" i="1" smtClean="0">
-                          <a:latin typeface="Cambria Math" panose="02040503050406030204" pitchFamily="18" charset="0"/>
-                        </a:rPr>
-                        <m:t>𝑎𝑟𝑔𝑚𝑎𝑥</m:t>
-                      </m:r>
-                      <m:r>
-                        <a:rPr lang="en-US" sz="2200" b="0" i="1" smtClean="0">
-                          <a:latin typeface="Cambria Math" panose="02040503050406030204" pitchFamily="18" charset="0"/>
-                        </a:rPr>
-                        <m:t> </m:t>
-                      </m:r>
-                      <m:r>
-                        <a:rPr lang="en-US" sz="2200" b="0" i="1" smtClean="0">
-                          <a:latin typeface="Cambria Math" panose="02040503050406030204" pitchFamily="18" charset="0"/>
-                        </a:rPr>
-                        <m:t>𝑃</m:t>
-                      </m:r>
-                      <m:d>
-                        <m:dPr>
-                          <m:ctrlPr>
-                            <a:rPr lang="en-US" sz="2200" b="0" i="1" smtClean="0">
-                              <a:latin typeface="Cambria Math" panose="02040503050406030204" pitchFamily="18" charset="0"/>
-                            </a:rPr>
-                          </m:ctrlPr>
-                        </m:dPr>
-                        <m:e>
-                          <m:r>
-                            <a:rPr lang="en-US" sz="2200" b="0" i="1" smtClean="0">
+                            <a:rPr lang="en-US" sz="2500" b="0" i="1" smtClean="0">
                               <a:latin typeface="Cambria Math" panose="02040503050406030204" pitchFamily="18" charset="0"/>
                             </a:rPr>
                             <m:t>𝑋</m:t>
@@ -8805,7 +8653,7 @@
                         </m:e>
                         <m:e>
                           <m:r>
-                            <a:rPr lang="en-US" sz="2200" b="0" i="1" smtClean="0">
+                            <a:rPr lang="en-US" sz="2500" b="0" i="1" smtClean="0">
                               <a:latin typeface="Cambria Math" panose="02040503050406030204" pitchFamily="18" charset="0"/>
                             </a:rPr>
                             <m:t>𝐶</m:t>
@@ -8813,25 +8661,25 @@
                         </m:e>
                       </m:d>
                       <m:r>
-                        <a:rPr lang="en-US" sz="2200" b="0" i="1" smtClean="0">
+                        <a:rPr lang="en-US" sz="2500" b="0" i="1" smtClean="0">
                           <a:latin typeface="Cambria Math" panose="02040503050406030204" pitchFamily="18" charset="0"/>
                         </a:rPr>
                         <m:t>𝑃</m:t>
                       </m:r>
                       <m:r>
-                        <a:rPr lang="en-US" sz="2200" b="0" i="1" smtClean="0">
+                        <a:rPr lang="en-US" sz="2500" b="0" i="1" smtClean="0">
                           <a:latin typeface="Cambria Math" panose="02040503050406030204" pitchFamily="18" charset="0"/>
                         </a:rPr>
                         <m:t>(</m:t>
                       </m:r>
                       <m:r>
-                        <a:rPr lang="en-US" sz="2200" b="0" i="1" smtClean="0">
+                        <a:rPr lang="en-US" sz="2500" b="0" i="1" smtClean="0">
                           <a:latin typeface="Cambria Math" panose="02040503050406030204" pitchFamily="18" charset="0"/>
                         </a:rPr>
                         <m:t>𝐶</m:t>
                       </m:r>
                       <m:r>
-                        <a:rPr lang="en-US" sz="2200" b="0" i="1" smtClean="0">
+                        <a:rPr lang="en-US" sz="2500" b="0" i="1" smtClean="0">
                           <a:latin typeface="Cambria Math" panose="02040503050406030204" pitchFamily="18" charset="0"/>
                         </a:rPr>
                         <m:t>)</m:t>
@@ -8839,7 +8687,7 @@
                     </m:oMath>
                   </m:oMathPara>
                 </a14:m>
-                <a:endParaRPr lang="en-US" sz="2200" b="0" dirty="0" smtClean="0"/>
+                <a:endParaRPr lang="en-US" sz="2500" b="0" dirty="0" smtClean="0"/>
               </a:p>
             </p:txBody>
           </p:sp>
@@ -8855,8 +8703,8 @@
             </p:nvSpPr>
             <p:spPr>
               <a:xfrm>
-                <a:off x="258554" y="1536565"/>
-                <a:ext cx="8390759" cy="717184"/>
+                <a:off x="1897573" y="1488080"/>
+                <a:ext cx="3588290" cy="384721"/>
               </a:xfrm>
               <a:prstGeom prst="rect">
                 <a:avLst/>
@@ -8864,7 +8712,7 @@
               <a:blipFill rotWithShape="0">
                 <a:blip r:embed="rId2"/>
                 <a:stretch>
-                  <a:fillRect/>
+                  <a:fillRect l="-1528" r="-2716" b="-34921"/>
                 </a:stretch>
               </a:blipFill>
             </p:spPr>
@@ -11959,7 +11807,7 @@
           <a:lstStyle/>
           <a:p>
             <a:r>
-              <a:rPr lang="en-US" sz="1600" smtClean="0">
+              <a:rPr lang="en-US" sz="1600" dirty="0" smtClean="0">
                 <a:latin typeface="Cambria Math" panose="02040503050406030204" pitchFamily="18" charset="0"/>
                 <a:ea typeface="Cambria Math" panose="02040503050406030204" pitchFamily="18" charset="0"/>
               </a:rPr>
@@ -12017,8 +11865,8 @@
             </p:nvSpPr>
             <p:spPr>
               <a:xfrm>
-                <a:off x="749906" y="5114746"/>
-                <a:ext cx="2589620" cy="374270"/>
+                <a:off x="789894" y="5114746"/>
+                <a:ext cx="986617" cy="374270"/>
               </a:xfrm>
               <a:prstGeom prst="rect">
                 <a:avLst/>
@@ -12031,64 +11879,13 @@
               <a:lstStyle/>
               <a:p>
                 <a:r>
-                  <a:rPr lang="en-US" smtClean="0">
+                  <a:rPr lang="en-US" dirty="0" smtClean="0">
                     <a:ea typeface="Cambria Math" panose="02040503050406030204" pitchFamily="18" charset="0"/>
                   </a:rPr>
                   <a:t> </a:t>
                 </a:r>
                 <a14:m>
                   <m:oMath xmlns:m="http://schemas.openxmlformats.org/officeDocument/2006/math">
-                    <m:r>
-                      <m:rPr>
-                        <m:sty m:val="p"/>
-                      </m:rPr>
-                      <a:rPr lang="en-US" b="0" i="0" smtClean="0">
-                        <a:latin typeface="Cambria Math" panose="02040503050406030204" pitchFamily="18" charset="0"/>
-                        <a:ea typeface="Cambria Math" panose="02040503050406030204" pitchFamily="18" charset="0"/>
-                      </a:rPr>
-                      <m:t>New</m:t>
-                    </m:r>
-                    <m:r>
-                      <a:rPr lang="en-US" b="0" i="0" smtClean="0">
-                        <a:latin typeface="Cambria Math" panose="02040503050406030204" pitchFamily="18" charset="0"/>
-                        <a:ea typeface="Cambria Math" panose="02040503050406030204" pitchFamily="18" charset="0"/>
-                      </a:rPr>
-                      <m:t> </m:t>
-                    </m:r>
-                    <m:r>
-                      <m:rPr>
-                        <m:sty m:val="p"/>
-                      </m:rPr>
-                      <a:rPr lang="en-US" b="0" i="0" smtClean="0">
-                        <a:latin typeface="Cambria Math" panose="02040503050406030204" pitchFamily="18" charset="0"/>
-                        <a:ea typeface="Cambria Math" panose="02040503050406030204" pitchFamily="18" charset="0"/>
-                      </a:rPr>
-                      <m:t>data</m:t>
-                    </m:r>
-                    <m:r>
-                      <a:rPr lang="en-US" b="0" i="0" smtClean="0">
-                        <a:latin typeface="Cambria Math" panose="02040503050406030204" pitchFamily="18" charset="0"/>
-                        <a:ea typeface="Cambria Math" panose="02040503050406030204" pitchFamily="18" charset="0"/>
-                      </a:rPr>
-                      <m:t> </m:t>
-                    </m:r>
-                    <m:r>
-                      <m:rPr>
-                        <m:sty m:val="p"/>
-                      </m:rPr>
-                      <a:rPr lang="en-US" b="0" i="0" smtClean="0">
-                        <a:latin typeface="Cambria Math" panose="02040503050406030204" pitchFamily="18" charset="0"/>
-                        <a:ea typeface="Cambria Math" panose="02040503050406030204" pitchFamily="18" charset="0"/>
-                      </a:rPr>
-                      <m:t>point</m:t>
-                    </m:r>
-                    <m:r>
-                      <a:rPr lang="en-US" b="0" i="0" smtClean="0">
-                        <a:latin typeface="Cambria Math" panose="02040503050406030204" pitchFamily="18" charset="0"/>
-                        <a:ea typeface="Cambria Math" panose="02040503050406030204" pitchFamily="18" charset="0"/>
-                      </a:rPr>
-                      <m:t>:</m:t>
-                    </m:r>
                     <m:r>
                       <m:rPr>
                         <m:sty m:val="p"/>
@@ -12151,7 +11948,7 @@
                     </m:sSup>
                   </m:oMath>
                 </a14:m>
-                <a:endParaRPr lang="en-US"/>
+                <a:endParaRPr lang="en-US" dirty="0"/>
               </a:p>
             </p:txBody>
           </p:sp>
@@ -12167,8 +11964,8 @@
             </p:nvSpPr>
             <p:spPr>
               <a:xfrm>
-                <a:off x="749906" y="5114746"/>
-                <a:ext cx="2589620" cy="374270"/>
+                <a:off x="789894" y="5114746"/>
+                <a:ext cx="986617" cy="374270"/>
               </a:xfrm>
               <a:prstGeom prst="rect">
                 <a:avLst/>
@@ -12176,7 +11973,7 @@
               <a:blipFill rotWithShape="0">
                 <a:blip r:embed="rId5"/>
                 <a:stretch>
-                  <a:fillRect b="-13115"/>
+                  <a:fillRect/>
                 </a:stretch>
               </a:blipFill>
             </p:spPr>
@@ -12205,7 +12002,7 @@
             </p:nvSpPr>
             <p:spPr>
               <a:xfrm>
-                <a:off x="3407176" y="5119684"/>
+                <a:off x="1717845" y="5111394"/>
                 <a:ext cx="3097323" cy="369332"/>
               </a:xfrm>
               <a:prstGeom prst="rect">
@@ -12256,7 +12053,7 @@
                     </m:oMath>
                   </m:oMathPara>
                 </a14:m>
-                <a:endParaRPr lang="en-US"/>
+                <a:endParaRPr lang="en-US" dirty="0"/>
               </a:p>
             </p:txBody>
           </p:sp>
@@ -12272,7 +12069,7 @@
             </p:nvSpPr>
             <p:spPr>
               <a:xfrm>
-                <a:off x="3407176" y="5119684"/>
+                <a:off x="1717845" y="5111394"/>
                 <a:ext cx="3097323" cy="369332"/>
               </a:xfrm>
               <a:prstGeom prst="rect">
@@ -12281,7 +12078,7 @@
               <a:blipFill rotWithShape="0">
                 <a:blip r:embed="rId6"/>
                 <a:stretch>
-                  <a:fillRect b="-13333"/>
+                  <a:fillRect b="-13115"/>
                 </a:stretch>
               </a:blipFill>
             </p:spPr>
@@ -14216,7 +14013,7 @@
         <p:spPr>
           <a:xfrm>
             <a:off x="1120349" y="1553259"/>
-            <a:ext cx="2503891" cy="523220"/>
+            <a:ext cx="2256387" cy="477054"/>
           </a:xfrm>
           <a:prstGeom prst="rect">
             <a:avLst/>
@@ -14230,7 +14027,7 @@
           <a:lstStyle/>
           <a:p>
             <a:r>
-              <a:rPr lang="en-US" sz="2800" dirty="0" smtClean="0">
+              <a:rPr lang="en-US" sz="2500" dirty="0" smtClean="0">
                 <a:solidFill>
                   <a:schemeClr val="accent2">
                     <a:lumMod val="75000"/>
@@ -14239,7 +14036,7 @@
               </a:rPr>
               <a:t>At training step:</a:t>
             </a:r>
-            <a:endParaRPr lang="en-US" sz="2800" dirty="0">
+            <a:endParaRPr lang="en-US" sz="2500" dirty="0">
               <a:solidFill>
                 <a:schemeClr val="accent2">
                   <a:lumMod val="75000"/>
@@ -15567,15 +15364,7 @@
                   <a:srgbClr val="FF0000"/>
                 </a:solidFill>
               </a:rPr>
-              <a:t>is </a:t>
-            </a:r>
-            <a:r>
-              <a:rPr lang="en-US" sz="2500" smtClean="0">
-                <a:solidFill>
-                  <a:srgbClr val="FF0000"/>
-                </a:solidFill>
-              </a:rPr>
-              <a:t>large and probabilities are small, </a:t>
+              <a:t>is large and probabilities are small, </a:t>
             </a:r>
             <a:r>
               <a:rPr lang="en-US" sz="2500" dirty="0" smtClean="0">
@@ -17839,14 +17628,10 @@
             </a:pPr>
             <a:r>
               <a:rPr lang="en-US" sz="2800" dirty="0"/>
-              <a:t>Multinomial </a:t>
+              <a:t>Multinomial naive </a:t>
             </a:r>
             <a:r>
-              <a:rPr lang="en-US" sz="2800"/>
-              <a:t>naive </a:t>
-            </a:r>
-            <a:r>
-              <a:rPr lang="en-US" sz="2800" smtClean="0"/>
+              <a:rPr lang="en-US" sz="2800" dirty="0" smtClean="0"/>
               <a:t>Bayes</a:t>
             </a:r>
           </a:p>
@@ -17857,17 +17642,22 @@
               </a:spcBef>
             </a:pPr>
             <a:r>
-              <a:rPr lang="en-US"/>
+              <a:rPr lang="en-US" dirty="0"/>
               <a:t>Use if data are </a:t>
             </a:r>
             <a:r>
-              <a:rPr lang="en-US" b="1" i="1"/>
+              <a:rPr lang="en-US" b="1" i="1" dirty="0"/>
               <a:t>discrete </a:t>
             </a:r>
             <a:r>
-              <a:rPr lang="en-US"/>
-              <a:t>random variable, text classification</a:t>
+              <a:rPr lang="en-US" dirty="0"/>
+              <a:t>random variable, </a:t>
             </a:r>
+            <a:r>
+              <a:rPr lang="en-US" dirty="0" smtClean="0"/>
+              <a:t>text classification</a:t>
+            </a:r>
+            <a:endParaRPr lang="en-US" dirty="0"/>
           </a:p>
           <a:p>
             <a:pPr marL="228600" lvl="1">
@@ -17876,7 +17666,7 @@
               </a:spcBef>
             </a:pPr>
             <a:r>
-              <a:rPr lang="en-US" sz="2800" smtClean="0"/>
+              <a:rPr lang="en-US" sz="2800" dirty="0" smtClean="0"/>
               <a:t>Bernoulli naive Bayes</a:t>
             </a:r>
           </a:p>
@@ -17887,23 +17677,19 @@
               </a:spcBef>
             </a:pPr>
             <a:r>
-              <a:rPr lang="en-US" smtClean="0"/>
-              <a:t>Use </a:t>
-            </a:r>
-            <a:r>
               <a:rPr lang="en-US" dirty="0" smtClean="0"/>
-              <a:t>if data are </a:t>
+              <a:t>Use if data are </a:t>
             </a:r>
             <a:r>
               <a:rPr lang="en-US" b="1" i="1" dirty="0" smtClean="0"/>
               <a:t>discrete </a:t>
             </a:r>
             <a:r>
-              <a:rPr lang="en-US"/>
+              <a:rPr lang="en-US" dirty="0"/>
               <a:t>random </a:t>
             </a:r>
             <a:r>
-              <a:rPr lang="en-US" smtClean="0"/>
+              <a:rPr lang="en-US" dirty="0" smtClean="0"/>
               <a:t>variable, text classification </a:t>
             </a:r>
             <a:r>
@@ -18412,8 +18198,8 @@
           </a:p>
         </p:txBody>
       </p:sp>
-      <mc:AlternateContent xmlns:mc="http://schemas.openxmlformats.org/markup-compatibility/2006">
-        <mc:Choice xmlns:a14="http://schemas.microsoft.com/office/drawing/2010/main" Requires="a14">
+      <mc:AlternateContent xmlns:mc="http://schemas.openxmlformats.org/markup-compatibility/2006" xmlns:a14="http://schemas.microsoft.com/office/drawing/2010/main">
+        <mc:Choice Requires="a14">
           <p:sp>
             <p:nvSpPr>
               <p:cNvPr id="6" name="TextBox 5"/>
@@ -18869,7 +18655,7 @@
             </p:txBody>
           </p:sp>
         </mc:Choice>
-        <mc:Fallback>
+        <mc:Fallback xmlns="">
           <p:sp>
             <p:nvSpPr>
               <p:cNvPr id="6" name="TextBox 5"/>
@@ -19261,8 +19047,8 @@
           </a:fontRef>
         </p:style>
       </p:cxnSp>
-      <mc:AlternateContent xmlns:mc="http://schemas.openxmlformats.org/markup-compatibility/2006">
-        <mc:Choice xmlns:a14="http://schemas.microsoft.com/office/drawing/2010/main" Requires="a14">
+      <mc:AlternateContent xmlns:mc="http://schemas.openxmlformats.org/markup-compatibility/2006" xmlns:a14="http://schemas.microsoft.com/office/drawing/2010/main">
+        <mc:Choice Requires="a14">
           <p:sp>
             <p:nvSpPr>
               <p:cNvPr id="3" name="TextBox 2"/>
@@ -19272,7 +19058,7 @@
             <p:spPr>
               <a:xfrm>
                 <a:off x="5926527" y="2765136"/>
-                <a:ext cx="2033890" cy="756233"/>
+                <a:ext cx="2245487" cy="756233"/>
               </a:xfrm>
               <a:prstGeom prst="rect">
                 <a:avLst/>
@@ -19285,6 +19071,7 @@
               </a:bodyPr>
               <a:lstStyle/>
               <a:p>
+                <a:pPr/>
                 <a14:m>
                   <m:oMathPara xmlns:m="http://schemas.openxmlformats.org/officeDocument/2006/math">
                     <m:oMathParaPr>
@@ -19331,6 +19118,31 @@
                         </a:rPr>
                         <m:t>=</m:t>
                       </m:r>
+                      <m:f>
+                        <m:fPr>
+                          <m:ctrlPr>
+                            <a:rPr lang="en-US" b="0" i="1" smtClean="0">
+                              <a:latin typeface="Cambria Math" panose="02040503050406030204" pitchFamily="18" charset="0"/>
+                            </a:rPr>
+                          </m:ctrlPr>
+                        </m:fPr>
+                        <m:num>
+                          <m:r>
+                            <a:rPr lang="en-US" b="0" i="1" smtClean="0">
+                              <a:latin typeface="Cambria Math" panose="02040503050406030204" pitchFamily="18" charset="0"/>
+                            </a:rPr>
+                            <m:t>1</m:t>
+                          </m:r>
+                        </m:num>
+                        <m:den>
+                          <m:r>
+                            <a:rPr lang="en-US" b="0" i="1" smtClean="0">
+                              <a:latin typeface="Cambria Math" panose="02040503050406030204" pitchFamily="18" charset="0"/>
+                            </a:rPr>
+                            <m:t>𝑛</m:t>
+                          </m:r>
+                        </m:den>
+                      </m:f>
                       <m:nary>
                         <m:naryPr>
                           <m:chr m:val="∑"/>
@@ -19366,125 +19178,106 @@
                           </m:r>
                         </m:sup>
                         <m:e>
-                          <m:f>
-                            <m:fPr>
+                          <m:sSup>
+                            <m:sSupPr>
                               <m:ctrlPr>
-                                <a:rPr lang="en-US" b="0" i="1" smtClean="0">
+                                <a:rPr lang="en-US" i="1">
                                   <a:latin typeface="Cambria Math" panose="02040503050406030204" pitchFamily="18" charset="0"/>
                                 </a:rPr>
                               </m:ctrlPr>
-                            </m:fPr>
-                            <m:num>
-                              <m:sSup>
-                                <m:sSupPr>
+                            </m:sSupPr>
+                            <m:e>
+                              <m:d>
+                                <m:dPr>
                                   <m:ctrlPr>
                                     <a:rPr lang="en-US" i="1">
                                       <a:latin typeface="Cambria Math" panose="02040503050406030204" pitchFamily="18" charset="0"/>
                                     </a:rPr>
                                   </m:ctrlPr>
-                                </m:sSupPr>
+                                </m:dPr>
                                 <m:e>
-                                  <m:d>
-                                    <m:dPr>
+                                  <m:sSub>
+                                    <m:sSubPr>
                                       <m:ctrlPr>
                                         <a:rPr lang="en-US" i="1">
                                           <a:latin typeface="Cambria Math" panose="02040503050406030204" pitchFamily="18" charset="0"/>
                                         </a:rPr>
                                       </m:ctrlPr>
-                                    </m:dPr>
+                                    </m:sSubPr>
                                     <m:e>
-                                      <m:sSub>
-                                        <m:sSubPr>
-                                          <m:ctrlPr>
-                                            <a:rPr lang="en-US" i="1">
-                                              <a:latin typeface="Cambria Math" panose="02040503050406030204" pitchFamily="18" charset="0"/>
-                                            </a:rPr>
-                                          </m:ctrlPr>
-                                        </m:sSubPr>
-                                        <m:e>
-                                          <m:r>
-                                            <a:rPr lang="en-US" i="1">
-                                              <a:latin typeface="Cambria Math" panose="02040503050406030204" pitchFamily="18" charset="0"/>
-                                            </a:rPr>
-                                            <m:t>𝑥</m:t>
-                                          </m:r>
-                                        </m:e>
-                                        <m:sub>
-                                          <m:r>
-                                            <a:rPr lang="en-US" i="1">
-                                              <a:latin typeface="Cambria Math" panose="02040503050406030204" pitchFamily="18" charset="0"/>
-                                            </a:rPr>
-                                            <m:t>𝑖</m:t>
-                                          </m:r>
-                                        </m:sub>
-                                      </m:sSub>
                                       <m:r>
                                         <a:rPr lang="en-US" i="1">
                                           <a:latin typeface="Cambria Math" panose="02040503050406030204" pitchFamily="18" charset="0"/>
                                         </a:rPr>
-                                        <m:t>−</m:t>
+                                        <m:t>𝑥</m:t>
                                       </m:r>
-                                      <m:sSub>
-                                        <m:sSubPr>
-                                          <m:ctrlPr>
-                                            <a:rPr lang="en-US" i="1">
-                                              <a:latin typeface="Cambria Math" panose="02040503050406030204" pitchFamily="18" charset="0"/>
-                                              <a:ea typeface="Cambria Math" panose="02040503050406030204" pitchFamily="18" charset="0"/>
-                                            </a:rPr>
-                                          </m:ctrlPr>
-                                        </m:sSubPr>
-                                        <m:e>
-                                          <m:r>
-                                            <a:rPr lang="en-US" i="1">
-                                              <a:latin typeface="Cambria Math" panose="02040503050406030204" pitchFamily="18" charset="0"/>
-                                              <a:ea typeface="Cambria Math" panose="02040503050406030204" pitchFamily="18" charset="0"/>
-                                            </a:rPr>
-                                            <m:t>𝜇</m:t>
-                                          </m:r>
-                                        </m:e>
-                                        <m:sub>
-                                          <m:r>
-                                            <a:rPr lang="en-US" i="1">
-                                              <a:latin typeface="Cambria Math" panose="02040503050406030204" pitchFamily="18" charset="0"/>
-                                              <a:ea typeface="Cambria Math" panose="02040503050406030204" pitchFamily="18" charset="0"/>
-                                            </a:rPr>
-                                            <m:t>𝑐𝑖</m:t>
-                                          </m:r>
-                                        </m:sub>
-                                      </m:sSub>
                                     </m:e>
-                                  </m:d>
-                                </m:e>
-                                <m:sup>
+                                    <m:sub>
+                                      <m:r>
+                                        <a:rPr lang="en-US" i="1">
+                                          <a:latin typeface="Cambria Math" panose="02040503050406030204" pitchFamily="18" charset="0"/>
+                                        </a:rPr>
+                                        <m:t>𝑖</m:t>
+                                      </m:r>
+                                    </m:sub>
+                                  </m:sSub>
                                   <m:r>
                                     <a:rPr lang="en-US" i="1">
                                       <a:latin typeface="Cambria Math" panose="02040503050406030204" pitchFamily="18" charset="0"/>
                                     </a:rPr>
-                                    <m:t>2</m:t>
+                                    <m:t>−</m:t>
                                   </m:r>
-                                </m:sup>
-                              </m:sSup>
-                            </m:num>
-                            <m:den>
+                                  <m:sSub>
+                                    <m:sSubPr>
+                                      <m:ctrlPr>
+                                        <a:rPr lang="en-US" i="1">
+                                          <a:latin typeface="Cambria Math" panose="02040503050406030204" pitchFamily="18" charset="0"/>
+                                          <a:ea typeface="Cambria Math" panose="02040503050406030204" pitchFamily="18" charset="0"/>
+                                        </a:rPr>
+                                      </m:ctrlPr>
+                                    </m:sSubPr>
+                                    <m:e>
+                                      <m:r>
+                                        <a:rPr lang="en-US" i="1">
+                                          <a:latin typeface="Cambria Math" panose="02040503050406030204" pitchFamily="18" charset="0"/>
+                                          <a:ea typeface="Cambria Math" panose="02040503050406030204" pitchFamily="18" charset="0"/>
+                                        </a:rPr>
+                                        <m:t>𝜇</m:t>
+                                      </m:r>
+                                    </m:e>
+                                    <m:sub>
+                                      <m:r>
+                                        <a:rPr lang="en-US" i="1">
+                                          <a:latin typeface="Cambria Math" panose="02040503050406030204" pitchFamily="18" charset="0"/>
+                                          <a:ea typeface="Cambria Math" panose="02040503050406030204" pitchFamily="18" charset="0"/>
+                                        </a:rPr>
+                                        <m:t>𝑐𝑖</m:t>
+                                      </m:r>
+                                    </m:sub>
+                                  </m:sSub>
+                                </m:e>
+                              </m:d>
+                            </m:e>
+                            <m:sup>
                               <m:r>
-                                <a:rPr lang="en-US" b="0" i="1" smtClean="0">
+                                <a:rPr lang="en-US" i="1">
                                   <a:latin typeface="Cambria Math" panose="02040503050406030204" pitchFamily="18" charset="0"/>
                                 </a:rPr>
-                                <m:t>𝑛</m:t>
+                                <m:t>2</m:t>
                               </m:r>
-                            </m:den>
-                          </m:f>
+                            </m:sup>
+                          </m:sSup>
                         </m:e>
                       </m:nary>
                     </m:oMath>
                   </m:oMathPara>
                 </a14:m>
-                <a:endParaRPr lang="en-US"/>
+                <a:endParaRPr lang="en-US" dirty="0"/>
               </a:p>
             </p:txBody>
           </p:sp>
         </mc:Choice>
-        <mc:Fallback>
+        <mc:Fallback xmlns="">
           <p:sp>
             <p:nvSpPr>
               <p:cNvPr id="3" name="TextBox 2"/>
@@ -19496,7 +19289,7 @@
             <p:spPr>
               <a:xfrm>
                 <a:off x="5926527" y="2765136"/>
-                <a:ext cx="2033890" cy="756233"/>
+                <a:ext cx="2245487" cy="756233"/>
               </a:xfrm>
               <a:prstGeom prst="rect">
                 <a:avLst/>
@@ -19523,8 +19316,8 @@
           </p:sp>
         </mc:Fallback>
       </mc:AlternateContent>
-      <mc:AlternateContent xmlns:mc="http://schemas.openxmlformats.org/markup-compatibility/2006">
-        <mc:Choice xmlns:a14="http://schemas.microsoft.com/office/drawing/2010/main" Requires="a14">
+      <mc:AlternateContent xmlns:mc="http://schemas.openxmlformats.org/markup-compatibility/2006" xmlns:a14="http://schemas.microsoft.com/office/drawing/2010/main">
+        <mc:Choice Requires="a14">
           <p:sp>
             <p:nvSpPr>
               <p:cNvPr id="11" name="TextBox 10"/>
@@ -19547,6 +19340,7 @@
               </a:bodyPr>
               <a:lstStyle/>
               <a:p>
+                <a:pPr/>
                 <a14:m>
                   <m:oMathPara xmlns:m="http://schemas.openxmlformats.org/officeDocument/2006/math">
                     <m:oMathParaPr>
@@ -19693,7 +19487,7 @@
             </p:txBody>
           </p:sp>
         </mc:Choice>
-        <mc:Fallback>
+        <mc:Fallback xmlns="">
           <p:sp>
             <p:nvSpPr>
               <p:cNvPr id="11" name="TextBox 10"/>
@@ -20224,8 +20018,8 @@
           </a:p>
         </p:txBody>
       </p:sp>
-      <mc:AlternateContent xmlns:mc="http://schemas.openxmlformats.org/markup-compatibility/2006">
-        <mc:Choice xmlns:a14="http://schemas.microsoft.com/office/drawing/2010/main" Requires="a14">
+      <mc:AlternateContent xmlns:mc="http://schemas.openxmlformats.org/markup-compatibility/2006" xmlns:a14="http://schemas.microsoft.com/office/drawing/2010/main">
+        <mc:Choice Requires="a14">
           <p:sp>
             <p:nvSpPr>
               <p:cNvPr id="7" name="TextBox 6"/>
@@ -20248,6 +20042,7 @@
               </a:bodyPr>
               <a:lstStyle/>
               <a:p>
+                <a:pPr/>
                 <a14:m>
                   <m:oMathPara xmlns:m="http://schemas.openxmlformats.org/officeDocument/2006/math">
                     <m:oMathParaPr>
@@ -20418,12 +20213,12 @@
                     </m:oMath>
                   </m:oMathPara>
                 </a14:m>
-                <a:endParaRPr lang="en-US"/>
+                <a:endParaRPr lang="en-US" dirty="0"/>
               </a:p>
             </p:txBody>
           </p:sp>
         </mc:Choice>
-        <mc:Fallback>
+        <mc:Fallback xmlns="">
           <p:sp>
             <p:nvSpPr>
               <p:cNvPr id="7" name="TextBox 6"/>
@@ -20485,14 +20280,14 @@
           <a:lstStyle/>
           <a:p>
             <a:r>
-              <a:rPr lang="en-US" sz="2500" smtClean="0">
+              <a:rPr lang="en-US" sz="2500" dirty="0" smtClean="0">
                 <a:latin typeface="Cambria Math" panose="02040503050406030204" pitchFamily="18" charset="0"/>
                 <a:ea typeface="Cambria Math" panose="02040503050406030204" pitchFamily="18" charset="0"/>
               </a:rPr>
               <a:t>Apply “</a:t>
             </a:r>
             <a:r>
-              <a:rPr lang="en-US" sz="2500" smtClean="0">
+              <a:rPr lang="en-US" sz="2500" dirty="0" smtClean="0">
                 <a:solidFill>
                   <a:srgbClr val="FF0000"/>
                 </a:solidFill>
@@ -20502,13 +20297,13 @@
               <a:t>Bag of words</a:t>
             </a:r>
             <a:r>
-              <a:rPr lang="en-US" sz="2500" smtClean="0">
+              <a:rPr lang="en-US" sz="2500" dirty="0" smtClean="0">
                 <a:latin typeface="Cambria Math" panose="02040503050406030204" pitchFamily="18" charset="0"/>
                 <a:ea typeface="Cambria Math" panose="02040503050406030204" pitchFamily="18" charset="0"/>
               </a:rPr>
               <a:t>” idea:</a:t>
             </a:r>
-            <a:endParaRPr lang="en-US" sz="2500">
+            <a:endParaRPr lang="en-US" sz="2500" dirty="0">
               <a:latin typeface="Cambria Math" panose="02040503050406030204" pitchFamily="18" charset="0"/>
               <a:ea typeface="Cambria Math" panose="02040503050406030204" pitchFamily="18" charset="0"/>
             </a:endParaRPr>
@@ -20526,7 +20321,7 @@
             <p:spPr>
               <a:xfrm>
                 <a:off x="2569830" y="1996885"/>
-                <a:ext cx="5760616" cy="719428"/>
+                <a:ext cx="6482737" cy="719428"/>
               </a:xfrm>
               <a:prstGeom prst="rect">
                 <a:avLst/>
@@ -20570,7 +20365,7 @@
                                 <a:rPr lang="en-US" b="0" i="1" smtClean="0">
                                   <a:latin typeface="Cambria Math" panose="02040503050406030204" pitchFamily="18" charset="0"/>
                                 </a:rPr>
-                                <m:t>𝑋</m:t>
+                                <m:t>𝑉</m:t>
                               </m:r>
                               <m:r>
                                 <a:rPr lang="en-US" b="0" i="1" smtClean="0">
@@ -20602,7 +20397,7 @@
                                         <a:rPr lang="en-US" b="0" i="1" smtClean="0">
                                           <a:latin typeface="Cambria Math" panose="02040503050406030204" pitchFamily="18" charset="0"/>
                                         </a:rPr>
-                                        <m:t>𝑥</m:t>
+                                        <m:t>𝑤</m:t>
                                       </m:r>
                                     </m:e>
                                     <m:sub>
@@ -20633,7 +20428,7 @@
                                         <a:rPr lang="en-US" b="0" i="1" smtClean="0">
                                           <a:latin typeface="Cambria Math" panose="02040503050406030204" pitchFamily="18" charset="0"/>
                                         </a:rPr>
-                                        <m:t>𝑥</m:t>
+                                        <m:t>𝑤</m:t>
                                       </m:r>
                                     </m:e>
                                     <m:sub>
@@ -20664,7 +20459,7 @@
                                         <a:rPr lang="en-US" b="0" i="1" smtClean="0">
                                           <a:latin typeface="Cambria Math" panose="02040503050406030204" pitchFamily="18" charset="0"/>
                                         </a:rPr>
-                                        <m:t>𝑥</m:t>
+                                        <m:t>𝑤</m:t>
                                       </m:r>
                                     </m:e>
                                     <m:sub>
@@ -20761,6 +20556,124 @@
                                   </m:ctrlPr>
                                 </m:sSubPr>
                                 <m:e>
+                                  <m:r>
+                                    <a:rPr lang="en-US" b="0" i="1" smtClean="0">
+                                      <a:latin typeface="Cambria Math" panose="02040503050406030204" pitchFamily="18" charset="0"/>
+                                    </a:rPr>
+                                    <m:t>𝑋</m:t>
+                                  </m:r>
+                                  <m:r>
+                                    <a:rPr lang="en-US" b="0" i="1" smtClean="0">
+                                      <a:latin typeface="Cambria Math" panose="02040503050406030204" pitchFamily="18" charset="0"/>
+                                    </a:rPr>
+                                    <m:t>=</m:t>
+                                  </m:r>
+                                  <m:d>
+                                    <m:dPr>
+                                      <m:begChr m:val="{"/>
+                                      <m:endChr m:val="}"/>
+                                      <m:ctrlPr>
+                                        <a:rPr lang="en-US" b="0" i="1" smtClean="0">
+                                          <a:latin typeface="Cambria Math" panose="02040503050406030204" pitchFamily="18" charset="0"/>
+                                        </a:rPr>
+                                      </m:ctrlPr>
+                                    </m:dPr>
+                                    <m:e>
+                                      <m:sSub>
+                                        <m:sSubPr>
+                                          <m:ctrlPr>
+                                            <a:rPr lang="en-US" b="0" i="1" smtClean="0">
+                                              <a:latin typeface="Cambria Math" panose="02040503050406030204" pitchFamily="18" charset="0"/>
+                                            </a:rPr>
+                                          </m:ctrlPr>
+                                        </m:sSubPr>
+                                        <m:e>
+                                          <m:r>
+                                            <a:rPr lang="en-US" b="0" i="1" smtClean="0">
+                                              <a:latin typeface="Cambria Math" panose="02040503050406030204" pitchFamily="18" charset="0"/>
+                                            </a:rPr>
+                                            <m:t>𝑥</m:t>
+                                          </m:r>
+                                        </m:e>
+                                        <m:sub>
+                                          <m:r>
+                                            <a:rPr lang="en-US" b="0" i="1" smtClean="0">
+                                              <a:latin typeface="Cambria Math" panose="02040503050406030204" pitchFamily="18" charset="0"/>
+                                            </a:rPr>
+                                            <m:t>1</m:t>
+                                          </m:r>
+                                        </m:sub>
+                                      </m:sSub>
+                                      <m:r>
+                                        <a:rPr lang="en-US" b="0" i="1" smtClean="0">
+                                          <a:latin typeface="Cambria Math" panose="02040503050406030204" pitchFamily="18" charset="0"/>
+                                        </a:rPr>
+                                        <m:t>,</m:t>
+                                      </m:r>
+                                      <m:sSub>
+                                        <m:sSubPr>
+                                          <m:ctrlPr>
+                                            <a:rPr lang="en-US" b="0" i="1" smtClean="0">
+                                              <a:latin typeface="Cambria Math" panose="02040503050406030204" pitchFamily="18" charset="0"/>
+                                            </a:rPr>
+                                          </m:ctrlPr>
+                                        </m:sSubPr>
+                                        <m:e>
+                                          <m:r>
+                                            <a:rPr lang="en-US" b="0" i="1" smtClean="0">
+                                              <a:latin typeface="Cambria Math" panose="02040503050406030204" pitchFamily="18" charset="0"/>
+                                            </a:rPr>
+                                            <m:t>𝑥</m:t>
+                                          </m:r>
+                                        </m:e>
+                                        <m:sub>
+                                          <m:r>
+                                            <a:rPr lang="en-US" b="0" i="1" smtClean="0">
+                                              <a:latin typeface="Cambria Math" panose="02040503050406030204" pitchFamily="18" charset="0"/>
+                                            </a:rPr>
+                                            <m:t>2</m:t>
+                                          </m:r>
+                                        </m:sub>
+                                      </m:sSub>
+                                      <m:r>
+                                        <a:rPr lang="en-US" b="0" i="1" smtClean="0">
+                                          <a:latin typeface="Cambria Math" panose="02040503050406030204" pitchFamily="18" charset="0"/>
+                                        </a:rPr>
+                                        <m:t>,. ..,</m:t>
+                                      </m:r>
+                                      <m:sSub>
+                                        <m:sSubPr>
+                                          <m:ctrlPr>
+                                            <a:rPr lang="en-US" b="0" i="1" smtClean="0">
+                                              <a:latin typeface="Cambria Math" panose="02040503050406030204" pitchFamily="18" charset="0"/>
+                                            </a:rPr>
+                                          </m:ctrlPr>
+                                        </m:sSubPr>
+                                        <m:e>
+                                          <m:r>
+                                            <a:rPr lang="en-US" b="0" i="1" smtClean="0">
+                                              <a:latin typeface="Cambria Math" panose="02040503050406030204" pitchFamily="18" charset="0"/>
+                                            </a:rPr>
+                                            <m:t>𝑥</m:t>
+                                          </m:r>
+                                        </m:e>
+                                        <m:sub>
+                                          <m:r>
+                                            <a:rPr lang="en-US" b="0" i="1" smtClean="0">
+                                              <a:latin typeface="Cambria Math" panose="02040503050406030204" pitchFamily="18" charset="0"/>
+                                            </a:rPr>
+                                            <m:t>𝑑</m:t>
+                                          </m:r>
+                                        </m:sub>
+                                      </m:sSub>
+                                    </m:e>
+                                  </m:d>
+                                  <m:r>
+                                    <a:rPr lang="en-US" b="0" i="1" smtClean="0">
+                                      <a:latin typeface="Cambria Math" panose="02040503050406030204" pitchFamily="18" charset="0"/>
+                                    </a:rPr>
+                                    <m:t>,</m:t>
+                                  </m:r>
                                   <m:r>
                                     <a:rPr lang="en-US" b="0" i="1" smtClean="0">
                                       <a:latin typeface="Cambria Math" panose="02040503050406030204" pitchFamily="18" charset="0"/>
@@ -20869,7 +20782,7 @@
                     </m:oMath>
                   </m:oMathPara>
                 </a14:m>
-                <a:endParaRPr lang="en-US"/>
+                <a:endParaRPr lang="en-US" dirty="0"/>
               </a:p>
             </p:txBody>
           </p:sp>
@@ -20886,7 +20799,7 @@
             <p:spPr>
               <a:xfrm>
                 <a:off x="2569830" y="1996885"/>
-                <a:ext cx="5760616" cy="719428"/>
+                <a:ext cx="6482737" cy="719428"/>
               </a:xfrm>
               <a:prstGeom prst="rect">
                 <a:avLst/>
@@ -20974,8 +20887,8 @@
           </a:p>
         </p:txBody>
       </p:sp>
-      <mc:AlternateContent xmlns:mc="http://schemas.openxmlformats.org/markup-compatibility/2006">
-        <mc:Choice xmlns:a14="http://schemas.microsoft.com/office/drawing/2010/main" Requires="a14">
+      <mc:AlternateContent xmlns:mc="http://schemas.openxmlformats.org/markup-compatibility/2006" xmlns:a14="http://schemas.microsoft.com/office/drawing/2010/main">
+        <mc:Choice Requires="a14">
           <p:sp>
             <p:nvSpPr>
               <p:cNvPr id="13" name="TextBox 12"/>
@@ -20985,7 +20898,7 @@
             <p:spPr>
               <a:xfrm>
                 <a:off x="1919334" y="4143409"/>
-                <a:ext cx="6925742" cy="374270"/>
+                <a:ext cx="5752793" cy="374270"/>
               </a:xfrm>
               <a:prstGeom prst="rect">
                 <a:avLst/>
@@ -21028,11 +20941,11 @@
                   </m:oMath>
                 </a14:m>
                 <a:r>
-                  <a:rPr lang="en-US" smtClean="0"/>
+                  <a:rPr lang="en-US" dirty="0" smtClean="0"/>
                   <a:t>: </a:t>
                 </a:r>
                 <a:r>
-                  <a:rPr lang="en-US" smtClean="0">
+                  <a:rPr lang="en-US" dirty="0" smtClean="0">
                     <a:latin typeface="Cambria Math" panose="02040503050406030204" pitchFamily="18" charset="0"/>
                     <a:ea typeface="Cambria Math" panose="02040503050406030204" pitchFamily="18" charset="0"/>
                   </a:rPr>
@@ -21071,13 +20984,13 @@
                   </m:oMath>
                 </a14:m>
                 <a:r>
-                  <a:rPr lang="en-US" smtClean="0">
+                  <a:rPr lang="en-US" dirty="0" smtClean="0">
                     <a:latin typeface="Cambria Math" panose="02040503050406030204" pitchFamily="18" charset="0"/>
                     <a:ea typeface="Cambria Math" panose="02040503050406030204" pitchFamily="18" charset="0"/>
                   </a:rPr>
-                  <a:t>(testing data) words that appearing in class C</a:t>
+                  <a:t> words that appearing in class C</a:t>
                 </a:r>
-                <a:endParaRPr lang="en-US">
+                <a:endParaRPr lang="en-US" dirty="0">
                   <a:latin typeface="Cambria Math" panose="02040503050406030204" pitchFamily="18" charset="0"/>
                   <a:ea typeface="Cambria Math" panose="02040503050406030204" pitchFamily="18" charset="0"/>
                 </a:endParaRPr>
@@ -21085,7 +20998,7 @@
             </p:txBody>
           </p:sp>
         </mc:Choice>
-        <mc:Fallback>
+        <mc:Fallback xmlns="">
           <p:sp>
             <p:nvSpPr>
               <p:cNvPr id="13" name="TextBox 12"/>
@@ -21097,7 +21010,7 @@
             <p:spPr>
               <a:xfrm>
                 <a:off x="1919334" y="4143409"/>
-                <a:ext cx="6925742" cy="374270"/>
+                <a:ext cx="5752793" cy="374270"/>
               </a:xfrm>
               <a:prstGeom prst="rect">
                 <a:avLst/>
@@ -21124,8 +21037,8 @@
           </p:sp>
         </mc:Fallback>
       </mc:AlternateContent>
-      <mc:AlternateContent xmlns:mc="http://schemas.openxmlformats.org/markup-compatibility/2006">
-        <mc:Choice xmlns:a14="http://schemas.microsoft.com/office/drawing/2010/main" Requires="a14">
+      <mc:AlternateContent xmlns:mc="http://schemas.openxmlformats.org/markup-compatibility/2006" xmlns:a14="http://schemas.microsoft.com/office/drawing/2010/main">
+        <mc:Choice Requires="a14">
           <p:sp>
             <p:nvSpPr>
               <p:cNvPr id="14" name="TextBox 13"/>
@@ -21196,7 +21109,7 @@
             </p:txBody>
           </p:sp>
         </mc:Choice>
-        <mc:Fallback>
+        <mc:Fallback xmlns="">
           <p:sp>
             <p:nvSpPr>
               <p:cNvPr id="14" name="TextBox 13"/>
@@ -21235,8 +21148,8 @@
           </p:sp>
         </mc:Fallback>
       </mc:AlternateContent>
-      <mc:AlternateContent xmlns:mc="http://schemas.openxmlformats.org/markup-compatibility/2006">
-        <mc:Choice xmlns:a14="http://schemas.microsoft.com/office/drawing/2010/main" Requires="a14">
+      <mc:AlternateContent xmlns:mc="http://schemas.openxmlformats.org/markup-compatibility/2006" xmlns:a14="http://schemas.microsoft.com/office/drawing/2010/main">
+        <mc:Choice Requires="a14">
           <p:sp>
             <p:nvSpPr>
               <p:cNvPr id="15" name="TextBox 14"/>
@@ -21259,6 +21172,7 @@
               </a:bodyPr>
               <a:lstStyle/>
               <a:p>
+                <a:pPr/>
                 <a14:m>
                   <m:oMathPara xmlns:m="http://schemas.openxmlformats.org/officeDocument/2006/math">
                     <m:oMathParaPr>
@@ -21449,7 +21363,7 @@
             </p:txBody>
           </p:sp>
         </mc:Choice>
-        <mc:Fallback>
+        <mc:Fallback xmlns="">
           <p:sp>
             <p:nvSpPr>
               <p:cNvPr id="15" name="TextBox 14"/>
@@ -22044,7 +21958,7 @@
         </p:nvSpPr>
         <p:spPr>
           <a:xfrm>
-            <a:off x="1412341" y="4517679"/>
+            <a:off x="1403714" y="4224458"/>
             <a:ext cx="184731" cy="369332"/>
           </a:xfrm>
           <a:prstGeom prst="rect">
@@ -22062,8 +21976,8 @@
           </a:p>
         </p:txBody>
       </p:sp>
-      <mc:AlternateContent xmlns:mc="http://schemas.openxmlformats.org/markup-compatibility/2006">
-        <mc:Choice xmlns:a14="http://schemas.microsoft.com/office/drawing/2010/main" Requires="a14">
+      <mc:AlternateContent xmlns:mc="http://schemas.openxmlformats.org/markup-compatibility/2006" xmlns:a14="http://schemas.microsoft.com/office/drawing/2010/main">
+        <mc:Choice Requires="a14">
           <p:sp>
             <p:nvSpPr>
               <p:cNvPr id="16" name="TextBox 15"/>
@@ -22289,7 +22203,7 @@
             </p:txBody>
           </p:sp>
         </mc:Choice>
-        <mc:Fallback>
+        <mc:Fallback xmlns="">
           <p:sp>
             <p:nvSpPr>
               <p:cNvPr id="16" name="TextBox 15"/>
@@ -22328,8 +22242,8 @@
           </p:sp>
         </mc:Fallback>
       </mc:AlternateContent>
-      <mc:AlternateContent xmlns:mc="http://schemas.openxmlformats.org/markup-compatibility/2006">
-        <mc:Choice xmlns:a14="http://schemas.microsoft.com/office/drawing/2010/main" Requires="a14">
+      <mc:AlternateContent xmlns:mc="http://schemas.openxmlformats.org/markup-compatibility/2006" xmlns:a14="http://schemas.microsoft.com/office/drawing/2010/main">
+        <mc:Choice Requires="a14">
           <p:sp>
             <p:nvSpPr>
               <p:cNvPr id="3" name="TextBox 2"/>
@@ -22338,7 +22252,7 @@
             </p:nvSpPr>
             <p:spPr>
               <a:xfrm>
-                <a:off x="1002040" y="4002222"/>
+                <a:off x="993413" y="3709001"/>
                 <a:ext cx="2738057" cy="477054"/>
               </a:xfrm>
               <a:prstGeom prst="rect">
@@ -22415,7 +22329,7 @@
             </p:txBody>
           </p:sp>
         </mc:Choice>
-        <mc:Fallback>
+        <mc:Fallback xmlns="">
           <p:sp>
             <p:nvSpPr>
               <p:cNvPr id="3" name="TextBox 2"/>
@@ -22426,7 +22340,7 @@
             </p:nvSpPr>
             <p:spPr>
               <a:xfrm>
-                <a:off x="1002040" y="4002222"/>
+                <a:off x="993413" y="3709001"/>
                 <a:ext cx="2738057" cy="477054"/>
               </a:xfrm>
               <a:prstGeom prst="rect">
@@ -22435,7 +22349,7 @@
               <a:blipFill rotWithShape="0">
                 <a:blip r:embed="rId4"/>
                 <a:stretch>
-                  <a:fillRect l="-3556" t="-12821" b="-28205"/>
+                  <a:fillRect l="-3786" t="-11392" b="-26582"/>
                 </a:stretch>
               </a:blipFill>
             </p:spPr>
@@ -22454,8 +22368,8 @@
           </p:sp>
         </mc:Fallback>
       </mc:AlternateContent>
-      <mc:AlternateContent xmlns:mc="http://schemas.openxmlformats.org/markup-compatibility/2006">
-        <mc:Choice xmlns:a14="http://schemas.microsoft.com/office/drawing/2010/main" Requires="a14">
+      <mc:AlternateContent xmlns:mc="http://schemas.openxmlformats.org/markup-compatibility/2006" xmlns:a14="http://schemas.microsoft.com/office/drawing/2010/main">
+        <mc:Choice Requires="a14">
           <p:sp>
             <p:nvSpPr>
               <p:cNvPr id="6" name="TextBox 5"/>
@@ -22464,7 +22378,7 @@
             </p:nvSpPr>
             <p:spPr>
               <a:xfrm>
-                <a:off x="3956363" y="4054703"/>
+                <a:off x="3947736" y="3761482"/>
                 <a:ext cx="3179332" cy="384721"/>
               </a:xfrm>
               <a:prstGeom prst="rect">
@@ -22535,7 +22449,7 @@
             </p:txBody>
           </p:sp>
         </mc:Choice>
-        <mc:Fallback>
+        <mc:Fallback xmlns="">
           <p:sp>
             <p:nvSpPr>
               <p:cNvPr id="6" name="TextBox 5"/>
@@ -22546,7 +22460,7 @@
             </p:nvSpPr>
             <p:spPr>
               <a:xfrm>
-                <a:off x="3956363" y="4054703"/>
+                <a:off x="3947736" y="3761482"/>
                 <a:ext cx="3179332" cy="384721"/>
               </a:xfrm>
               <a:prstGeom prst="rect">
@@ -22555,7 +22469,7 @@
               <a:blipFill rotWithShape="0">
                 <a:blip r:embed="rId5"/>
                 <a:stretch>
-                  <a:fillRect l="-2874" t="-23810" r="-5556" b="-50794"/>
+                  <a:fillRect l="-2879" t="-23810" r="-5566" b="-50794"/>
                 </a:stretch>
               </a:blipFill>
             </p:spPr>
@@ -22574,8 +22488,8 @@
           </p:sp>
         </mc:Fallback>
       </mc:AlternateContent>
-      <mc:AlternateContent xmlns:mc="http://schemas.openxmlformats.org/markup-compatibility/2006">
-        <mc:Choice xmlns:a14="http://schemas.microsoft.com/office/drawing/2010/main" Requires="a14">
+      <mc:AlternateContent xmlns:mc="http://schemas.openxmlformats.org/markup-compatibility/2006" xmlns:a14="http://schemas.microsoft.com/office/drawing/2010/main">
+        <mc:Choice Requires="a14">
           <p:sp>
             <p:nvSpPr>
               <p:cNvPr id="11" name="TextBox 10"/>
@@ -22598,6 +22512,7 @@
               </a:bodyPr>
               <a:lstStyle/>
               <a:p>
+                <a:pPr/>
                 <a14:m>
                   <m:oMathPara xmlns:m="http://schemas.openxmlformats.org/officeDocument/2006/math">
                     <m:oMathParaPr>
@@ -22767,7 +22682,7 @@
             </p:txBody>
           </p:sp>
         </mc:Choice>
-        <mc:Fallback>
+        <mc:Fallback xmlns="">
           <p:sp>
             <p:nvSpPr>
               <p:cNvPr id="11" name="TextBox 10"/>
@@ -22806,8 +22721,8 @@
           </p:sp>
         </mc:Fallback>
       </mc:AlternateContent>
-      <mc:AlternateContent xmlns:mc="http://schemas.openxmlformats.org/markup-compatibility/2006">
-        <mc:Choice xmlns:a14="http://schemas.microsoft.com/office/drawing/2010/main" Requires="a14">
+      <mc:AlternateContent xmlns:mc="http://schemas.openxmlformats.org/markup-compatibility/2006" xmlns:a14="http://schemas.microsoft.com/office/drawing/2010/main">
+        <mc:Choice Requires="a14">
           <p:sp>
             <p:nvSpPr>
               <p:cNvPr id="7" name="TextBox 6"/>
@@ -22816,7 +22731,7 @@
             </p:nvSpPr>
             <p:spPr>
               <a:xfrm>
-                <a:off x="1347046" y="4710102"/>
+                <a:off x="1338419" y="4416881"/>
                 <a:ext cx="5416804" cy="810543"/>
               </a:xfrm>
               <a:prstGeom prst="rect">
@@ -22830,6 +22745,7 @@
               </a:bodyPr>
               <a:lstStyle/>
               <a:p>
+                <a:pPr/>
                 <a14:m>
                   <m:oMathPara xmlns:m="http://schemas.openxmlformats.org/officeDocument/2006/math">
                     <m:oMathParaPr>
@@ -23072,12 +22988,12 @@
                     </m:oMath>
                   </m:oMathPara>
                 </a14:m>
-                <a:endParaRPr lang="en-US" sz="2500"/>
+                <a:endParaRPr lang="en-US" sz="2500" dirty="0"/>
               </a:p>
             </p:txBody>
           </p:sp>
         </mc:Choice>
-        <mc:Fallback>
+        <mc:Fallback xmlns="">
           <p:sp>
             <p:nvSpPr>
               <p:cNvPr id="7" name="TextBox 6"/>
@@ -23088,7 +23004,7 @@
             </p:nvSpPr>
             <p:spPr>
               <a:xfrm>
-                <a:off x="1347046" y="4710102"/>
+                <a:off x="1338419" y="4416881"/>
                 <a:ext cx="5416804" cy="810543"/>
               </a:xfrm>
               <a:prstGeom prst="rect">
@@ -23096,6 +23012,269 @@
               </a:prstGeom>
               <a:blipFill rotWithShape="0">
                 <a:blip r:embed="rId7"/>
+                <a:stretch>
+                  <a:fillRect/>
+                </a:stretch>
+              </a:blipFill>
+            </p:spPr>
+            <p:txBody>
+              <a:bodyPr/>
+              <a:lstStyle/>
+              <a:p>
+                <a:r>
+                  <a:rPr lang="en-US">
+                    <a:noFill/>
+                  </a:rPr>
+                  <a:t> </a:t>
+                </a:r>
+              </a:p>
+            </p:txBody>
+          </p:sp>
+        </mc:Fallback>
+      </mc:AlternateContent>
+      <mc:AlternateContent xmlns:mc="http://schemas.openxmlformats.org/markup-compatibility/2006" xmlns:a14="http://schemas.microsoft.com/office/drawing/2010/main">
+        <mc:Choice Requires="a14">
+          <p:sp>
+            <p:nvSpPr>
+              <p:cNvPr id="10" name="Rectangle 9"/>
+              <p:cNvSpPr/>
+              <p:nvPr/>
+            </p:nvSpPr>
+            <p:spPr>
+              <a:xfrm>
+                <a:off x="1247185" y="5600177"/>
+                <a:ext cx="6520503" cy="497893"/>
+              </a:xfrm>
+              <a:prstGeom prst="rect">
+                <a:avLst/>
+              </a:prstGeom>
+            </p:spPr>
+            <p:txBody>
+              <a:bodyPr wrap="none">
+                <a:spAutoFit/>
+              </a:bodyPr>
+              <a:lstStyle/>
+              <a:p>
+                <a:pPr/>
+                <a14:m>
+                  <m:oMathPara xmlns:m="http://schemas.openxmlformats.org/officeDocument/2006/math">
+                    <m:oMathParaPr>
+                      <m:jc m:val="centerGroup"/>
+                    </m:oMathParaPr>
+                    <m:oMath xmlns:m="http://schemas.openxmlformats.org/officeDocument/2006/math">
+                      <m:r>
+                        <a:rPr lang="en-US" sz="2500" i="1" smtClean="0">
+                          <a:latin typeface="Cambria Math" panose="02040503050406030204" pitchFamily="18" charset="0"/>
+                        </a:rPr>
+                        <m:t>⇒</m:t>
+                      </m:r>
+                      <m:r>
+                        <a:rPr lang="en-US" sz="2500" b="0" i="1" smtClean="0">
+                          <a:latin typeface="Cambria Math" panose="02040503050406030204" pitchFamily="18" charset="0"/>
+                        </a:rPr>
+                        <m:t>𝐶𝑟𝑒𝑎𝑡𝑒</m:t>
+                      </m:r>
+                      <m:r>
+                        <a:rPr lang="en-US" sz="2500" b="0" i="1" smtClean="0">
+                          <a:latin typeface="Cambria Math" panose="02040503050406030204" pitchFamily="18" charset="0"/>
+                        </a:rPr>
+                        <m:t> </m:t>
+                      </m:r>
+                      <m:r>
+                        <a:rPr lang="en-US" sz="2500" b="0" i="1" smtClean="0">
+                          <a:latin typeface="Cambria Math" panose="02040503050406030204" pitchFamily="18" charset="0"/>
+                        </a:rPr>
+                        <m:t>𝑝𝑎𝑟𝑎𝑚𝑒𝑡𝑒𝑟</m:t>
+                      </m:r>
+                      <m:r>
+                        <a:rPr lang="en-US" sz="2500" b="0" i="1" smtClean="0">
+                          <a:latin typeface="Cambria Math" panose="02040503050406030204" pitchFamily="18" charset="0"/>
+                        </a:rPr>
+                        <m:t> </m:t>
+                      </m:r>
+                      <m:r>
+                        <a:rPr lang="en-US" sz="2500" b="0" i="1" smtClean="0">
+                          <a:latin typeface="Cambria Math" panose="02040503050406030204" pitchFamily="18" charset="0"/>
+                        </a:rPr>
+                        <m:t>𝑠𝑒𝑡𝑠</m:t>
+                      </m:r>
+                      <m:r>
+                        <a:rPr lang="en-US" sz="2500" b="0" i="1" smtClean="0">
+                          <a:latin typeface="Cambria Math" panose="02040503050406030204" pitchFamily="18" charset="0"/>
+                        </a:rPr>
+                        <m:t>: </m:t>
+                      </m:r>
+                      <m:acc>
+                        <m:accPr>
+                          <m:chr m:val="̂"/>
+                          <m:ctrlPr>
+                            <a:rPr lang="en-US" sz="2500" i="1">
+                              <a:latin typeface="Cambria Math" panose="02040503050406030204" pitchFamily="18" charset="0"/>
+                            </a:rPr>
+                          </m:ctrlPr>
+                        </m:accPr>
+                        <m:e>
+                          <m:sSub>
+                            <m:sSubPr>
+                              <m:ctrlPr>
+                                <a:rPr lang="en-US" sz="2500" i="1">
+                                  <a:latin typeface="Cambria Math" panose="02040503050406030204" pitchFamily="18" charset="0"/>
+                                </a:rPr>
+                              </m:ctrlPr>
+                            </m:sSubPr>
+                            <m:e>
+                              <m:r>
+                                <a:rPr lang="en-US" sz="2500" i="1">
+                                  <a:latin typeface="Cambria Math" panose="02040503050406030204" pitchFamily="18" charset="0"/>
+                                  <a:ea typeface="Cambria Math" panose="02040503050406030204" pitchFamily="18" charset="0"/>
+                                </a:rPr>
+                                <m:t>𝜆</m:t>
+                              </m:r>
+                            </m:e>
+                            <m:sub>
+                              <m:r>
+                                <a:rPr lang="en-US" sz="2500" i="1">
+                                  <a:latin typeface="Cambria Math" panose="02040503050406030204" pitchFamily="18" charset="0"/>
+                                </a:rPr>
+                                <m:t>𝑐𝑖</m:t>
+                              </m:r>
+                            </m:sub>
+                          </m:sSub>
+                        </m:e>
+                      </m:acc>
+                      <m:r>
+                        <a:rPr lang="en-US" sz="2500" i="1">
+                          <a:latin typeface="Cambria Math" panose="02040503050406030204" pitchFamily="18" charset="0"/>
+                        </a:rPr>
+                        <m:t>=</m:t>
+                      </m:r>
+                      <m:r>
+                        <a:rPr lang="en-US" sz="2500" b="0" i="1" smtClean="0">
+                          <a:latin typeface="Cambria Math" panose="02040503050406030204" pitchFamily="18" charset="0"/>
+                        </a:rPr>
+                        <m:t>{</m:t>
+                      </m:r>
+                      <m:acc>
+                        <m:accPr>
+                          <m:chr m:val="̂"/>
+                          <m:ctrlPr>
+                            <a:rPr lang="en-US" sz="2500" i="1">
+                              <a:latin typeface="Cambria Math" panose="02040503050406030204" pitchFamily="18" charset="0"/>
+                            </a:rPr>
+                          </m:ctrlPr>
+                        </m:accPr>
+                        <m:e>
+                          <m:sSub>
+                            <m:sSubPr>
+                              <m:ctrlPr>
+                                <a:rPr lang="en-US" sz="2500" i="1">
+                                  <a:latin typeface="Cambria Math" panose="02040503050406030204" pitchFamily="18" charset="0"/>
+                                </a:rPr>
+                              </m:ctrlPr>
+                            </m:sSubPr>
+                            <m:e>
+                              <m:r>
+                                <a:rPr lang="en-US" sz="2500" i="1">
+                                  <a:latin typeface="Cambria Math" panose="02040503050406030204" pitchFamily="18" charset="0"/>
+                                  <a:ea typeface="Cambria Math" panose="02040503050406030204" pitchFamily="18" charset="0"/>
+                                </a:rPr>
+                                <m:t>𝜆</m:t>
+                              </m:r>
+                            </m:e>
+                            <m:sub>
+                              <m:r>
+                                <a:rPr lang="en-US" sz="2500" i="1">
+                                  <a:latin typeface="Cambria Math" panose="02040503050406030204" pitchFamily="18" charset="0"/>
+                                </a:rPr>
+                                <m:t>𝑐𝑖</m:t>
+                              </m:r>
+                            </m:sub>
+                          </m:sSub>
+                        </m:e>
+                      </m:acc>
+                      <m:r>
+                        <a:rPr lang="en-US" sz="2500" b="0" i="1" smtClean="0">
+                          <a:latin typeface="Cambria Math" panose="02040503050406030204" pitchFamily="18" charset="0"/>
+                        </a:rPr>
+                        <m:t>,…,</m:t>
+                      </m:r>
+                      <m:acc>
+                        <m:accPr>
+                          <m:chr m:val="̂"/>
+                          <m:ctrlPr>
+                            <a:rPr lang="en-US" sz="2500" i="1">
+                              <a:latin typeface="Cambria Math" panose="02040503050406030204" pitchFamily="18" charset="0"/>
+                            </a:rPr>
+                          </m:ctrlPr>
+                        </m:accPr>
+                        <m:e>
+                          <m:sSub>
+                            <m:sSubPr>
+                              <m:ctrlPr>
+                                <a:rPr lang="en-US" sz="2500" i="1">
+                                  <a:latin typeface="Cambria Math" panose="02040503050406030204" pitchFamily="18" charset="0"/>
+                                </a:rPr>
+                              </m:ctrlPr>
+                            </m:sSubPr>
+                            <m:e>
+                              <m:r>
+                                <a:rPr lang="en-US" sz="2500" i="1">
+                                  <a:latin typeface="Cambria Math" panose="02040503050406030204" pitchFamily="18" charset="0"/>
+                                  <a:ea typeface="Cambria Math" panose="02040503050406030204" pitchFamily="18" charset="0"/>
+                                </a:rPr>
+                                <m:t>𝜆</m:t>
+                              </m:r>
+                            </m:e>
+                            <m:sub>
+                              <m:r>
+                                <a:rPr lang="en-US" sz="2500" i="1">
+                                  <a:latin typeface="Cambria Math" panose="02040503050406030204" pitchFamily="18" charset="0"/>
+                                </a:rPr>
+                                <m:t>𝑐</m:t>
+                              </m:r>
+                              <m:r>
+                                <a:rPr lang="en-US" sz="2500" b="0" i="1" smtClean="0">
+                                  <a:latin typeface="Cambria Math" panose="02040503050406030204" pitchFamily="18" charset="0"/>
+                                </a:rPr>
+                                <m:t>𝑑</m:t>
+                              </m:r>
+                            </m:sub>
+                          </m:sSub>
+                        </m:e>
+                      </m:acc>
+                      <m:r>
+                        <a:rPr lang="en-US" sz="2500" b="0" i="1" smtClean="0">
+                          <a:latin typeface="Cambria Math" panose="02040503050406030204" pitchFamily="18" charset="0"/>
+                        </a:rPr>
+                        <m:t>}</m:t>
+                      </m:r>
+                    </m:oMath>
+                  </m:oMathPara>
+                </a14:m>
+                <a:endParaRPr lang="en-US" sz="2500" dirty="0"/>
+              </a:p>
+            </p:txBody>
+          </p:sp>
+        </mc:Choice>
+        <mc:Fallback xmlns="">
+          <p:sp>
+            <p:nvSpPr>
+              <p:cNvPr id="10" name="Rectangle 9"/>
+              <p:cNvSpPr>
+                <a:spLocks noRot="1" noChangeAspect="1" noMove="1" noResize="1" noEditPoints="1" noAdjustHandles="1" noChangeArrowheads="1" noChangeShapeType="1" noTextEdit="1"/>
+              </p:cNvSpPr>
+              <p:nvPr/>
+            </p:nvSpPr>
+            <p:spPr>
+              <a:xfrm>
+                <a:off x="1247185" y="5600177"/>
+                <a:ext cx="6520503" cy="497893"/>
+              </a:xfrm>
+              <a:prstGeom prst="rect">
+                <a:avLst/>
+              </a:prstGeom>
+              <a:blipFill rotWithShape="0">
+                <a:blip r:embed="rId8"/>
                 <a:stretch>
                   <a:fillRect/>
                 </a:stretch>
@@ -23434,6 +23613,51 @@
                       </p:childTnLst>
                     </p:cTn>
                   </p:par>
+                  <p:par>
+                    <p:cTn id="31" fill="hold">
+                      <p:stCondLst>
+                        <p:cond delay="indefinite"/>
+                      </p:stCondLst>
+                      <p:childTnLst>
+                        <p:par>
+                          <p:cTn id="32" fill="hold">
+                            <p:stCondLst>
+                              <p:cond delay="0"/>
+                            </p:stCondLst>
+                            <p:childTnLst>
+                              <p:par>
+                                <p:cTn id="33" presetID="1" presetClass="entr" presetSubtype="0" fill="hold" grpId="0" nodeType="clickEffect">
+                                  <p:stCondLst>
+                                    <p:cond delay="0"/>
+                                  </p:stCondLst>
+                                  <p:childTnLst>
+                                    <p:set>
+                                      <p:cBhvr>
+                                        <p:cTn id="34" dur="1" fill="hold">
+                                          <p:stCondLst>
+                                            <p:cond delay="0"/>
+                                          </p:stCondLst>
+                                        </p:cTn>
+                                        <p:tgtEl>
+                                          <p:spTgt spid="10"/>
+                                        </p:tgtEl>
+                                        <p:attrNameLst>
+                                          <p:attrName>style.visibility</p:attrName>
+                                        </p:attrNameLst>
+                                      </p:cBhvr>
+                                      <p:to>
+                                        <p:strVal val="visible"/>
+                                      </p:to>
+                                    </p:set>
+                                  </p:childTnLst>
+                                </p:cTn>
+                              </p:par>
+                            </p:childTnLst>
+                          </p:cTn>
+                        </p:par>
+                      </p:childTnLst>
+                    </p:cTn>
+                  </p:par>
                 </p:childTnLst>
               </p:cTn>
               <p:prevCondLst>
@@ -23462,6 +23686,7 @@
       <p:bldP spid="6" grpId="0"/>
       <p:bldP spid="11" grpId="0"/>
       <p:bldP spid="7" grpId="0"/>
+      <p:bldP spid="10" grpId="0"/>
     </p:bldLst>
   </p:timing>
 </p:sld>
@@ -23620,7 +23845,7 @@
             <p:spPr>
               <a:xfrm>
                 <a:off x="2569830" y="1996885"/>
-                <a:ext cx="5818131" cy="1025665"/>
+                <a:ext cx="5947077" cy="1088631"/>
               </a:xfrm>
               <a:prstGeom prst="rect">
                 <a:avLst/>
@@ -23664,7 +23889,7 @@
                                 <a:rPr lang="en-US" b="0" i="1" smtClean="0">
                                   <a:latin typeface="Cambria Math" panose="02040503050406030204" pitchFamily="18" charset="0"/>
                                 </a:rPr>
-                                <m:t>𝑋</m:t>
+                                <m:t>𝑉</m:t>
                               </m:r>
                               <m:r>
                                 <a:rPr lang="en-US" b="0" i="1" smtClean="0">
@@ -23696,7 +23921,7 @@
                                         <a:rPr lang="en-US" b="0" i="1" smtClean="0">
                                           <a:latin typeface="Cambria Math" panose="02040503050406030204" pitchFamily="18" charset="0"/>
                                         </a:rPr>
-                                        <m:t>𝑥</m:t>
+                                        <m:t>𝑤</m:t>
                                       </m:r>
                                     </m:e>
                                     <m:sub>
@@ -23727,7 +23952,7 @@
                                         <a:rPr lang="en-US" b="0" i="1" smtClean="0">
                                           <a:latin typeface="Cambria Math" panose="02040503050406030204" pitchFamily="18" charset="0"/>
                                         </a:rPr>
-                                        <m:t>𝑥</m:t>
+                                        <m:t>𝑤</m:t>
                                       </m:r>
                                     </m:e>
                                     <m:sub>
@@ -23758,7 +23983,7 @@
                                         <a:rPr lang="en-US" b="0" i="1" smtClean="0">
                                           <a:latin typeface="Cambria Math" panose="02040503050406030204" pitchFamily="18" charset="0"/>
                                         </a:rPr>
-                                        <m:t>𝑥</m:t>
+                                        <m:t>𝑤</m:t>
                                       </m:r>
                                     </m:e>
                                     <m:sub>
@@ -23846,6 +24071,118 @@
                               </m:r>
                             </m:e>
                             <m:e>
+                              <m:r>
+                                <a:rPr lang="en-US" i="1">
+                                  <a:latin typeface="Cambria Math" panose="02040503050406030204" pitchFamily="18" charset="0"/>
+                                </a:rPr>
+                                <m:t>𝑋</m:t>
+                              </m:r>
+                              <m:r>
+                                <a:rPr lang="en-US" i="1">
+                                  <a:latin typeface="Cambria Math" panose="02040503050406030204" pitchFamily="18" charset="0"/>
+                                </a:rPr>
+                                <m:t>=</m:t>
+                              </m:r>
+                              <m:d>
+                                <m:dPr>
+                                  <m:begChr m:val="{"/>
+                                  <m:endChr m:val="}"/>
+                                  <m:ctrlPr>
+                                    <a:rPr lang="en-US" i="1">
+                                      <a:latin typeface="Cambria Math" panose="02040503050406030204" pitchFamily="18" charset="0"/>
+                                    </a:rPr>
+                                  </m:ctrlPr>
+                                </m:dPr>
+                                <m:e>
+                                  <m:sSub>
+                                    <m:sSubPr>
+                                      <m:ctrlPr>
+                                        <a:rPr lang="en-US" i="1">
+                                          <a:latin typeface="Cambria Math" panose="02040503050406030204" pitchFamily="18" charset="0"/>
+                                        </a:rPr>
+                                      </m:ctrlPr>
+                                    </m:sSubPr>
+                                    <m:e>
+                                      <m:r>
+                                        <a:rPr lang="en-US" i="1">
+                                          <a:latin typeface="Cambria Math" panose="02040503050406030204" pitchFamily="18" charset="0"/>
+                                        </a:rPr>
+                                        <m:t>𝑥</m:t>
+                                      </m:r>
+                                    </m:e>
+                                    <m:sub>
+                                      <m:r>
+                                        <a:rPr lang="en-US" i="1">
+                                          <a:latin typeface="Cambria Math" panose="02040503050406030204" pitchFamily="18" charset="0"/>
+                                        </a:rPr>
+                                        <m:t>1</m:t>
+                                      </m:r>
+                                    </m:sub>
+                                  </m:sSub>
+                                  <m:r>
+                                    <a:rPr lang="en-US" i="1">
+                                      <a:latin typeface="Cambria Math" panose="02040503050406030204" pitchFamily="18" charset="0"/>
+                                    </a:rPr>
+                                    <m:t>,</m:t>
+                                  </m:r>
+                                  <m:sSub>
+                                    <m:sSubPr>
+                                      <m:ctrlPr>
+                                        <a:rPr lang="en-US" i="1">
+                                          <a:latin typeface="Cambria Math" panose="02040503050406030204" pitchFamily="18" charset="0"/>
+                                        </a:rPr>
+                                      </m:ctrlPr>
+                                    </m:sSubPr>
+                                    <m:e>
+                                      <m:r>
+                                        <a:rPr lang="en-US" i="1">
+                                          <a:latin typeface="Cambria Math" panose="02040503050406030204" pitchFamily="18" charset="0"/>
+                                        </a:rPr>
+                                        <m:t>𝑥</m:t>
+                                      </m:r>
+                                    </m:e>
+                                    <m:sub>
+                                      <m:r>
+                                        <a:rPr lang="en-US" i="1">
+                                          <a:latin typeface="Cambria Math" panose="02040503050406030204" pitchFamily="18" charset="0"/>
+                                        </a:rPr>
+                                        <m:t>2</m:t>
+                                      </m:r>
+                                    </m:sub>
+                                  </m:sSub>
+                                  <m:r>
+                                    <a:rPr lang="en-US" i="1">
+                                      <a:latin typeface="Cambria Math" panose="02040503050406030204" pitchFamily="18" charset="0"/>
+                                    </a:rPr>
+                                    <m:t>,. ..,</m:t>
+                                  </m:r>
+                                  <m:sSub>
+                                    <m:sSubPr>
+                                      <m:ctrlPr>
+                                        <a:rPr lang="en-US" i="1">
+                                          <a:latin typeface="Cambria Math" panose="02040503050406030204" pitchFamily="18" charset="0"/>
+                                        </a:rPr>
+                                      </m:ctrlPr>
+                                    </m:sSubPr>
+                                    <m:e>
+                                      <m:r>
+                                        <a:rPr lang="en-US" i="1">
+                                          <a:latin typeface="Cambria Math" panose="02040503050406030204" pitchFamily="18" charset="0"/>
+                                        </a:rPr>
+                                        <m:t>𝑥</m:t>
+                                      </m:r>
+                                    </m:e>
+                                    <m:sub>
+                                      <m:r>
+                                        <a:rPr lang="en-US" i="1">
+                                          <a:latin typeface="Cambria Math" panose="02040503050406030204" pitchFamily="18" charset="0"/>
+                                        </a:rPr>
+                                        <m:t>𝑑</m:t>
+                                      </m:r>
+                                    </m:sub>
+                                  </m:sSub>
+                                </m:e>
+                              </m:d>
                               <m:sSub>
                                 <m:sSubPr>
                                   <m:ctrlPr>
@@ -23855,6 +24192,12 @@
                                   </m:ctrlPr>
                                 </m:sSubPr>
                                 <m:e>
+                                  <m:r>
+                                    <a:rPr lang="en-US" b="0" i="1" smtClean="0">
+                                      <a:latin typeface="Cambria Math" panose="02040503050406030204" pitchFamily="18" charset="0"/>
+                                    </a:rPr>
+                                    <m:t>, </m:t>
+                                  </m:r>
                                   <m:r>
                                     <a:rPr lang="en-US" b="0" i="1" smtClean="0">
                                       <a:latin typeface="Cambria Math" panose="02040503050406030204" pitchFamily="18" charset="0"/>
@@ -23901,7 +24244,7 @@
                                         <a:rPr lang="en-US" b="0" i="1" smtClean="0">
                                           <a:latin typeface="Cambria Math" panose="02040503050406030204" pitchFamily="18" charset="0"/>
                                         </a:rPr>
-                                        <m:t>0</m:t>
+                                        <m:t>1</m:t>
                                       </m:r>
                                       <m:r>
                                         <a:rPr lang="en-US" b="0" i="1" smtClean="0">
@@ -23918,6 +24261,18 @@
                                           </m:ctrlPr>
                                         </m:sSupPr>
                                         <m:e>
+                                          <m:r>
+                                            <a:rPr lang="en-US" b="0" i="1" smtClean="0">
+                                              <a:latin typeface="Cambria Math" panose="02040503050406030204" pitchFamily="18" charset="0"/>
+                                            </a:rPr>
+                                            <m:t>𝑖𝑓</m:t>
+                                          </m:r>
+                                          <m:r>
+                                            <a:rPr lang="en-US" b="0" i="1" smtClean="0">
+                                              <a:latin typeface="Cambria Math" panose="02040503050406030204" pitchFamily="18" charset="0"/>
+                                            </a:rPr>
+                                            <m:t> </m:t>
+                                          </m:r>
                                           <m:r>
                                             <a:rPr lang="en-US" b="0" i="1" smtClean="0">
                                               <a:latin typeface="Cambria Math" panose="02040503050406030204" pitchFamily="18" charset="0"/>
@@ -23958,19 +24313,25 @@
                                         </a:rPr>
                                         <m:t>𝑒𝑥𝑖𝑠𝑡𝑠</m:t>
                                       </m:r>
-                                      <m:r>
-                                        <a:rPr lang="en-US" b="0" i="1" smtClean="0">
-                                          <a:latin typeface="Cambria Math" panose="02040503050406030204" pitchFamily="18" charset="0"/>
-                                        </a:rPr>
-                                        <m:t>&lt;0</m:t>
-                                      </m:r>
                                     </m:e>
                                     <m:e>
                                       <m:r>
                                         <a:rPr lang="en-US" b="0" i="1" smtClean="0">
                                           <a:latin typeface="Cambria Math" panose="02040503050406030204" pitchFamily="18" charset="0"/>
                                         </a:rPr>
-                                        <m:t>&amp;1,  </m:t>
+                                        <m:t>&amp;</m:t>
+                                      </m:r>
+                                      <m:r>
+                                        <a:rPr lang="en-US" b="0" i="1" smtClean="0">
+                                          <a:latin typeface="Cambria Math" panose="02040503050406030204" pitchFamily="18" charset="0"/>
+                                        </a:rPr>
+                                        <m:t>0,</m:t>
+                                      </m:r>
+                                      <m:r>
+                                        <a:rPr lang="en-US" b="0" i="1" smtClean="0">
+                                          <a:latin typeface="Cambria Math" panose="02040503050406030204" pitchFamily="18" charset="0"/>
+                                        </a:rPr>
+                                        <m:t>  </m:t>
                                       </m:r>
                                       <m:sSup>
                                         <m:sSupPr>
@@ -23981,6 +24342,18 @@
                                           </m:ctrlPr>
                                         </m:sSupPr>
                                         <m:e>
+                                          <m:r>
+                                            <a:rPr lang="en-US" b="0" i="1" smtClean="0">
+                                              <a:latin typeface="Cambria Math" panose="02040503050406030204" pitchFamily="18" charset="0"/>
+                                            </a:rPr>
+                                            <m:t>𝑖𝑓</m:t>
+                                          </m:r>
+                                          <m:r>
+                                            <a:rPr lang="en-US" b="0" i="1" smtClean="0">
+                                              <a:latin typeface="Cambria Math" panose="02040503050406030204" pitchFamily="18" charset="0"/>
+                                            </a:rPr>
+                                            <m:t> </m:t>
+                                          </m:r>
                                           <m:r>
                                             <a:rPr lang="en-US" b="0" i="1" smtClean="0">
                                               <a:latin typeface="Cambria Math" panose="02040503050406030204" pitchFamily="18" charset="0"/>
@@ -24033,12 +24406,6 @@
                                         </a:rPr>
                                         <m:t>𝑒𝑥𝑖𝑠𝑡𝑠</m:t>
                                       </m:r>
-                                      <m:r>
-                                        <a:rPr lang="en-US" b="0" i="1" smtClean="0">
-                                          <a:latin typeface="Cambria Math" panose="02040503050406030204" pitchFamily="18" charset="0"/>
-                                        </a:rPr>
-                                        <m:t>≥0</m:t>
-                                      </m:r>
                                     </m:e>
                                   </m:eqArr>
                                 </m:e>
@@ -24050,7 +24417,7 @@
                     </m:oMath>
                   </m:oMathPara>
                 </a14:m>
-                <a:endParaRPr lang="en-US"/>
+                <a:endParaRPr lang="en-US" dirty="0"/>
               </a:p>
             </p:txBody>
           </p:sp>
@@ -24067,7 +24434,7 @@
             <p:spPr>
               <a:xfrm>
                 <a:off x="2569830" y="1996885"/>
-                <a:ext cx="5818131" cy="1025665"/>
+                <a:ext cx="5947077" cy="1088631"/>
               </a:xfrm>
               <a:prstGeom prst="rect">
                 <a:avLst/>
@@ -24129,8 +24496,8 @@
           </a:p>
         </p:txBody>
       </p:sp>
-      <mc:AlternateContent xmlns:mc="http://schemas.openxmlformats.org/markup-compatibility/2006">
-        <mc:Choice xmlns:a14="http://schemas.microsoft.com/office/drawing/2010/main" Requires="a14">
+      <mc:AlternateContent xmlns:mc="http://schemas.openxmlformats.org/markup-compatibility/2006" xmlns:a14="http://schemas.microsoft.com/office/drawing/2010/main">
+        <mc:Choice Requires="a14">
           <p:sp>
             <p:nvSpPr>
               <p:cNvPr id="6" name="TextBox 5"/>
@@ -24139,7 +24506,7 @@
             </p:nvSpPr>
             <p:spPr>
               <a:xfrm>
-                <a:off x="1149790" y="4241478"/>
+                <a:off x="1017574" y="4932728"/>
                 <a:ext cx="6256072" cy="384721"/>
               </a:xfrm>
               <a:prstGeom prst="rect">
@@ -24153,6 +24520,7 @@
               </a:bodyPr>
               <a:lstStyle/>
               <a:p>
+                <a:pPr/>
                 <a14:m>
                   <m:oMathPara xmlns:m="http://schemas.openxmlformats.org/officeDocument/2006/math">
                     <m:oMathParaPr>
@@ -24353,12 +24721,12 @@
                     </m:oMath>
                   </m:oMathPara>
                 </a14:m>
-                <a:endParaRPr lang="en-US" sz="2500"/>
+                <a:endParaRPr lang="en-US" sz="2500" dirty="0"/>
               </a:p>
             </p:txBody>
           </p:sp>
         </mc:Choice>
-        <mc:Fallback>
+        <mc:Fallback xmlns="">
           <p:sp>
             <p:nvSpPr>
               <p:cNvPr id="6" name="TextBox 5"/>
@@ -24369,7 +24737,7 @@
             </p:nvSpPr>
             <p:spPr>
               <a:xfrm>
-                <a:off x="1149790" y="4241478"/>
+                <a:off x="1017574" y="4932728"/>
                 <a:ext cx="6256072" cy="384721"/>
               </a:xfrm>
               <a:prstGeom prst="rect">
@@ -24378,7 +24746,151 @@
               <a:blipFill rotWithShape="0">
                 <a:blip r:embed="rId3"/>
                 <a:stretch>
-                  <a:fillRect l="-390" t="-1587" r="-1365" b="-33333"/>
+                  <a:fillRect l="-390" r="-1365" b="-34921"/>
+                </a:stretch>
+              </a:blipFill>
+            </p:spPr>
+            <p:txBody>
+              <a:bodyPr/>
+              <a:lstStyle/>
+              <a:p>
+                <a:r>
+                  <a:rPr lang="en-US">
+                    <a:noFill/>
+                  </a:rPr>
+                  <a:t> </a:t>
+                </a:r>
+              </a:p>
+            </p:txBody>
+          </p:sp>
+        </mc:Fallback>
+      </mc:AlternateContent>
+      <mc:AlternateContent xmlns:mc="http://schemas.openxmlformats.org/markup-compatibility/2006" xmlns:a14="http://schemas.microsoft.com/office/drawing/2010/main">
+        <mc:Choice Requires="a14">
+          <p:sp>
+            <p:nvSpPr>
+              <p:cNvPr id="11" name="Rectangle 10"/>
+              <p:cNvSpPr/>
+              <p:nvPr/>
+            </p:nvSpPr>
+            <p:spPr>
+              <a:xfrm>
+                <a:off x="926977" y="3783429"/>
+                <a:ext cx="4616264" cy="477054"/>
+              </a:xfrm>
+              <a:prstGeom prst="rect">
+                <a:avLst/>
+              </a:prstGeom>
+            </p:spPr>
+            <p:txBody>
+              <a:bodyPr wrap="none">
+                <a:spAutoFit/>
+              </a:bodyPr>
+              <a:lstStyle/>
+              <a:p>
+                <a:pPr/>
+                <a14:m>
+                  <m:oMathPara xmlns:m="http://schemas.openxmlformats.org/officeDocument/2006/math">
+                    <m:oMathParaPr>
+                      <m:jc m:val="centerGroup"/>
+                    </m:oMathParaPr>
+                    <m:oMath xmlns:m="http://schemas.openxmlformats.org/officeDocument/2006/math">
+                      <m:r>
+                        <a:rPr lang="en-US" sz="2500" b="0" i="1" smtClean="0">
+                          <a:latin typeface="Cambria Math" panose="02040503050406030204" pitchFamily="18" charset="0"/>
+                        </a:rPr>
+                        <m:t>𝐶𝑟𝑒𝑎𝑡𝑒</m:t>
+                      </m:r>
+                      <m:r>
+                        <a:rPr lang="en-US" sz="2500" b="0" i="1" smtClean="0">
+                          <a:latin typeface="Cambria Math" panose="02040503050406030204" pitchFamily="18" charset="0"/>
+                        </a:rPr>
+                        <m:t> </m:t>
+                      </m:r>
+                      <m:r>
+                        <a:rPr lang="en-US" sz="2500" b="0" i="1" smtClean="0">
+                          <a:latin typeface="Cambria Math" panose="02040503050406030204" pitchFamily="18" charset="0"/>
+                        </a:rPr>
+                        <m:t>𝑝𝑎𝑟𝑎𝑚𝑒𝑡𝑒𝑟</m:t>
+                      </m:r>
+                      <m:r>
+                        <a:rPr lang="en-US" sz="2500" b="0" i="1" smtClean="0">
+                          <a:latin typeface="Cambria Math" panose="02040503050406030204" pitchFamily="18" charset="0"/>
+                        </a:rPr>
+                        <m:t> </m:t>
+                      </m:r>
+                      <m:r>
+                        <a:rPr lang="en-US" sz="2500" b="0" i="1" smtClean="0">
+                          <a:latin typeface="Cambria Math" panose="02040503050406030204" pitchFamily="18" charset="0"/>
+                        </a:rPr>
+                        <m:t>𝑠𝑒𝑡𝑠</m:t>
+                      </m:r>
+                      <m:r>
+                        <a:rPr lang="en-US" sz="2500" b="0" i="1" smtClean="0">
+                          <a:latin typeface="Cambria Math" panose="02040503050406030204" pitchFamily="18" charset="0"/>
+                        </a:rPr>
+                        <m:t>:</m:t>
+                      </m:r>
+                      <m:r>
+                        <a:rPr lang="en-US" sz="2500" i="1">
+                          <a:latin typeface="Cambria Math" panose="02040503050406030204" pitchFamily="18" charset="0"/>
+                        </a:rPr>
+                        <m:t>𝑃</m:t>
+                      </m:r>
+                      <m:d>
+                        <m:dPr>
+                          <m:ctrlPr>
+                            <a:rPr lang="en-US" sz="2500" i="1">
+                              <a:latin typeface="Cambria Math" panose="02040503050406030204" pitchFamily="18" charset="0"/>
+                            </a:rPr>
+                          </m:ctrlPr>
+                        </m:dPr>
+                        <m:e>
+                          <m:r>
+                            <a:rPr lang="en-US" sz="2500" i="1">
+                              <a:latin typeface="Cambria Math" panose="02040503050406030204" pitchFamily="18" charset="0"/>
+                            </a:rPr>
+                            <m:t>𝑖</m:t>
+                          </m:r>
+                        </m:e>
+                        <m:e>
+                          <m:r>
+                            <a:rPr lang="en-US" sz="2500" i="1">
+                              <a:latin typeface="Cambria Math" panose="02040503050406030204" pitchFamily="18" charset="0"/>
+                            </a:rPr>
+                            <m:t>𝐶</m:t>
+                          </m:r>
+                        </m:e>
+                      </m:d>
+                    </m:oMath>
+                  </m:oMathPara>
+                </a14:m>
+                <a:endParaRPr lang="en-US" sz="2500" dirty="0"/>
+              </a:p>
+            </p:txBody>
+          </p:sp>
+        </mc:Choice>
+        <mc:Fallback xmlns="">
+          <p:sp>
+            <p:nvSpPr>
+              <p:cNvPr id="11" name="Rectangle 10"/>
+              <p:cNvSpPr>
+                <a:spLocks noRot="1" noChangeAspect="1" noMove="1" noResize="1" noEditPoints="1" noAdjustHandles="1" noChangeArrowheads="1" noChangeShapeType="1" noTextEdit="1"/>
+              </p:cNvSpPr>
+              <p:nvPr/>
+            </p:nvSpPr>
+            <p:spPr>
+              <a:xfrm>
+                <a:off x="926977" y="3783429"/>
+                <a:ext cx="4616264" cy="477054"/>
+              </a:xfrm>
+              <a:prstGeom prst="rect">
+                <a:avLst/>
+              </a:prstGeom>
+              <a:blipFill rotWithShape="0">
+                <a:blip r:embed="rId4"/>
+                <a:stretch>
+                  <a:fillRect b="-14103"/>
                 </a:stretch>
               </a:blipFill>
             </p:spPr>
@@ -24587,7 +25099,7 @@
                             </p:stCondLst>
                             <p:childTnLst>
                               <p:par>
-                                <p:cTn id="20" presetID="10" presetClass="entr" presetSubtype="0" fill="hold" grpId="0" nodeType="clickEffect">
+                                <p:cTn id="20" presetID="1" presetClass="entr" presetSubtype="0" fill="hold" grpId="0" nodeType="clickEffect">
                                   <p:stCondLst>
                                     <p:cond delay="0"/>
                                   </p:stCondLst>
@@ -24600,6 +25112,51 @@
                                           </p:stCondLst>
                                         </p:cTn>
                                         <p:tgtEl>
+                                          <p:spTgt spid="11"/>
+                                        </p:tgtEl>
+                                        <p:attrNameLst>
+                                          <p:attrName>style.visibility</p:attrName>
+                                        </p:attrNameLst>
+                                      </p:cBhvr>
+                                      <p:to>
+                                        <p:strVal val="visible"/>
+                                      </p:to>
+                                    </p:set>
+                                  </p:childTnLst>
+                                </p:cTn>
+                              </p:par>
+                            </p:childTnLst>
+                          </p:cTn>
+                        </p:par>
+                      </p:childTnLst>
+                    </p:cTn>
+                  </p:par>
+                  <p:par>
+                    <p:cTn id="22" fill="hold">
+                      <p:stCondLst>
+                        <p:cond delay="indefinite"/>
+                      </p:stCondLst>
+                      <p:childTnLst>
+                        <p:par>
+                          <p:cTn id="23" fill="hold">
+                            <p:stCondLst>
+                              <p:cond delay="0"/>
+                            </p:stCondLst>
+                            <p:childTnLst>
+                              <p:par>
+                                <p:cTn id="24" presetID="10" presetClass="entr" presetSubtype="0" fill="hold" grpId="0" nodeType="clickEffect">
+                                  <p:stCondLst>
+                                    <p:cond delay="0"/>
+                                  </p:stCondLst>
+                                  <p:childTnLst>
+                                    <p:set>
+                                      <p:cBhvr>
+                                        <p:cTn id="25" dur="1" fill="hold">
+                                          <p:stCondLst>
+                                            <p:cond delay="0"/>
+                                          </p:stCondLst>
+                                        </p:cTn>
+                                        <p:tgtEl>
                                           <p:spTgt spid="6"/>
                                         </p:tgtEl>
                                         <p:attrNameLst>
@@ -24612,7 +25169,7 @@
                                     </p:set>
                                     <p:animEffect transition="in" filter="fade">
                                       <p:cBhvr>
-                                        <p:cTn id="22" dur="500"/>
+                                        <p:cTn id="26" dur="500"/>
                                         <p:tgtEl>
                                           <p:spTgt spid="6"/>
                                         </p:tgtEl>
@@ -24653,6 +25210,7 @@
       <p:bldP spid="9" grpId="0"/>
       <p:bldP spid="10" grpId="0"/>
       <p:bldP spid="6" grpId="0"/>
+      <p:bldP spid="11" grpId="0"/>
     </p:bldLst>
   </p:timing>
 </p:sld>
@@ -24770,6 +25328,219 @@
           <a:lstStyle/>
           <a:p>
             <a:r>
+              <a:rPr lang="en-US" dirty="0" smtClean="0"/>
+              <a:t>Summary</a:t>
+            </a:r>
+            <a:endParaRPr lang="en-US" dirty="0"/>
+          </a:p>
+        </p:txBody>
+      </p:sp>
+      <p:sp>
+        <p:nvSpPr>
+          <p:cNvPr id="3" name="Content Placeholder 2"/>
+          <p:cNvSpPr>
+            <a:spLocks noGrp="1"/>
+          </p:cNvSpPr>
+          <p:nvPr>
+            <p:ph idx="1"/>
+          </p:nvPr>
+        </p:nvSpPr>
+        <p:spPr/>
+        <p:txBody>
+          <a:bodyPr>
+            <a:noAutofit/>
+          </a:bodyPr>
+          <a:lstStyle/>
+          <a:p>
+            <a:r>
+              <a:rPr lang="en-US" dirty="0"/>
+              <a:t>NBC is commonly used </a:t>
+            </a:r>
+            <a:r>
+              <a:rPr lang="en-US" dirty="0" smtClean="0"/>
+              <a:t>in text classification</a:t>
+            </a:r>
+          </a:p>
+          <a:p>
+            <a:r>
+              <a:rPr lang="en-US" dirty="0" smtClean="0"/>
+              <a:t>Quick training </a:t>
+            </a:r>
+            <a:r>
+              <a:rPr lang="en-US" smtClean="0"/>
+              <a:t>and </a:t>
+            </a:r>
+            <a:r>
+              <a:rPr lang="en-US" smtClean="0"/>
+              <a:t>testing</a:t>
+            </a:r>
+            <a:endParaRPr lang="en-US" dirty="0" smtClean="0"/>
+          </a:p>
+          <a:p>
+            <a:r>
+              <a:rPr lang="en-US"/>
+              <a:t>If </a:t>
+            </a:r>
+            <a:r>
+              <a:rPr lang="en-US" smtClean="0"/>
+              <a:t>independence </a:t>
+            </a:r>
+            <a:r>
+              <a:rPr lang="en-US" dirty="0" smtClean="0"/>
+              <a:t>assumption is satisfied, result is better than SVM</a:t>
+            </a:r>
+          </a:p>
+          <a:p>
+            <a:pPr marL="228600" lvl="2">
+              <a:spcBef>
+                <a:spcPts val="1000"/>
+              </a:spcBef>
+            </a:pPr>
+            <a:r>
+              <a:rPr lang="en-US" sz="2800" dirty="0" smtClean="0"/>
+              <a:t>Use for </a:t>
+            </a:r>
+            <a:r>
+              <a:rPr lang="en-US" sz="2800" b="1" i="1" dirty="0"/>
+              <a:t>continuous </a:t>
+            </a:r>
+            <a:r>
+              <a:rPr lang="en-US" sz="2800" dirty="0"/>
+              <a:t>random </a:t>
+            </a:r>
+            <a:r>
+              <a:rPr lang="en-US" sz="2800" dirty="0" smtClean="0"/>
+              <a:t>variable (Gaussian) and </a:t>
+            </a:r>
+            <a:r>
+              <a:rPr lang="en-US" sz="2800" b="1" i="1" dirty="0"/>
+              <a:t>discrete </a:t>
+            </a:r>
+            <a:r>
+              <a:rPr lang="en-US" sz="2800" dirty="0" smtClean="0"/>
+              <a:t>random variable (Multinomial, Bernoulli)</a:t>
+            </a:r>
+            <a:endParaRPr lang="en-US" sz="2800" b="1" dirty="0"/>
+          </a:p>
+          <a:p>
+            <a:pPr marL="228600" lvl="2">
+              <a:spcBef>
+                <a:spcPts val="1000"/>
+              </a:spcBef>
+            </a:pPr>
+            <a:endParaRPr lang="en-US" sz="2800" b="1" dirty="0"/>
+          </a:p>
+          <a:p>
+            <a:pPr marL="0" indent="0">
+              <a:buNone/>
+            </a:pPr>
+            <a:r>
+              <a:rPr lang="en-US" dirty="0"/>
+              <a:t/>
+            </a:r>
+            <a:br>
+              <a:rPr lang="en-US" dirty="0"/>
+            </a:br>
+            <a:endParaRPr lang="en-US" dirty="0"/>
+          </a:p>
+        </p:txBody>
+      </p:sp>
+      <p:sp>
+        <p:nvSpPr>
+          <p:cNvPr id="4" name="Footer Placeholder 3"/>
+          <p:cNvSpPr>
+            <a:spLocks noGrp="1"/>
+          </p:cNvSpPr>
+          <p:nvPr>
+            <p:ph type="ftr" sz="quarter" idx="11"/>
+          </p:nvPr>
+        </p:nvSpPr>
+        <p:spPr/>
+        <p:txBody>
+          <a:bodyPr/>
+          <a:lstStyle/>
+          <a:p>
+            <a:endParaRPr lang="en-US" dirty="0"/>
+          </a:p>
+        </p:txBody>
+      </p:sp>
+      <p:sp>
+        <p:nvSpPr>
+          <p:cNvPr id="5" name="Slide Number Placeholder 4"/>
+          <p:cNvSpPr>
+            <a:spLocks noGrp="1"/>
+          </p:cNvSpPr>
+          <p:nvPr>
+            <p:ph type="sldNum" sz="quarter" idx="12"/>
+          </p:nvPr>
+        </p:nvSpPr>
+        <p:spPr/>
+        <p:txBody>
+          <a:bodyPr/>
+          <a:lstStyle/>
+          <a:p>
+            <a:fld id="{88E711DA-8C4A-4F9C-B06B-9858351D6192}" type="slidenum">
+              <a:rPr lang="en-US" smtClean="0"/>
+              <a:pPr/>
+              <a:t>26</a:t>
+            </a:fld>
+            <a:endParaRPr lang="en-US" dirty="0"/>
+          </a:p>
+        </p:txBody>
+      </p:sp>
+    </p:spTree>
+    <p:extLst>
+      <p:ext uri="{BB962C8B-B14F-4D97-AF65-F5344CB8AC3E}">
+        <p14:creationId xmlns:p14="http://schemas.microsoft.com/office/powerpoint/2010/main" val="810046364"/>
+      </p:ext>
+    </p:extLst>
+  </p:cSld>
+  <p:clrMapOvr>
+    <a:masterClrMapping/>
+  </p:clrMapOvr>
+  <p:timing>
+    <p:tnLst>
+      <p:par>
+        <p:cTn id="1" dur="indefinite" restart="never" nodeType="tmRoot"/>
+      </p:par>
+    </p:tnLst>
+  </p:timing>
+</p:sld>
+</file>
+
+<file path=ppt/slides/slide27.xml><?xml version="1.0" encoding="utf-8"?>
+<p:sld xmlns:a="http://schemas.openxmlformats.org/drawingml/2006/main" xmlns:r="http://schemas.openxmlformats.org/officeDocument/2006/relationships" xmlns:p="http://schemas.openxmlformats.org/presentationml/2006/main">
+  <p:cSld>
+    <p:spTree>
+      <p:nvGrpSpPr>
+        <p:cNvPr id="1" name=""/>
+        <p:cNvGrpSpPr/>
+        <p:nvPr/>
+      </p:nvGrpSpPr>
+      <p:grpSpPr>
+        <a:xfrm>
+          <a:off x="0" y="0"/>
+          <a:ext cx="0" cy="0"/>
+          <a:chOff x="0" y="0"/>
+          <a:chExt cx="0" cy="0"/>
+        </a:xfrm>
+      </p:grpSpPr>
+      <p:sp>
+        <p:nvSpPr>
+          <p:cNvPr id="2" name="Title 1"/>
+          <p:cNvSpPr>
+            <a:spLocks noGrp="1"/>
+          </p:cNvSpPr>
+          <p:nvPr>
+            <p:ph type="title"/>
+          </p:nvPr>
+        </p:nvSpPr>
+        <p:spPr/>
+        <p:txBody>
+          <a:bodyPr/>
+          <a:lstStyle/>
+          <a:p>
+            <a:r>
               <a:rPr lang="en-US" dirty="0"/>
               <a:t>Demo with Python</a:t>
             </a:r>
@@ -24800,7 +25571,7 @@
             <a:fld id="{88E711DA-8C4A-4F9C-B06B-9858351D6192}" type="slidenum">
               <a:rPr lang="en-US" smtClean="0"/>
               <a:pPr/>
-              <a:t>26</a:t>
+              <a:t>27</a:t>
             </a:fld>
             <a:endParaRPr lang="en-US" dirty="0"/>
           </a:p>
@@ -24851,7 +25622,7 @@
 </p:sld>
 </file>
 
-<file path=ppt/slides/slide27.xml><?xml version="1.0" encoding="utf-8"?>
+<file path=ppt/slides/slide28.xml><?xml version="1.0" encoding="utf-8"?>
 <p:sld xmlns:a="http://schemas.openxmlformats.org/drawingml/2006/main" xmlns:r="http://schemas.openxmlformats.org/officeDocument/2006/relationships" xmlns:p="http://schemas.openxmlformats.org/presentationml/2006/main">
   <p:cSld>
     <p:spTree>
@@ -24985,7 +25756,7 @@
             <a:fld id="{88E711DA-8C4A-4F9C-B06B-9858351D6192}" type="slidenum">
               <a:rPr lang="en-US" smtClean="0"/>
               <a:pPr/>
-              <a:t>27</a:t>
+              <a:t>28</a:t>
             </a:fld>
             <a:endParaRPr lang="en-US" dirty="0"/>
           </a:p>
@@ -25011,7 +25782,7 @@
 </p:sld>
 </file>
 
-<file path=ppt/slides/slide28.xml><?xml version="1.0" encoding="utf-8"?>
+<file path=ppt/slides/slide29.xml><?xml version="1.0" encoding="utf-8"?>
 <p:sld xmlns:a="http://schemas.openxmlformats.org/drawingml/2006/main" xmlns:r="http://schemas.openxmlformats.org/officeDocument/2006/relationships" xmlns:p="http://schemas.openxmlformats.org/presentationml/2006/main">
   <p:cSld>
     <p:spTree>
@@ -25206,7 +25977,7 @@
             <a:fld id="{88E711DA-8C4A-4F9C-B06B-9858351D6192}" type="slidenum">
               <a:rPr lang="en-US" smtClean="0"/>
               <a:pPr/>
-              <a:t>28</a:t>
+              <a:t>29</a:t>
             </a:fld>
             <a:endParaRPr lang="en-US" dirty="0"/>
           </a:p>
@@ -31391,8 +32162,8 @@
               <a:buNone/>
             </a:pPr>
             <a:r>
-              <a:rPr lang="en-US" sz="1800" smtClean="0"/>
-              <a:t>Mach1: 30 wrenches / hours</a:t>
+              <a:rPr lang="en-US" sz="1800" dirty="0" smtClean="0"/>
+              <a:t>Mach1: 30 wrenches / hour</a:t>
             </a:r>
           </a:p>
           <a:p>
@@ -31400,8 +32171,8 @@
               <a:buNone/>
             </a:pPr>
             <a:r>
-              <a:rPr lang="en-US" sz="1800" smtClean="0"/>
-              <a:t>Mach2: 20 wrenches / hours</a:t>
+              <a:rPr lang="en-US" sz="1800" dirty="0" smtClean="0"/>
+              <a:t>Mach2: 20 wrenches / hour</a:t>
             </a:r>
           </a:p>
           <a:p>
@@ -31409,11 +32180,11 @@
               <a:buNone/>
             </a:pPr>
             <a:r>
-              <a:rPr lang="en-US" sz="1800" smtClean="0"/>
+              <a:rPr lang="en-US" sz="1800" dirty="0" smtClean="0"/>
               <a:t>Out of all produced parts, we can see that </a:t>
             </a:r>
             <a:r>
-              <a:rPr lang="en-US" sz="1800" smtClean="0">
+              <a:rPr lang="en-US" sz="1800" dirty="0" smtClean="0">
                 <a:solidFill>
                   <a:srgbClr val="FF0000"/>
                 </a:solidFill>
@@ -31421,7 +32192,7 @@
               <a:t>1% </a:t>
             </a:r>
             <a:r>
-              <a:rPr lang="en-US" sz="1800" smtClean="0"/>
+              <a:rPr lang="en-US" sz="1800" dirty="0" smtClean="0"/>
               <a:t>are defective:</a:t>
             </a:r>
           </a:p>
@@ -31431,7 +32202,7 @@
               <a:buChar char="Ø"/>
             </a:pPr>
             <a:r>
-              <a:rPr lang="en-US" sz="1800"/>
+              <a:rPr lang="en-US" sz="1800" dirty="0"/>
               <a:t>50% came from mach1</a:t>
             </a:r>
           </a:p>
@@ -31441,17 +32212,17 @@
               <a:buChar char="Ø"/>
             </a:pPr>
             <a:r>
-              <a:rPr lang="en-US" sz="1800"/>
+              <a:rPr lang="en-US" sz="1800" dirty="0"/>
               <a:t>50% came from mach2 </a:t>
             </a:r>
-            <a:endParaRPr lang="en-US" sz="1800" smtClean="0"/>
+            <a:endParaRPr lang="en-US" sz="1800" dirty="0" smtClean="0"/>
           </a:p>
           <a:p>
             <a:pPr marL="0" indent="0">
               <a:buNone/>
             </a:pPr>
             <a:r>
-              <a:rPr lang="en-US" sz="1800" b="1" smtClean="0"/>
+              <a:rPr lang="en-US" sz="1800" b="1" dirty="0" smtClean="0"/>
               <a:t>Question:</a:t>
             </a:r>
           </a:p>
@@ -31460,11 +32231,11 @@
               <a:buNone/>
             </a:pPr>
             <a:r>
-              <a:rPr lang="en-US" sz="1800" smtClean="0"/>
+              <a:rPr lang="en-US" sz="1800" dirty="0" smtClean="0"/>
               <a:t>What is the probability that </a:t>
             </a:r>
             <a:r>
-              <a:rPr lang="en-US" sz="1800" smtClean="0">
+              <a:rPr lang="en-US" sz="1800" dirty="0" smtClean="0">
                 <a:solidFill>
                   <a:srgbClr val="FF0000"/>
                 </a:solidFill>
@@ -31472,7 +32243,7 @@
               <a:t>a part produced by mach2 is defective </a:t>
             </a:r>
             <a:r>
-              <a:rPr lang="en-US" sz="1800" smtClean="0"/>
+              <a:rPr lang="en-US" sz="1800" dirty="0" smtClean="0"/>
               <a:t>?</a:t>
             </a:r>
           </a:p>
@@ -31480,7 +32251,7 @@
             <a:pPr marL="0" indent="0">
               <a:buNone/>
             </a:pPr>
-            <a:endParaRPr lang="en-US" sz="1800" smtClean="0">
+            <a:endParaRPr lang="en-US" sz="1800" dirty="0" smtClean="0">
               <a:sym typeface="Wingdings" panose="05000000000000000000" pitchFamily="2" charset="2"/>
             </a:endParaRPr>
           </a:p>
@@ -31489,7 +32260,7 @@
               <a:buNone/>
             </a:pPr>
             <a:r>
-              <a:rPr lang="en-US" sz="1800" smtClean="0">
+              <a:rPr lang="en-US" sz="1800" dirty="0" smtClean="0">
                 <a:sym typeface="Wingdings" panose="05000000000000000000" pitchFamily="2" charset="2"/>
               </a:rPr>
               <a:t>P(Mach1) = 30/50 = 0.6</a:t>
@@ -31501,7 +32272,7 @@
               <a:buChar char="à"/>
             </a:pPr>
             <a:r>
-              <a:rPr lang="en-US" sz="1800" smtClean="0">
+              <a:rPr lang="en-US" sz="1800" dirty="0" smtClean="0">
                 <a:sym typeface="Wingdings" panose="05000000000000000000" pitchFamily="2" charset="2"/>
               </a:rPr>
               <a:t>P(Mach2) = 20/50 = 0.4</a:t>
@@ -31512,7 +32283,7 @@
               <a:buFont typeface="Wingdings" panose="05000000000000000000" pitchFamily="2" charset="2"/>
               <a:buChar char="à"/>
             </a:pPr>
-            <a:endParaRPr lang="en-US" sz="1800" smtClean="0">
+            <a:endParaRPr lang="en-US" sz="1800" dirty="0" smtClean="0">
               <a:sym typeface="Wingdings" panose="05000000000000000000" pitchFamily="2" charset="2"/>
             </a:endParaRPr>
           </a:p>
@@ -31522,7 +32293,7 @@
               <a:buChar char="à"/>
             </a:pPr>
             <a:r>
-              <a:rPr lang="en-US" sz="1800" smtClean="0">
+              <a:rPr lang="en-US" sz="1800" dirty="0" smtClean="0">
                 <a:sym typeface="Wingdings" panose="05000000000000000000" pitchFamily="2" charset="2"/>
               </a:rPr>
               <a:t>P(Defect) = 1%</a:t>
@@ -31533,7 +32304,7 @@
               <a:buFont typeface="Wingdings" panose="05000000000000000000" pitchFamily="2" charset="2"/>
               <a:buChar char="à"/>
             </a:pPr>
-            <a:endParaRPr lang="en-US" sz="1800" smtClean="0">
+            <a:endParaRPr lang="en-US" sz="1800" dirty="0" smtClean="0">
               <a:sym typeface="Wingdings" panose="05000000000000000000" pitchFamily="2" charset="2"/>
             </a:endParaRPr>
           </a:p>
@@ -31543,7 +32314,7 @@
               <a:buChar char="à"/>
             </a:pPr>
             <a:r>
-              <a:rPr lang="en-US" sz="1800" smtClean="0">
+              <a:rPr lang="en-US" sz="1800" dirty="0" smtClean="0">
                 <a:sym typeface="Wingdings" panose="05000000000000000000" pitchFamily="2" charset="2"/>
               </a:rPr>
               <a:t>P(Mach1 | Defect) = 50%</a:t>
@@ -31555,13 +32326,13 @@
               <a:buChar char="à"/>
             </a:pPr>
             <a:r>
-              <a:rPr lang="en-US" sz="1800" smtClean="0">
+              <a:rPr lang="en-US" sz="1800" dirty="0" smtClean="0">
                 <a:sym typeface="Wingdings" panose="05000000000000000000" pitchFamily="2" charset="2"/>
               </a:rPr>
               <a:t>P(Mach2 </a:t>
             </a:r>
             <a:r>
-              <a:rPr lang="en-US" sz="1800">
+              <a:rPr lang="en-US" sz="1800" dirty="0">
                 <a:sym typeface="Wingdings" panose="05000000000000000000" pitchFamily="2" charset="2"/>
               </a:rPr>
               <a:t>| Defect) = 50%</a:t>
@@ -31572,7 +32343,7 @@
               <a:buFont typeface="Wingdings" panose="05000000000000000000" pitchFamily="2" charset="2"/>
               <a:buChar char="à"/>
             </a:pPr>
-            <a:endParaRPr lang="en-US" sz="1800" smtClean="0">
+            <a:endParaRPr lang="en-US" sz="1800" dirty="0" smtClean="0">
               <a:sym typeface="Wingdings" panose="05000000000000000000" pitchFamily="2" charset="2"/>
             </a:endParaRPr>
           </a:p>
@@ -31580,10 +32351,10 @@
             <a:pPr marL="0" indent="0">
               <a:buNone/>
             </a:pPr>
-            <a:endParaRPr lang="en-US" sz="1800" smtClean="0"/>
-          </a:p>
-          <a:p>
-            <a:endParaRPr lang="en-US" sz="1800" smtClean="0"/>
+            <a:endParaRPr lang="en-US" sz="1800" dirty="0" smtClean="0"/>
+          </a:p>
+          <a:p>
+            <a:endParaRPr lang="en-US" sz="1800" dirty="0" smtClean="0"/>
           </a:p>
         </p:txBody>
       </p:sp>

--- a/Naive Bayes.pptx
+++ b/Naive Bayes.pptx
@@ -9607,8 +9607,8 @@
           </a:p>
         </p:txBody>
       </p:sp>
-      <mc:AlternateContent xmlns:mc="http://schemas.openxmlformats.org/markup-compatibility/2006" xmlns:a14="http://schemas.microsoft.com/office/drawing/2010/main">
-        <mc:Choice Requires="a14">
+      <mc:AlternateContent xmlns:mc="http://schemas.openxmlformats.org/markup-compatibility/2006">
+        <mc:Choice xmlns:a14="http://schemas.microsoft.com/office/drawing/2010/main" Requires="a14">
           <p:sp>
             <p:nvSpPr>
               <p:cNvPr id="6" name="Rectangle 5"/>
@@ -9618,7 +9618,7 @@
             <p:spPr>
               <a:xfrm>
                 <a:off x="759310" y="5410762"/>
-                <a:ext cx="6331157" cy="876907"/>
+                <a:ext cx="4741619" cy="876907"/>
               </a:xfrm>
               <a:prstGeom prst="rect">
                 <a:avLst/>
@@ -9637,39 +9637,6 @@
                       <m:jc m:val="centerGroup"/>
                     </m:oMathParaPr>
                     <m:oMath xmlns:m="http://schemas.openxmlformats.org/officeDocument/2006/math">
-                      <m:r>
-                        <a:rPr lang="en-US" b="0" i="1" smtClean="0">
-                          <a:latin typeface="Cambria Math" panose="02040503050406030204" pitchFamily="18" charset="0"/>
-                        </a:rPr>
-                        <m:t>⇒</m:t>
-                      </m:r>
-                      <m:r>
-                        <a:rPr lang="en-US" b="0" i="1" smtClean="0">
-                          <a:solidFill>
-                            <a:srgbClr val="FF0000"/>
-                          </a:solidFill>
-                          <a:latin typeface="Cambria Math" panose="02040503050406030204" pitchFamily="18" charset="0"/>
-                        </a:rPr>
-                        <m:t>𝑁𝑎𝑖𝑣𝑒</m:t>
-                      </m:r>
-                      <m:r>
-                        <a:rPr lang="en-US" b="0" i="1" smtClean="0">
-                          <a:solidFill>
-                            <a:srgbClr val="FF0000"/>
-                          </a:solidFill>
-                          <a:latin typeface="Cambria Math" panose="02040503050406030204" pitchFamily="18" charset="0"/>
-                        </a:rPr>
-                        <m:t> </m:t>
-                      </m:r>
-                      <m:r>
-                        <a:rPr lang="en-US" b="0" i="1" smtClean="0">
-                          <a:solidFill>
-                            <a:srgbClr val="FF0000"/>
-                          </a:solidFill>
-                          <a:latin typeface="Cambria Math" panose="02040503050406030204" pitchFamily="18" charset="0"/>
-                        </a:rPr>
-                        <m:t>𝐵𝑎𝑦𝑒𝑠</m:t>
-                      </m:r>
                       <m:r>
                         <a:rPr lang="en-US" b="0" i="1" smtClean="0">
                           <a:latin typeface="Cambria Math" panose="02040503050406030204" pitchFamily="18" charset="0"/>
@@ -9935,7 +9902,7 @@
             </p:txBody>
           </p:sp>
         </mc:Choice>
-        <mc:Fallback xmlns="">
+        <mc:Fallback>
           <p:sp>
             <p:nvSpPr>
               <p:cNvPr id="6" name="Rectangle 5"/>
@@ -9947,7 +9914,7 @@
             <p:spPr>
               <a:xfrm>
                 <a:off x="759310" y="5410762"/>
-                <a:ext cx="6331157" cy="876907"/>
+                <a:ext cx="4741619" cy="876907"/>
               </a:xfrm>
               <a:prstGeom prst="rect">
                 <a:avLst/>
@@ -11992,8 +11959,8 @@
           </p:sp>
         </mc:Fallback>
       </mc:AlternateContent>
-      <mc:AlternateContent xmlns:mc="http://schemas.openxmlformats.org/markup-compatibility/2006" xmlns:a14="http://schemas.microsoft.com/office/drawing/2010/main">
-        <mc:Choice Requires="a14">
+      <mc:AlternateContent xmlns:mc="http://schemas.openxmlformats.org/markup-compatibility/2006">
+        <mc:Choice xmlns:a14="http://schemas.microsoft.com/office/drawing/2010/main" Requires="a14">
           <p:sp>
             <p:nvSpPr>
               <p:cNvPr id="70" name="Rectangle 69"/>
@@ -12003,7 +11970,7 @@
             <p:spPr>
               <a:xfrm>
                 <a:off x="1717845" y="5111394"/>
-                <a:ext cx="3097323" cy="369332"/>
+                <a:ext cx="3903633" cy="369332"/>
               </a:xfrm>
               <a:prstGeom prst="rect">
                 <a:avLst/>
@@ -12023,32 +11990,56 @@
                     </m:oMathParaPr>
                     <m:oMath xmlns:m="http://schemas.openxmlformats.org/officeDocument/2006/math">
                       <m:r>
-                        <a:rPr lang="en-US" i="1">
+                        <a:rPr lang="en-US" i="1" smtClean="0">
                           <a:latin typeface="Cambria Math" panose="02040503050406030204" pitchFamily="18" charset="0"/>
                           <a:ea typeface="Cambria Math" panose="02040503050406030204" pitchFamily="18" charset="0"/>
                         </a:rPr>
                         <m:t>⇒</m:t>
                       </m:r>
                       <m:r>
-                        <a:rPr lang="en-US" i="1">
+                        <a:rPr lang="en-US" i="1" smtClean="0">
                           <a:latin typeface="Cambria Math" panose="02040503050406030204" pitchFamily="18" charset="0"/>
                           <a:ea typeface="Cambria Math" panose="02040503050406030204" pitchFamily="18" charset="0"/>
                         </a:rPr>
                         <m:t>𝐼𝑛𝑑𝑒𝑝𝑒𝑛𝑑𝑒𝑛𝑡</m:t>
                       </m:r>
                       <m:r>
-                        <a:rPr lang="en-US" i="1">
+                        <a:rPr lang="en-US" i="1" smtClean="0">
                           <a:latin typeface="Cambria Math" panose="02040503050406030204" pitchFamily="18" charset="0"/>
                           <a:ea typeface="Cambria Math" panose="02040503050406030204" pitchFamily="18" charset="0"/>
                         </a:rPr>
                         <m:t> </m:t>
                       </m:r>
                       <m:r>
-                        <a:rPr lang="en-US" i="1">
+                        <a:rPr lang="en-US" i="1" smtClean="0">
                           <a:latin typeface="Cambria Math" panose="02040503050406030204" pitchFamily="18" charset="0"/>
                           <a:ea typeface="Cambria Math" panose="02040503050406030204" pitchFamily="18" charset="0"/>
                         </a:rPr>
                         <m:t>𝑎𝑠𝑠𝑢𝑚𝑝𝑡𝑖𝑜𝑛</m:t>
+                      </m:r>
+                      <m:r>
+                        <a:rPr lang="en-US" b="0" i="0" smtClean="0">
+                          <a:latin typeface="Cambria Math" panose="02040503050406030204" pitchFamily="18" charset="0"/>
+                          <a:ea typeface="Cambria Math" panose="02040503050406030204" pitchFamily="18" charset="0"/>
+                        </a:rPr>
+                        <m:t> (</m:t>
+                      </m:r>
+                      <m:r>
+                        <m:rPr>
+                          <m:sty m:val="p"/>
+                        </m:rPr>
+                        <a:rPr lang="en-US" b="0" i="0" smtClean="0">
+                          <a:latin typeface="Cambria Math" panose="02040503050406030204" pitchFamily="18" charset="0"/>
+                          <a:ea typeface="Cambria Math" panose="02040503050406030204" pitchFamily="18" charset="0"/>
+                        </a:rPr>
+                        <m:t>Naive</m:t>
+                      </m:r>
+                      <m:r>
+                        <a:rPr lang="en-US" b="0" i="0" smtClean="0">
+                          <a:latin typeface="Cambria Math" panose="02040503050406030204" pitchFamily="18" charset="0"/>
+                          <a:ea typeface="Cambria Math" panose="02040503050406030204" pitchFamily="18" charset="0"/>
+                        </a:rPr>
+                        <m:t>)</m:t>
                       </m:r>
                     </m:oMath>
                   </m:oMathPara>
@@ -12058,7 +12049,7 @@
             </p:txBody>
           </p:sp>
         </mc:Choice>
-        <mc:Fallback xmlns="">
+        <mc:Fallback>
           <p:sp>
             <p:nvSpPr>
               <p:cNvPr id="70" name="Rectangle 69"/>
@@ -12070,7 +12061,7 @@
             <p:spPr>
               <a:xfrm>
                 <a:off x="1717845" y="5111394"/>
-                <a:ext cx="3097323" cy="369332"/>
+                <a:ext cx="3903633" cy="369332"/>
               </a:xfrm>
               <a:prstGeom prst="rect">
                 <a:avLst/>

--- a/Naive Bayes.pptx
+++ b/Naive Bayes.pptx
@@ -4144,7 +4144,7 @@
           <p:cNvPr id="4" name="Footer Placeholder 3">
             <a:extLst>
               <a:ext uri="{FF2B5EF4-FFF2-40B4-BE49-F238E27FC236}">
-                <a16:creationId xmlns:a16="http://schemas.microsoft.com/office/drawing/2014/main" xmlns="" id="{E7E37151-A86D-244A-B56B-7FDC3C7E47D4}"/>
+                <a16:creationId xmlns="" xmlns:a16="http://schemas.microsoft.com/office/drawing/2014/main" id="{E7E37151-A86D-244A-B56B-7FDC3C7E47D4}"/>
               </a:ext>
             </a:extLst>
           </p:cNvPr>
@@ -4604,7 +4604,7 @@
           <p:cNvPr id="4" name="Footer Placeholder 3">
             <a:extLst>
               <a:ext uri="{FF2B5EF4-FFF2-40B4-BE49-F238E27FC236}">
-                <a16:creationId xmlns:a16="http://schemas.microsoft.com/office/drawing/2014/main" xmlns="" id="{647F417E-7B9D-CC46-A06C-DC1D8ABEFDB3}"/>
+                <a16:creationId xmlns="" xmlns:a16="http://schemas.microsoft.com/office/drawing/2014/main" id="{647F417E-7B9D-CC46-A06C-DC1D8ABEFDB3}"/>
               </a:ext>
             </a:extLst>
           </p:cNvPr>
@@ -7328,11 +7328,11 @@
             <a:pPr algn="l"/>
             <a:r>
               <a:rPr lang="en-US" sz="3500" b="1"/>
-              <a:t>Naive Bayes classifier (NBF</a:t>
+              <a:t>Naive Bayes classifier (</a:t>
             </a:r>
             <a:r>
               <a:rPr lang="en-US" sz="3500" b="1" smtClean="0"/>
-              <a:t>)</a:t>
+              <a:t>NBC)</a:t>
             </a:r>
             <a:endParaRPr lang="en-US" sz="3500" b="1"/>
           </a:p>
@@ -9607,8 +9607,8 @@
           </a:p>
         </p:txBody>
       </p:sp>
-      <mc:AlternateContent xmlns:mc="http://schemas.openxmlformats.org/markup-compatibility/2006">
-        <mc:Choice xmlns:a14="http://schemas.microsoft.com/office/drawing/2010/main" Requires="a14">
+      <mc:AlternateContent xmlns:mc="http://schemas.openxmlformats.org/markup-compatibility/2006" xmlns:a14="http://schemas.microsoft.com/office/drawing/2010/main">
+        <mc:Choice Requires="a14">
           <p:sp>
             <p:nvSpPr>
               <p:cNvPr id="6" name="Rectangle 5"/>
@@ -9902,7 +9902,7 @@
             </p:txBody>
           </p:sp>
         </mc:Choice>
-        <mc:Fallback>
+        <mc:Fallback xmlns="">
           <p:sp>
             <p:nvSpPr>
               <p:cNvPr id="6" name="Rectangle 5"/>
@@ -11959,8 +11959,8 @@
           </p:sp>
         </mc:Fallback>
       </mc:AlternateContent>
-      <mc:AlternateContent xmlns:mc="http://schemas.openxmlformats.org/markup-compatibility/2006">
-        <mc:Choice xmlns:a14="http://schemas.microsoft.com/office/drawing/2010/main" Requires="a14">
+      <mc:AlternateContent xmlns:mc="http://schemas.openxmlformats.org/markup-compatibility/2006" xmlns:a14="http://schemas.microsoft.com/office/drawing/2010/main">
+        <mc:Choice Requires="a14">
           <p:sp>
             <p:nvSpPr>
               <p:cNvPr id="70" name="Rectangle 69"/>
@@ -12049,7 +12049,7 @@
             </p:txBody>
           </p:sp>
         </mc:Choice>
-        <mc:Fallback>
+        <mc:Fallback xmlns="">
           <p:sp>
             <p:nvSpPr>
               <p:cNvPr id="70" name="Rectangle 69"/>
@@ -20301,8 +20301,8 @@
           </a:p>
         </p:txBody>
       </p:sp>
-      <mc:AlternateContent xmlns:mc="http://schemas.openxmlformats.org/markup-compatibility/2006">
-        <mc:Choice xmlns:a14="http://schemas.microsoft.com/office/drawing/2010/main" Requires="a14">
+      <mc:AlternateContent xmlns:mc="http://schemas.openxmlformats.org/markup-compatibility/2006" xmlns:a14="http://schemas.microsoft.com/office/drawing/2010/main">
+        <mc:Choice Requires="a14">
           <p:sp>
             <p:nvSpPr>
               <p:cNvPr id="9" name="TextBox 8"/>
@@ -20778,7 +20778,7 @@
             </p:txBody>
           </p:sp>
         </mc:Choice>
-        <mc:Fallback>
+        <mc:Fallback xmlns="">
           <p:sp>
             <p:nvSpPr>
               <p:cNvPr id="9" name="TextBox 8"/>
@@ -21028,8 +21028,8 @@
           </p:sp>
         </mc:Fallback>
       </mc:AlternateContent>
-      <mc:AlternateContent xmlns:mc="http://schemas.openxmlformats.org/markup-compatibility/2006" xmlns:a14="http://schemas.microsoft.com/office/drawing/2010/main">
-        <mc:Choice Requires="a14">
+      <mc:AlternateContent xmlns:mc="http://schemas.openxmlformats.org/markup-compatibility/2006">
+        <mc:Choice xmlns:a14="http://schemas.microsoft.com/office/drawing/2010/main" Requires="a14">
           <p:sp>
             <p:nvSpPr>
               <p:cNvPr id="14" name="TextBox 13"/>
@@ -21075,7 +21075,7 @@
                           <a:rPr lang="en-US" i="1">
                             <a:latin typeface="Cambria Math" panose="02040503050406030204" pitchFamily="18" charset="0"/>
                           </a:rPr>
-                          <m:t>𝑐𝑖</m:t>
+                          <m:t>𝑐</m:t>
                         </m:r>
                       </m:sub>
                     </m:sSub>
@@ -21100,7 +21100,7 @@
             </p:txBody>
           </p:sp>
         </mc:Choice>
-        <mc:Fallback xmlns="">
+        <mc:Fallback>
           <p:sp>
             <p:nvSpPr>
               <p:cNvPr id="14" name="TextBox 13"/>
@@ -23825,8 +23825,8 @@
           </a:p>
         </p:txBody>
       </p:sp>
-      <mc:AlternateContent xmlns:mc="http://schemas.openxmlformats.org/markup-compatibility/2006">
-        <mc:Choice xmlns:a14="http://schemas.microsoft.com/office/drawing/2010/main" Requires="a14">
+      <mc:AlternateContent xmlns:mc="http://schemas.openxmlformats.org/markup-compatibility/2006" xmlns:a14="http://schemas.microsoft.com/office/drawing/2010/main">
+        <mc:Choice Requires="a14">
           <p:sp>
             <p:nvSpPr>
               <p:cNvPr id="9" name="TextBox 8"/>
@@ -24235,13 +24235,7 @@
                                         <a:rPr lang="en-US" b="0" i="1" smtClean="0">
                                           <a:latin typeface="Cambria Math" panose="02040503050406030204" pitchFamily="18" charset="0"/>
                                         </a:rPr>
-                                        <m:t>1</m:t>
-                                      </m:r>
-                                      <m:r>
-                                        <a:rPr lang="en-US" b="0" i="1" smtClean="0">
-                                          <a:latin typeface="Cambria Math" panose="02040503050406030204" pitchFamily="18" charset="0"/>
-                                        </a:rPr>
-                                        <m:t>,         </m:t>
+                                        <m:t>1,         </m:t>
                                       </m:r>
                                       <m:sSup>
                                         <m:sSupPr>
@@ -24310,19 +24304,7 @@
                                         <a:rPr lang="en-US" b="0" i="1" smtClean="0">
                                           <a:latin typeface="Cambria Math" panose="02040503050406030204" pitchFamily="18" charset="0"/>
                                         </a:rPr>
-                                        <m:t>&amp;</m:t>
-                                      </m:r>
-                                      <m:r>
-                                        <a:rPr lang="en-US" b="0" i="1" smtClean="0">
-                                          <a:latin typeface="Cambria Math" panose="02040503050406030204" pitchFamily="18" charset="0"/>
-                                        </a:rPr>
-                                        <m:t>0,</m:t>
-                                      </m:r>
-                                      <m:r>
-                                        <a:rPr lang="en-US" b="0" i="1" smtClean="0">
-                                          <a:latin typeface="Cambria Math" panose="02040503050406030204" pitchFamily="18" charset="0"/>
-                                        </a:rPr>
-                                        <m:t>  </m:t>
+                                        <m:t>&amp;0,  </m:t>
                                       </m:r>
                                       <m:sSup>
                                         <m:sSupPr>
@@ -24413,7 +24395,7 @@
             </p:txBody>
           </p:sp>
         </mc:Choice>
-        <mc:Fallback>
+        <mc:Fallback xmlns="">
           <p:sp>
             <p:nvSpPr>
               <p:cNvPr id="9" name="TextBox 8"/>
@@ -25359,11 +25341,7 @@
             </a:r>
             <a:r>
               <a:rPr lang="en-US" smtClean="0"/>
-              <a:t>and </a:t>
-            </a:r>
-            <a:r>
-              <a:rPr lang="en-US" smtClean="0"/>
-              <a:t>testing</a:t>
+              <a:t>and testing</a:t>
             </a:r>
             <a:endParaRPr lang="en-US" dirty="0" smtClean="0"/>
           </a:p>
@@ -25543,7 +25521,7 @@
           <p:cNvPr id="3" name="Slide Number Placeholder 2">
             <a:extLst>
               <a:ext uri="{FF2B5EF4-FFF2-40B4-BE49-F238E27FC236}">
-                <a16:creationId xmlns:a16="http://schemas.microsoft.com/office/drawing/2014/main" xmlns="" id="{BFB842CD-44AC-AD43-824A-E1B53AB330DF}"/>
+                <a16:creationId xmlns="" xmlns:a16="http://schemas.microsoft.com/office/drawing/2014/main" id="{BFB842CD-44AC-AD43-824A-E1B53AB330DF}"/>
               </a:ext>
             </a:extLst>
           </p:cNvPr>
@@ -25573,7 +25551,7 @@
           <p:cNvPr id="4" name="Footer Placeholder 3">
             <a:extLst>
               <a:ext uri="{FF2B5EF4-FFF2-40B4-BE49-F238E27FC236}">
-                <a16:creationId xmlns:a16="http://schemas.microsoft.com/office/drawing/2014/main" xmlns="" id="{1F7FE4C9-C950-E744-96EA-9878A1007386}"/>
+                <a16:creationId xmlns="" xmlns:a16="http://schemas.microsoft.com/office/drawing/2014/main" id="{1F7FE4C9-C950-E744-96EA-9878A1007386}"/>
               </a:ext>
             </a:extLst>
           </p:cNvPr>
@@ -25635,7 +25613,7 @@
           <p:cNvPr id="2" name="Title 1">
             <a:extLst>
               <a:ext uri="{FF2B5EF4-FFF2-40B4-BE49-F238E27FC236}">
-                <a16:creationId xmlns:a16="http://schemas.microsoft.com/office/drawing/2014/main" xmlns="" id="{135C05CA-8510-EF46-A677-9B58E00EB284}"/>
+                <a16:creationId xmlns="" xmlns:a16="http://schemas.microsoft.com/office/drawing/2014/main" id="{135C05CA-8510-EF46-A677-9B58E00EB284}"/>
               </a:ext>
             </a:extLst>
           </p:cNvPr>
@@ -25669,7 +25647,7 @@
           <p:cNvPr id="3" name="Content Placeholder 2">
             <a:extLst>
               <a:ext uri="{FF2B5EF4-FFF2-40B4-BE49-F238E27FC236}">
-                <a16:creationId xmlns:a16="http://schemas.microsoft.com/office/drawing/2014/main" xmlns="" id="{78488572-3041-9141-BAB8-96E34031C5BC}"/>
+                <a16:creationId xmlns="" xmlns:a16="http://schemas.microsoft.com/office/drawing/2014/main" id="{78488572-3041-9141-BAB8-96E34031C5BC}"/>
               </a:ext>
             </a:extLst>
           </p:cNvPr>
@@ -25703,7 +25681,7 @@
           <p:cNvPr id="4" name="Footer Placeholder 3">
             <a:extLst>
               <a:ext uri="{FF2B5EF4-FFF2-40B4-BE49-F238E27FC236}">
-                <a16:creationId xmlns:a16="http://schemas.microsoft.com/office/drawing/2014/main" xmlns="" id="{63461E74-1AE3-EB40-A481-209D9A5EC4B8}"/>
+                <a16:creationId xmlns="" xmlns:a16="http://schemas.microsoft.com/office/drawing/2014/main" id="{63461E74-1AE3-EB40-A481-209D9A5EC4B8}"/>
               </a:ext>
             </a:extLst>
           </p:cNvPr>
@@ -25728,7 +25706,7 @@
           <p:cNvPr id="5" name="Slide Number Placeholder 4">
             <a:extLst>
               <a:ext uri="{FF2B5EF4-FFF2-40B4-BE49-F238E27FC236}">
-                <a16:creationId xmlns:a16="http://schemas.microsoft.com/office/drawing/2014/main" xmlns="" id="{2DECD09F-D640-FE42-9D30-090A749E5D12}"/>
+                <a16:creationId xmlns="" xmlns:a16="http://schemas.microsoft.com/office/drawing/2014/main" id="{2DECD09F-D640-FE42-9D30-090A749E5D12}"/>
               </a:ext>
             </a:extLst>
           </p:cNvPr>
@@ -25949,7 +25927,7 @@
           <p:cNvPr id="4" name="Slide Number Placeholder 3">
             <a:extLst>
               <a:ext uri="{FF2B5EF4-FFF2-40B4-BE49-F238E27FC236}">
-                <a16:creationId xmlns:a16="http://schemas.microsoft.com/office/drawing/2014/main" xmlns="" id="{4AF859CF-34D0-FD46-AAD6-388E180EFBE6}"/>
+                <a16:creationId xmlns="" xmlns:a16="http://schemas.microsoft.com/office/drawing/2014/main" id="{4AF859CF-34D0-FD46-AAD6-388E180EFBE6}"/>
               </a:ext>
             </a:extLst>
           </p:cNvPr>
@@ -25979,7 +25957,7 @@
           <p:cNvPr id="5" name="Footer Placeholder 4">
             <a:extLst>
               <a:ext uri="{FF2B5EF4-FFF2-40B4-BE49-F238E27FC236}">
-                <a16:creationId xmlns:a16="http://schemas.microsoft.com/office/drawing/2014/main" xmlns="" id="{71D7DABC-A5AB-DF4F-B94F-9BE810DDB647}"/>
+                <a16:creationId xmlns="" xmlns:a16="http://schemas.microsoft.com/office/drawing/2014/main" id="{71D7DABC-A5AB-DF4F-B94F-9BE810DDB647}"/>
               </a:ext>
             </a:extLst>
           </p:cNvPr>
